--- a/5.0_python_6.libraries/python_libraries/3_matplot_seaborn/Matplotlib_Seaborn_class.pptx
+++ b/5.0_python_6.libraries/python_libraries/3_matplot_seaborn/Matplotlib_Seaborn_class.pptx
@@ -9,6 +9,30 @@
   </p:notesMasterIdLst>
   <p:sldIdLst>
     <p:sldId id="256" r:id="rId3"/>
+    <p:sldId id="258" r:id="rId5"/>
+    <p:sldId id="262" r:id="rId6"/>
+    <p:sldId id="263" r:id="rId7"/>
+    <p:sldId id="264" r:id="rId8"/>
+    <p:sldId id="265" r:id="rId9"/>
+    <p:sldId id="259" r:id="rId10"/>
+    <p:sldId id="260" r:id="rId11"/>
+    <p:sldId id="268" r:id="rId12"/>
+    <p:sldId id="257" r:id="rId13"/>
+    <p:sldId id="266" r:id="rId14"/>
+    <p:sldId id="261" r:id="rId15"/>
+    <p:sldId id="267" r:id="rId16"/>
+    <p:sldId id="269" r:id="rId17"/>
+    <p:sldId id="270" r:id="rId18"/>
+    <p:sldId id="275" r:id="rId19"/>
+    <p:sldId id="271" r:id="rId20"/>
+    <p:sldId id="280" r:id="rId21"/>
+    <p:sldId id="276" r:id="rId22"/>
+    <p:sldId id="279" r:id="rId23"/>
+    <p:sldId id="278" r:id="rId24"/>
+    <p:sldId id="277" r:id="rId25"/>
+    <p:sldId id="272" r:id="rId26"/>
+    <p:sldId id="273" r:id="rId27"/>
+    <p:sldId id="274" r:id="rId28"/>
   </p:sldIdLst>
   <p:sldSz cx="9144000" cy="5143500"/>
   <p:notesSz cx="6858000" cy="9144000"/>
@@ -5455,8 +5479,8 @@
       </p:grpSpPr>
       <p:pic>
         <p:nvPicPr>
-          <p:cNvPr id="54" name="Google Shape;54;p13"/>
-          <p:cNvPicPr preferRelativeResize="0"/>
+          <p:cNvPr id="1" name="Picture 0"/>
+          <p:cNvPicPr/>
           <p:nvPr/>
         </p:nvPicPr>
         <p:blipFill>
@@ -5467,18 +5491,9184 @@
         </p:blipFill>
         <p:spPr>
           <a:xfrm>
-            <a:off x="152400" y="770375"/>
-            <a:ext cx="9878076" cy="2963425"/>
+            <a:off x="527447" y="0"/>
+            <a:ext cx="7708106" cy="5143500"/>
+          </a:xfrm>
+          <a:prstGeom prst="rect">
+            <a:avLst/>
+          </a:prstGeom>
+        </p:spPr>
+      </p:pic>
+    </p:spTree>
+  </p:cSld>
+  <p:clrMapOvr>
+    <a:masterClrMapping/>
+  </p:clrMapOvr>
+</p:sld>
+</file>
+
+<file path=ppt/slides/slide10.xml><?xml version="1.0" encoding="utf-8"?>
+<p:sld xmlns:a="http://schemas.openxmlformats.org/drawingml/2006/main" xmlns:r="http://schemas.openxmlformats.org/officeDocument/2006/relationships" xmlns:p="http://schemas.openxmlformats.org/presentationml/2006/main">
+  <p:cSld>
+    <p:spTree>
+      <p:nvGrpSpPr>
+        <p:cNvPr id="1" name=""/>
+        <p:cNvGrpSpPr/>
+        <p:nvPr/>
+      </p:nvGrpSpPr>
+      <p:grpSpPr/>
+      <p:pic>
+        <p:nvPicPr>
+          <p:cNvPr id="4" name="Picture 3"/>
+          <p:cNvPicPr/>
+          <p:nvPr/>
+        </p:nvPicPr>
+        <p:blipFill>
+          <a:blip r:embed="rId1"/>
+          <a:stretch>
+            <a:fillRect/>
+          </a:stretch>
+        </p:blipFill>
+        <p:spPr>
+          <a:xfrm>
+            <a:off x="1809750" y="0"/>
+            <a:ext cx="5143500" cy="5143500"/>
+          </a:xfrm>
+          <a:prstGeom prst="rect">
+            <a:avLst/>
+          </a:prstGeom>
+        </p:spPr>
+      </p:pic>
+    </p:spTree>
+  </p:cSld>
+  <p:clrMapOvr>
+    <a:masterClrMapping/>
+  </p:clrMapOvr>
+</p:sld>
+</file>
+
+<file path=ppt/slides/slide11.xml><?xml version="1.0" encoding="utf-8"?>
+<p:sld xmlns:a="http://schemas.openxmlformats.org/drawingml/2006/main" xmlns:r="http://schemas.openxmlformats.org/officeDocument/2006/relationships" xmlns:p="http://schemas.openxmlformats.org/presentationml/2006/main">
+  <p:cSld>
+    <p:spTree>
+      <p:nvGrpSpPr>
+        <p:cNvPr id="1" name=""/>
+        <p:cNvGrpSpPr/>
+        <p:nvPr/>
+      </p:nvGrpSpPr>
+      <p:grpSpPr/>
+      <p:sp>
+        <p:nvSpPr>
+          <p:cNvPr id="2" name="Text Box 1"/>
+          <p:cNvSpPr txBox="1"/>
+          <p:nvPr/>
+        </p:nvSpPr>
+        <p:spPr>
+          <a:xfrm>
+            <a:off x="1313180" y="375920"/>
+            <a:ext cx="3048000" cy="306705"/>
           </a:xfrm>
           <a:prstGeom prst="rect">
             <a:avLst/>
           </a:prstGeom>
           <a:noFill/>
-          <a:ln>
-            <a:noFill/>
-          </a:ln>
         </p:spPr>
-      </p:pic>
+        <p:txBody>
+          <a:bodyPr wrap="square" rtlCol="0">
+            <a:spAutoFit/>
+          </a:bodyPr>
+          <a:p>
+            <a:r>
+              <a:rPr lang="en-US" b="1">
+                <a:effectLst>
+                  <a:outerShdw blurRad="38100" dist="38100" dir="2700000" algn="tl">
+                    <a:srgbClr val="000000">
+                      <a:alpha val="43137"/>
+                    </a:srgbClr>
+                  </a:outerShdw>
+                </a:effectLst>
+              </a:rPr>
+              <a:t>SUBPLOTING</a:t>
+            </a:r>
+            <a:endParaRPr lang="en-US" b="1">
+              <a:effectLst>
+                <a:outerShdw blurRad="38100" dist="38100" dir="2700000" algn="tl">
+                  <a:srgbClr val="000000">
+                    <a:alpha val="43137"/>
+                  </a:srgbClr>
+                </a:outerShdw>
+              </a:effectLst>
+            </a:endParaRPr>
+          </a:p>
+        </p:txBody>
+      </p:sp>
+      <p:sp>
+        <p:nvSpPr>
+          <p:cNvPr id="3" name="Text Box 2"/>
+          <p:cNvSpPr txBox="1"/>
+          <p:nvPr/>
+        </p:nvSpPr>
+        <p:spPr>
+          <a:xfrm>
+            <a:off x="989330" y="742315"/>
+            <a:ext cx="5080000" cy="2245360"/>
+          </a:xfrm>
+          <a:prstGeom prst="rect">
+            <a:avLst/>
+          </a:prstGeom>
+        </p:spPr>
+        <p:txBody>
+          <a:bodyPr>
+            <a:spAutoFit/>
+          </a:bodyPr>
+          <a:p>
+            <a:pPr>
+              <a:lnSpc>
+                <a:spcPct val="100000"/>
+              </a:lnSpc>
+            </a:pPr>
+            <a:r>
+              <a:rPr lang="en-US" altLang="zh-CN" b="0">
+                <a:solidFill>
+                  <a:schemeClr val="tx1"/>
+                </a:solidFill>
+                <a:latin typeface="Consolas" panose="020B0609020204030204"/>
+                <a:ea typeface="Consolas" panose="020B0609020204030204"/>
+              </a:rPr>
+              <a:t>plt.Figure(figsize=(5,5))</a:t>
+            </a:r>
+            <a:endParaRPr lang="en-US" altLang="zh-CN" b="0">
+              <a:solidFill>
+                <a:schemeClr val="tx1"/>
+              </a:solidFill>
+              <a:latin typeface="Consolas" panose="020B0609020204030204"/>
+              <a:ea typeface="Consolas" panose="020B0609020204030204"/>
+            </a:endParaRPr>
+          </a:p>
+          <a:p>
+            <a:pPr>
+              <a:lnSpc>
+                <a:spcPct val="100000"/>
+              </a:lnSpc>
+            </a:pPr>
+            <a:r>
+              <a:rPr lang="en-US" altLang="zh-CN" b="0">
+                <a:solidFill>
+                  <a:schemeClr val="tx1"/>
+                </a:solidFill>
+                <a:latin typeface="Consolas" panose="020B0609020204030204"/>
+                <a:ea typeface="Consolas" panose="020B0609020204030204"/>
+              </a:rPr>
+              <a:t># subplot(row,column, ploting area )</a:t>
+            </a:r>
+            <a:endParaRPr lang="en-US" altLang="zh-CN" b="0">
+              <a:solidFill>
+                <a:schemeClr val="tx1"/>
+              </a:solidFill>
+              <a:latin typeface="Consolas" panose="020B0609020204030204"/>
+              <a:ea typeface="Consolas" panose="020B0609020204030204"/>
+            </a:endParaRPr>
+          </a:p>
+          <a:p>
+            <a:pPr>
+              <a:lnSpc>
+                <a:spcPct val="100000"/>
+              </a:lnSpc>
+            </a:pPr>
+            <a:r>
+              <a:rPr lang="en-US" altLang="zh-CN" b="0">
+                <a:solidFill>
+                  <a:schemeClr val="tx1"/>
+                </a:solidFill>
+                <a:latin typeface="Consolas" panose="020B0609020204030204"/>
+                <a:ea typeface="Consolas" panose="020B0609020204030204"/>
+              </a:rPr>
+              <a:t>plt.subplot(2,1,1)</a:t>
+            </a:r>
+            <a:endParaRPr lang="en-US" altLang="zh-CN" b="0">
+              <a:solidFill>
+                <a:schemeClr val="tx1"/>
+              </a:solidFill>
+              <a:latin typeface="Consolas" panose="020B0609020204030204"/>
+              <a:ea typeface="Consolas" panose="020B0609020204030204"/>
+            </a:endParaRPr>
+          </a:p>
+          <a:p>
+            <a:pPr>
+              <a:lnSpc>
+                <a:spcPct val="100000"/>
+              </a:lnSpc>
+            </a:pPr>
+            <a:r>
+              <a:rPr lang="en-US" altLang="zh-CN" b="0">
+                <a:solidFill>
+                  <a:schemeClr val="tx1"/>
+                </a:solidFill>
+                <a:latin typeface="Consolas" panose="020B0609020204030204"/>
+                <a:ea typeface="Consolas" panose="020B0609020204030204"/>
+              </a:rPr>
+              <a:t>plt.plot(x, np.sin(x),"--",color="red",label="sin graph")</a:t>
+            </a:r>
+            <a:endParaRPr lang="en-US" altLang="zh-CN" b="0">
+              <a:solidFill>
+                <a:schemeClr val="tx1"/>
+              </a:solidFill>
+              <a:latin typeface="Consolas" panose="020B0609020204030204"/>
+              <a:ea typeface="Consolas" panose="020B0609020204030204"/>
+            </a:endParaRPr>
+          </a:p>
+          <a:p>
+            <a:pPr>
+              <a:lnSpc>
+                <a:spcPct val="100000"/>
+              </a:lnSpc>
+            </a:pPr>
+            <a:r>
+              <a:rPr lang="en-US" altLang="zh-CN" b="0">
+                <a:solidFill>
+                  <a:schemeClr val="tx1"/>
+                </a:solidFill>
+                <a:latin typeface="Consolas" panose="020B0609020204030204"/>
+                <a:ea typeface="Consolas" panose="020B0609020204030204"/>
+              </a:rPr>
+              <a:t>plt.legend()</a:t>
+            </a:r>
+            <a:endParaRPr lang="en-US" altLang="zh-CN" b="0">
+              <a:solidFill>
+                <a:schemeClr val="tx1"/>
+              </a:solidFill>
+              <a:latin typeface="Consolas" panose="020B0609020204030204"/>
+              <a:ea typeface="Consolas" panose="020B0609020204030204"/>
+            </a:endParaRPr>
+          </a:p>
+          <a:p>
+            <a:pPr>
+              <a:lnSpc>
+                <a:spcPct val="100000"/>
+              </a:lnSpc>
+            </a:pPr>
+            <a:r>
+              <a:rPr lang="en-US" altLang="zh-CN" b="0">
+                <a:solidFill>
+                  <a:schemeClr val="tx1"/>
+                </a:solidFill>
+                <a:latin typeface="Consolas" panose="020B0609020204030204"/>
+                <a:ea typeface="Consolas" panose="020B0609020204030204"/>
+              </a:rPr>
+              <a:t>plt.subplot(2,1,2)</a:t>
+            </a:r>
+            <a:endParaRPr lang="en-US" altLang="zh-CN" b="0">
+              <a:solidFill>
+                <a:schemeClr val="tx1"/>
+              </a:solidFill>
+              <a:latin typeface="Consolas" panose="020B0609020204030204"/>
+              <a:ea typeface="Consolas" panose="020B0609020204030204"/>
+            </a:endParaRPr>
+          </a:p>
+          <a:p>
+            <a:pPr>
+              <a:lnSpc>
+                <a:spcPct val="100000"/>
+              </a:lnSpc>
+            </a:pPr>
+            <a:r>
+              <a:rPr lang="en-US" altLang="zh-CN" b="0">
+                <a:solidFill>
+                  <a:schemeClr val="tx1"/>
+                </a:solidFill>
+                <a:latin typeface="Consolas" panose="020B0609020204030204"/>
+                <a:ea typeface="Consolas" panose="020B0609020204030204"/>
+              </a:rPr>
+              <a:t>plt.plot(x, np.cos(x),"--", label="cos graph")</a:t>
+            </a:r>
+            <a:endParaRPr lang="en-US" altLang="zh-CN" b="0">
+              <a:solidFill>
+                <a:schemeClr val="tx1"/>
+              </a:solidFill>
+              <a:latin typeface="Consolas" panose="020B0609020204030204"/>
+              <a:ea typeface="Consolas" panose="020B0609020204030204"/>
+            </a:endParaRPr>
+          </a:p>
+          <a:p>
+            <a:pPr>
+              <a:lnSpc>
+                <a:spcPct val="100000"/>
+              </a:lnSpc>
+            </a:pPr>
+            <a:r>
+              <a:rPr lang="en-US" altLang="zh-CN" b="0">
+                <a:solidFill>
+                  <a:schemeClr val="tx1"/>
+                </a:solidFill>
+                <a:latin typeface="Consolas" panose="020B0609020204030204"/>
+                <a:ea typeface="Consolas" panose="020B0609020204030204"/>
+              </a:rPr>
+              <a:t>plt.legend()</a:t>
+            </a:r>
+            <a:endParaRPr lang="en-US" altLang="zh-CN" b="0">
+              <a:solidFill>
+                <a:schemeClr val="tx1"/>
+              </a:solidFill>
+              <a:latin typeface="Consolas" panose="020B0609020204030204"/>
+              <a:ea typeface="Consolas" panose="020B0609020204030204"/>
+            </a:endParaRPr>
+          </a:p>
+          <a:p>
+            <a:pPr>
+              <a:lnSpc>
+                <a:spcPct val="100000"/>
+              </a:lnSpc>
+            </a:pPr>
+            <a:r>
+              <a:rPr lang="en-US" altLang="zh-CN" b="0">
+                <a:solidFill>
+                  <a:schemeClr val="tx1"/>
+                </a:solidFill>
+                <a:latin typeface="Consolas" panose="020B0609020204030204"/>
+                <a:ea typeface="Consolas" panose="020B0609020204030204"/>
+              </a:rPr>
+              <a:t>plt.show()</a:t>
+            </a:r>
+            <a:endParaRPr lang="en-US" altLang="zh-CN" b="0">
+              <a:solidFill>
+                <a:schemeClr val="tx1"/>
+              </a:solidFill>
+              <a:latin typeface="Consolas" panose="020B0609020204030204"/>
+              <a:ea typeface="Consolas" panose="020B0609020204030204"/>
+            </a:endParaRPr>
+          </a:p>
+        </p:txBody>
+      </p:sp>
+    </p:spTree>
+  </p:cSld>
+  <p:clrMapOvr>
+    <a:masterClrMapping/>
+  </p:clrMapOvr>
+</p:sld>
+</file>
+
+<file path=ppt/slides/slide12.xml><?xml version="1.0" encoding="utf-8"?>
+<p:sld xmlns:a="http://schemas.openxmlformats.org/drawingml/2006/main" xmlns:r="http://schemas.openxmlformats.org/officeDocument/2006/relationships" xmlns:p="http://schemas.openxmlformats.org/presentationml/2006/main">
+  <p:cSld>
+    <p:spTree>
+      <p:nvGrpSpPr>
+        <p:cNvPr id="1" name=""/>
+        <p:cNvGrpSpPr/>
+        <p:nvPr/>
+      </p:nvGrpSpPr>
+      <p:grpSpPr/>
+      <p:sp>
+        <p:nvSpPr>
+          <p:cNvPr id="2" name="Text Box 1"/>
+          <p:cNvSpPr txBox="1"/>
+          <p:nvPr/>
+        </p:nvSpPr>
+        <p:spPr>
+          <a:xfrm>
+            <a:off x="338455" y="85090"/>
+            <a:ext cx="8075295" cy="3784600"/>
+          </a:xfrm>
+          <a:prstGeom prst="rect">
+            <a:avLst/>
+          </a:prstGeom>
+        </p:spPr>
+        <p:txBody>
+          <a:bodyPr wrap="square">
+            <a:spAutoFit/>
+          </a:bodyPr>
+          <a:p>
+            <a:pPr>
+              <a:lnSpc>
+                <a:spcPct val="100000"/>
+              </a:lnSpc>
+            </a:pPr>
+            <a:r>
+              <a:rPr lang="en-US" altLang="zh-CN" sz="1200" b="0">
+                <a:solidFill>
+                  <a:schemeClr val="tx1"/>
+                </a:solidFill>
+                <a:latin typeface="Consolas" panose="020B0609020204030204"/>
+                <a:ea typeface="Consolas" panose="020B0609020204030204"/>
+              </a:rPr>
+              <a:t># figsize=(2,3) width,height</a:t>
+            </a:r>
+            <a:endParaRPr lang="en-US" altLang="zh-CN" sz="1200" b="0">
+              <a:solidFill>
+                <a:schemeClr val="tx1"/>
+              </a:solidFill>
+              <a:latin typeface="Consolas" panose="020B0609020204030204"/>
+              <a:ea typeface="Consolas" panose="020B0609020204030204"/>
+            </a:endParaRPr>
+          </a:p>
+          <a:p>
+            <a:pPr>
+              <a:lnSpc>
+                <a:spcPct val="100000"/>
+              </a:lnSpc>
+            </a:pPr>
+            <a:r>
+              <a:rPr lang="en-US" altLang="zh-CN" sz="1200" b="0">
+                <a:solidFill>
+                  <a:schemeClr val="tx1"/>
+                </a:solidFill>
+                <a:latin typeface="Consolas" panose="020B0609020204030204"/>
+                <a:ea typeface="Consolas" panose="020B0609020204030204"/>
+              </a:rPr>
+              <a:t># to define size of graph</a:t>
+            </a:r>
+            <a:endParaRPr lang="en-US" altLang="zh-CN" sz="1200" b="0">
+              <a:solidFill>
+                <a:schemeClr val="tx1"/>
+              </a:solidFill>
+              <a:latin typeface="Consolas" panose="020B0609020204030204"/>
+              <a:ea typeface="Consolas" panose="020B0609020204030204"/>
+            </a:endParaRPr>
+          </a:p>
+          <a:p>
+            <a:pPr>
+              <a:lnSpc>
+                <a:spcPct val="100000"/>
+              </a:lnSpc>
+            </a:pPr>
+            <a:r>
+              <a:rPr lang="en-US" altLang="zh-CN" sz="1200" b="0">
+                <a:solidFill>
+                  <a:schemeClr val="tx1"/>
+                </a:solidFill>
+                <a:latin typeface="Consolas" panose="020B0609020204030204"/>
+                <a:ea typeface="Consolas" panose="020B0609020204030204"/>
+              </a:rPr>
+              <a:t>plt.figure(figsize=(2,3))</a:t>
+            </a:r>
+            <a:endParaRPr lang="en-US" altLang="zh-CN" sz="1200" b="0">
+              <a:solidFill>
+                <a:schemeClr val="tx1"/>
+              </a:solidFill>
+              <a:latin typeface="Consolas" panose="020B0609020204030204"/>
+              <a:ea typeface="Consolas" panose="020B0609020204030204"/>
+            </a:endParaRPr>
+          </a:p>
+          <a:p>
+            <a:pPr>
+              <a:lnSpc>
+                <a:spcPct val="100000"/>
+              </a:lnSpc>
+            </a:pPr>
+            <a:r>
+              <a:rPr lang="en-US" altLang="zh-CN" sz="1200" b="0">
+                <a:solidFill>
+                  <a:schemeClr val="tx1"/>
+                </a:solidFill>
+                <a:latin typeface="Consolas" panose="020B0609020204030204"/>
+                <a:ea typeface="Consolas" panose="020B0609020204030204"/>
+              </a:rPr>
+              <a:t>plt.plot(x, np.sin(x),"--",color="red" ,marker="4",markerfacecolor="g",markeredgecolor="g",label="sin graph" )</a:t>
+            </a:r>
+            <a:endParaRPr lang="en-US" altLang="zh-CN" sz="1200" b="0">
+              <a:solidFill>
+                <a:schemeClr val="tx1"/>
+              </a:solidFill>
+              <a:latin typeface="Consolas" panose="020B0609020204030204"/>
+              <a:ea typeface="Consolas" panose="020B0609020204030204"/>
+            </a:endParaRPr>
+          </a:p>
+          <a:p>
+            <a:pPr>
+              <a:lnSpc>
+                <a:spcPct val="100000"/>
+              </a:lnSpc>
+            </a:pPr>
+            <a:r>
+              <a:rPr lang="en-US" altLang="zh-CN" sz="1200" b="0">
+                <a:solidFill>
+                  <a:schemeClr val="tx1"/>
+                </a:solidFill>
+                <a:latin typeface="Consolas" panose="020B0609020204030204"/>
+                <a:ea typeface="Consolas" panose="020B0609020204030204"/>
+              </a:rPr>
+              <a:t>plt.title("sin graph")</a:t>
+            </a:r>
+            <a:endParaRPr lang="en-US" altLang="zh-CN" sz="1200" b="0">
+              <a:solidFill>
+                <a:schemeClr val="tx1"/>
+              </a:solidFill>
+              <a:latin typeface="Consolas" panose="020B0609020204030204"/>
+              <a:ea typeface="Consolas" panose="020B0609020204030204"/>
+            </a:endParaRPr>
+          </a:p>
+          <a:p>
+            <a:pPr>
+              <a:lnSpc>
+                <a:spcPct val="100000"/>
+              </a:lnSpc>
+            </a:pPr>
+            <a:r>
+              <a:rPr lang="en-US" altLang="zh-CN" sz="1200" b="0">
+                <a:solidFill>
+                  <a:schemeClr val="tx1"/>
+                </a:solidFill>
+                <a:latin typeface="Consolas" panose="020B0609020204030204"/>
+                <a:ea typeface="Consolas" panose="020B0609020204030204"/>
+              </a:rPr>
+              <a:t>plt.plot(x, np.cos(x),"--", label="cos graph")</a:t>
+            </a:r>
+            <a:endParaRPr lang="en-US" altLang="zh-CN" sz="1200" b="0">
+              <a:solidFill>
+                <a:schemeClr val="tx1"/>
+              </a:solidFill>
+              <a:latin typeface="Consolas" panose="020B0609020204030204"/>
+              <a:ea typeface="Consolas" panose="020B0609020204030204"/>
+            </a:endParaRPr>
+          </a:p>
+          <a:p>
+            <a:pPr>
+              <a:lnSpc>
+                <a:spcPct val="100000"/>
+              </a:lnSpc>
+            </a:pPr>
+            <a:r>
+              <a:rPr lang="en-US" altLang="zh-CN" sz="1200" b="0">
+                <a:solidFill>
+                  <a:schemeClr val="tx1"/>
+                </a:solidFill>
+                <a:latin typeface="Consolas" panose="020B0609020204030204"/>
+                <a:ea typeface="Consolas" panose="020B0609020204030204"/>
+              </a:rPr>
+              <a:t>#create x and y label </a:t>
+            </a:r>
+            <a:endParaRPr lang="en-US" altLang="zh-CN" sz="1200" b="0">
+              <a:solidFill>
+                <a:schemeClr val="tx1"/>
+              </a:solidFill>
+              <a:latin typeface="Consolas" panose="020B0609020204030204"/>
+              <a:ea typeface="Consolas" panose="020B0609020204030204"/>
+            </a:endParaRPr>
+          </a:p>
+          <a:p>
+            <a:pPr>
+              <a:lnSpc>
+                <a:spcPct val="100000"/>
+              </a:lnSpc>
+            </a:pPr>
+            <a:r>
+              <a:rPr lang="en-US" altLang="zh-CN" sz="1200" b="0">
+                <a:solidFill>
+                  <a:schemeClr val="tx1"/>
+                </a:solidFill>
+                <a:latin typeface="Consolas" panose="020B0609020204030204"/>
+                <a:ea typeface="Consolas" panose="020B0609020204030204"/>
+              </a:rPr>
+              <a:t>plt.xlabel("range 1 to 10")</a:t>
+            </a:r>
+            <a:endParaRPr lang="en-US" altLang="zh-CN" sz="1200" b="0">
+              <a:solidFill>
+                <a:schemeClr val="tx1"/>
+              </a:solidFill>
+              <a:latin typeface="Consolas" panose="020B0609020204030204"/>
+              <a:ea typeface="Consolas" panose="020B0609020204030204"/>
+            </a:endParaRPr>
+          </a:p>
+          <a:p>
+            <a:pPr>
+              <a:lnSpc>
+                <a:spcPct val="100000"/>
+              </a:lnSpc>
+            </a:pPr>
+            <a:r>
+              <a:rPr lang="en-US" altLang="zh-CN" sz="1200" b="0">
+                <a:solidFill>
+                  <a:schemeClr val="tx1"/>
+                </a:solidFill>
+                <a:latin typeface="Consolas" panose="020B0609020204030204"/>
+                <a:ea typeface="Consolas" panose="020B0609020204030204"/>
+              </a:rPr>
+              <a:t>plt.ylabel("sin value")</a:t>
+            </a:r>
+            <a:endParaRPr lang="en-US" altLang="zh-CN" sz="1200" b="0">
+              <a:solidFill>
+                <a:schemeClr val="tx1"/>
+              </a:solidFill>
+              <a:latin typeface="Consolas" panose="020B0609020204030204"/>
+              <a:ea typeface="Consolas" panose="020B0609020204030204"/>
+            </a:endParaRPr>
+          </a:p>
+          <a:p>
+            <a:pPr>
+              <a:lnSpc>
+                <a:spcPct val="100000"/>
+              </a:lnSpc>
+            </a:pPr>
+            <a:r>
+              <a:rPr lang="en-US" altLang="zh-CN" sz="1200" b="0">
+                <a:solidFill>
+                  <a:schemeClr val="tx1"/>
+                </a:solidFill>
+                <a:latin typeface="Consolas" panose="020B0609020204030204"/>
+                <a:ea typeface="Consolas" panose="020B0609020204030204"/>
+              </a:rPr>
+              <a:t># define the range of the x and y</a:t>
+            </a:r>
+            <a:endParaRPr lang="en-US" altLang="zh-CN" sz="1200" b="0">
+              <a:solidFill>
+                <a:schemeClr val="tx1"/>
+              </a:solidFill>
+              <a:latin typeface="Consolas" panose="020B0609020204030204"/>
+              <a:ea typeface="Consolas" panose="020B0609020204030204"/>
+            </a:endParaRPr>
+          </a:p>
+          <a:p>
+            <a:pPr>
+              <a:lnSpc>
+                <a:spcPct val="100000"/>
+              </a:lnSpc>
+            </a:pPr>
+            <a:r>
+              <a:rPr lang="en-US" altLang="zh-CN" sz="1200" b="0">
+                <a:solidFill>
+                  <a:schemeClr val="tx1"/>
+                </a:solidFill>
+                <a:latin typeface="Consolas" panose="020B0609020204030204"/>
+                <a:ea typeface="Consolas" panose="020B0609020204030204"/>
+              </a:rPr>
+              <a:t>plt.xticks(np.arange(0,11, 1))</a:t>
+            </a:r>
+            <a:endParaRPr lang="en-US" altLang="zh-CN" sz="1200" b="0">
+              <a:solidFill>
+                <a:schemeClr val="tx1"/>
+              </a:solidFill>
+              <a:latin typeface="Consolas" panose="020B0609020204030204"/>
+              <a:ea typeface="Consolas" panose="020B0609020204030204"/>
+            </a:endParaRPr>
+          </a:p>
+          <a:p>
+            <a:pPr>
+              <a:lnSpc>
+                <a:spcPct val="100000"/>
+              </a:lnSpc>
+            </a:pPr>
+            <a:r>
+              <a:rPr lang="en-US" altLang="zh-CN" sz="1200" b="0">
+                <a:solidFill>
+                  <a:schemeClr val="tx1"/>
+                </a:solidFill>
+                <a:latin typeface="Consolas" panose="020B0609020204030204"/>
+                <a:ea typeface="Consolas" panose="020B0609020204030204"/>
+              </a:rPr>
+              <a:t>plt.yticks(np.arange(-1,1, 0.1))</a:t>
+            </a:r>
+            <a:endParaRPr lang="en-US" altLang="zh-CN" sz="1200" b="0">
+              <a:solidFill>
+                <a:schemeClr val="tx1"/>
+              </a:solidFill>
+              <a:latin typeface="Consolas" panose="020B0609020204030204"/>
+              <a:ea typeface="Consolas" panose="020B0609020204030204"/>
+            </a:endParaRPr>
+          </a:p>
+          <a:p>
+            <a:pPr>
+              <a:lnSpc>
+                <a:spcPct val="100000"/>
+              </a:lnSpc>
+            </a:pPr>
+            <a:r>
+              <a:rPr lang="en-US" altLang="zh-CN" sz="1200" b="0">
+                <a:solidFill>
+                  <a:schemeClr val="tx1"/>
+                </a:solidFill>
+                <a:latin typeface="Consolas" panose="020B0609020204030204"/>
+                <a:ea typeface="Consolas" panose="020B0609020204030204"/>
+              </a:rPr>
+              <a:t># define range of x</a:t>
+            </a:r>
+            <a:endParaRPr lang="en-US" altLang="zh-CN" sz="1200" b="0">
+              <a:solidFill>
+                <a:schemeClr val="tx1"/>
+              </a:solidFill>
+              <a:latin typeface="Consolas" panose="020B0609020204030204"/>
+              <a:ea typeface="Consolas" panose="020B0609020204030204"/>
+            </a:endParaRPr>
+          </a:p>
+          <a:p>
+            <a:pPr>
+              <a:lnSpc>
+                <a:spcPct val="100000"/>
+              </a:lnSpc>
+            </a:pPr>
+            <a:r>
+              <a:rPr lang="en-US" altLang="zh-CN" sz="1200" b="0">
+                <a:solidFill>
+                  <a:schemeClr val="tx1"/>
+                </a:solidFill>
+                <a:latin typeface="Consolas" panose="020B0609020204030204"/>
+                <a:ea typeface="Consolas" panose="020B0609020204030204"/>
+              </a:rPr>
+              <a:t>plt.xlim(1,20)</a:t>
+            </a:r>
+            <a:endParaRPr lang="en-US" altLang="zh-CN" sz="1200" b="0">
+              <a:solidFill>
+                <a:schemeClr val="tx1"/>
+              </a:solidFill>
+              <a:latin typeface="Consolas" panose="020B0609020204030204"/>
+              <a:ea typeface="Consolas" panose="020B0609020204030204"/>
+            </a:endParaRPr>
+          </a:p>
+          <a:p>
+            <a:pPr>
+              <a:lnSpc>
+                <a:spcPct val="100000"/>
+              </a:lnSpc>
+            </a:pPr>
+            <a:r>
+              <a:rPr lang="en-US" altLang="zh-CN" sz="1200" b="0">
+                <a:solidFill>
+                  <a:schemeClr val="tx1"/>
+                </a:solidFill>
+                <a:latin typeface="Consolas" panose="020B0609020204030204"/>
+                <a:ea typeface="Consolas" panose="020B0609020204030204"/>
+              </a:rPr>
+              <a:t>plt.ylim(-2,1)</a:t>
+            </a:r>
+            <a:endParaRPr lang="en-US" altLang="zh-CN" sz="1200" b="0">
+              <a:solidFill>
+                <a:schemeClr val="tx1"/>
+              </a:solidFill>
+              <a:latin typeface="Consolas" panose="020B0609020204030204"/>
+              <a:ea typeface="Consolas" panose="020B0609020204030204"/>
+            </a:endParaRPr>
+          </a:p>
+          <a:p>
+            <a:pPr>
+              <a:lnSpc>
+                <a:spcPct val="100000"/>
+              </a:lnSpc>
+            </a:pPr>
+            <a:r>
+              <a:rPr lang="en-US" altLang="zh-CN" sz="1200" b="0">
+                <a:solidFill>
+                  <a:schemeClr val="tx1"/>
+                </a:solidFill>
+                <a:latin typeface="Consolas" panose="020B0609020204030204"/>
+                <a:ea typeface="Consolas" panose="020B0609020204030204"/>
+              </a:rPr>
+              <a:t>plt.grid()</a:t>
+            </a:r>
+            <a:endParaRPr lang="en-US" altLang="zh-CN" sz="1200" b="0">
+              <a:solidFill>
+                <a:schemeClr val="tx1"/>
+              </a:solidFill>
+              <a:latin typeface="Consolas" panose="020B0609020204030204"/>
+              <a:ea typeface="Consolas" panose="020B0609020204030204"/>
+            </a:endParaRPr>
+          </a:p>
+          <a:p>
+            <a:pPr>
+              <a:lnSpc>
+                <a:spcPct val="100000"/>
+              </a:lnSpc>
+            </a:pPr>
+            <a:r>
+              <a:rPr lang="en-US" altLang="zh-CN" sz="1200" b="0">
+                <a:solidFill>
+                  <a:schemeClr val="tx1"/>
+                </a:solidFill>
+                <a:latin typeface="Consolas" panose="020B0609020204030204"/>
+                <a:ea typeface="Consolas" panose="020B0609020204030204"/>
+              </a:rPr>
+              <a:t>plt.legend(loc="upper left")</a:t>
+            </a:r>
+            <a:endParaRPr lang="en-US" altLang="zh-CN" sz="1200" b="0">
+              <a:solidFill>
+                <a:schemeClr val="tx1"/>
+              </a:solidFill>
+              <a:latin typeface="Consolas" panose="020B0609020204030204"/>
+              <a:ea typeface="Consolas" panose="020B0609020204030204"/>
+            </a:endParaRPr>
+          </a:p>
+          <a:p>
+            <a:pPr>
+              <a:lnSpc>
+                <a:spcPct val="100000"/>
+              </a:lnSpc>
+            </a:pPr>
+            <a:r>
+              <a:rPr lang="en-US" altLang="zh-CN" sz="1200" b="0">
+                <a:solidFill>
+                  <a:schemeClr val="tx1"/>
+                </a:solidFill>
+                <a:latin typeface="Consolas" panose="020B0609020204030204"/>
+                <a:ea typeface="Consolas" panose="020B0609020204030204"/>
+              </a:rPr>
+              <a:t># 'upper left': # 'upper right': ,# 'lower left':#</a:t>
+            </a:r>
+            <a:endParaRPr lang="en-US" altLang="zh-CN" sz="1200" b="0">
+              <a:solidFill>
+                <a:schemeClr val="tx1"/>
+              </a:solidFill>
+              <a:latin typeface="Consolas" panose="020B0609020204030204"/>
+              <a:ea typeface="Consolas" panose="020B0609020204030204"/>
+            </a:endParaRPr>
+          </a:p>
+          <a:p>
+            <a:pPr>
+              <a:lnSpc>
+                <a:spcPct val="100000"/>
+              </a:lnSpc>
+            </a:pPr>
+            <a:r>
+              <a:rPr lang="en-US" altLang="zh-CN" sz="1200" b="0">
+                <a:solidFill>
+                  <a:schemeClr val="tx1"/>
+                </a:solidFill>
+                <a:latin typeface="Consolas" panose="020B0609020204030204"/>
+                <a:ea typeface="Consolas" panose="020B0609020204030204"/>
+              </a:rPr>
+              <a:t>plt.show()</a:t>
+            </a:r>
+            <a:endParaRPr lang="en-US" altLang="zh-CN" sz="1200" b="0">
+              <a:solidFill>
+                <a:schemeClr val="tx1"/>
+              </a:solidFill>
+              <a:latin typeface="Consolas" panose="020B0609020204030204"/>
+              <a:ea typeface="Consolas" panose="020B0609020204030204"/>
+            </a:endParaRPr>
+          </a:p>
+        </p:txBody>
+      </p:sp>
+    </p:spTree>
+  </p:cSld>
+  <p:clrMapOvr>
+    <a:masterClrMapping/>
+  </p:clrMapOvr>
+</p:sld>
+</file>
+
+<file path=ppt/slides/slide13.xml><?xml version="1.0" encoding="utf-8"?>
+<p:sld xmlns:a="http://schemas.openxmlformats.org/drawingml/2006/main" xmlns:r="http://schemas.openxmlformats.org/officeDocument/2006/relationships" xmlns:p="http://schemas.openxmlformats.org/presentationml/2006/main">
+  <p:cSld>
+    <p:spTree>
+      <p:nvGrpSpPr>
+        <p:cNvPr id="1" name=""/>
+        <p:cNvGrpSpPr/>
+        <p:nvPr/>
+      </p:nvGrpSpPr>
+      <p:grpSpPr/>
+      <p:sp>
+        <p:nvSpPr>
+          <p:cNvPr id="2" name="Text Box 1"/>
+          <p:cNvSpPr txBox="1"/>
+          <p:nvPr/>
+        </p:nvSpPr>
+        <p:spPr>
+          <a:xfrm>
+            <a:off x="558165" y="226695"/>
+            <a:ext cx="5080000" cy="1568450"/>
+          </a:xfrm>
+          <a:prstGeom prst="rect">
+            <a:avLst/>
+          </a:prstGeom>
+        </p:spPr>
+        <p:txBody>
+          <a:bodyPr>
+            <a:spAutoFit/>
+          </a:bodyPr>
+          <a:p>
+            <a:pPr>
+              <a:lnSpc>
+                <a:spcPct val="100000"/>
+              </a:lnSpc>
+            </a:pPr>
+            <a:r>
+              <a:rPr lang="en-US" altLang="zh-CN" sz="1200" b="0">
+                <a:solidFill>
+                  <a:schemeClr val="tx1"/>
+                </a:solidFill>
+                <a:latin typeface="Consolas" panose="020B0609020204030204"/>
+                <a:ea typeface="Consolas" panose="020B0609020204030204"/>
+              </a:rPr>
+              <a:t># create a plot figure</a:t>
+            </a:r>
+            <a:endParaRPr lang="en-US" altLang="zh-CN" sz="1200" b="0">
+              <a:solidFill>
+                <a:schemeClr val="tx1"/>
+              </a:solidFill>
+              <a:latin typeface="Consolas" panose="020B0609020204030204"/>
+              <a:ea typeface="Consolas" panose="020B0609020204030204"/>
+            </a:endParaRPr>
+          </a:p>
+          <a:p>
+            <a:pPr>
+              <a:lnSpc>
+                <a:spcPct val="100000"/>
+              </a:lnSpc>
+            </a:pPr>
+            <a:r>
+              <a:rPr lang="en-US" altLang="zh-CN" sz="1200" b="0">
+                <a:solidFill>
+                  <a:schemeClr val="tx1"/>
+                </a:solidFill>
+                <a:latin typeface="Consolas" panose="020B0609020204030204"/>
+                <a:ea typeface="Consolas" panose="020B0609020204030204"/>
+              </a:rPr>
+              <a:t>plt.figure()</a:t>
+            </a:r>
+            <a:endParaRPr lang="en-US" altLang="zh-CN" sz="1200" b="0">
+              <a:solidFill>
+                <a:schemeClr val="tx1"/>
+              </a:solidFill>
+              <a:latin typeface="Consolas" panose="020B0609020204030204"/>
+              <a:ea typeface="Consolas" panose="020B0609020204030204"/>
+            </a:endParaRPr>
+          </a:p>
+          <a:p>
+            <a:pPr>
+              <a:lnSpc>
+                <a:spcPct val="100000"/>
+              </a:lnSpc>
+            </a:pPr>
+            <a:r>
+              <a:rPr lang="en-US" altLang="zh-CN" sz="1200" b="0">
+                <a:solidFill>
+                  <a:schemeClr val="tx1"/>
+                </a:solidFill>
+                <a:latin typeface="Consolas" panose="020B0609020204030204"/>
+                <a:ea typeface="Consolas" panose="020B0609020204030204"/>
+              </a:rPr>
+              <a:t># create the first of two panels and set current axis</a:t>
+            </a:r>
+            <a:endParaRPr lang="en-US" altLang="zh-CN" sz="1200" b="0">
+              <a:solidFill>
+                <a:schemeClr val="tx1"/>
+              </a:solidFill>
+              <a:latin typeface="Consolas" panose="020B0609020204030204"/>
+              <a:ea typeface="Consolas" panose="020B0609020204030204"/>
+            </a:endParaRPr>
+          </a:p>
+          <a:p>
+            <a:pPr>
+              <a:lnSpc>
+                <a:spcPct val="100000"/>
+              </a:lnSpc>
+            </a:pPr>
+            <a:r>
+              <a:rPr lang="en-US" altLang="zh-CN" sz="1200" b="0">
+                <a:solidFill>
+                  <a:schemeClr val="tx1"/>
+                </a:solidFill>
+                <a:latin typeface="Consolas" panose="020B0609020204030204"/>
+                <a:ea typeface="Consolas" panose="020B0609020204030204"/>
+              </a:rPr>
+              <a:t>plt.subplot(2, 1, 1)   # (rows, columns, panel number)</a:t>
+            </a:r>
+            <a:endParaRPr lang="en-US" altLang="zh-CN" sz="1200" b="0">
+              <a:solidFill>
+                <a:schemeClr val="tx1"/>
+              </a:solidFill>
+              <a:latin typeface="Consolas" panose="020B0609020204030204"/>
+              <a:ea typeface="Consolas" panose="020B0609020204030204"/>
+            </a:endParaRPr>
+          </a:p>
+          <a:p>
+            <a:pPr>
+              <a:lnSpc>
+                <a:spcPct val="100000"/>
+              </a:lnSpc>
+            </a:pPr>
+            <a:r>
+              <a:rPr lang="en-US" altLang="zh-CN" sz="1200" b="0">
+                <a:solidFill>
+                  <a:schemeClr val="tx1"/>
+                </a:solidFill>
+                <a:latin typeface="Consolas" panose="020B0609020204030204"/>
+                <a:ea typeface="Consolas" panose="020B0609020204030204"/>
+              </a:rPr>
+              <a:t>plt.plot(s)</a:t>
+            </a:r>
+            <a:endParaRPr lang="en-US" altLang="zh-CN" sz="1200" b="0">
+              <a:solidFill>
+                <a:schemeClr val="tx1"/>
+              </a:solidFill>
+              <a:latin typeface="Consolas" panose="020B0609020204030204"/>
+              <a:ea typeface="Consolas" panose="020B0609020204030204"/>
+            </a:endParaRPr>
+          </a:p>
+          <a:p>
+            <a:pPr>
+              <a:lnSpc>
+                <a:spcPct val="100000"/>
+              </a:lnSpc>
+            </a:pPr>
+            <a:r>
+              <a:rPr lang="en-US" altLang="zh-CN" sz="1200" b="0">
+                <a:solidFill>
+                  <a:schemeClr val="tx1"/>
+                </a:solidFill>
+                <a:latin typeface="Consolas" panose="020B0609020204030204"/>
+                <a:ea typeface="Consolas" panose="020B0609020204030204"/>
+              </a:rPr>
+              <a:t># create the second of two panels and set current axis</a:t>
+            </a:r>
+            <a:endParaRPr lang="en-US" altLang="zh-CN" sz="1200" b="0">
+              <a:solidFill>
+                <a:schemeClr val="tx1"/>
+              </a:solidFill>
+              <a:latin typeface="Consolas" panose="020B0609020204030204"/>
+              <a:ea typeface="Consolas" panose="020B0609020204030204"/>
+            </a:endParaRPr>
+          </a:p>
+          <a:p>
+            <a:pPr>
+              <a:lnSpc>
+                <a:spcPct val="100000"/>
+              </a:lnSpc>
+            </a:pPr>
+            <a:r>
+              <a:rPr lang="en-US" altLang="zh-CN" sz="1200" b="0">
+                <a:solidFill>
+                  <a:schemeClr val="tx1"/>
+                </a:solidFill>
+                <a:latin typeface="Consolas" panose="020B0609020204030204"/>
+                <a:ea typeface="Consolas" panose="020B0609020204030204"/>
+              </a:rPr>
+              <a:t>plt.subplot(2, 1, 2)   # (rows, columns, panel number)</a:t>
+            </a:r>
+            <a:endParaRPr lang="en-US" altLang="zh-CN" sz="1200" b="0">
+              <a:solidFill>
+                <a:schemeClr val="tx1"/>
+              </a:solidFill>
+              <a:latin typeface="Consolas" panose="020B0609020204030204"/>
+              <a:ea typeface="Consolas" panose="020B0609020204030204"/>
+            </a:endParaRPr>
+          </a:p>
+          <a:p>
+            <a:pPr>
+              <a:lnSpc>
+                <a:spcPct val="100000"/>
+              </a:lnSpc>
+            </a:pPr>
+            <a:r>
+              <a:rPr lang="en-US" altLang="zh-CN" sz="1200" b="0">
+                <a:solidFill>
+                  <a:schemeClr val="tx1"/>
+                </a:solidFill>
+                <a:latin typeface="Consolas" panose="020B0609020204030204"/>
+                <a:ea typeface="Consolas" panose="020B0609020204030204"/>
+              </a:rPr>
+              <a:t>plt.plot(cos)</a:t>
+            </a:r>
+            <a:endParaRPr lang="en-US" altLang="zh-CN" sz="1200" b="0">
+              <a:solidFill>
+                <a:schemeClr val="tx1"/>
+              </a:solidFill>
+              <a:latin typeface="Consolas" panose="020B0609020204030204"/>
+              <a:ea typeface="Consolas" panose="020B0609020204030204"/>
+            </a:endParaRPr>
+          </a:p>
+        </p:txBody>
+      </p:sp>
+      <p:sp>
+        <p:nvSpPr>
+          <p:cNvPr id="3" name="Text Box 2"/>
+          <p:cNvSpPr txBox="1"/>
+          <p:nvPr/>
+        </p:nvSpPr>
+        <p:spPr>
+          <a:xfrm>
+            <a:off x="558165" y="2154237"/>
+            <a:ext cx="5080000" cy="1599565"/>
+          </a:xfrm>
+          <a:prstGeom prst="rect">
+            <a:avLst/>
+          </a:prstGeom>
+        </p:spPr>
+        <p:txBody>
+          <a:bodyPr>
+            <a:spAutoFit/>
+          </a:bodyPr>
+          <a:p>
+            <a:pPr>
+              <a:lnSpc>
+                <a:spcPct val="100000"/>
+              </a:lnSpc>
+            </a:pPr>
+            <a:r>
+              <a:rPr lang="en-US" altLang="zh-CN" b="0">
+                <a:solidFill>
+                  <a:schemeClr val="tx1"/>
+                </a:solidFill>
+                <a:latin typeface="Consolas" panose="020B0609020204030204"/>
+                <a:ea typeface="Consolas" panose="020B0609020204030204"/>
+              </a:rPr>
+              <a:t>plt.figure()</a:t>
+            </a:r>
+            <a:endParaRPr lang="en-US" altLang="zh-CN" b="0">
+              <a:solidFill>
+                <a:schemeClr val="tx1"/>
+              </a:solidFill>
+              <a:latin typeface="Consolas" panose="020B0609020204030204"/>
+              <a:ea typeface="Consolas" panose="020B0609020204030204"/>
+            </a:endParaRPr>
+          </a:p>
+          <a:p>
+            <a:pPr>
+              <a:lnSpc>
+                <a:spcPct val="100000"/>
+              </a:lnSpc>
+            </a:pPr>
+            <a:r>
+              <a:rPr lang="en-US" altLang="zh-CN" b="0">
+                <a:solidFill>
+                  <a:schemeClr val="tx1"/>
+                </a:solidFill>
+                <a:latin typeface="Consolas" panose="020B0609020204030204"/>
+                <a:ea typeface="Consolas" panose="020B0609020204030204"/>
+              </a:rPr>
+              <a:t>plt.subplot(2,2,1)</a:t>
+            </a:r>
+            <a:endParaRPr lang="en-US" altLang="zh-CN" b="0">
+              <a:solidFill>
+                <a:schemeClr val="tx1"/>
+              </a:solidFill>
+              <a:latin typeface="Consolas" panose="020B0609020204030204"/>
+              <a:ea typeface="Consolas" panose="020B0609020204030204"/>
+            </a:endParaRPr>
+          </a:p>
+          <a:p>
+            <a:pPr>
+              <a:lnSpc>
+                <a:spcPct val="100000"/>
+              </a:lnSpc>
+            </a:pPr>
+            <a:r>
+              <a:rPr lang="en-US" altLang="zh-CN" b="0">
+                <a:solidFill>
+                  <a:schemeClr val="tx1"/>
+                </a:solidFill>
+                <a:latin typeface="Consolas" panose="020B0609020204030204"/>
+                <a:ea typeface="Consolas" panose="020B0609020204030204"/>
+              </a:rPr>
+              <a:t>plt.plot(s)</a:t>
+            </a:r>
+            <a:endParaRPr lang="en-US" altLang="zh-CN" b="0">
+              <a:solidFill>
+                <a:schemeClr val="tx1"/>
+              </a:solidFill>
+              <a:latin typeface="Consolas" panose="020B0609020204030204"/>
+              <a:ea typeface="Consolas" panose="020B0609020204030204"/>
+            </a:endParaRPr>
+          </a:p>
+          <a:p>
+            <a:pPr>
+              <a:lnSpc>
+                <a:spcPct val="100000"/>
+              </a:lnSpc>
+            </a:pPr>
+            <a:r>
+              <a:rPr lang="en-US" altLang="zh-CN" b="0">
+                <a:solidFill>
+                  <a:schemeClr val="tx1"/>
+                </a:solidFill>
+                <a:latin typeface="Consolas" panose="020B0609020204030204"/>
+                <a:ea typeface="Consolas" panose="020B0609020204030204"/>
+              </a:rPr>
+              <a:t>plt.subplot(2,2,3)</a:t>
+            </a:r>
+            <a:endParaRPr lang="en-US" altLang="zh-CN" b="0">
+              <a:solidFill>
+                <a:schemeClr val="tx1"/>
+              </a:solidFill>
+              <a:latin typeface="Consolas" panose="020B0609020204030204"/>
+              <a:ea typeface="Consolas" panose="020B0609020204030204"/>
+            </a:endParaRPr>
+          </a:p>
+          <a:p>
+            <a:pPr>
+              <a:lnSpc>
+                <a:spcPct val="100000"/>
+              </a:lnSpc>
+            </a:pPr>
+            <a:r>
+              <a:rPr lang="en-US" altLang="zh-CN" b="0">
+                <a:solidFill>
+                  <a:schemeClr val="tx1"/>
+                </a:solidFill>
+                <a:latin typeface="Consolas" panose="020B0609020204030204"/>
+                <a:ea typeface="Consolas" panose="020B0609020204030204"/>
+              </a:rPr>
+              <a:t>plt.plot(cos)</a:t>
+            </a:r>
+            <a:endParaRPr lang="en-US" altLang="zh-CN" b="0">
+              <a:solidFill>
+                <a:schemeClr val="tx1"/>
+              </a:solidFill>
+              <a:latin typeface="Consolas" panose="020B0609020204030204"/>
+              <a:ea typeface="Consolas" panose="020B0609020204030204"/>
+            </a:endParaRPr>
+          </a:p>
+          <a:p>
+            <a:pPr>
+              <a:lnSpc>
+                <a:spcPct val="100000"/>
+              </a:lnSpc>
+            </a:pPr>
+            <a:r>
+              <a:rPr lang="en-US" altLang="zh-CN" b="0">
+                <a:solidFill>
+                  <a:schemeClr val="tx1"/>
+                </a:solidFill>
+                <a:latin typeface="Consolas" panose="020B0609020204030204"/>
+                <a:ea typeface="Consolas" panose="020B0609020204030204"/>
+              </a:rPr>
+              <a:t>plt.subplot(2,2,4)</a:t>
+            </a:r>
+            <a:endParaRPr lang="en-US" altLang="zh-CN" b="0">
+              <a:solidFill>
+                <a:schemeClr val="tx1"/>
+              </a:solidFill>
+              <a:latin typeface="Consolas" panose="020B0609020204030204"/>
+              <a:ea typeface="Consolas" panose="020B0609020204030204"/>
+            </a:endParaRPr>
+          </a:p>
+          <a:p>
+            <a:pPr>
+              <a:lnSpc>
+                <a:spcPct val="100000"/>
+              </a:lnSpc>
+            </a:pPr>
+            <a:r>
+              <a:rPr lang="en-US" altLang="zh-CN" b="0">
+                <a:solidFill>
+                  <a:schemeClr val="tx1"/>
+                </a:solidFill>
+                <a:latin typeface="Consolas" panose="020B0609020204030204"/>
+                <a:ea typeface="Consolas" panose="020B0609020204030204"/>
+              </a:rPr>
+              <a:t>plt.plot(np.random.randn(50))</a:t>
+            </a:r>
+            <a:endParaRPr lang="en-US" altLang="zh-CN" b="0">
+              <a:solidFill>
+                <a:schemeClr val="tx1"/>
+              </a:solidFill>
+              <a:latin typeface="Consolas" panose="020B0609020204030204"/>
+              <a:ea typeface="Consolas" panose="020B0609020204030204"/>
+            </a:endParaRPr>
+          </a:p>
+        </p:txBody>
+      </p:sp>
+    </p:spTree>
+  </p:cSld>
+  <p:clrMapOvr>
+    <a:masterClrMapping/>
+  </p:clrMapOvr>
+</p:sld>
+</file>
+
+<file path=ppt/slides/slide14.xml><?xml version="1.0" encoding="utf-8"?>
+<p:sld xmlns:a="http://schemas.openxmlformats.org/drawingml/2006/main" xmlns:r="http://schemas.openxmlformats.org/officeDocument/2006/relationships" xmlns:p="http://schemas.openxmlformats.org/presentationml/2006/main">
+  <p:cSld>
+    <p:spTree>
+      <p:nvGrpSpPr>
+        <p:cNvPr id="1" name=""/>
+        <p:cNvGrpSpPr/>
+        <p:nvPr/>
+      </p:nvGrpSpPr>
+      <p:grpSpPr/>
+      <p:sp>
+        <p:nvSpPr>
+          <p:cNvPr id="2" name="Text Box 1"/>
+          <p:cNvSpPr txBox="1"/>
+          <p:nvPr/>
+        </p:nvSpPr>
+        <p:spPr>
+          <a:xfrm>
+            <a:off x="111125" y="407035"/>
+            <a:ext cx="4460875" cy="4831080"/>
+          </a:xfrm>
+          <a:prstGeom prst="rect">
+            <a:avLst/>
+          </a:prstGeom>
+        </p:spPr>
+        <p:txBody>
+          <a:bodyPr wrap="square">
+            <a:spAutoFit/>
+          </a:bodyPr>
+          <a:p>
+            <a:pPr>
+              <a:lnSpc>
+                <a:spcPct val="100000"/>
+              </a:lnSpc>
+            </a:pPr>
+            <a:r>
+              <a:rPr lang="en-US" altLang="zh-CN" b="0">
+                <a:solidFill>
+                  <a:schemeClr val="tx1"/>
+                </a:solidFill>
+                <a:highlight>
+                  <a:srgbClr val="FFFF00"/>
+                </a:highlight>
+                <a:latin typeface="Consolas" panose="020B0609020204030204"/>
+                <a:ea typeface="Consolas" panose="020B0609020204030204"/>
+              </a:rPr>
+              <a:t># matplotlib</a:t>
+            </a:r>
+            <a:endParaRPr lang="en-US" altLang="zh-CN" b="0">
+              <a:solidFill>
+                <a:schemeClr val="tx1"/>
+              </a:solidFill>
+              <a:highlight>
+                <a:srgbClr val="FFFF00"/>
+              </a:highlight>
+              <a:latin typeface="Consolas" panose="020B0609020204030204"/>
+              <a:ea typeface="Consolas" panose="020B0609020204030204"/>
+            </a:endParaRPr>
+          </a:p>
+          <a:p>
+            <a:pPr>
+              <a:lnSpc>
+                <a:spcPct val="100000"/>
+              </a:lnSpc>
+            </a:pPr>
+            <a:r>
+              <a:rPr lang="en-US" altLang="zh-CN" b="0">
+                <a:solidFill>
+                  <a:schemeClr val="tx1"/>
+                </a:solidFill>
+                <a:latin typeface="Consolas" panose="020B0609020204030204"/>
+                <a:ea typeface="Consolas" panose="020B0609020204030204"/>
+              </a:rPr>
+              <a:t>cat= ["a","b","c"]</a:t>
+            </a:r>
+            <a:endParaRPr lang="en-US" altLang="zh-CN" b="0">
+              <a:solidFill>
+                <a:schemeClr val="tx1"/>
+              </a:solidFill>
+              <a:latin typeface="Consolas" panose="020B0609020204030204"/>
+              <a:ea typeface="Consolas" panose="020B0609020204030204"/>
+            </a:endParaRPr>
+          </a:p>
+          <a:p>
+            <a:pPr>
+              <a:lnSpc>
+                <a:spcPct val="100000"/>
+              </a:lnSpc>
+            </a:pPr>
+            <a:r>
+              <a:rPr lang="en-US" altLang="zh-CN" b="0">
+                <a:solidFill>
+                  <a:schemeClr val="tx1"/>
+                </a:solidFill>
+                <a:latin typeface="Consolas" panose="020B0609020204030204"/>
+                <a:ea typeface="Consolas" panose="020B0609020204030204"/>
+              </a:rPr>
+              <a:t>sales= [343,384,300]</a:t>
+            </a:r>
+            <a:endParaRPr lang="en-US" altLang="zh-CN" b="0">
+              <a:solidFill>
+                <a:schemeClr val="tx1"/>
+              </a:solidFill>
+              <a:latin typeface="Consolas" panose="020B0609020204030204"/>
+              <a:ea typeface="Consolas" panose="020B0609020204030204"/>
+            </a:endParaRPr>
+          </a:p>
+          <a:p>
+            <a:pPr>
+              <a:lnSpc>
+                <a:spcPct val="100000"/>
+              </a:lnSpc>
+            </a:pPr>
+            <a:r>
+              <a:rPr lang="en-US" altLang="zh-CN" b="0">
+                <a:solidFill>
+                  <a:schemeClr val="tx1"/>
+                </a:solidFill>
+                <a:latin typeface="Consolas" panose="020B0609020204030204"/>
+                <a:ea typeface="Consolas" panose="020B0609020204030204"/>
+              </a:rPr>
+              <a:t>plt.bar(cat,sales)</a:t>
+            </a:r>
+            <a:endParaRPr lang="en-US" altLang="zh-CN" b="0">
+              <a:solidFill>
+                <a:schemeClr val="tx1"/>
+              </a:solidFill>
+              <a:latin typeface="Consolas" panose="020B0609020204030204"/>
+              <a:ea typeface="Consolas" panose="020B0609020204030204"/>
+            </a:endParaRPr>
+          </a:p>
+          <a:p>
+            <a:pPr>
+              <a:lnSpc>
+                <a:spcPct val="100000"/>
+              </a:lnSpc>
+            </a:pPr>
+            <a:r>
+              <a:rPr lang="en-US" altLang="zh-CN" b="0">
+                <a:solidFill>
+                  <a:schemeClr val="tx1"/>
+                </a:solidFill>
+                <a:latin typeface="Consolas" panose="020B0609020204030204"/>
+                <a:ea typeface="Consolas" panose="020B0609020204030204"/>
+              </a:rPr>
+              <a:t>plt.title("categories_wise sales")</a:t>
+            </a:r>
+            <a:endParaRPr lang="en-US" altLang="zh-CN" b="0">
+              <a:solidFill>
+                <a:schemeClr val="tx1"/>
+              </a:solidFill>
+              <a:latin typeface="Consolas" panose="020B0609020204030204"/>
+              <a:ea typeface="Consolas" panose="020B0609020204030204"/>
+            </a:endParaRPr>
+          </a:p>
+          <a:p>
+            <a:pPr>
+              <a:lnSpc>
+                <a:spcPct val="100000"/>
+              </a:lnSpc>
+            </a:pPr>
+            <a:r>
+              <a:rPr lang="en-US" altLang="zh-CN" b="0">
+                <a:solidFill>
+                  <a:schemeClr val="tx1"/>
+                </a:solidFill>
+                <a:latin typeface="Consolas" panose="020B0609020204030204"/>
+                <a:ea typeface="Consolas" panose="020B0609020204030204"/>
+              </a:rPr>
+              <a:t>plt.xlabel("categories")</a:t>
+            </a:r>
+            <a:endParaRPr lang="en-US" altLang="zh-CN" b="0">
+              <a:solidFill>
+                <a:schemeClr val="tx1"/>
+              </a:solidFill>
+              <a:latin typeface="Consolas" panose="020B0609020204030204"/>
+              <a:ea typeface="Consolas" panose="020B0609020204030204"/>
+            </a:endParaRPr>
+          </a:p>
+          <a:p>
+            <a:pPr>
+              <a:lnSpc>
+                <a:spcPct val="100000"/>
+              </a:lnSpc>
+            </a:pPr>
+            <a:r>
+              <a:rPr lang="en-US" altLang="zh-CN" b="0">
+                <a:solidFill>
+                  <a:schemeClr val="tx1"/>
+                </a:solidFill>
+                <a:latin typeface="Consolas" panose="020B0609020204030204"/>
+                <a:ea typeface="Consolas" panose="020B0609020204030204"/>
+              </a:rPr>
+              <a:t>plt.ylabel("sales amount")</a:t>
+            </a:r>
+            <a:endParaRPr lang="en-US" altLang="zh-CN" b="0">
+              <a:solidFill>
+                <a:schemeClr val="tx1"/>
+              </a:solidFill>
+              <a:latin typeface="Consolas" panose="020B0609020204030204"/>
+              <a:ea typeface="Consolas" panose="020B0609020204030204"/>
+            </a:endParaRPr>
+          </a:p>
+          <a:p>
+            <a:pPr>
+              <a:lnSpc>
+                <a:spcPct val="100000"/>
+              </a:lnSpc>
+            </a:pPr>
+            <a:r>
+              <a:rPr lang="en-US" altLang="zh-CN" b="0">
+                <a:solidFill>
+                  <a:schemeClr val="tx1"/>
+                </a:solidFill>
+                <a:latin typeface="Consolas" panose="020B0609020204030204"/>
+                <a:ea typeface="Consolas" panose="020B0609020204030204"/>
+              </a:rPr>
+              <a:t>plt.show()</a:t>
+            </a:r>
+            <a:endParaRPr lang="en-US" altLang="zh-CN" b="0">
+              <a:solidFill>
+                <a:schemeClr val="tx1"/>
+              </a:solidFill>
+              <a:latin typeface="Consolas" panose="020B0609020204030204"/>
+              <a:ea typeface="Consolas" panose="020B0609020204030204"/>
+            </a:endParaRPr>
+          </a:p>
+          <a:p>
+            <a:pPr>
+              <a:lnSpc>
+                <a:spcPct val="100000"/>
+              </a:lnSpc>
+            </a:pPr>
+            <a:endParaRPr lang="en-US" altLang="zh-CN" b="0">
+              <a:solidFill>
+                <a:schemeClr val="tx1"/>
+              </a:solidFill>
+              <a:latin typeface="Consolas" panose="020B0609020204030204"/>
+              <a:ea typeface="Consolas" panose="020B0609020204030204"/>
+            </a:endParaRPr>
+          </a:p>
+          <a:p>
+            <a:pPr>
+              <a:lnSpc>
+                <a:spcPct val="100000"/>
+              </a:lnSpc>
+            </a:pPr>
+            <a:endParaRPr lang="en-US" altLang="zh-CN" b="0">
+              <a:solidFill>
+                <a:schemeClr val="tx1"/>
+              </a:solidFill>
+              <a:highlight>
+                <a:srgbClr val="FFFF00"/>
+              </a:highlight>
+              <a:latin typeface="Consolas" panose="020B0609020204030204"/>
+              <a:ea typeface="Consolas" panose="020B0609020204030204"/>
+            </a:endParaRPr>
+          </a:p>
+          <a:p>
+            <a:pPr>
+              <a:lnSpc>
+                <a:spcPct val="100000"/>
+              </a:lnSpc>
+            </a:pPr>
+            <a:r>
+              <a:rPr lang="en-US" altLang="zh-CN" b="0">
+                <a:solidFill>
+                  <a:schemeClr val="tx1"/>
+                </a:solidFill>
+                <a:highlight>
+                  <a:srgbClr val="FFFF00"/>
+                </a:highlight>
+                <a:latin typeface="Consolas" panose="020B0609020204030204"/>
+                <a:ea typeface="Consolas" panose="020B0609020204030204"/>
+              </a:rPr>
+              <a:t># SEABORN</a:t>
+            </a:r>
+            <a:endParaRPr lang="en-US" altLang="zh-CN" b="0">
+              <a:solidFill>
+                <a:schemeClr val="tx1"/>
+              </a:solidFill>
+              <a:highlight>
+                <a:srgbClr val="FFFF00"/>
+              </a:highlight>
+              <a:latin typeface="Consolas" panose="020B0609020204030204"/>
+              <a:ea typeface="Consolas" panose="020B0609020204030204"/>
+            </a:endParaRPr>
+          </a:p>
+          <a:p>
+            <a:pPr>
+              <a:lnSpc>
+                <a:spcPct val="100000"/>
+              </a:lnSpc>
+            </a:pPr>
+            <a:r>
+              <a:rPr lang="en-US" altLang="en-US" b="0">
+                <a:solidFill>
+                  <a:schemeClr val="tx1"/>
+                </a:solidFill>
+                <a:latin typeface="Consolas" panose="020B0609020204030204"/>
+                <a:ea typeface="Consolas" panose="020B0609020204030204"/>
+              </a:rPr>
+              <a:t>cat = ["a","b","c"]</a:t>
+            </a:r>
+            <a:endParaRPr lang="en-US" altLang="en-US" b="0">
+              <a:solidFill>
+                <a:schemeClr val="tx1"/>
+              </a:solidFill>
+              <a:latin typeface="Consolas" panose="020B0609020204030204"/>
+              <a:ea typeface="Consolas" panose="020B0609020204030204"/>
+            </a:endParaRPr>
+          </a:p>
+          <a:p>
+            <a:pPr>
+              <a:lnSpc>
+                <a:spcPct val="100000"/>
+              </a:lnSpc>
+            </a:pPr>
+            <a:r>
+              <a:rPr lang="en-US" altLang="en-US" b="0">
+                <a:solidFill>
+                  <a:schemeClr val="tx1"/>
+                </a:solidFill>
+                <a:latin typeface="Consolas" panose="020B0609020204030204"/>
+                <a:ea typeface="Consolas" panose="020B0609020204030204"/>
+              </a:rPr>
+              <a:t>sales = [343,384,300]</a:t>
+            </a:r>
+            <a:endParaRPr lang="en-US" altLang="en-US" b="0">
+              <a:solidFill>
+                <a:schemeClr val="tx1"/>
+              </a:solidFill>
+              <a:latin typeface="Consolas" panose="020B0609020204030204"/>
+              <a:ea typeface="Consolas" panose="020B0609020204030204"/>
+            </a:endParaRPr>
+          </a:p>
+          <a:p>
+            <a:pPr>
+              <a:lnSpc>
+                <a:spcPct val="100000"/>
+              </a:lnSpc>
+            </a:pPr>
+            <a:endParaRPr lang="en-US" altLang="en-US" b="0">
+              <a:solidFill>
+                <a:schemeClr val="tx1"/>
+              </a:solidFill>
+              <a:latin typeface="Consolas" panose="020B0609020204030204"/>
+              <a:ea typeface="Consolas" panose="020B0609020204030204"/>
+            </a:endParaRPr>
+          </a:p>
+          <a:p>
+            <a:pPr>
+              <a:lnSpc>
+                <a:spcPct val="100000"/>
+              </a:lnSpc>
+            </a:pPr>
+            <a:r>
+              <a:rPr lang="en-US" altLang="en-US" b="0">
+                <a:solidFill>
+                  <a:schemeClr val="tx1"/>
+                </a:solidFill>
+                <a:latin typeface="Consolas" panose="020B0609020204030204"/>
+                <a:ea typeface="Consolas" panose="020B0609020204030204"/>
+              </a:rPr>
+              <a:t>ax = sns.barplot(x=cat,y=sales ,hue=cat)</a:t>
+            </a:r>
+            <a:endParaRPr lang="en-US" altLang="en-US" b="0">
+              <a:solidFill>
+                <a:schemeClr val="tx1"/>
+              </a:solidFill>
+              <a:latin typeface="Consolas" panose="020B0609020204030204"/>
+              <a:ea typeface="Consolas" panose="020B0609020204030204"/>
+            </a:endParaRPr>
+          </a:p>
+          <a:p>
+            <a:pPr>
+              <a:lnSpc>
+                <a:spcPct val="100000"/>
+              </a:lnSpc>
+            </a:pPr>
+            <a:r>
+              <a:rPr lang="en-US" altLang="en-US" b="0">
+                <a:solidFill>
+                  <a:schemeClr val="tx1"/>
+                </a:solidFill>
+                <a:latin typeface="Consolas" panose="020B0609020204030204"/>
+                <a:ea typeface="Consolas" panose="020B0609020204030204"/>
+              </a:rPr>
+              <a:t>ax.bar_label(ax.containers[0], fontsize=10)</a:t>
+            </a:r>
+            <a:endParaRPr lang="en-US" altLang="en-US" b="0">
+              <a:solidFill>
+                <a:schemeClr val="tx1"/>
+              </a:solidFill>
+              <a:latin typeface="Consolas" panose="020B0609020204030204"/>
+              <a:ea typeface="Consolas" panose="020B0609020204030204"/>
+            </a:endParaRPr>
+          </a:p>
+          <a:p>
+            <a:pPr>
+              <a:lnSpc>
+                <a:spcPct val="100000"/>
+              </a:lnSpc>
+            </a:pPr>
+            <a:r>
+              <a:rPr lang="en-US" altLang="en-US" b="0">
+                <a:solidFill>
+                  <a:schemeClr val="tx1"/>
+                </a:solidFill>
+                <a:latin typeface="Consolas" panose="020B0609020204030204"/>
+                <a:ea typeface="Consolas" panose="020B0609020204030204"/>
+              </a:rPr>
+              <a:t>ax.bar_label(ax.containers[1], fontsize=10)</a:t>
+            </a:r>
+            <a:endParaRPr lang="en-US" altLang="en-US" b="0">
+              <a:solidFill>
+                <a:schemeClr val="tx1"/>
+              </a:solidFill>
+              <a:latin typeface="Consolas" panose="020B0609020204030204"/>
+              <a:ea typeface="Consolas" panose="020B0609020204030204"/>
+            </a:endParaRPr>
+          </a:p>
+          <a:p>
+            <a:pPr>
+              <a:lnSpc>
+                <a:spcPct val="100000"/>
+              </a:lnSpc>
+            </a:pPr>
+            <a:r>
+              <a:rPr lang="en-US" altLang="en-US" b="0">
+                <a:solidFill>
+                  <a:schemeClr val="tx1"/>
+                </a:solidFill>
+                <a:latin typeface="Consolas" panose="020B0609020204030204"/>
+                <a:ea typeface="Consolas" panose="020B0609020204030204"/>
+              </a:rPr>
+              <a:t>ax.bar_label(ax.containers[2], fontsize=10)</a:t>
+            </a:r>
+            <a:endParaRPr lang="en-US" altLang="en-US" b="0">
+              <a:solidFill>
+                <a:schemeClr val="tx1"/>
+              </a:solidFill>
+              <a:latin typeface="Consolas" panose="020B0609020204030204"/>
+              <a:ea typeface="Consolas" panose="020B0609020204030204"/>
+            </a:endParaRPr>
+          </a:p>
+          <a:p>
+            <a:pPr>
+              <a:lnSpc>
+                <a:spcPct val="100000"/>
+              </a:lnSpc>
+            </a:pPr>
+            <a:r>
+              <a:rPr lang="en-US" altLang="en-US" b="0">
+                <a:solidFill>
+                  <a:schemeClr val="tx1"/>
+                </a:solidFill>
+                <a:latin typeface="Consolas" panose="020B0609020204030204"/>
+                <a:ea typeface="Consolas" panose="020B0609020204030204"/>
+              </a:rPr>
+              <a:t>plt.title("categories_wise sales")</a:t>
+            </a:r>
+            <a:endParaRPr lang="en-US" altLang="en-US" b="0">
+              <a:solidFill>
+                <a:schemeClr val="tx1"/>
+              </a:solidFill>
+              <a:latin typeface="Consolas" panose="020B0609020204030204"/>
+              <a:ea typeface="Consolas" panose="020B0609020204030204"/>
+            </a:endParaRPr>
+          </a:p>
+          <a:p>
+            <a:pPr>
+              <a:lnSpc>
+                <a:spcPct val="100000"/>
+              </a:lnSpc>
+            </a:pPr>
+            <a:r>
+              <a:rPr lang="en-US" altLang="en-US" b="0">
+                <a:solidFill>
+                  <a:schemeClr val="tx1"/>
+                </a:solidFill>
+                <a:latin typeface="Consolas" panose="020B0609020204030204"/>
+                <a:ea typeface="Consolas" panose="020B0609020204030204"/>
+              </a:rPr>
+              <a:t>plt.xlabel("categories")</a:t>
+            </a:r>
+            <a:endParaRPr lang="en-US" altLang="en-US" b="0">
+              <a:solidFill>
+                <a:schemeClr val="tx1"/>
+              </a:solidFill>
+              <a:latin typeface="Consolas" panose="020B0609020204030204"/>
+              <a:ea typeface="Consolas" panose="020B0609020204030204"/>
+            </a:endParaRPr>
+          </a:p>
+          <a:p>
+            <a:pPr>
+              <a:lnSpc>
+                <a:spcPct val="100000"/>
+              </a:lnSpc>
+            </a:pPr>
+            <a:r>
+              <a:rPr lang="en-US" altLang="en-US" b="0">
+                <a:solidFill>
+                  <a:schemeClr val="tx1"/>
+                </a:solidFill>
+                <a:latin typeface="Consolas" panose="020B0609020204030204"/>
+                <a:ea typeface="Consolas" panose="020B0609020204030204"/>
+              </a:rPr>
+              <a:t>plt.ylabel("sales amount")</a:t>
+            </a:r>
+            <a:endParaRPr lang="en-US" altLang="en-US" b="0">
+              <a:solidFill>
+                <a:schemeClr val="tx1"/>
+              </a:solidFill>
+              <a:latin typeface="Consolas" panose="020B0609020204030204"/>
+              <a:ea typeface="Consolas" panose="020B0609020204030204"/>
+            </a:endParaRPr>
+          </a:p>
+          <a:p>
+            <a:pPr>
+              <a:lnSpc>
+                <a:spcPct val="100000"/>
+              </a:lnSpc>
+            </a:pPr>
+            <a:r>
+              <a:rPr lang="en-US" altLang="en-US" b="0">
+                <a:solidFill>
+                  <a:schemeClr val="tx1"/>
+                </a:solidFill>
+                <a:latin typeface="Consolas" panose="020B0609020204030204"/>
+                <a:ea typeface="Consolas" panose="020B0609020204030204"/>
+              </a:rPr>
+              <a:t>plt.show()</a:t>
+            </a:r>
+            <a:endParaRPr lang="en-US" altLang="en-US" b="0">
+              <a:solidFill>
+                <a:schemeClr val="tx1"/>
+              </a:solidFill>
+              <a:latin typeface="Consolas" panose="020B0609020204030204"/>
+              <a:ea typeface="Consolas" panose="020B0609020204030204"/>
+            </a:endParaRPr>
+          </a:p>
+        </p:txBody>
+      </p:sp>
+      <p:sp>
+        <p:nvSpPr>
+          <p:cNvPr id="3" name="Text Box 2"/>
+          <p:cNvSpPr txBox="1"/>
+          <p:nvPr/>
+        </p:nvSpPr>
+        <p:spPr>
+          <a:xfrm>
+            <a:off x="1054735" y="69850"/>
+            <a:ext cx="3048000" cy="398780"/>
+          </a:xfrm>
+          <a:prstGeom prst="rect">
+            <a:avLst/>
+          </a:prstGeom>
+          <a:noFill/>
+        </p:spPr>
+        <p:txBody>
+          <a:bodyPr wrap="square" rtlCol="0">
+            <a:spAutoFit/>
+          </a:bodyPr>
+          <a:p>
+            <a:r>
+              <a:rPr lang="en-US" sz="2000" b="1">
+                <a:solidFill>
+                  <a:srgbClr val="C00000"/>
+                </a:solidFill>
+              </a:rPr>
+              <a:t>BAR CHART</a:t>
+            </a:r>
+            <a:endParaRPr lang="en-US" sz="2000" b="1">
+              <a:solidFill>
+                <a:srgbClr val="C00000"/>
+              </a:solidFill>
+            </a:endParaRPr>
+          </a:p>
+        </p:txBody>
+      </p:sp>
+      <p:sp>
+        <p:nvSpPr>
+          <p:cNvPr id="4" name="Text Box 3"/>
+          <p:cNvSpPr txBox="1"/>
+          <p:nvPr/>
+        </p:nvSpPr>
+        <p:spPr>
+          <a:xfrm>
+            <a:off x="4572000" y="221615"/>
+            <a:ext cx="4340860" cy="4831080"/>
+          </a:xfrm>
+          <a:prstGeom prst="rect">
+            <a:avLst/>
+          </a:prstGeom>
+          <a:noFill/>
+        </p:spPr>
+        <p:txBody>
+          <a:bodyPr wrap="square" rtlCol="0">
+            <a:spAutoFit/>
+          </a:bodyPr>
+          <a:p>
+            <a:r>
+              <a:rPr lang="en-US" b="1">
+                <a:highlight>
+                  <a:srgbClr val="FFFF00"/>
+                </a:highlight>
+              </a:rPr>
+              <a:t>ADD DATA LABEL IN CHART</a:t>
+            </a:r>
+            <a:endParaRPr lang="en-US" b="1">
+              <a:highlight>
+                <a:srgbClr val="FFFF00"/>
+              </a:highlight>
+            </a:endParaRPr>
+          </a:p>
+          <a:p>
+            <a:endParaRPr lang="en-US"/>
+          </a:p>
+          <a:p>
+            <a:r>
+              <a:rPr lang="en-US" altLang="en-US"/>
+              <a:t>cat = ["a","b","c"]</a:t>
+            </a:r>
+            <a:endParaRPr lang="en-US" altLang="en-US"/>
+          </a:p>
+          <a:p>
+            <a:r>
+              <a:rPr lang="en-US" altLang="en-US"/>
+              <a:t>sales = [343,384,300]</a:t>
+            </a:r>
+            <a:endParaRPr lang="en-US" altLang="en-US"/>
+          </a:p>
+          <a:p>
+            <a:r>
+              <a:rPr lang="en-US" altLang="en-US"/>
+              <a:t>ax = sns.barplot(x=cat,y=sales , legend=cat, palette=['red', 'blue', 'green'])</a:t>
+            </a:r>
+            <a:endParaRPr lang="en-US" altLang="en-US"/>
+          </a:p>
+          <a:p>
+            <a:r>
+              <a:rPr lang="en-US" altLang="en-US"/>
+              <a:t>for i in range(len(cat)):</a:t>
+            </a:r>
+            <a:endParaRPr lang="en-US" altLang="en-US"/>
+          </a:p>
+          <a:p>
+            <a:r>
+              <a:rPr lang="en-US" altLang="en-US"/>
+              <a:t>    ax.bar_label(ax.containers[i], fontsize=10)</a:t>
+            </a:r>
+            <a:endParaRPr lang="en-US" altLang="en-US"/>
+          </a:p>
+          <a:p>
+            <a:endParaRPr lang="en-US" altLang="en-US"/>
+          </a:p>
+          <a:p>
+            <a:r>
+              <a:rPr lang="en-US" altLang="en-US"/>
+              <a:t>plt.title("categories_wise sales")</a:t>
+            </a:r>
+            <a:endParaRPr lang="en-US" altLang="en-US"/>
+          </a:p>
+          <a:p>
+            <a:r>
+              <a:rPr lang="en-US" altLang="en-US"/>
+              <a:t>plt.xlabel("categories")</a:t>
+            </a:r>
+            <a:endParaRPr lang="en-US" altLang="en-US"/>
+          </a:p>
+          <a:p>
+            <a:r>
+              <a:rPr lang="en-US" altLang="en-US"/>
+              <a:t>plt.ylabel("sales amount")</a:t>
+            </a:r>
+            <a:endParaRPr lang="en-US" altLang="en-US"/>
+          </a:p>
+          <a:p>
+            <a:r>
+              <a:rPr lang="en-US" altLang="en-US"/>
+              <a:t>plt.grid(axis="y")</a:t>
+            </a:r>
+            <a:endParaRPr lang="en-US" altLang="en-US"/>
+          </a:p>
+          <a:p>
+            <a:r>
+              <a:rPr lang="en-US" altLang="en-US"/>
+              <a:t>plt.show()</a:t>
+            </a:r>
+            <a:endParaRPr lang="en-US" altLang="en-US"/>
+          </a:p>
+          <a:p>
+            <a:endParaRPr lang="en-US" altLang="en-US"/>
+          </a:p>
+          <a:p>
+            <a:r>
+              <a:rPr lang="en-US" altLang="en-US" b="1">
+                <a:sym typeface="+mn-ea"/>
+              </a:rPr>
+              <a:t># indivisual color each bar as gradient</a:t>
+            </a:r>
+            <a:endParaRPr lang="en-US" altLang="en-US"/>
+          </a:p>
+          <a:p>
+            <a:r>
+              <a:rPr lang="en-US" altLang="en-US" b="1"/>
+              <a:t>HUE AND PALLATE</a:t>
+            </a:r>
+            <a:endParaRPr lang="en-US" altLang="en-US" b="1"/>
+          </a:p>
+          <a:p>
+            <a:r>
+              <a:rPr lang="en-US" altLang="en-US"/>
+              <a:t>ax = sns.barplot(x=cat,y=sales ,hue=cat, legend=cat, palette="Greens")</a:t>
+            </a:r>
+            <a:endParaRPr lang="en-US" altLang="en-US"/>
+          </a:p>
+          <a:p>
+            <a:r>
+              <a:rPr lang="en-US" altLang="en-US"/>
+              <a:t>for i in range(len(cat)):</a:t>
+            </a:r>
+            <a:endParaRPr lang="en-US" altLang="en-US"/>
+          </a:p>
+          <a:p>
+            <a:r>
+              <a:rPr lang="en-US" altLang="en-US"/>
+              <a:t>    ax.bar_label(ax.containers[i], fontsize=10)</a:t>
+            </a:r>
+            <a:endParaRPr lang="en-US" altLang="en-US"/>
+          </a:p>
+          <a:p>
+            <a:endParaRPr lang="en-US" altLang="en-US"/>
+          </a:p>
+        </p:txBody>
+      </p:sp>
+      <p:sp>
+        <p:nvSpPr>
+          <p:cNvPr id="5" name="Text Box 4"/>
+          <p:cNvSpPr txBox="1"/>
+          <p:nvPr/>
+        </p:nvSpPr>
+        <p:spPr>
+          <a:xfrm>
+            <a:off x="2606040" y="4806315"/>
+            <a:ext cx="3625850" cy="337185"/>
+          </a:xfrm>
+          <a:prstGeom prst="rect">
+            <a:avLst/>
+          </a:prstGeom>
+        </p:spPr>
+        <p:txBody>
+          <a:bodyPr wrap="square">
+            <a:spAutoFit/>
+          </a:bodyPr>
+          <a:p>
+            <a:pPr>
+              <a:lnSpc>
+                <a:spcPct val="100000"/>
+              </a:lnSpc>
+            </a:pPr>
+            <a:r>
+              <a:rPr lang="en-US" altLang="zh-CN" sz="1600" b="0">
+                <a:solidFill>
+                  <a:schemeClr val="tx1"/>
+                </a:solidFill>
+                <a:latin typeface="Consolas" panose="020B0609020204030204"/>
+                <a:ea typeface="Consolas" panose="020B0609020204030204"/>
+              </a:rPr>
+              <a:t>plt.bar(x, y, color='#FF5733')</a:t>
+            </a:r>
+            <a:endParaRPr lang="en-US" altLang="zh-CN" sz="1600" b="0">
+              <a:solidFill>
+                <a:schemeClr val="tx1"/>
+              </a:solidFill>
+              <a:latin typeface="Consolas" panose="020B0609020204030204"/>
+              <a:ea typeface="Consolas" panose="020B0609020204030204"/>
+            </a:endParaRPr>
+          </a:p>
+        </p:txBody>
+      </p:sp>
+    </p:spTree>
+  </p:cSld>
+  <p:clrMapOvr>
+    <a:masterClrMapping/>
+  </p:clrMapOvr>
+</p:sld>
+</file>
+
+<file path=ppt/slides/slide15.xml><?xml version="1.0" encoding="utf-8"?>
+<p:sld xmlns:a="http://schemas.openxmlformats.org/drawingml/2006/main" xmlns:r="http://schemas.openxmlformats.org/officeDocument/2006/relationships" xmlns:p="http://schemas.openxmlformats.org/presentationml/2006/main">
+  <p:cSld>
+    <p:spTree>
+      <p:nvGrpSpPr>
+        <p:cNvPr id="1" name=""/>
+        <p:cNvGrpSpPr/>
+        <p:nvPr/>
+      </p:nvGrpSpPr>
+      <p:grpSpPr/>
+      <p:sp>
+        <p:nvSpPr>
+          <p:cNvPr id="3" name="Text Box 2"/>
+          <p:cNvSpPr txBox="1"/>
+          <p:nvPr/>
+        </p:nvSpPr>
+        <p:spPr>
+          <a:xfrm>
+            <a:off x="371475" y="0"/>
+            <a:ext cx="3048000" cy="398780"/>
+          </a:xfrm>
+          <a:prstGeom prst="rect">
+            <a:avLst/>
+          </a:prstGeom>
+          <a:noFill/>
+        </p:spPr>
+        <p:txBody>
+          <a:bodyPr wrap="square" rtlCol="0">
+            <a:spAutoFit/>
+          </a:bodyPr>
+          <a:p>
+            <a:r>
+              <a:rPr lang="en-US" sz="2000" b="1">
+                <a:solidFill>
+                  <a:srgbClr val="C00000"/>
+                </a:solidFill>
+              </a:rPr>
+              <a:t>SCATTER CHART</a:t>
+            </a:r>
+            <a:endParaRPr lang="en-US" sz="2000" b="1">
+              <a:solidFill>
+                <a:srgbClr val="C00000"/>
+              </a:solidFill>
+            </a:endParaRPr>
+          </a:p>
+        </p:txBody>
+      </p:sp>
+      <p:sp>
+        <p:nvSpPr>
+          <p:cNvPr id="2" name="Text Box 1"/>
+          <p:cNvSpPr txBox="1"/>
+          <p:nvPr/>
+        </p:nvSpPr>
+        <p:spPr>
+          <a:xfrm>
+            <a:off x="371475" y="524828"/>
+            <a:ext cx="5080000" cy="2461260"/>
+          </a:xfrm>
+          <a:prstGeom prst="rect">
+            <a:avLst/>
+          </a:prstGeom>
+        </p:spPr>
+        <p:txBody>
+          <a:bodyPr>
+            <a:spAutoFit/>
+          </a:bodyPr>
+          <a:p>
+            <a:pPr>
+              <a:lnSpc>
+                <a:spcPct val="100000"/>
+              </a:lnSpc>
+            </a:pPr>
+            <a:r>
+              <a:rPr lang="en-US" altLang="zh-CN" b="0">
+                <a:solidFill>
+                  <a:schemeClr val="tx1"/>
+                </a:solidFill>
+                <a:latin typeface="Consolas" panose="020B0609020204030204"/>
+                <a:ea typeface="Consolas" panose="020B0609020204030204"/>
+              </a:rPr>
+              <a:t># scatter  continous data  -- </a:t>
+            </a:r>
+            <a:endParaRPr lang="en-US" altLang="zh-CN" b="0">
+              <a:solidFill>
+                <a:schemeClr val="tx1"/>
+              </a:solidFill>
+              <a:latin typeface="Consolas" panose="020B0609020204030204"/>
+              <a:ea typeface="Consolas" panose="020B0609020204030204"/>
+            </a:endParaRPr>
+          </a:p>
+          <a:p>
+            <a:pPr>
+              <a:lnSpc>
+                <a:spcPct val="100000"/>
+              </a:lnSpc>
+            </a:pPr>
+            <a:r>
+              <a:rPr lang="en-US" altLang="zh-CN" b="0">
+                <a:solidFill>
+                  <a:schemeClr val="tx1"/>
+                </a:solidFill>
+                <a:latin typeface="Consolas" panose="020B0609020204030204"/>
+                <a:ea typeface="Consolas" panose="020B0609020204030204"/>
+              </a:rPr>
+              <a:t>sales=[45,34,12,67,54,32,23,12,12]</a:t>
+            </a:r>
+            <a:endParaRPr lang="en-US" altLang="zh-CN" b="0">
+              <a:solidFill>
+                <a:schemeClr val="tx1"/>
+              </a:solidFill>
+              <a:latin typeface="Consolas" panose="020B0609020204030204"/>
+              <a:ea typeface="Consolas" panose="020B0609020204030204"/>
+            </a:endParaRPr>
+          </a:p>
+          <a:p>
+            <a:pPr>
+              <a:lnSpc>
+                <a:spcPct val="100000"/>
+              </a:lnSpc>
+            </a:pPr>
+            <a:r>
+              <a:rPr lang="en-US" altLang="zh-CN" b="0">
+                <a:solidFill>
+                  <a:schemeClr val="tx1"/>
+                </a:solidFill>
+                <a:latin typeface="Consolas" panose="020B0609020204030204"/>
+                <a:ea typeface="Consolas" panose="020B0609020204030204"/>
+              </a:rPr>
+              <a:t>profit=np.random.randint(5, 13, len(sales))</a:t>
+            </a:r>
+            <a:endParaRPr lang="en-US" altLang="zh-CN" b="0">
+              <a:solidFill>
+                <a:schemeClr val="tx1"/>
+              </a:solidFill>
+              <a:latin typeface="Consolas" panose="020B0609020204030204"/>
+              <a:ea typeface="Consolas" panose="020B0609020204030204"/>
+            </a:endParaRPr>
+          </a:p>
+          <a:p>
+            <a:pPr>
+              <a:lnSpc>
+                <a:spcPct val="100000"/>
+              </a:lnSpc>
+            </a:pPr>
+            <a:r>
+              <a:rPr lang="en-US" altLang="zh-CN" b="0">
+                <a:solidFill>
+                  <a:schemeClr val="tx1"/>
+                </a:solidFill>
+                <a:latin typeface="Consolas" panose="020B0609020204030204"/>
+                <a:ea typeface="Consolas" panose="020B0609020204030204"/>
+              </a:rPr>
+              <a:t>print(sales)</a:t>
+            </a:r>
+            <a:endParaRPr lang="en-US" altLang="zh-CN" b="0">
+              <a:solidFill>
+                <a:schemeClr val="tx1"/>
+              </a:solidFill>
+              <a:latin typeface="Consolas" panose="020B0609020204030204"/>
+              <a:ea typeface="Consolas" panose="020B0609020204030204"/>
+            </a:endParaRPr>
+          </a:p>
+          <a:p>
+            <a:pPr>
+              <a:lnSpc>
+                <a:spcPct val="100000"/>
+              </a:lnSpc>
+            </a:pPr>
+            <a:r>
+              <a:rPr lang="en-US" altLang="zh-CN" b="0">
+                <a:solidFill>
+                  <a:schemeClr val="tx1"/>
+                </a:solidFill>
+                <a:latin typeface="Consolas" panose="020B0609020204030204"/>
+                <a:ea typeface="Consolas" panose="020B0609020204030204"/>
+              </a:rPr>
+              <a:t>print(profit)</a:t>
+            </a:r>
+            <a:endParaRPr lang="en-US" altLang="zh-CN" b="0">
+              <a:solidFill>
+                <a:schemeClr val="tx1"/>
+              </a:solidFill>
+              <a:latin typeface="Consolas" panose="020B0609020204030204"/>
+              <a:ea typeface="Consolas" panose="020B0609020204030204"/>
+            </a:endParaRPr>
+          </a:p>
+          <a:p>
+            <a:pPr>
+              <a:lnSpc>
+                <a:spcPct val="100000"/>
+              </a:lnSpc>
+            </a:pPr>
+            <a:r>
+              <a:rPr lang="en-US" altLang="en-US" b="0">
+                <a:solidFill>
+                  <a:schemeClr val="tx1"/>
+                </a:solidFill>
+                <a:latin typeface="Consolas" panose="020B0609020204030204"/>
+                <a:ea typeface="Consolas" panose="020B0609020204030204"/>
+              </a:rPr>
+              <a:t>plt.scatter(profit,sales)</a:t>
+            </a:r>
+            <a:endParaRPr lang="en-US" altLang="en-US" b="0">
+              <a:solidFill>
+                <a:schemeClr val="tx1"/>
+              </a:solidFill>
+              <a:latin typeface="Consolas" panose="020B0609020204030204"/>
+              <a:ea typeface="Consolas" panose="020B0609020204030204"/>
+            </a:endParaRPr>
+          </a:p>
+          <a:p>
+            <a:pPr>
+              <a:lnSpc>
+                <a:spcPct val="100000"/>
+              </a:lnSpc>
+            </a:pPr>
+            <a:endParaRPr lang="en-US" altLang="en-US" b="0">
+              <a:solidFill>
+                <a:schemeClr val="tx1"/>
+              </a:solidFill>
+              <a:latin typeface="Consolas" panose="020B0609020204030204"/>
+              <a:ea typeface="Consolas" panose="020B0609020204030204"/>
+            </a:endParaRPr>
+          </a:p>
+          <a:p>
+            <a:pPr>
+              <a:lnSpc>
+                <a:spcPct val="100000"/>
+              </a:lnSpc>
+            </a:pPr>
+            <a:endParaRPr lang="en-US" altLang="en-US" b="0">
+              <a:solidFill>
+                <a:schemeClr val="tx1"/>
+              </a:solidFill>
+              <a:latin typeface="Consolas" panose="020B0609020204030204"/>
+              <a:ea typeface="Consolas" panose="020B0609020204030204"/>
+            </a:endParaRPr>
+          </a:p>
+          <a:p>
+            <a:pPr>
+              <a:lnSpc>
+                <a:spcPct val="100000"/>
+              </a:lnSpc>
+            </a:pPr>
+            <a:r>
+              <a:rPr lang="en-US" altLang="en-US" b="0">
+                <a:solidFill>
+                  <a:schemeClr val="tx1"/>
+                </a:solidFill>
+                <a:latin typeface="Consolas" panose="020B0609020204030204"/>
+                <a:ea typeface="Consolas" panose="020B0609020204030204"/>
+              </a:rPr>
+              <a:t>gender = ['m','f','m','f','m','f','f','m','f']</a:t>
+            </a:r>
+            <a:endParaRPr lang="en-US" altLang="en-US" b="0">
+              <a:solidFill>
+                <a:schemeClr val="tx1"/>
+              </a:solidFill>
+              <a:latin typeface="Consolas" panose="020B0609020204030204"/>
+              <a:ea typeface="Consolas" panose="020B0609020204030204"/>
+            </a:endParaRPr>
+          </a:p>
+          <a:p>
+            <a:pPr>
+              <a:lnSpc>
+                <a:spcPct val="100000"/>
+              </a:lnSpc>
+            </a:pPr>
+            <a:r>
+              <a:rPr lang="en-US" altLang="en-US" b="0">
+                <a:solidFill>
+                  <a:schemeClr val="tx1"/>
+                </a:solidFill>
+                <a:latin typeface="Consolas" panose="020B0609020204030204"/>
+                <a:ea typeface="Consolas" panose="020B0609020204030204"/>
+              </a:rPr>
+              <a:t>sns.scatterplot(x=profit , y=sales,hue=gender)</a:t>
+            </a:r>
+            <a:endParaRPr lang="en-US" altLang="en-US" b="0">
+              <a:solidFill>
+                <a:schemeClr val="tx1"/>
+              </a:solidFill>
+              <a:latin typeface="Consolas" panose="020B0609020204030204"/>
+              <a:ea typeface="Consolas" panose="020B0609020204030204"/>
+            </a:endParaRPr>
+          </a:p>
+          <a:p>
+            <a:pPr>
+              <a:lnSpc>
+                <a:spcPct val="100000"/>
+              </a:lnSpc>
+            </a:pPr>
+            <a:endParaRPr lang="en-US" altLang="en-US" b="0">
+              <a:solidFill>
+                <a:schemeClr val="tx1"/>
+              </a:solidFill>
+              <a:latin typeface="Consolas" panose="020B0609020204030204"/>
+              <a:ea typeface="Consolas" panose="020B0609020204030204"/>
+            </a:endParaRPr>
+          </a:p>
+        </p:txBody>
+      </p:sp>
+      <p:sp>
+        <p:nvSpPr>
+          <p:cNvPr id="4" name="Text Box 3"/>
+          <p:cNvSpPr txBox="1"/>
+          <p:nvPr/>
+        </p:nvSpPr>
+        <p:spPr>
+          <a:xfrm>
+            <a:off x="644525" y="4648200"/>
+            <a:ext cx="8162925" cy="337185"/>
+          </a:xfrm>
+          <a:prstGeom prst="rect">
+            <a:avLst/>
+          </a:prstGeom>
+        </p:spPr>
+        <p:txBody>
+          <a:bodyPr wrap="square">
+            <a:spAutoFit/>
+          </a:bodyPr>
+          <a:p>
+            <a:pPr>
+              <a:lnSpc>
+                <a:spcPct val="100000"/>
+              </a:lnSpc>
+            </a:pPr>
+            <a:r>
+              <a:rPr lang="en-US" altLang="zh-CN" sz="1600" b="0">
+                <a:solidFill>
+                  <a:schemeClr val="tx1"/>
+                </a:solidFill>
+                <a:latin typeface="Consolas" panose="020B0609020204030204"/>
+                <a:ea typeface="Consolas" panose="020B0609020204030204"/>
+              </a:rPr>
+              <a:t>plt.scatter(x, y, c='r', alpha=.9, marker="X" ) # alpha color intensity</a:t>
+            </a:r>
+            <a:endParaRPr lang="en-US" altLang="zh-CN" sz="1600" b="0">
+              <a:solidFill>
+                <a:schemeClr val="tx1"/>
+              </a:solidFill>
+              <a:latin typeface="Consolas" panose="020B0609020204030204"/>
+              <a:ea typeface="Consolas" panose="020B0609020204030204"/>
+            </a:endParaRPr>
+          </a:p>
+        </p:txBody>
+      </p:sp>
+    </p:spTree>
+  </p:cSld>
+  <p:clrMapOvr>
+    <a:masterClrMapping/>
+  </p:clrMapOvr>
+</p:sld>
+</file>
+
+<file path=ppt/slides/slide16.xml><?xml version="1.0" encoding="utf-8"?>
+<p:sld xmlns:a="http://schemas.openxmlformats.org/drawingml/2006/main" xmlns:r="http://schemas.openxmlformats.org/officeDocument/2006/relationships" xmlns:p="http://schemas.openxmlformats.org/presentationml/2006/main">
+  <p:cSld>
+    <p:spTree>
+      <p:nvGrpSpPr>
+        <p:cNvPr id="1" name=""/>
+        <p:cNvGrpSpPr/>
+        <p:nvPr/>
+      </p:nvGrpSpPr>
+      <p:grpSpPr/>
+      <p:sp>
+        <p:nvSpPr>
+          <p:cNvPr id="3" name="Text Box 2"/>
+          <p:cNvSpPr txBox="1"/>
+          <p:nvPr/>
+        </p:nvSpPr>
+        <p:spPr>
+          <a:xfrm>
+            <a:off x="1054735" y="69850"/>
+            <a:ext cx="3048000" cy="398780"/>
+          </a:xfrm>
+          <a:prstGeom prst="rect">
+            <a:avLst/>
+          </a:prstGeom>
+          <a:noFill/>
+        </p:spPr>
+        <p:txBody>
+          <a:bodyPr wrap="square" rtlCol="0">
+            <a:spAutoFit/>
+          </a:bodyPr>
+          <a:p>
+            <a:r>
+              <a:rPr lang="en-US" sz="2000" b="1">
+                <a:solidFill>
+                  <a:srgbClr val="C00000"/>
+                </a:solidFill>
+              </a:rPr>
+              <a:t>SCATTER CHART</a:t>
+            </a:r>
+            <a:endParaRPr lang="en-US" sz="2000" b="1">
+              <a:solidFill>
+                <a:srgbClr val="C00000"/>
+              </a:solidFill>
+            </a:endParaRPr>
+          </a:p>
+        </p:txBody>
+      </p:sp>
+      <p:sp>
+        <p:nvSpPr>
+          <p:cNvPr id="2" name="Text Box 1"/>
+          <p:cNvSpPr txBox="1"/>
+          <p:nvPr/>
+        </p:nvSpPr>
+        <p:spPr>
+          <a:xfrm>
+            <a:off x="918845" y="587058"/>
+            <a:ext cx="5080000" cy="2461260"/>
+          </a:xfrm>
+          <a:prstGeom prst="rect">
+            <a:avLst/>
+          </a:prstGeom>
+        </p:spPr>
+        <p:txBody>
+          <a:bodyPr>
+            <a:spAutoFit/>
+          </a:bodyPr>
+          <a:p>
+            <a:pPr>
+              <a:lnSpc>
+                <a:spcPct val="100000"/>
+              </a:lnSpc>
+            </a:pPr>
+            <a:r>
+              <a:rPr lang="en-US" altLang="zh-CN" b="0">
+                <a:solidFill>
+                  <a:schemeClr val="tx1"/>
+                </a:solidFill>
+                <a:latin typeface="Consolas" panose="020B0609020204030204"/>
+                <a:ea typeface="Consolas" panose="020B0609020204030204"/>
+              </a:rPr>
+              <a:t># scatter  continous data  -- </a:t>
+            </a:r>
+            <a:endParaRPr lang="en-US" altLang="zh-CN" b="0">
+              <a:solidFill>
+                <a:schemeClr val="tx1"/>
+              </a:solidFill>
+              <a:latin typeface="Consolas" panose="020B0609020204030204"/>
+              <a:ea typeface="Consolas" panose="020B0609020204030204"/>
+            </a:endParaRPr>
+          </a:p>
+          <a:p>
+            <a:pPr>
+              <a:lnSpc>
+                <a:spcPct val="100000"/>
+              </a:lnSpc>
+            </a:pPr>
+            <a:r>
+              <a:rPr lang="en-US" altLang="zh-CN" b="0">
+                <a:solidFill>
+                  <a:schemeClr val="tx1"/>
+                </a:solidFill>
+                <a:latin typeface="Consolas" panose="020B0609020204030204"/>
+                <a:ea typeface="Consolas" panose="020B0609020204030204"/>
+              </a:rPr>
+              <a:t>sales=[45,34,12,67,54,32,23,12,12]</a:t>
+            </a:r>
+            <a:endParaRPr lang="en-US" altLang="zh-CN" b="0">
+              <a:solidFill>
+                <a:schemeClr val="tx1"/>
+              </a:solidFill>
+              <a:latin typeface="Consolas" panose="020B0609020204030204"/>
+              <a:ea typeface="Consolas" panose="020B0609020204030204"/>
+            </a:endParaRPr>
+          </a:p>
+          <a:p>
+            <a:pPr>
+              <a:lnSpc>
+                <a:spcPct val="100000"/>
+              </a:lnSpc>
+            </a:pPr>
+            <a:r>
+              <a:rPr lang="en-US" altLang="zh-CN" b="0">
+                <a:solidFill>
+                  <a:schemeClr val="tx1"/>
+                </a:solidFill>
+                <a:latin typeface="Consolas" panose="020B0609020204030204"/>
+                <a:ea typeface="Consolas" panose="020B0609020204030204"/>
+              </a:rPr>
+              <a:t>profit=np.random.randint(5, 13, len(sales))</a:t>
+            </a:r>
+            <a:endParaRPr lang="en-US" altLang="zh-CN" b="0">
+              <a:solidFill>
+                <a:schemeClr val="tx1"/>
+              </a:solidFill>
+              <a:latin typeface="Consolas" panose="020B0609020204030204"/>
+              <a:ea typeface="Consolas" panose="020B0609020204030204"/>
+            </a:endParaRPr>
+          </a:p>
+          <a:p>
+            <a:pPr>
+              <a:lnSpc>
+                <a:spcPct val="100000"/>
+              </a:lnSpc>
+            </a:pPr>
+            <a:r>
+              <a:rPr lang="en-US" altLang="zh-CN" b="0">
+                <a:solidFill>
+                  <a:schemeClr val="tx1"/>
+                </a:solidFill>
+                <a:latin typeface="Consolas" panose="020B0609020204030204"/>
+                <a:ea typeface="Consolas" panose="020B0609020204030204"/>
+              </a:rPr>
+              <a:t>print(sales)</a:t>
+            </a:r>
+            <a:endParaRPr lang="en-US" altLang="zh-CN" b="0">
+              <a:solidFill>
+                <a:schemeClr val="tx1"/>
+              </a:solidFill>
+              <a:latin typeface="Consolas" panose="020B0609020204030204"/>
+              <a:ea typeface="Consolas" panose="020B0609020204030204"/>
+            </a:endParaRPr>
+          </a:p>
+          <a:p>
+            <a:pPr>
+              <a:lnSpc>
+                <a:spcPct val="100000"/>
+              </a:lnSpc>
+            </a:pPr>
+            <a:r>
+              <a:rPr lang="en-US" altLang="zh-CN" b="0">
+                <a:solidFill>
+                  <a:schemeClr val="tx1"/>
+                </a:solidFill>
+                <a:latin typeface="Consolas" panose="020B0609020204030204"/>
+                <a:ea typeface="Consolas" panose="020B0609020204030204"/>
+              </a:rPr>
+              <a:t>print(profit)</a:t>
+            </a:r>
+            <a:endParaRPr lang="en-US" altLang="zh-CN" b="0">
+              <a:solidFill>
+                <a:schemeClr val="tx1"/>
+              </a:solidFill>
+              <a:latin typeface="Consolas" panose="020B0609020204030204"/>
+              <a:ea typeface="Consolas" panose="020B0609020204030204"/>
+            </a:endParaRPr>
+          </a:p>
+          <a:p>
+            <a:pPr>
+              <a:lnSpc>
+                <a:spcPct val="100000"/>
+              </a:lnSpc>
+            </a:pPr>
+            <a:r>
+              <a:rPr lang="en-US" altLang="en-US" b="0">
+                <a:solidFill>
+                  <a:schemeClr val="tx1"/>
+                </a:solidFill>
+                <a:latin typeface="Consolas" panose="020B0609020204030204"/>
+                <a:ea typeface="Consolas" panose="020B0609020204030204"/>
+              </a:rPr>
+              <a:t>plt.scatter(profit,sales)</a:t>
+            </a:r>
+            <a:endParaRPr lang="en-US" altLang="en-US" b="0">
+              <a:solidFill>
+                <a:schemeClr val="tx1"/>
+              </a:solidFill>
+              <a:latin typeface="Consolas" panose="020B0609020204030204"/>
+              <a:ea typeface="Consolas" panose="020B0609020204030204"/>
+            </a:endParaRPr>
+          </a:p>
+          <a:p>
+            <a:pPr>
+              <a:lnSpc>
+                <a:spcPct val="100000"/>
+              </a:lnSpc>
+            </a:pPr>
+            <a:endParaRPr lang="en-US" altLang="en-US" b="0">
+              <a:solidFill>
+                <a:schemeClr val="tx1"/>
+              </a:solidFill>
+              <a:latin typeface="Consolas" panose="020B0609020204030204"/>
+              <a:ea typeface="Consolas" panose="020B0609020204030204"/>
+            </a:endParaRPr>
+          </a:p>
+          <a:p>
+            <a:pPr>
+              <a:lnSpc>
+                <a:spcPct val="100000"/>
+              </a:lnSpc>
+            </a:pPr>
+            <a:endParaRPr lang="en-US" altLang="en-US" b="0">
+              <a:solidFill>
+                <a:schemeClr val="tx1"/>
+              </a:solidFill>
+              <a:latin typeface="Consolas" panose="020B0609020204030204"/>
+              <a:ea typeface="Consolas" panose="020B0609020204030204"/>
+            </a:endParaRPr>
+          </a:p>
+          <a:p>
+            <a:pPr>
+              <a:lnSpc>
+                <a:spcPct val="100000"/>
+              </a:lnSpc>
+            </a:pPr>
+            <a:r>
+              <a:rPr lang="en-US" altLang="en-US" b="0">
+                <a:solidFill>
+                  <a:schemeClr val="tx1"/>
+                </a:solidFill>
+                <a:latin typeface="Consolas" panose="020B0609020204030204"/>
+                <a:ea typeface="Consolas" panose="020B0609020204030204"/>
+              </a:rPr>
+              <a:t>gender = ['m','f','m','f','m','f','f','m','f']</a:t>
+            </a:r>
+            <a:endParaRPr lang="en-US" altLang="en-US" b="0">
+              <a:solidFill>
+                <a:schemeClr val="tx1"/>
+              </a:solidFill>
+              <a:latin typeface="Consolas" panose="020B0609020204030204"/>
+              <a:ea typeface="Consolas" panose="020B0609020204030204"/>
+            </a:endParaRPr>
+          </a:p>
+          <a:p>
+            <a:pPr>
+              <a:lnSpc>
+                <a:spcPct val="100000"/>
+              </a:lnSpc>
+            </a:pPr>
+            <a:r>
+              <a:rPr lang="en-US" altLang="en-US" b="0">
+                <a:solidFill>
+                  <a:schemeClr val="tx1"/>
+                </a:solidFill>
+                <a:latin typeface="Consolas" panose="020B0609020204030204"/>
+                <a:ea typeface="Consolas" panose="020B0609020204030204"/>
+              </a:rPr>
+              <a:t>sns.scatterplot(x=profit , y=sales,hue=gender)</a:t>
+            </a:r>
+            <a:endParaRPr lang="en-US" altLang="en-US" b="0">
+              <a:solidFill>
+                <a:schemeClr val="tx1"/>
+              </a:solidFill>
+              <a:latin typeface="Consolas" panose="020B0609020204030204"/>
+              <a:ea typeface="Consolas" panose="020B0609020204030204"/>
+            </a:endParaRPr>
+          </a:p>
+          <a:p>
+            <a:pPr>
+              <a:lnSpc>
+                <a:spcPct val="100000"/>
+              </a:lnSpc>
+            </a:pPr>
+            <a:endParaRPr lang="en-US" altLang="en-US" b="0">
+              <a:solidFill>
+                <a:schemeClr val="tx1"/>
+              </a:solidFill>
+              <a:latin typeface="Consolas" panose="020B0609020204030204"/>
+              <a:ea typeface="Consolas" panose="020B0609020204030204"/>
+            </a:endParaRPr>
+          </a:p>
+        </p:txBody>
+      </p:sp>
+    </p:spTree>
+  </p:cSld>
+  <p:clrMapOvr>
+    <a:masterClrMapping/>
+  </p:clrMapOvr>
+</p:sld>
+</file>
+
+<file path=ppt/slides/slide17.xml><?xml version="1.0" encoding="utf-8"?>
+<p:sld xmlns:a="http://schemas.openxmlformats.org/drawingml/2006/main" xmlns:r="http://schemas.openxmlformats.org/officeDocument/2006/relationships" xmlns:p="http://schemas.openxmlformats.org/presentationml/2006/main">
+  <p:cSld>
+    <p:spTree>
+      <p:nvGrpSpPr>
+        <p:cNvPr id="1" name=""/>
+        <p:cNvGrpSpPr/>
+        <p:nvPr/>
+      </p:nvGrpSpPr>
+      <p:grpSpPr/>
+      <p:sp>
+        <p:nvSpPr>
+          <p:cNvPr id="2" name="Text Box 1"/>
+          <p:cNvSpPr txBox="1"/>
+          <p:nvPr/>
+        </p:nvSpPr>
+        <p:spPr>
+          <a:xfrm>
+            <a:off x="433070" y="167958"/>
+            <a:ext cx="5080000" cy="337185"/>
+          </a:xfrm>
+          <a:prstGeom prst="rect">
+            <a:avLst/>
+          </a:prstGeom>
+        </p:spPr>
+        <p:txBody>
+          <a:bodyPr>
+            <a:spAutoFit/>
+          </a:bodyPr>
+          <a:p>
+            <a:pPr>
+              <a:spcAft>
+                <a:spcPct val="60000"/>
+              </a:spcAft>
+            </a:pPr>
+            <a:r>
+              <a:rPr lang="en-US" altLang="zh-CN" sz="1600" b="1"/>
+              <a:t>3. Pie Chart</a:t>
+            </a:r>
+            <a:endParaRPr lang="en-US" altLang="zh-CN" sz="1600" b="1"/>
+          </a:p>
+        </p:txBody>
+      </p:sp>
+      <p:sp>
+        <p:nvSpPr>
+          <p:cNvPr id="5" name="Text Box 4"/>
+          <p:cNvSpPr txBox="1"/>
+          <p:nvPr/>
+        </p:nvSpPr>
+        <p:spPr>
+          <a:xfrm>
+            <a:off x="3587115" y="505460"/>
+            <a:ext cx="4258310" cy="1814830"/>
+          </a:xfrm>
+          <a:prstGeom prst="rect">
+            <a:avLst/>
+          </a:prstGeom>
+        </p:spPr>
+        <p:txBody>
+          <a:bodyPr wrap="square">
+            <a:spAutoFit/>
+          </a:bodyPr>
+          <a:p>
+            <a:pPr>
+              <a:lnSpc>
+                <a:spcPct val="100000"/>
+              </a:lnSpc>
+            </a:pPr>
+            <a:r>
+              <a:rPr lang="en-US" altLang="zh-CN" sz="1600" b="0">
+                <a:solidFill>
+                  <a:schemeClr val="tx1"/>
+                </a:solidFill>
+                <a:latin typeface="Consolas" panose="020B0609020204030204"/>
+                <a:ea typeface="Consolas" panose="020B0609020204030204"/>
+              </a:rPr>
+              <a:t>#pie chart</a:t>
+            </a:r>
+            <a:endParaRPr lang="en-US" altLang="zh-CN" sz="1600" b="0">
+              <a:solidFill>
+                <a:schemeClr val="tx1"/>
+              </a:solidFill>
+              <a:latin typeface="Consolas" panose="020B0609020204030204"/>
+              <a:ea typeface="Consolas" panose="020B0609020204030204"/>
+            </a:endParaRPr>
+          </a:p>
+          <a:p>
+            <a:pPr>
+              <a:lnSpc>
+                <a:spcPct val="100000"/>
+              </a:lnSpc>
+            </a:pPr>
+            <a:r>
+              <a:rPr lang="en-US" altLang="zh-CN" sz="1600" b="0">
+                <a:solidFill>
+                  <a:schemeClr val="tx1"/>
+                </a:solidFill>
+                <a:latin typeface="Consolas" panose="020B0609020204030204"/>
+                <a:ea typeface="Consolas" panose="020B0609020204030204"/>
+              </a:rPr>
+              <a:t>langs= ['C', 'Python', 'Java']</a:t>
+            </a:r>
+            <a:endParaRPr lang="en-US" altLang="zh-CN" sz="1600" b="0">
+              <a:solidFill>
+                <a:schemeClr val="tx1"/>
+              </a:solidFill>
+              <a:latin typeface="Consolas" panose="020B0609020204030204"/>
+              <a:ea typeface="Consolas" panose="020B0609020204030204"/>
+            </a:endParaRPr>
+          </a:p>
+          <a:p>
+            <a:pPr>
+              <a:lnSpc>
+                <a:spcPct val="100000"/>
+              </a:lnSpc>
+            </a:pPr>
+            <a:r>
+              <a:rPr lang="en-US" altLang="zh-CN" sz="1600" b="0">
+                <a:solidFill>
+                  <a:schemeClr val="tx1"/>
+                </a:solidFill>
+                <a:latin typeface="Consolas" panose="020B0609020204030204"/>
+                <a:ea typeface="Consolas" panose="020B0609020204030204"/>
+              </a:rPr>
+              <a:t>students= [20, 100, 40]</a:t>
+            </a:r>
+            <a:endParaRPr lang="en-US" altLang="zh-CN" sz="1600" b="0">
+              <a:solidFill>
+                <a:schemeClr val="tx1"/>
+              </a:solidFill>
+              <a:latin typeface="Consolas" panose="020B0609020204030204"/>
+              <a:ea typeface="Consolas" panose="020B0609020204030204"/>
+            </a:endParaRPr>
+          </a:p>
+          <a:p>
+            <a:pPr>
+              <a:lnSpc>
+                <a:spcPct val="100000"/>
+              </a:lnSpc>
+            </a:pPr>
+            <a:r>
+              <a:rPr lang="en-US" altLang="zh-CN" sz="1600" b="0">
+                <a:solidFill>
+                  <a:schemeClr val="tx1"/>
+                </a:solidFill>
+                <a:latin typeface="Consolas" panose="020B0609020204030204"/>
+                <a:ea typeface="Consolas" panose="020B0609020204030204"/>
+              </a:rPr>
+              <a:t>plt.pie(students, labels=langs, autopct='%1.1f%%')</a:t>
+            </a:r>
+            <a:endParaRPr lang="en-US" altLang="zh-CN" sz="1600" b="0">
+              <a:solidFill>
+                <a:schemeClr val="tx1"/>
+              </a:solidFill>
+              <a:latin typeface="Consolas" panose="020B0609020204030204"/>
+              <a:ea typeface="Consolas" panose="020B0609020204030204"/>
+            </a:endParaRPr>
+          </a:p>
+          <a:p>
+            <a:pPr>
+              <a:lnSpc>
+                <a:spcPct val="100000"/>
+              </a:lnSpc>
+            </a:pPr>
+            <a:r>
+              <a:rPr lang="en-US" altLang="zh-CN" sz="1600" b="0">
+                <a:solidFill>
+                  <a:schemeClr val="tx1"/>
+                </a:solidFill>
+                <a:latin typeface="Consolas" panose="020B0609020204030204"/>
+                <a:ea typeface="Consolas" panose="020B0609020204030204"/>
+              </a:rPr>
+              <a:t>plt.title("Pie chart")</a:t>
+            </a:r>
+            <a:endParaRPr lang="en-US" altLang="zh-CN" sz="1600" b="0">
+              <a:solidFill>
+                <a:schemeClr val="tx1"/>
+              </a:solidFill>
+              <a:latin typeface="Consolas" panose="020B0609020204030204"/>
+              <a:ea typeface="Consolas" panose="020B0609020204030204"/>
+            </a:endParaRPr>
+          </a:p>
+          <a:p>
+            <a:pPr>
+              <a:lnSpc>
+                <a:spcPct val="100000"/>
+              </a:lnSpc>
+            </a:pPr>
+            <a:r>
+              <a:rPr lang="en-US" altLang="zh-CN" sz="1600" b="0">
+                <a:solidFill>
+                  <a:schemeClr val="tx1"/>
+                </a:solidFill>
+                <a:latin typeface="Consolas" panose="020B0609020204030204"/>
+                <a:ea typeface="Consolas" panose="020B0609020204030204"/>
+              </a:rPr>
+              <a:t>plt.show()</a:t>
+            </a:r>
+            <a:endParaRPr lang="en-US" altLang="zh-CN" sz="1600" b="0">
+              <a:solidFill>
+                <a:schemeClr val="tx1"/>
+              </a:solidFill>
+              <a:latin typeface="Consolas" panose="020B0609020204030204"/>
+              <a:ea typeface="Consolas" panose="020B0609020204030204"/>
+            </a:endParaRPr>
+          </a:p>
+        </p:txBody>
+      </p:sp>
+      <p:sp>
+        <p:nvSpPr>
+          <p:cNvPr id="3" name="Text Box 2"/>
+          <p:cNvSpPr txBox="1"/>
+          <p:nvPr/>
+        </p:nvSpPr>
+        <p:spPr>
+          <a:xfrm>
+            <a:off x="3790315" y="2896235"/>
+            <a:ext cx="5080000" cy="1599565"/>
+          </a:xfrm>
+          <a:prstGeom prst="rect">
+            <a:avLst/>
+          </a:prstGeom>
+        </p:spPr>
+        <p:txBody>
+          <a:bodyPr>
+            <a:spAutoFit/>
+          </a:bodyPr>
+          <a:p>
+            <a:pPr>
+              <a:lnSpc>
+                <a:spcPct val="100000"/>
+              </a:lnSpc>
+            </a:pPr>
+            <a:r>
+              <a:rPr lang="en-US" altLang="zh-CN" b="0">
+                <a:solidFill>
+                  <a:schemeClr val="tx1"/>
+                </a:solidFill>
+                <a:latin typeface="Consolas" panose="020B0609020204030204"/>
+                <a:ea typeface="Consolas" panose="020B0609020204030204"/>
+              </a:rPr>
+              <a:t>my_explode= (0.0, 0.1, 0.1)</a:t>
+            </a:r>
+            <a:endParaRPr lang="en-US" altLang="zh-CN" b="0">
+              <a:solidFill>
+                <a:schemeClr val="tx1"/>
+              </a:solidFill>
+              <a:latin typeface="Consolas" panose="020B0609020204030204"/>
+              <a:ea typeface="Consolas" panose="020B0609020204030204"/>
+            </a:endParaRPr>
+          </a:p>
+          <a:p>
+            <a:pPr>
+              <a:lnSpc>
+                <a:spcPct val="100000"/>
+              </a:lnSpc>
+            </a:pPr>
+            <a:r>
+              <a:rPr lang="en-US" altLang="zh-CN" b="0">
+                <a:solidFill>
+                  <a:schemeClr val="tx1"/>
+                </a:solidFill>
+                <a:latin typeface="Consolas" panose="020B0609020204030204"/>
+                <a:ea typeface="Consolas" panose="020B0609020204030204"/>
+              </a:rPr>
+              <a:t>langs= ['C', 'Python', 'Java']</a:t>
+            </a:r>
+            <a:endParaRPr lang="en-US" altLang="zh-CN" b="0">
+              <a:solidFill>
+                <a:schemeClr val="tx1"/>
+              </a:solidFill>
+              <a:latin typeface="Consolas" panose="020B0609020204030204"/>
+              <a:ea typeface="Consolas" panose="020B0609020204030204"/>
+            </a:endParaRPr>
+          </a:p>
+          <a:p>
+            <a:pPr>
+              <a:lnSpc>
+                <a:spcPct val="100000"/>
+              </a:lnSpc>
+            </a:pPr>
+            <a:r>
+              <a:rPr lang="en-US" altLang="zh-CN" b="0">
+                <a:solidFill>
+                  <a:schemeClr val="tx1"/>
+                </a:solidFill>
+                <a:latin typeface="Consolas" panose="020B0609020204030204"/>
+                <a:ea typeface="Consolas" panose="020B0609020204030204"/>
+              </a:rPr>
+              <a:t>students= [20, 100, 40]</a:t>
+            </a:r>
+            <a:endParaRPr lang="en-US" altLang="zh-CN" b="0">
+              <a:solidFill>
+                <a:schemeClr val="tx1"/>
+              </a:solidFill>
+              <a:latin typeface="Consolas" panose="020B0609020204030204"/>
+              <a:ea typeface="Consolas" panose="020B0609020204030204"/>
+            </a:endParaRPr>
+          </a:p>
+          <a:p>
+            <a:pPr>
+              <a:lnSpc>
+                <a:spcPct val="100000"/>
+              </a:lnSpc>
+            </a:pPr>
+            <a:r>
+              <a:rPr lang="en-US" altLang="zh-CN" b="0">
+                <a:solidFill>
+                  <a:schemeClr val="tx1"/>
+                </a:solidFill>
+                <a:latin typeface="Consolas" panose="020B0609020204030204"/>
+                <a:ea typeface="Consolas" panose="020B0609020204030204"/>
+              </a:rPr>
+              <a:t>plt.pie(students, labels=langs, autopct='%1.1f%%', explode=my_explode, shadow=  True)</a:t>
+            </a:r>
+            <a:endParaRPr lang="en-US" altLang="zh-CN" b="0">
+              <a:solidFill>
+                <a:schemeClr val="tx1"/>
+              </a:solidFill>
+              <a:latin typeface="Consolas" panose="020B0609020204030204"/>
+              <a:ea typeface="Consolas" panose="020B0609020204030204"/>
+            </a:endParaRPr>
+          </a:p>
+          <a:p>
+            <a:pPr>
+              <a:lnSpc>
+                <a:spcPct val="100000"/>
+              </a:lnSpc>
+            </a:pPr>
+            <a:r>
+              <a:rPr lang="en-US" altLang="zh-CN" b="0">
+                <a:solidFill>
+                  <a:schemeClr val="tx1"/>
+                </a:solidFill>
+                <a:latin typeface="Consolas" panose="020B0609020204030204"/>
+                <a:ea typeface="Consolas" panose="020B0609020204030204"/>
+              </a:rPr>
+              <a:t>plt.title("Pie chart")</a:t>
+            </a:r>
+            <a:endParaRPr lang="en-US" altLang="zh-CN" b="0">
+              <a:solidFill>
+                <a:schemeClr val="tx1"/>
+              </a:solidFill>
+              <a:latin typeface="Consolas" panose="020B0609020204030204"/>
+              <a:ea typeface="Consolas" panose="020B0609020204030204"/>
+            </a:endParaRPr>
+          </a:p>
+          <a:p>
+            <a:pPr>
+              <a:lnSpc>
+                <a:spcPct val="100000"/>
+              </a:lnSpc>
+            </a:pPr>
+            <a:r>
+              <a:rPr lang="en-US" altLang="zh-CN" b="0">
+                <a:solidFill>
+                  <a:schemeClr val="tx1"/>
+                </a:solidFill>
+                <a:latin typeface="Consolas" panose="020B0609020204030204"/>
+                <a:ea typeface="Consolas" panose="020B0609020204030204"/>
+              </a:rPr>
+              <a:t>plt.show()</a:t>
+            </a:r>
+            <a:endParaRPr lang="en-US" altLang="zh-CN" b="0">
+              <a:solidFill>
+                <a:schemeClr val="tx1"/>
+              </a:solidFill>
+              <a:latin typeface="Consolas" panose="020B0609020204030204"/>
+              <a:ea typeface="Consolas" panose="020B0609020204030204"/>
+            </a:endParaRPr>
+          </a:p>
+        </p:txBody>
+      </p:sp>
+      <p:sp>
+        <p:nvSpPr>
+          <p:cNvPr id="4" name="Text Box 3"/>
+          <p:cNvSpPr txBox="1"/>
+          <p:nvPr/>
+        </p:nvSpPr>
+        <p:spPr>
+          <a:xfrm>
+            <a:off x="197485" y="4179887"/>
+            <a:ext cx="5080000" cy="829945"/>
+          </a:xfrm>
+          <a:prstGeom prst="rect">
+            <a:avLst/>
+          </a:prstGeom>
+        </p:spPr>
+        <p:txBody>
+          <a:bodyPr>
+            <a:spAutoFit/>
+          </a:bodyPr>
+          <a:p>
+            <a:pPr marL="0" indent="0"/>
+            <a:r>
+              <a:rPr lang="en-US" altLang="zh-CN" sz="1600" b="0" i="0">
+                <a:solidFill>
+                  <a:srgbClr val="001D35"/>
+                </a:solidFill>
+                <a:latin typeface="monospace"/>
+                <a:ea typeface="monospace"/>
+              </a:rPr>
+              <a:t>plt.pie(data, labels=labels, colors=colors, explode=explode, autopct=</a:t>
+            </a:r>
+            <a:r>
+              <a:rPr lang="en-US" altLang="zh-CN" sz="1600" b="0" i="0">
+                <a:solidFill>
+                  <a:srgbClr val="188038"/>
+                </a:solidFill>
+                <a:latin typeface="monospace"/>
+                <a:ea typeface="monospace"/>
+              </a:rPr>
+              <a:t>'%1.1f%%'</a:t>
+            </a:r>
+            <a:r>
+              <a:rPr lang="en-US" altLang="zh-CN" sz="1600" b="0" i="0">
+                <a:solidFill>
+                  <a:srgbClr val="001D35"/>
+                </a:solidFill>
+                <a:latin typeface="monospace"/>
+                <a:ea typeface="monospace"/>
+              </a:rPr>
+              <a:t>, shadow=</a:t>
+            </a:r>
+            <a:r>
+              <a:rPr lang="en-US" altLang="zh-CN" sz="1600" b="0" i="0">
+                <a:solidFill>
+                  <a:srgbClr val="9334E6"/>
+                </a:solidFill>
+                <a:latin typeface="monospace"/>
+                <a:ea typeface="monospace"/>
+              </a:rPr>
+              <a:t>True</a:t>
+            </a:r>
+            <a:r>
+              <a:rPr lang="en-US" altLang="zh-CN" sz="1600" b="0" i="0">
+                <a:solidFill>
+                  <a:srgbClr val="001D35"/>
+                </a:solidFill>
+                <a:latin typeface="monospace"/>
+                <a:ea typeface="monospace"/>
+              </a:rPr>
+              <a:t>, startangle=</a:t>
+            </a:r>
+            <a:r>
+              <a:rPr lang="en-US" altLang="zh-CN" sz="1600" b="0" i="0">
+                <a:solidFill>
+                  <a:srgbClr val="B45908"/>
+                </a:solidFill>
+                <a:latin typeface="monospace"/>
+                <a:ea typeface="monospace"/>
+              </a:rPr>
+              <a:t>90</a:t>
+            </a:r>
+            <a:r>
+              <a:rPr lang="en-US" altLang="zh-CN" sz="1600" b="0" i="0">
+                <a:solidFill>
+                  <a:srgbClr val="001D35"/>
+                </a:solidFill>
+                <a:latin typeface="monospace"/>
+                <a:ea typeface="monospace"/>
+              </a:rPr>
+              <a:t>)</a:t>
+            </a:r>
+            <a:endParaRPr lang="en-US" altLang="zh-CN" sz="1600" b="0" i="0">
+              <a:solidFill>
+                <a:srgbClr val="001D35"/>
+              </a:solidFill>
+              <a:latin typeface="monospace"/>
+              <a:ea typeface="monospace"/>
+            </a:endParaRPr>
+          </a:p>
+        </p:txBody>
+      </p:sp>
+    </p:spTree>
+  </p:cSld>
+  <p:clrMapOvr>
+    <a:masterClrMapping/>
+  </p:clrMapOvr>
+</p:sld>
+</file>
+
+<file path=ppt/slides/slide18.xml><?xml version="1.0" encoding="utf-8"?>
+<p:sld xmlns:a="http://schemas.openxmlformats.org/drawingml/2006/main" xmlns:r="http://schemas.openxmlformats.org/officeDocument/2006/relationships" xmlns:p="http://schemas.openxmlformats.org/presentationml/2006/main">
+  <p:cSld>
+    <p:spTree>
+      <p:nvGrpSpPr>
+        <p:cNvPr id="1" name=""/>
+        <p:cNvGrpSpPr/>
+        <p:nvPr/>
+      </p:nvGrpSpPr>
+      <p:grpSpPr/>
+      <p:sp>
+        <p:nvSpPr>
+          <p:cNvPr id="2" name="Text Box 1"/>
+          <p:cNvSpPr txBox="1"/>
+          <p:nvPr/>
+        </p:nvSpPr>
+        <p:spPr>
+          <a:xfrm>
+            <a:off x="863600" y="723900"/>
+            <a:ext cx="5080000" cy="2306955"/>
+          </a:xfrm>
+          <a:prstGeom prst="rect">
+            <a:avLst/>
+          </a:prstGeom>
+        </p:spPr>
+        <p:txBody>
+          <a:bodyPr>
+            <a:spAutoFit/>
+          </a:bodyPr>
+          <a:p>
+            <a:pPr>
+              <a:lnSpc>
+                <a:spcPct val="100000"/>
+              </a:lnSpc>
+            </a:pPr>
+            <a:r>
+              <a:rPr lang="en-US" altLang="zh-CN" sz="1600" b="0">
+                <a:solidFill>
+                  <a:schemeClr val="tx1"/>
+                </a:solidFill>
+                <a:latin typeface="Consolas" panose="020B0609020204030204"/>
+                <a:ea typeface="Consolas" panose="020B0609020204030204"/>
+              </a:rPr>
+              <a:t># Creating explode data</a:t>
+            </a:r>
+            <a:endParaRPr lang="en-US" altLang="zh-CN" sz="1600" b="0">
+              <a:solidFill>
+                <a:schemeClr val="tx1"/>
+              </a:solidFill>
+              <a:latin typeface="Consolas" panose="020B0609020204030204"/>
+              <a:ea typeface="Consolas" panose="020B0609020204030204"/>
+            </a:endParaRPr>
+          </a:p>
+          <a:p>
+            <a:pPr>
+              <a:lnSpc>
+                <a:spcPct val="100000"/>
+              </a:lnSpc>
+            </a:pPr>
+            <a:r>
+              <a:rPr lang="en-US" altLang="zh-CN" sz="1600" b="0">
+                <a:solidFill>
+                  <a:schemeClr val="tx1"/>
+                </a:solidFill>
+                <a:latin typeface="Consolas" panose="020B0609020204030204"/>
+                <a:ea typeface="Consolas" panose="020B0609020204030204"/>
+              </a:rPr>
+              <a:t>exp= (0.1, 0.0, 0.2, 0.3)</a:t>
+            </a:r>
+            <a:endParaRPr lang="en-US" altLang="zh-CN" sz="1600" b="0">
+              <a:solidFill>
+                <a:schemeClr val="tx1"/>
+              </a:solidFill>
+              <a:latin typeface="Consolas" panose="020B0609020204030204"/>
+              <a:ea typeface="Consolas" panose="020B0609020204030204"/>
+            </a:endParaRPr>
+          </a:p>
+          <a:p>
+            <a:pPr>
+              <a:lnSpc>
+                <a:spcPct val="100000"/>
+              </a:lnSpc>
+            </a:pPr>
+            <a:r>
+              <a:rPr lang="en-US" altLang="zh-CN" sz="1600" b="0">
+                <a:solidFill>
+                  <a:schemeClr val="tx1"/>
+                </a:solidFill>
+                <a:latin typeface="Consolas" panose="020B0609020204030204"/>
+                <a:ea typeface="Consolas" panose="020B0609020204030204"/>
+              </a:rPr>
+              <a:t># Creating color parameters</a:t>
+            </a:r>
+            <a:endParaRPr lang="en-US" altLang="zh-CN" sz="1600" b="0">
+              <a:solidFill>
+                <a:schemeClr val="tx1"/>
+              </a:solidFill>
+              <a:latin typeface="Consolas" panose="020B0609020204030204"/>
+              <a:ea typeface="Consolas" panose="020B0609020204030204"/>
+            </a:endParaRPr>
+          </a:p>
+          <a:p>
+            <a:pPr>
+              <a:lnSpc>
+                <a:spcPct val="100000"/>
+              </a:lnSpc>
+            </a:pPr>
+            <a:r>
+              <a:rPr lang="en-US" altLang="zh-CN" sz="1600" b="0">
+                <a:solidFill>
+                  <a:schemeClr val="tx1"/>
+                </a:solidFill>
+                <a:latin typeface="Consolas" panose="020B0609020204030204"/>
+                <a:ea typeface="Consolas" panose="020B0609020204030204"/>
+              </a:rPr>
+              <a:t>col= ("orange", "cyan", "brown",</a:t>
+            </a:r>
+            <a:endParaRPr lang="en-US" altLang="zh-CN" sz="1600" b="0">
+              <a:solidFill>
+                <a:schemeClr val="tx1"/>
+              </a:solidFill>
+              <a:latin typeface="Consolas" panose="020B0609020204030204"/>
+              <a:ea typeface="Consolas" panose="020B0609020204030204"/>
+            </a:endParaRPr>
+          </a:p>
+          <a:p>
+            <a:pPr>
+              <a:lnSpc>
+                <a:spcPct val="100000"/>
+              </a:lnSpc>
+            </a:pPr>
+            <a:r>
+              <a:rPr lang="en-US" altLang="zh-CN" sz="1600" b="0">
+                <a:solidFill>
+                  <a:schemeClr val="tx1"/>
+                </a:solidFill>
+                <a:latin typeface="Consolas" panose="020B0609020204030204"/>
+                <a:ea typeface="Consolas" panose="020B0609020204030204"/>
+              </a:rPr>
+              <a:t>          "grey")</a:t>
+            </a:r>
+            <a:endParaRPr lang="en-US" altLang="zh-CN" sz="1600" b="0">
+              <a:solidFill>
+                <a:schemeClr val="tx1"/>
+              </a:solidFill>
+              <a:latin typeface="Consolas" panose="020B0609020204030204"/>
+              <a:ea typeface="Consolas" panose="020B0609020204030204"/>
+            </a:endParaRPr>
+          </a:p>
+          <a:p>
+            <a:pPr>
+              <a:lnSpc>
+                <a:spcPct val="100000"/>
+              </a:lnSpc>
+            </a:pPr>
+            <a:r>
+              <a:rPr lang="en-US" altLang="zh-CN" sz="1600" b="0">
+                <a:solidFill>
+                  <a:schemeClr val="tx1"/>
+                </a:solidFill>
+                <a:latin typeface="Consolas" panose="020B0609020204030204"/>
+                <a:ea typeface="Consolas" panose="020B0609020204030204"/>
+              </a:rPr>
+              <a:t>a,b,c=plt.pie(sales,labels=cat,autopct="%.2f%%",explode=exp,colors=col)</a:t>
+            </a:r>
+            <a:endParaRPr lang="en-US" altLang="zh-CN" sz="1600" b="0">
+              <a:solidFill>
+                <a:schemeClr val="tx1"/>
+              </a:solidFill>
+              <a:latin typeface="Consolas" panose="020B0609020204030204"/>
+              <a:ea typeface="Consolas" panose="020B0609020204030204"/>
+            </a:endParaRPr>
+          </a:p>
+          <a:p>
+            <a:pPr>
+              <a:lnSpc>
+                <a:spcPct val="100000"/>
+              </a:lnSpc>
+            </a:pPr>
+            <a:r>
+              <a:rPr lang="en-US" altLang="zh-CN" sz="1600" b="0">
+                <a:solidFill>
+                  <a:schemeClr val="tx1"/>
+                </a:solidFill>
+                <a:latin typeface="Consolas" panose="020B0609020204030204"/>
+                <a:ea typeface="Consolas" panose="020B0609020204030204"/>
+              </a:rPr>
+              <a:t>plt.title('Sales by Category')</a:t>
+            </a:r>
+            <a:endParaRPr lang="en-US" altLang="zh-CN" sz="1600" b="0">
+              <a:solidFill>
+                <a:schemeClr val="tx1"/>
+              </a:solidFill>
+              <a:latin typeface="Consolas" panose="020B0609020204030204"/>
+              <a:ea typeface="Consolas" panose="020B0609020204030204"/>
+            </a:endParaRPr>
+          </a:p>
+          <a:p>
+            <a:pPr>
+              <a:lnSpc>
+                <a:spcPct val="100000"/>
+              </a:lnSpc>
+            </a:pPr>
+            <a:r>
+              <a:rPr lang="en-US" altLang="zh-CN" sz="1600" b="0">
+                <a:solidFill>
+                  <a:schemeClr val="tx1"/>
+                </a:solidFill>
+                <a:latin typeface="Consolas" panose="020B0609020204030204"/>
+                <a:ea typeface="Consolas" panose="020B0609020204030204"/>
+              </a:rPr>
+              <a:t>plt.show()</a:t>
+            </a:r>
+            <a:endParaRPr lang="en-US" altLang="zh-CN" sz="1600" b="0">
+              <a:solidFill>
+                <a:schemeClr val="tx1"/>
+              </a:solidFill>
+              <a:latin typeface="Consolas" panose="020B0609020204030204"/>
+              <a:ea typeface="Consolas" panose="020B0609020204030204"/>
+            </a:endParaRPr>
+          </a:p>
+        </p:txBody>
+      </p:sp>
+    </p:spTree>
+  </p:cSld>
+  <p:clrMapOvr>
+    <a:masterClrMapping/>
+  </p:clrMapOvr>
+</p:sld>
+</file>
+
+<file path=ppt/slides/slide19.xml><?xml version="1.0" encoding="utf-8"?>
+<p:sld xmlns:a="http://schemas.openxmlformats.org/drawingml/2006/main" xmlns:r="http://schemas.openxmlformats.org/officeDocument/2006/relationships" xmlns:p="http://schemas.openxmlformats.org/presentationml/2006/main">
+  <p:cSld>
+    <p:spTree>
+      <p:nvGrpSpPr>
+        <p:cNvPr id="1" name=""/>
+        <p:cNvGrpSpPr/>
+        <p:nvPr/>
+      </p:nvGrpSpPr>
+      <p:grpSpPr/>
+      <p:sp>
+        <p:nvSpPr>
+          <p:cNvPr id="2" name="Text Box 1"/>
+          <p:cNvSpPr txBox="1"/>
+          <p:nvPr/>
+        </p:nvSpPr>
+        <p:spPr>
+          <a:xfrm>
+            <a:off x="2005330" y="0"/>
+            <a:ext cx="3048000" cy="368300"/>
+          </a:xfrm>
+          <a:prstGeom prst="rect">
+            <a:avLst/>
+          </a:prstGeom>
+          <a:noFill/>
+        </p:spPr>
+        <p:txBody>
+          <a:bodyPr wrap="square" rtlCol="0">
+            <a:spAutoFit/>
+          </a:bodyPr>
+          <a:p>
+            <a:r>
+              <a:rPr lang="en-US" sz="1800" b="1">
+                <a:solidFill>
+                  <a:srgbClr val="C00000"/>
+                </a:solidFill>
+              </a:rPr>
+              <a:t>HISTOGRAM</a:t>
+            </a:r>
+            <a:endParaRPr lang="en-US" b="1">
+              <a:solidFill>
+                <a:srgbClr val="C00000"/>
+              </a:solidFill>
+            </a:endParaRPr>
+          </a:p>
+        </p:txBody>
+      </p:sp>
+      <p:sp>
+        <p:nvSpPr>
+          <p:cNvPr id="3" name="Text Box 2"/>
+          <p:cNvSpPr txBox="1"/>
+          <p:nvPr/>
+        </p:nvSpPr>
+        <p:spPr>
+          <a:xfrm>
+            <a:off x="344170" y="307022"/>
+            <a:ext cx="5080000" cy="4769485"/>
+          </a:xfrm>
+          <a:prstGeom prst="rect">
+            <a:avLst/>
+          </a:prstGeom>
+        </p:spPr>
+        <p:txBody>
+          <a:bodyPr>
+            <a:spAutoFit/>
+          </a:bodyPr>
+          <a:p>
+            <a:pPr>
+              <a:lnSpc>
+                <a:spcPct val="100000"/>
+              </a:lnSpc>
+            </a:pPr>
+            <a:r>
+              <a:rPr lang="en-US" altLang="zh-CN" sz="1600" b="0">
+                <a:solidFill>
+                  <a:schemeClr val="tx1"/>
+                </a:solidFill>
+                <a:latin typeface="Consolas" panose="020B0609020204030204"/>
+                <a:ea typeface="Consolas" panose="020B0609020204030204"/>
+              </a:rPr>
+              <a:t># histogram</a:t>
+            </a:r>
+            <a:endParaRPr lang="en-US" altLang="zh-CN" sz="1600" b="0">
+              <a:solidFill>
+                <a:schemeClr val="tx1"/>
+              </a:solidFill>
+              <a:latin typeface="Consolas" panose="020B0609020204030204"/>
+              <a:ea typeface="Consolas" panose="020B0609020204030204"/>
+            </a:endParaRPr>
+          </a:p>
+          <a:p>
+            <a:pPr>
+              <a:lnSpc>
+                <a:spcPct val="100000"/>
+              </a:lnSpc>
+            </a:pPr>
+            <a:r>
+              <a:rPr lang="en-US" altLang="zh-CN" sz="1600" b="0">
+                <a:solidFill>
+                  <a:schemeClr val="tx1"/>
+                </a:solidFill>
+                <a:latin typeface="Consolas" panose="020B0609020204030204"/>
+                <a:ea typeface="Consolas" panose="020B0609020204030204"/>
+              </a:rPr>
+              <a:t>d1=np.random.randint(1,100, 1000)</a:t>
+            </a:r>
+            <a:endParaRPr lang="en-US" altLang="zh-CN" sz="1600" b="0">
+              <a:solidFill>
+                <a:schemeClr val="tx1"/>
+              </a:solidFill>
+              <a:latin typeface="Consolas" panose="020B0609020204030204"/>
+              <a:ea typeface="Consolas" panose="020B0609020204030204"/>
+            </a:endParaRPr>
+          </a:p>
+          <a:p>
+            <a:pPr>
+              <a:lnSpc>
+                <a:spcPct val="100000"/>
+              </a:lnSpc>
+            </a:pPr>
+            <a:r>
+              <a:rPr lang="en-US" altLang="zh-CN" sz="1600" b="0">
+                <a:solidFill>
+                  <a:schemeClr val="tx1"/>
+                </a:solidFill>
+                <a:latin typeface="Consolas" panose="020B0609020204030204"/>
+                <a:ea typeface="Consolas" panose="020B0609020204030204"/>
+              </a:rPr>
+              <a:t>d1</a:t>
+            </a:r>
+            <a:endParaRPr lang="en-US" altLang="zh-CN" sz="1600" b="0">
+              <a:solidFill>
+                <a:schemeClr val="tx1"/>
+              </a:solidFill>
+              <a:latin typeface="Consolas" panose="020B0609020204030204"/>
+              <a:ea typeface="Consolas" panose="020B0609020204030204"/>
+            </a:endParaRPr>
+          </a:p>
+          <a:p>
+            <a:pPr>
+              <a:lnSpc>
+                <a:spcPct val="100000"/>
+              </a:lnSpc>
+            </a:pPr>
+            <a:r>
+              <a:rPr lang="en-US" altLang="en-US" sz="1600" b="0">
+                <a:solidFill>
+                  <a:schemeClr val="tx1"/>
+                </a:solidFill>
+                <a:latin typeface="Consolas" panose="020B0609020204030204"/>
+                <a:ea typeface="Consolas" panose="020B0609020204030204"/>
+              </a:rPr>
+              <a:t>plt.hist(d1,bins=100)</a:t>
+            </a:r>
+            <a:endParaRPr lang="en-US" altLang="en-US" sz="1600" b="0">
+              <a:solidFill>
+                <a:schemeClr val="tx1"/>
+              </a:solidFill>
+              <a:latin typeface="Consolas" panose="020B0609020204030204"/>
+              <a:ea typeface="Consolas" panose="020B0609020204030204"/>
+            </a:endParaRPr>
+          </a:p>
+          <a:p>
+            <a:pPr>
+              <a:lnSpc>
+                <a:spcPct val="100000"/>
+              </a:lnSpc>
+            </a:pPr>
+            <a:endParaRPr lang="en-US" altLang="en-US" sz="1600" b="0">
+              <a:solidFill>
+                <a:schemeClr val="tx1"/>
+              </a:solidFill>
+              <a:latin typeface="Consolas" panose="020B0609020204030204"/>
+              <a:ea typeface="Consolas" panose="020B0609020204030204"/>
+            </a:endParaRPr>
+          </a:p>
+          <a:p>
+            <a:pPr>
+              <a:lnSpc>
+                <a:spcPct val="100000"/>
+              </a:lnSpc>
+            </a:pPr>
+            <a:r>
+              <a:rPr lang="en-US" altLang="en-US" sz="1600" b="0">
+                <a:solidFill>
+                  <a:schemeClr val="tx1"/>
+                </a:solidFill>
+                <a:latin typeface="Consolas" panose="020B0609020204030204"/>
+                <a:ea typeface="Consolas" panose="020B0609020204030204"/>
+              </a:rPr>
+              <a:t>#Histogram</a:t>
+            </a:r>
+            <a:endParaRPr lang="en-US" altLang="en-US" sz="1600" b="0">
+              <a:solidFill>
+                <a:schemeClr val="tx1"/>
+              </a:solidFill>
+              <a:latin typeface="Consolas" panose="020B0609020204030204"/>
+              <a:ea typeface="Consolas" panose="020B0609020204030204"/>
+            </a:endParaRPr>
+          </a:p>
+          <a:p>
+            <a:pPr>
+              <a:lnSpc>
+                <a:spcPct val="100000"/>
+              </a:lnSpc>
+            </a:pPr>
+            <a:r>
+              <a:rPr lang="en-US" altLang="en-US" sz="1600" b="0">
+                <a:solidFill>
+                  <a:schemeClr val="tx1"/>
+                </a:solidFill>
+                <a:latin typeface="Consolas" panose="020B0609020204030204"/>
+                <a:ea typeface="Consolas" panose="020B0609020204030204"/>
+              </a:rPr>
+              <a:t>data = np.random.randn(1000) #10 bins</a:t>
+            </a:r>
+            <a:endParaRPr lang="en-US" altLang="en-US" sz="1600" b="0">
+              <a:solidFill>
+                <a:schemeClr val="tx1"/>
+              </a:solidFill>
+              <a:latin typeface="Consolas" panose="020B0609020204030204"/>
+              <a:ea typeface="Consolas" panose="020B0609020204030204"/>
+            </a:endParaRPr>
+          </a:p>
+          <a:p>
+            <a:pPr>
+              <a:lnSpc>
+                <a:spcPct val="100000"/>
+              </a:lnSpc>
+            </a:pPr>
+            <a:r>
+              <a:rPr lang="en-US" altLang="en-US" sz="1600" b="0">
+                <a:solidFill>
+                  <a:schemeClr val="tx1"/>
+                </a:solidFill>
+                <a:latin typeface="Consolas" panose="020B0609020204030204"/>
+                <a:ea typeface="Consolas" panose="020B0609020204030204"/>
+              </a:rPr>
+              <a:t>plt.hist(data, bins = 20, color ='green')</a:t>
+            </a:r>
+            <a:endParaRPr lang="en-US" altLang="en-US" sz="1600" b="0">
+              <a:solidFill>
+                <a:schemeClr val="tx1"/>
+              </a:solidFill>
+              <a:latin typeface="Consolas" panose="020B0609020204030204"/>
+              <a:ea typeface="Consolas" panose="020B0609020204030204"/>
+            </a:endParaRPr>
+          </a:p>
+          <a:p>
+            <a:pPr>
+              <a:lnSpc>
+                <a:spcPct val="100000"/>
+              </a:lnSpc>
+            </a:pPr>
+            <a:r>
+              <a:rPr lang="en-US" altLang="en-US" sz="1600" b="0">
+                <a:solidFill>
+                  <a:schemeClr val="tx1"/>
+                </a:solidFill>
+                <a:latin typeface="Consolas" panose="020B0609020204030204"/>
+                <a:ea typeface="Consolas" panose="020B0609020204030204"/>
+              </a:rPr>
+              <a:t>plt.show()</a:t>
+            </a:r>
+            <a:endParaRPr lang="en-US" altLang="en-US" sz="1600" b="0">
+              <a:solidFill>
+                <a:schemeClr val="tx1"/>
+              </a:solidFill>
+              <a:latin typeface="Consolas" panose="020B0609020204030204"/>
+              <a:ea typeface="Consolas" panose="020B0609020204030204"/>
+            </a:endParaRPr>
+          </a:p>
+          <a:p>
+            <a:pPr>
+              <a:lnSpc>
+                <a:spcPct val="100000"/>
+              </a:lnSpc>
+            </a:pPr>
+            <a:endParaRPr lang="en-US" altLang="en-US" sz="1600" b="0">
+              <a:solidFill>
+                <a:schemeClr val="tx1"/>
+              </a:solidFill>
+              <a:latin typeface="Consolas" panose="020B0609020204030204"/>
+              <a:ea typeface="Consolas" panose="020B0609020204030204"/>
+            </a:endParaRPr>
+          </a:p>
+          <a:p>
+            <a:pPr>
+              <a:lnSpc>
+                <a:spcPct val="100000"/>
+              </a:lnSpc>
+            </a:pPr>
+            <a:r>
+              <a:rPr lang="en-US" altLang="en-US" sz="1600" b="0">
+                <a:solidFill>
+                  <a:schemeClr val="tx1"/>
+                </a:solidFill>
+                <a:latin typeface="Consolas" panose="020B0609020204030204"/>
+                <a:ea typeface="Consolas" panose="020B0609020204030204"/>
+              </a:rPr>
+              <a:t>sns.histplot(x=d1, kde=True)</a:t>
+            </a:r>
+            <a:endParaRPr lang="en-US" altLang="en-US" sz="1600" b="0">
+              <a:solidFill>
+                <a:schemeClr val="tx1"/>
+              </a:solidFill>
+              <a:latin typeface="Consolas" panose="020B0609020204030204"/>
+              <a:ea typeface="Consolas" panose="020B0609020204030204"/>
+            </a:endParaRPr>
+          </a:p>
+          <a:p>
+            <a:pPr>
+              <a:lnSpc>
+                <a:spcPct val="100000"/>
+              </a:lnSpc>
+            </a:pPr>
+            <a:endParaRPr lang="en-US" altLang="en-US" sz="1600" b="0">
+              <a:solidFill>
+                <a:schemeClr val="tx1"/>
+              </a:solidFill>
+              <a:latin typeface="Consolas" panose="020B0609020204030204"/>
+              <a:ea typeface="Consolas" panose="020B0609020204030204"/>
+            </a:endParaRPr>
+          </a:p>
+          <a:p>
+            <a:pPr>
+              <a:lnSpc>
+                <a:spcPct val="100000"/>
+              </a:lnSpc>
+            </a:pPr>
+            <a:endParaRPr lang="en-US" altLang="en-US" sz="1600" b="0">
+              <a:solidFill>
+                <a:schemeClr val="tx1"/>
+              </a:solidFill>
+              <a:latin typeface="Consolas" panose="020B0609020204030204"/>
+              <a:ea typeface="Consolas" panose="020B0609020204030204"/>
+            </a:endParaRPr>
+          </a:p>
+          <a:p>
+            <a:pPr>
+              <a:lnSpc>
+                <a:spcPct val="100000"/>
+              </a:lnSpc>
+            </a:pPr>
+            <a:r>
+              <a:rPr lang="en-US" altLang="en-US" sz="1600" b="0">
+                <a:solidFill>
+                  <a:schemeClr val="tx1"/>
+                </a:solidFill>
+                <a:latin typeface="Consolas" panose="020B0609020204030204"/>
+                <a:ea typeface="Consolas" panose="020B0609020204030204"/>
+              </a:rPr>
+              <a:t># COUNT </a:t>
+            </a:r>
+            <a:endParaRPr lang="en-US" altLang="en-US" sz="1600" b="0">
+              <a:solidFill>
+                <a:schemeClr val="tx1"/>
+              </a:solidFill>
+              <a:latin typeface="Consolas" panose="020B0609020204030204"/>
+              <a:ea typeface="Consolas" panose="020B0609020204030204"/>
+            </a:endParaRPr>
+          </a:p>
+          <a:p>
+            <a:pPr>
+              <a:lnSpc>
+                <a:spcPct val="100000"/>
+              </a:lnSpc>
+            </a:pPr>
+            <a:r>
+              <a:rPr lang="en-US" altLang="en-US" sz="1600" b="0">
+                <a:solidFill>
+                  <a:schemeClr val="tx1"/>
+                </a:solidFill>
+                <a:latin typeface="Consolas" panose="020B0609020204030204"/>
+                <a:ea typeface="Consolas" panose="020B0609020204030204"/>
+              </a:rPr>
+              <a:t>d1 = np.random.randint(1,10, 1000)</a:t>
+            </a:r>
+            <a:endParaRPr lang="en-US" altLang="en-US" sz="1600" b="0">
+              <a:solidFill>
+                <a:schemeClr val="tx1"/>
+              </a:solidFill>
+              <a:latin typeface="Consolas" panose="020B0609020204030204"/>
+              <a:ea typeface="Consolas" panose="020B0609020204030204"/>
+            </a:endParaRPr>
+          </a:p>
+          <a:p>
+            <a:pPr>
+              <a:lnSpc>
+                <a:spcPct val="100000"/>
+              </a:lnSpc>
+            </a:pPr>
+            <a:r>
+              <a:rPr lang="en-US" altLang="en-US" sz="1600" b="0">
+                <a:solidFill>
+                  <a:schemeClr val="tx1"/>
+                </a:solidFill>
+                <a:latin typeface="Consolas" panose="020B0609020204030204"/>
+                <a:ea typeface="Consolas" panose="020B0609020204030204"/>
+              </a:rPr>
+              <a:t>d1</a:t>
+            </a:r>
+            <a:endParaRPr lang="en-US" altLang="en-US" sz="1600" b="0">
+              <a:solidFill>
+                <a:schemeClr val="tx1"/>
+              </a:solidFill>
+              <a:latin typeface="Consolas" panose="020B0609020204030204"/>
+              <a:ea typeface="Consolas" panose="020B0609020204030204"/>
+            </a:endParaRPr>
+          </a:p>
+          <a:p>
+            <a:pPr>
+              <a:lnSpc>
+                <a:spcPct val="100000"/>
+              </a:lnSpc>
+            </a:pPr>
+            <a:r>
+              <a:rPr lang="en-US" altLang="en-US" sz="1600" b="0">
+                <a:solidFill>
+                  <a:schemeClr val="tx1"/>
+                </a:solidFill>
+                <a:latin typeface="Consolas" panose="020B0609020204030204"/>
+                <a:ea typeface="Consolas" panose="020B0609020204030204"/>
+              </a:rPr>
+              <a:t>sns.countplot(x=d1)</a:t>
+            </a:r>
+            <a:endParaRPr lang="en-US" altLang="en-US" sz="1600" b="0">
+              <a:solidFill>
+                <a:schemeClr val="tx1"/>
+              </a:solidFill>
+              <a:latin typeface="Consolas" panose="020B0609020204030204"/>
+              <a:ea typeface="Consolas" panose="020B0609020204030204"/>
+            </a:endParaRPr>
+          </a:p>
+          <a:p>
+            <a:pPr>
+              <a:lnSpc>
+                <a:spcPct val="100000"/>
+              </a:lnSpc>
+            </a:pPr>
+            <a:endParaRPr lang="en-US" altLang="en-US" sz="1600" b="0">
+              <a:solidFill>
+                <a:schemeClr val="tx1"/>
+              </a:solidFill>
+              <a:latin typeface="Consolas" panose="020B0609020204030204"/>
+              <a:ea typeface="Consolas" panose="020B0609020204030204"/>
+            </a:endParaRPr>
+          </a:p>
+          <a:p>
+            <a:pPr>
+              <a:lnSpc>
+                <a:spcPct val="100000"/>
+              </a:lnSpc>
+            </a:pPr>
+            <a:endParaRPr lang="en-US" altLang="en-US" sz="1600" b="0">
+              <a:solidFill>
+                <a:schemeClr val="tx1"/>
+              </a:solidFill>
+              <a:latin typeface="Consolas" panose="020B0609020204030204"/>
+              <a:ea typeface="Consolas" panose="020B0609020204030204"/>
+            </a:endParaRPr>
+          </a:p>
+        </p:txBody>
+      </p:sp>
+    </p:spTree>
+  </p:cSld>
+  <p:clrMapOvr>
+    <a:masterClrMapping/>
+  </p:clrMapOvr>
+</p:sld>
+</file>
+
+<file path=ppt/slides/slide2.xml><?xml version="1.0" encoding="utf-8"?>
+<p:sld xmlns:a="http://schemas.openxmlformats.org/drawingml/2006/main" xmlns:r="http://schemas.openxmlformats.org/officeDocument/2006/relationships" xmlns:p="http://schemas.openxmlformats.org/presentationml/2006/main">
+  <p:cSld>
+    <p:spTree>
+      <p:nvGrpSpPr>
+        <p:cNvPr id="1" name=""/>
+        <p:cNvGrpSpPr/>
+        <p:nvPr/>
+      </p:nvGrpSpPr>
+      <p:grpSpPr/>
+      <p:sp>
+        <p:nvSpPr>
+          <p:cNvPr id="4" name="Text Box 3"/>
+          <p:cNvSpPr txBox="1"/>
+          <p:nvPr/>
+        </p:nvSpPr>
+        <p:spPr>
+          <a:xfrm>
+            <a:off x="455930" y="328613"/>
+            <a:ext cx="5080000" cy="2799715"/>
+          </a:xfrm>
+          <a:prstGeom prst="rect">
+            <a:avLst/>
+          </a:prstGeom>
+        </p:spPr>
+        <p:txBody>
+          <a:bodyPr>
+            <a:spAutoFit/>
+          </a:bodyPr>
+          <a:p>
+            <a:pPr marL="0" indent="0"/>
+            <a:r>
+              <a:rPr lang="en-US" altLang="zh-CN" sz="1600" b="0" i="0">
+                <a:solidFill>
+                  <a:srgbClr val="001D35"/>
+                </a:solidFill>
+                <a:latin typeface="Google Sans"/>
+                <a:ea typeface="Google Sans"/>
+              </a:rPr>
+              <a:t>Matplotlib and Seaborn are Python libraries used for data visualization, each offering a different level of abstraction and functionality. Matplotlib is a foundational, low-level library that provides fine-grained control over plots. </a:t>
+            </a:r>
+            <a:endParaRPr lang="en-US" altLang="zh-CN" sz="1600" b="0" i="0">
+              <a:solidFill>
+                <a:srgbClr val="001D35"/>
+              </a:solidFill>
+              <a:latin typeface="Google Sans"/>
+              <a:ea typeface="Google Sans"/>
+            </a:endParaRPr>
+          </a:p>
+          <a:p>
+            <a:pPr marL="0" indent="0"/>
+            <a:endParaRPr lang="en-US" altLang="zh-CN" sz="1600" b="0" i="0">
+              <a:solidFill>
+                <a:srgbClr val="001D35"/>
+              </a:solidFill>
+              <a:latin typeface="Google Sans"/>
+              <a:ea typeface="Google Sans"/>
+            </a:endParaRPr>
+          </a:p>
+          <a:p>
+            <a:pPr marL="0" indent="0"/>
+            <a:r>
+              <a:rPr lang="en-US" altLang="zh-CN" sz="1600" b="0" i="0">
+                <a:solidFill>
+                  <a:srgbClr val="001D35"/>
+                </a:solidFill>
+                <a:latin typeface="Google Sans"/>
+                <a:ea typeface="Google Sans"/>
+              </a:rPr>
+              <a:t>Seaborn is a high-level library built on top of Matplotlib, designed for creating more visually appealing and statistically informative graphics with less code. </a:t>
+            </a:r>
+            <a:endParaRPr lang="en-US" altLang="zh-CN" sz="1600" b="0" i="0">
+              <a:solidFill>
+                <a:srgbClr val="001D35"/>
+              </a:solidFill>
+              <a:latin typeface="Google Sans"/>
+              <a:ea typeface="Google Sans"/>
+            </a:endParaRPr>
+          </a:p>
+        </p:txBody>
+      </p:sp>
+    </p:spTree>
+  </p:cSld>
+  <p:clrMapOvr>
+    <a:masterClrMapping/>
+  </p:clrMapOvr>
+</p:sld>
+</file>
+
+<file path=ppt/slides/slide20.xml><?xml version="1.0" encoding="utf-8"?>
+<p:sld xmlns:a="http://schemas.openxmlformats.org/drawingml/2006/main" xmlns:r="http://schemas.openxmlformats.org/officeDocument/2006/relationships" xmlns:p="http://schemas.openxmlformats.org/presentationml/2006/main">
+  <p:cSld>
+    <p:spTree>
+      <p:nvGrpSpPr>
+        <p:cNvPr id="1" name=""/>
+        <p:cNvGrpSpPr/>
+        <p:nvPr/>
+      </p:nvGrpSpPr>
+      <p:grpSpPr/>
+      <p:sp>
+        <p:nvSpPr>
+          <p:cNvPr id="3" name="Text Box 2"/>
+          <p:cNvSpPr txBox="1"/>
+          <p:nvPr/>
+        </p:nvSpPr>
+        <p:spPr>
+          <a:xfrm>
+            <a:off x="414655" y="664845"/>
+            <a:ext cx="8552180" cy="1383665"/>
+          </a:xfrm>
+          <a:prstGeom prst="rect">
+            <a:avLst/>
+          </a:prstGeom>
+        </p:spPr>
+        <p:txBody>
+          <a:bodyPr wrap="square">
+            <a:spAutoFit/>
+          </a:bodyPr>
+          <a:p>
+            <a:pPr>
+              <a:lnSpc>
+                <a:spcPct val="100000"/>
+              </a:lnSpc>
+            </a:pPr>
+            <a:r>
+              <a:rPr lang="en-US" altLang="zh-CN" b="0">
+                <a:solidFill>
+                  <a:schemeClr val="tx1"/>
+                </a:solidFill>
+                <a:latin typeface="Consolas" panose="020B0609020204030204"/>
+                <a:ea typeface="Consolas" panose="020B0609020204030204"/>
+              </a:rPr>
+              <a:t>#Boxplot &gt;&gt; to know outliers</a:t>
+            </a:r>
+            <a:endParaRPr lang="en-US" altLang="zh-CN" b="0">
+              <a:solidFill>
+                <a:schemeClr val="tx1"/>
+              </a:solidFill>
+              <a:latin typeface="Consolas" panose="020B0609020204030204"/>
+              <a:ea typeface="Consolas" panose="020B0609020204030204"/>
+            </a:endParaRPr>
+          </a:p>
+          <a:p>
+            <a:pPr>
+              <a:lnSpc>
+                <a:spcPct val="100000"/>
+              </a:lnSpc>
+            </a:pPr>
+            <a:r>
+              <a:rPr lang="en-US" altLang="zh-CN" b="0">
+                <a:solidFill>
+                  <a:schemeClr val="tx1"/>
+                </a:solidFill>
+                <a:latin typeface="Consolas" panose="020B0609020204030204"/>
+                <a:ea typeface="Consolas" panose="020B0609020204030204"/>
+              </a:rPr>
+              <a:t>#1, 2, 3, 4, 5, 100 &gt;&gt;&gt; extreme data, for each day give me outlier for total bill</a:t>
+            </a:r>
+            <a:endParaRPr lang="en-US" altLang="zh-CN" b="0">
+              <a:solidFill>
+                <a:schemeClr val="tx1"/>
+              </a:solidFill>
+              <a:latin typeface="Consolas" panose="020B0609020204030204"/>
+              <a:ea typeface="Consolas" panose="020B0609020204030204"/>
+            </a:endParaRPr>
+          </a:p>
+          <a:p>
+            <a:pPr>
+              <a:lnSpc>
+                <a:spcPct val="100000"/>
+              </a:lnSpc>
+            </a:pPr>
+            <a:r>
+              <a:rPr lang="en-US" altLang="zh-CN" b="0">
+                <a:solidFill>
+                  <a:schemeClr val="tx1"/>
+                </a:solidFill>
+                <a:latin typeface="Consolas" panose="020B0609020204030204"/>
+                <a:ea typeface="Consolas" panose="020B0609020204030204"/>
+              </a:rPr>
+              <a:t>sns.boxplot(x='day', y='total_bill', data=tips, palette='rainbow')</a:t>
+            </a:r>
+            <a:endParaRPr lang="en-US" altLang="zh-CN" b="0">
+              <a:solidFill>
+                <a:schemeClr val="tx1"/>
+              </a:solidFill>
+              <a:latin typeface="Consolas" panose="020B0609020204030204"/>
+              <a:ea typeface="Consolas" panose="020B0609020204030204"/>
+            </a:endParaRPr>
+          </a:p>
+          <a:p>
+            <a:pPr>
+              <a:lnSpc>
+                <a:spcPct val="100000"/>
+              </a:lnSpc>
+            </a:pPr>
+            <a:endParaRPr lang="en-US" altLang="zh-CN" b="0">
+              <a:solidFill>
+                <a:schemeClr val="tx1"/>
+              </a:solidFill>
+              <a:latin typeface="Consolas" panose="020B0609020204030204"/>
+              <a:ea typeface="Consolas" panose="020B0609020204030204"/>
+            </a:endParaRPr>
+          </a:p>
+          <a:p>
+            <a:pPr>
+              <a:lnSpc>
+                <a:spcPct val="100000"/>
+              </a:lnSpc>
+            </a:pPr>
+            <a:r>
+              <a:rPr lang="en-US" altLang="en-US" b="0">
+                <a:solidFill>
+                  <a:schemeClr val="tx1"/>
+                </a:solidFill>
+                <a:latin typeface="Consolas" panose="020B0609020204030204"/>
+                <a:ea typeface="Consolas" panose="020B0609020204030204"/>
+              </a:rPr>
+              <a:t>sns.heatmap(tips_num.corr(), annot = True, cmap = 'coolwarm')</a:t>
+            </a:r>
+            <a:endParaRPr lang="en-US" altLang="en-US" b="0">
+              <a:solidFill>
+                <a:schemeClr val="tx1"/>
+              </a:solidFill>
+              <a:latin typeface="Consolas" panose="020B0609020204030204"/>
+              <a:ea typeface="Consolas" panose="020B0609020204030204"/>
+            </a:endParaRPr>
+          </a:p>
+          <a:p>
+            <a:pPr>
+              <a:lnSpc>
+                <a:spcPct val="100000"/>
+              </a:lnSpc>
+            </a:pPr>
+            <a:r>
+              <a:rPr lang="en-US" altLang="en-US" b="0">
+                <a:solidFill>
+                  <a:schemeClr val="tx1"/>
+                </a:solidFill>
+                <a:latin typeface="Consolas" panose="020B0609020204030204"/>
+                <a:ea typeface="Consolas" panose="020B0609020204030204"/>
+              </a:rPr>
+              <a:t>sns.countplot(x = 'sex', data=tips)</a:t>
+            </a:r>
+            <a:endParaRPr lang="en-US" altLang="en-US" b="0">
+              <a:solidFill>
+                <a:schemeClr val="tx1"/>
+              </a:solidFill>
+              <a:latin typeface="Consolas" panose="020B0609020204030204"/>
+              <a:ea typeface="Consolas" panose="020B0609020204030204"/>
+            </a:endParaRPr>
+          </a:p>
+        </p:txBody>
+      </p:sp>
+    </p:spTree>
+  </p:cSld>
+  <p:clrMapOvr>
+    <a:masterClrMapping/>
+  </p:clrMapOvr>
+</p:sld>
+</file>
+
+<file path=ppt/slides/slide21.xml><?xml version="1.0" encoding="utf-8"?>
+<p:sld xmlns:a="http://schemas.openxmlformats.org/drawingml/2006/main" xmlns:r="http://schemas.openxmlformats.org/officeDocument/2006/relationships" xmlns:p="http://schemas.openxmlformats.org/presentationml/2006/main">
+  <p:cSld>
+    <p:spTree>
+      <p:nvGrpSpPr>
+        <p:cNvPr id="1" name=""/>
+        <p:cNvGrpSpPr/>
+        <p:nvPr/>
+      </p:nvGrpSpPr>
+      <p:grpSpPr/>
+      <p:sp>
+        <p:nvSpPr>
+          <p:cNvPr id="2" name="Text Box 1"/>
+          <p:cNvSpPr txBox="1"/>
+          <p:nvPr/>
+        </p:nvSpPr>
+        <p:spPr>
+          <a:xfrm>
+            <a:off x="273685" y="257175"/>
+            <a:ext cx="8552180" cy="3046095"/>
+          </a:xfrm>
+          <a:prstGeom prst="rect">
+            <a:avLst/>
+          </a:prstGeom>
+        </p:spPr>
+        <p:txBody>
+          <a:bodyPr wrap="square">
+            <a:spAutoFit/>
+          </a:bodyPr>
+          <a:p>
+            <a:pPr>
+              <a:lnSpc>
+                <a:spcPct val="100000"/>
+              </a:lnSpc>
+            </a:pPr>
+            <a:r>
+              <a:rPr lang="en-US" altLang="zh-CN" sz="1600" b="0">
+                <a:solidFill>
+                  <a:schemeClr val="tx1"/>
+                </a:solidFill>
+                <a:latin typeface="Consolas" panose="020B0609020204030204"/>
+                <a:ea typeface="Consolas" panose="020B0609020204030204"/>
+              </a:rPr>
+              <a:t>data.boxplot(column='Balance')</a:t>
+            </a:r>
+            <a:endParaRPr lang="en-US" altLang="zh-CN" sz="1600" b="0">
+              <a:solidFill>
+                <a:schemeClr val="tx1"/>
+              </a:solidFill>
+              <a:latin typeface="Consolas" panose="020B0609020204030204"/>
+              <a:ea typeface="Consolas" panose="020B0609020204030204"/>
+            </a:endParaRPr>
+          </a:p>
+          <a:p>
+            <a:pPr>
+              <a:lnSpc>
+                <a:spcPct val="100000"/>
+              </a:lnSpc>
+            </a:pPr>
+            <a:r>
+              <a:rPr lang="en-US" altLang="en-US" sz="1600" b="0">
+                <a:solidFill>
+                  <a:schemeClr val="tx1"/>
+                </a:solidFill>
+                <a:latin typeface="Consolas" panose="020B0609020204030204"/>
+                <a:ea typeface="Consolas" panose="020B0609020204030204"/>
+              </a:rPr>
+              <a:t>plt.violinplot(data['Balance'])</a:t>
+            </a:r>
+            <a:endParaRPr lang="en-US" altLang="en-US" sz="1600" b="0">
+              <a:solidFill>
+                <a:schemeClr val="tx1"/>
+              </a:solidFill>
+              <a:latin typeface="Consolas" panose="020B0609020204030204"/>
+              <a:ea typeface="Consolas" panose="020B0609020204030204"/>
+            </a:endParaRPr>
+          </a:p>
+          <a:p>
+            <a:pPr>
+              <a:lnSpc>
+                <a:spcPct val="100000"/>
+              </a:lnSpc>
+            </a:pPr>
+            <a:r>
+              <a:rPr lang="en-US" altLang="en-US" sz="1600" b="0">
+                <a:solidFill>
+                  <a:schemeClr val="tx1"/>
+                </a:solidFill>
+                <a:latin typeface="Consolas" panose="020B0609020204030204"/>
+                <a:ea typeface="Consolas" panose="020B0609020204030204"/>
+              </a:rPr>
+              <a:t>sns.jointplot(x = tips.total_bill, y=tips.tip)</a:t>
+            </a:r>
+            <a:endParaRPr lang="en-US" altLang="en-US" sz="1600" b="0">
+              <a:solidFill>
+                <a:schemeClr val="tx1"/>
+              </a:solidFill>
+              <a:latin typeface="Consolas" panose="020B0609020204030204"/>
+              <a:ea typeface="Consolas" panose="020B0609020204030204"/>
+            </a:endParaRPr>
+          </a:p>
+          <a:p>
+            <a:pPr>
+              <a:lnSpc>
+                <a:spcPct val="100000"/>
+              </a:lnSpc>
+            </a:pPr>
+            <a:r>
+              <a:rPr lang="en-US" altLang="en-US" sz="1600" b="0">
+                <a:solidFill>
+                  <a:schemeClr val="tx1"/>
+                </a:solidFill>
+                <a:latin typeface="Consolas" panose="020B0609020204030204"/>
+                <a:ea typeface="Consolas" panose="020B0609020204030204"/>
+              </a:rPr>
+              <a:t>sns.jointplot(x = tips.total_bill, y=tips.tip, data = tips, kind="reg")</a:t>
+            </a:r>
+            <a:endParaRPr lang="en-US" altLang="en-US" sz="1600" b="0">
+              <a:solidFill>
+                <a:schemeClr val="tx1"/>
+              </a:solidFill>
+              <a:latin typeface="Consolas" panose="020B0609020204030204"/>
+              <a:ea typeface="Consolas" panose="020B0609020204030204"/>
+            </a:endParaRPr>
+          </a:p>
+          <a:p>
+            <a:pPr>
+              <a:lnSpc>
+                <a:spcPct val="100000"/>
+              </a:lnSpc>
+            </a:pPr>
+            <a:r>
+              <a:rPr lang="en-US" altLang="en-US" sz="1600" b="0">
+                <a:solidFill>
+                  <a:schemeClr val="tx1"/>
+                </a:solidFill>
+                <a:latin typeface="Consolas" panose="020B0609020204030204"/>
+                <a:ea typeface="Consolas" panose="020B0609020204030204"/>
+              </a:rPr>
+              <a:t>sns.jointplot(x = tips.total_bill, y=tips.tip, data = tips, kind="hex")</a:t>
+            </a:r>
+            <a:endParaRPr lang="en-US" altLang="en-US" sz="1600" b="0">
+              <a:solidFill>
+                <a:schemeClr val="tx1"/>
+              </a:solidFill>
+              <a:latin typeface="Consolas" panose="020B0609020204030204"/>
+              <a:ea typeface="Consolas" panose="020B0609020204030204"/>
+            </a:endParaRPr>
+          </a:p>
+          <a:p>
+            <a:pPr>
+              <a:lnSpc>
+                <a:spcPct val="100000"/>
+              </a:lnSpc>
+            </a:pPr>
+            <a:endParaRPr lang="en-US" altLang="en-US" sz="1600" b="0">
+              <a:solidFill>
+                <a:schemeClr val="tx1"/>
+              </a:solidFill>
+              <a:latin typeface="Consolas" panose="020B0609020204030204"/>
+              <a:ea typeface="Consolas" panose="020B0609020204030204"/>
+            </a:endParaRPr>
+          </a:p>
+          <a:p>
+            <a:pPr>
+              <a:lnSpc>
+                <a:spcPct val="100000"/>
+              </a:lnSpc>
+            </a:pPr>
+            <a:r>
+              <a:rPr lang="en-US" altLang="en-US" sz="1600" b="0">
+                <a:solidFill>
+                  <a:schemeClr val="tx1"/>
+                </a:solidFill>
+                <a:latin typeface="Consolas" panose="020B0609020204030204"/>
+                <a:ea typeface="Consolas" panose="020B0609020204030204"/>
+              </a:rPr>
+              <a:t>sns.pairplot(tips, hue = 'smoker',)</a:t>
+            </a:r>
+            <a:endParaRPr lang="en-US" altLang="en-US" sz="1600" b="0">
+              <a:solidFill>
+                <a:schemeClr val="tx1"/>
+              </a:solidFill>
+              <a:latin typeface="Consolas" panose="020B0609020204030204"/>
+              <a:ea typeface="Consolas" panose="020B0609020204030204"/>
+            </a:endParaRPr>
+          </a:p>
+          <a:p>
+            <a:pPr>
+              <a:lnSpc>
+                <a:spcPct val="100000"/>
+              </a:lnSpc>
+            </a:pPr>
+            <a:endParaRPr lang="en-US" altLang="en-US" sz="1600" b="0">
+              <a:solidFill>
+                <a:schemeClr val="tx1"/>
+              </a:solidFill>
+              <a:latin typeface="Consolas" panose="020B0609020204030204"/>
+              <a:ea typeface="Consolas" panose="020B0609020204030204"/>
+            </a:endParaRPr>
+          </a:p>
+          <a:p>
+            <a:pPr>
+              <a:lnSpc>
+                <a:spcPct val="100000"/>
+              </a:lnSpc>
+            </a:pPr>
+            <a:r>
+              <a:rPr lang="en-US" altLang="en-US" sz="1600" b="0">
+                <a:solidFill>
+                  <a:schemeClr val="tx1"/>
+                </a:solidFill>
+                <a:latin typeface="Consolas" panose="020B0609020204030204"/>
+                <a:ea typeface="Consolas" panose="020B0609020204030204"/>
+              </a:rPr>
+              <a:t>sns.pairplot(tips, hue = 'smoker',palette = 'coolwarm')</a:t>
+            </a:r>
+            <a:endParaRPr lang="en-US" altLang="en-US" sz="1600" b="0">
+              <a:solidFill>
+                <a:schemeClr val="tx1"/>
+              </a:solidFill>
+              <a:latin typeface="Consolas" panose="020B0609020204030204"/>
+              <a:ea typeface="Consolas" panose="020B0609020204030204"/>
+            </a:endParaRPr>
+          </a:p>
+          <a:p>
+            <a:pPr>
+              <a:lnSpc>
+                <a:spcPct val="100000"/>
+              </a:lnSpc>
+            </a:pPr>
+            <a:endParaRPr lang="en-US" altLang="en-US" sz="1600" b="0">
+              <a:solidFill>
+                <a:schemeClr val="tx1"/>
+              </a:solidFill>
+              <a:latin typeface="Consolas" panose="020B0609020204030204"/>
+              <a:ea typeface="Consolas" panose="020B0609020204030204"/>
+            </a:endParaRPr>
+          </a:p>
+          <a:p>
+            <a:pPr>
+              <a:lnSpc>
+                <a:spcPct val="100000"/>
+              </a:lnSpc>
+            </a:pPr>
+            <a:r>
+              <a:rPr lang="en-US" altLang="en-US" sz="1600" b="0">
+                <a:solidFill>
+                  <a:schemeClr val="tx1"/>
+                </a:solidFill>
+                <a:latin typeface="Consolas" panose="020B0609020204030204"/>
+                <a:ea typeface="Consolas" panose="020B0609020204030204"/>
+              </a:rPr>
+              <a:t># https://seaborn.pydata.org/generated/seaborn.color_palette.html</a:t>
+            </a:r>
+            <a:endParaRPr lang="en-US" altLang="en-US" sz="1600" b="0">
+              <a:solidFill>
+                <a:schemeClr val="tx1"/>
+              </a:solidFill>
+              <a:latin typeface="Consolas" panose="020B0609020204030204"/>
+              <a:ea typeface="Consolas" panose="020B0609020204030204"/>
+            </a:endParaRPr>
+          </a:p>
+          <a:p>
+            <a:pPr>
+              <a:lnSpc>
+                <a:spcPct val="100000"/>
+              </a:lnSpc>
+            </a:pPr>
+            <a:r>
+              <a:rPr lang="en-US" altLang="en-US" sz="1600" b="0">
+                <a:solidFill>
+                  <a:schemeClr val="tx1"/>
+                </a:solidFill>
+                <a:latin typeface="Consolas" panose="020B0609020204030204"/>
+                <a:ea typeface="Consolas" panose="020B0609020204030204"/>
+              </a:rPr>
+              <a:t># https://seaborn.pydata.org/tutorial/color_palettes.html</a:t>
+            </a:r>
+            <a:endParaRPr lang="en-US" altLang="en-US" sz="1600" b="0">
+              <a:solidFill>
+                <a:schemeClr val="tx1"/>
+              </a:solidFill>
+              <a:latin typeface="Consolas" panose="020B0609020204030204"/>
+              <a:ea typeface="Consolas" panose="020B0609020204030204"/>
+            </a:endParaRPr>
+          </a:p>
+        </p:txBody>
+      </p:sp>
+      <p:sp>
+        <p:nvSpPr>
+          <p:cNvPr id="3" name="Text Box 2"/>
+          <p:cNvSpPr txBox="1"/>
+          <p:nvPr/>
+        </p:nvSpPr>
+        <p:spPr>
+          <a:xfrm>
+            <a:off x="273685" y="3573780"/>
+            <a:ext cx="8552180" cy="1383665"/>
+          </a:xfrm>
+          <a:prstGeom prst="rect">
+            <a:avLst/>
+          </a:prstGeom>
+        </p:spPr>
+        <p:txBody>
+          <a:bodyPr wrap="square">
+            <a:spAutoFit/>
+          </a:bodyPr>
+          <a:p>
+            <a:pPr>
+              <a:lnSpc>
+                <a:spcPct val="100000"/>
+              </a:lnSpc>
+            </a:pPr>
+            <a:r>
+              <a:rPr lang="en-US" altLang="zh-CN" b="0">
+                <a:solidFill>
+                  <a:schemeClr val="tx1"/>
+                </a:solidFill>
+                <a:latin typeface="Consolas" panose="020B0609020204030204"/>
+                <a:ea typeface="Consolas" panose="020B0609020204030204"/>
+              </a:rPr>
+              <a:t>#Boxplot &gt;&gt; to know outliers</a:t>
+            </a:r>
+            <a:endParaRPr lang="en-US" altLang="zh-CN" b="0">
+              <a:solidFill>
+                <a:schemeClr val="tx1"/>
+              </a:solidFill>
+              <a:latin typeface="Consolas" panose="020B0609020204030204"/>
+              <a:ea typeface="Consolas" panose="020B0609020204030204"/>
+            </a:endParaRPr>
+          </a:p>
+          <a:p>
+            <a:pPr>
+              <a:lnSpc>
+                <a:spcPct val="100000"/>
+              </a:lnSpc>
+            </a:pPr>
+            <a:r>
+              <a:rPr lang="en-US" altLang="zh-CN" b="0">
+                <a:solidFill>
+                  <a:schemeClr val="tx1"/>
+                </a:solidFill>
+                <a:latin typeface="Consolas" panose="020B0609020204030204"/>
+                <a:ea typeface="Consolas" panose="020B0609020204030204"/>
+              </a:rPr>
+              <a:t>#1, 2, 3, 4, 5, 100 &gt;&gt;&gt; extreme data, for each day give me outlier for total bill</a:t>
+            </a:r>
+            <a:endParaRPr lang="en-US" altLang="zh-CN" b="0">
+              <a:solidFill>
+                <a:schemeClr val="tx1"/>
+              </a:solidFill>
+              <a:latin typeface="Consolas" panose="020B0609020204030204"/>
+              <a:ea typeface="Consolas" panose="020B0609020204030204"/>
+            </a:endParaRPr>
+          </a:p>
+          <a:p>
+            <a:pPr>
+              <a:lnSpc>
+                <a:spcPct val="100000"/>
+              </a:lnSpc>
+            </a:pPr>
+            <a:r>
+              <a:rPr lang="en-US" altLang="zh-CN" b="0">
+                <a:solidFill>
+                  <a:schemeClr val="tx1"/>
+                </a:solidFill>
+                <a:latin typeface="Consolas" panose="020B0609020204030204"/>
+                <a:ea typeface="Consolas" panose="020B0609020204030204"/>
+              </a:rPr>
+              <a:t>sns.boxplot(x='day', y='total_bill', data=tips, palette='rainbow')</a:t>
+            </a:r>
+            <a:endParaRPr lang="en-US" altLang="zh-CN" b="0">
+              <a:solidFill>
+                <a:schemeClr val="tx1"/>
+              </a:solidFill>
+              <a:latin typeface="Consolas" panose="020B0609020204030204"/>
+              <a:ea typeface="Consolas" panose="020B0609020204030204"/>
+            </a:endParaRPr>
+          </a:p>
+          <a:p>
+            <a:pPr>
+              <a:lnSpc>
+                <a:spcPct val="100000"/>
+              </a:lnSpc>
+            </a:pPr>
+            <a:endParaRPr lang="en-US" altLang="zh-CN" b="0">
+              <a:solidFill>
+                <a:schemeClr val="tx1"/>
+              </a:solidFill>
+              <a:latin typeface="Consolas" panose="020B0609020204030204"/>
+              <a:ea typeface="Consolas" panose="020B0609020204030204"/>
+            </a:endParaRPr>
+          </a:p>
+          <a:p>
+            <a:pPr>
+              <a:lnSpc>
+                <a:spcPct val="100000"/>
+              </a:lnSpc>
+            </a:pPr>
+            <a:r>
+              <a:rPr lang="en-US" altLang="en-US" b="0">
+                <a:solidFill>
+                  <a:schemeClr val="tx1"/>
+                </a:solidFill>
+                <a:latin typeface="Consolas" panose="020B0609020204030204"/>
+                <a:ea typeface="Consolas" panose="020B0609020204030204"/>
+              </a:rPr>
+              <a:t>sns.heatmap(tips_num.corr(), annot = True, cmap = 'coolwarm')</a:t>
+            </a:r>
+            <a:endParaRPr lang="en-US" altLang="en-US" b="0">
+              <a:solidFill>
+                <a:schemeClr val="tx1"/>
+              </a:solidFill>
+              <a:latin typeface="Consolas" panose="020B0609020204030204"/>
+              <a:ea typeface="Consolas" panose="020B0609020204030204"/>
+            </a:endParaRPr>
+          </a:p>
+          <a:p>
+            <a:pPr>
+              <a:lnSpc>
+                <a:spcPct val="100000"/>
+              </a:lnSpc>
+            </a:pPr>
+            <a:r>
+              <a:rPr lang="en-US" altLang="en-US" b="0">
+                <a:solidFill>
+                  <a:schemeClr val="tx1"/>
+                </a:solidFill>
+                <a:latin typeface="Consolas" panose="020B0609020204030204"/>
+                <a:ea typeface="Consolas" panose="020B0609020204030204"/>
+              </a:rPr>
+              <a:t>sns.countplot(x = 'sex', data=tips)</a:t>
+            </a:r>
+            <a:endParaRPr lang="en-US" altLang="en-US" b="0">
+              <a:solidFill>
+                <a:schemeClr val="tx1"/>
+              </a:solidFill>
+              <a:latin typeface="Consolas" panose="020B0609020204030204"/>
+              <a:ea typeface="Consolas" panose="020B0609020204030204"/>
+            </a:endParaRPr>
+          </a:p>
+        </p:txBody>
+      </p:sp>
+    </p:spTree>
+  </p:cSld>
+  <p:clrMapOvr>
+    <a:masterClrMapping/>
+  </p:clrMapOvr>
+</p:sld>
+</file>
+
+<file path=ppt/slides/slide22.xml><?xml version="1.0" encoding="utf-8"?>
+<p:sld xmlns:a="http://schemas.openxmlformats.org/drawingml/2006/main" xmlns:r="http://schemas.openxmlformats.org/officeDocument/2006/relationships" xmlns:p="http://schemas.openxmlformats.org/presentationml/2006/main">
+  <p:cSld>
+    <p:spTree>
+      <p:nvGrpSpPr>
+        <p:cNvPr id="1" name=""/>
+        <p:cNvGrpSpPr/>
+        <p:nvPr/>
+      </p:nvGrpSpPr>
+      <p:grpSpPr/>
+      <p:sp>
+        <p:nvSpPr>
+          <p:cNvPr id="2" name="Text Box 1"/>
+          <p:cNvSpPr txBox="1"/>
+          <p:nvPr/>
+        </p:nvSpPr>
+        <p:spPr>
+          <a:xfrm>
+            <a:off x="671195" y="512445"/>
+            <a:ext cx="5080000" cy="2738120"/>
+          </a:xfrm>
+          <a:prstGeom prst="rect">
+            <a:avLst/>
+          </a:prstGeom>
+        </p:spPr>
+        <p:txBody>
+          <a:bodyPr>
+            <a:spAutoFit/>
+          </a:bodyPr>
+          <a:p>
+            <a:pPr>
+              <a:lnSpc>
+                <a:spcPct val="100000"/>
+              </a:lnSpc>
+            </a:pPr>
+            <a:r>
+              <a:rPr lang="en-US" altLang="zh-CN" sz="2800" b="1">
+                <a:solidFill>
+                  <a:schemeClr val="tx1"/>
+                </a:solidFill>
+                <a:latin typeface="Consolas" panose="020B0609020204030204"/>
+                <a:ea typeface="Consolas" panose="020B0609020204030204"/>
+              </a:rPr>
+              <a:t># 3D plot</a:t>
+            </a:r>
+            <a:endParaRPr lang="en-US" altLang="zh-CN" sz="2800" b="1">
+              <a:solidFill>
+                <a:schemeClr val="tx1"/>
+              </a:solidFill>
+              <a:latin typeface="Consolas" panose="020B0609020204030204"/>
+              <a:ea typeface="Consolas" panose="020B0609020204030204"/>
+            </a:endParaRPr>
+          </a:p>
+          <a:p>
+            <a:pPr>
+              <a:lnSpc>
+                <a:spcPct val="100000"/>
+              </a:lnSpc>
+            </a:pPr>
+            <a:r>
+              <a:rPr lang="en-US" altLang="zh-CN" sz="1600" b="0">
+                <a:solidFill>
+                  <a:schemeClr val="tx1"/>
+                </a:solidFill>
+                <a:latin typeface="Consolas" panose="020B0609020204030204"/>
+                <a:ea typeface="Consolas" panose="020B0609020204030204"/>
+              </a:rPr>
+              <a:t>x=np.random.rand(20)</a:t>
+            </a:r>
+            <a:endParaRPr lang="en-US" altLang="zh-CN" sz="1600" b="0">
+              <a:solidFill>
+                <a:schemeClr val="tx1"/>
+              </a:solidFill>
+              <a:latin typeface="Consolas" panose="020B0609020204030204"/>
+              <a:ea typeface="Consolas" panose="020B0609020204030204"/>
+            </a:endParaRPr>
+          </a:p>
+          <a:p>
+            <a:pPr>
+              <a:lnSpc>
+                <a:spcPct val="100000"/>
+              </a:lnSpc>
+            </a:pPr>
+            <a:r>
+              <a:rPr lang="en-US" altLang="zh-CN" sz="1600" b="0">
+                <a:solidFill>
+                  <a:schemeClr val="tx1"/>
+                </a:solidFill>
+                <a:latin typeface="Consolas" panose="020B0609020204030204"/>
+                <a:ea typeface="Consolas" panose="020B0609020204030204"/>
+              </a:rPr>
+              <a:t>y=np.random.rand(20)</a:t>
+            </a:r>
+            <a:endParaRPr lang="en-US" altLang="zh-CN" sz="1600" b="0">
+              <a:solidFill>
+                <a:schemeClr val="tx1"/>
+              </a:solidFill>
+              <a:latin typeface="Consolas" panose="020B0609020204030204"/>
+              <a:ea typeface="Consolas" panose="020B0609020204030204"/>
+            </a:endParaRPr>
+          </a:p>
+          <a:p>
+            <a:pPr>
+              <a:lnSpc>
+                <a:spcPct val="100000"/>
+              </a:lnSpc>
+            </a:pPr>
+            <a:r>
+              <a:rPr lang="en-US" altLang="zh-CN" sz="1600" b="0">
+                <a:solidFill>
+                  <a:schemeClr val="tx1"/>
+                </a:solidFill>
+                <a:latin typeface="Consolas" panose="020B0609020204030204"/>
+                <a:ea typeface="Consolas" panose="020B0609020204030204"/>
+              </a:rPr>
+              <a:t>z=np.random.rand(20)</a:t>
+            </a:r>
+            <a:endParaRPr lang="en-US" altLang="zh-CN" sz="1600" b="0">
+              <a:solidFill>
+                <a:schemeClr val="tx1"/>
+              </a:solidFill>
+              <a:latin typeface="Consolas" panose="020B0609020204030204"/>
+              <a:ea typeface="Consolas" panose="020B0609020204030204"/>
+            </a:endParaRPr>
+          </a:p>
+          <a:p>
+            <a:pPr>
+              <a:lnSpc>
+                <a:spcPct val="100000"/>
+              </a:lnSpc>
+            </a:pPr>
+            <a:r>
+              <a:rPr lang="en-US" altLang="zh-CN" sz="1600" b="0">
+                <a:solidFill>
+                  <a:schemeClr val="tx1"/>
+                </a:solidFill>
+                <a:latin typeface="Consolas" panose="020B0609020204030204"/>
+                <a:ea typeface="Consolas" panose="020B0609020204030204"/>
+              </a:rPr>
+              <a:t>fig=plt.figure()</a:t>
+            </a:r>
+            <a:endParaRPr lang="en-US" altLang="zh-CN" sz="1600" b="0">
+              <a:solidFill>
+                <a:schemeClr val="tx1"/>
+              </a:solidFill>
+              <a:latin typeface="Consolas" panose="020B0609020204030204"/>
+              <a:ea typeface="Consolas" panose="020B0609020204030204"/>
+            </a:endParaRPr>
+          </a:p>
+          <a:p>
+            <a:pPr>
+              <a:lnSpc>
+                <a:spcPct val="100000"/>
+              </a:lnSpc>
+            </a:pPr>
+            <a:r>
+              <a:rPr lang="en-US" altLang="zh-CN" sz="1600" b="0">
+                <a:solidFill>
+                  <a:schemeClr val="tx1"/>
+                </a:solidFill>
+                <a:latin typeface="Consolas" panose="020B0609020204030204"/>
+                <a:ea typeface="Consolas" panose="020B0609020204030204"/>
+              </a:rPr>
+              <a:t>ax=fig.add_subplot(projection='3d')</a:t>
+            </a:r>
+            <a:endParaRPr lang="en-US" altLang="zh-CN" sz="1600" b="0">
+              <a:solidFill>
+                <a:schemeClr val="tx1"/>
+              </a:solidFill>
+              <a:latin typeface="Consolas" panose="020B0609020204030204"/>
+              <a:ea typeface="Consolas" panose="020B0609020204030204"/>
+            </a:endParaRPr>
+          </a:p>
+          <a:p>
+            <a:pPr>
+              <a:lnSpc>
+                <a:spcPct val="100000"/>
+              </a:lnSpc>
+            </a:pPr>
+            <a:r>
+              <a:rPr lang="en-US" altLang="zh-CN" sz="1600" b="0">
+                <a:solidFill>
+                  <a:schemeClr val="tx1"/>
+                </a:solidFill>
+                <a:latin typeface="Consolas" panose="020B0609020204030204"/>
+                <a:ea typeface="Consolas" panose="020B0609020204030204"/>
+              </a:rPr>
+              <a:t>ax.scatter(x, y, z, c="#FF5733", alpha=.9)</a:t>
+            </a:r>
+            <a:endParaRPr lang="en-US" altLang="zh-CN" sz="1600" b="0">
+              <a:solidFill>
+                <a:schemeClr val="tx1"/>
+              </a:solidFill>
+              <a:latin typeface="Consolas" panose="020B0609020204030204"/>
+              <a:ea typeface="Consolas" panose="020B0609020204030204"/>
+            </a:endParaRPr>
+          </a:p>
+          <a:p>
+            <a:pPr>
+              <a:lnSpc>
+                <a:spcPct val="100000"/>
+              </a:lnSpc>
+            </a:pPr>
+            <a:r>
+              <a:rPr lang="en-US" altLang="zh-CN" sz="1600" b="0">
+                <a:solidFill>
+                  <a:schemeClr val="tx1"/>
+                </a:solidFill>
+                <a:latin typeface="Consolas" panose="020B0609020204030204"/>
+                <a:ea typeface="Consolas" panose="020B0609020204030204"/>
+              </a:rPr>
+              <a:t>plt.xlabel("x axis")</a:t>
+            </a:r>
+            <a:endParaRPr lang="en-US" altLang="zh-CN" sz="1600" b="0">
+              <a:solidFill>
+                <a:schemeClr val="tx1"/>
+              </a:solidFill>
+              <a:latin typeface="Consolas" panose="020B0609020204030204"/>
+              <a:ea typeface="Consolas" panose="020B0609020204030204"/>
+            </a:endParaRPr>
+          </a:p>
+          <a:p>
+            <a:pPr>
+              <a:lnSpc>
+                <a:spcPct val="100000"/>
+              </a:lnSpc>
+            </a:pPr>
+            <a:r>
+              <a:rPr lang="en-US" altLang="zh-CN" sz="1600" b="0">
+                <a:solidFill>
+                  <a:schemeClr val="tx1"/>
+                </a:solidFill>
+                <a:latin typeface="Consolas" panose="020B0609020204030204"/>
+                <a:ea typeface="Consolas" panose="020B0609020204030204"/>
+              </a:rPr>
+              <a:t>plt.ylabel("y axis")</a:t>
+            </a:r>
+            <a:endParaRPr lang="en-US" altLang="zh-CN" sz="1600" b="0">
+              <a:solidFill>
+                <a:schemeClr val="tx1"/>
+              </a:solidFill>
+              <a:latin typeface="Consolas" panose="020B0609020204030204"/>
+              <a:ea typeface="Consolas" panose="020B0609020204030204"/>
+            </a:endParaRPr>
+          </a:p>
+          <a:p>
+            <a:pPr>
+              <a:lnSpc>
+                <a:spcPct val="100000"/>
+              </a:lnSpc>
+            </a:pPr>
+            <a:r>
+              <a:rPr lang="en-US" altLang="zh-CN" sz="1600" b="0">
+                <a:solidFill>
+                  <a:schemeClr val="tx1"/>
+                </a:solidFill>
+                <a:latin typeface="Consolas" panose="020B0609020204030204"/>
+                <a:ea typeface="Consolas" panose="020B0609020204030204"/>
+              </a:rPr>
+              <a:t>plt.show()</a:t>
+            </a:r>
+            <a:endParaRPr lang="en-US" altLang="zh-CN" sz="1600" b="0">
+              <a:solidFill>
+                <a:schemeClr val="tx1"/>
+              </a:solidFill>
+              <a:latin typeface="Consolas" panose="020B0609020204030204"/>
+              <a:ea typeface="Consolas" panose="020B0609020204030204"/>
+            </a:endParaRPr>
+          </a:p>
+        </p:txBody>
+      </p:sp>
+    </p:spTree>
+  </p:cSld>
+  <p:clrMapOvr>
+    <a:masterClrMapping/>
+  </p:clrMapOvr>
+</p:sld>
+</file>
+
+<file path=ppt/slides/slide23.xml><?xml version="1.0" encoding="utf-8"?>
+<p:sld xmlns:a="http://schemas.openxmlformats.org/drawingml/2006/main" xmlns:r="http://schemas.openxmlformats.org/officeDocument/2006/relationships" xmlns:p="http://schemas.openxmlformats.org/presentationml/2006/main">
+  <p:cSld>
+    <p:spTree>
+      <p:nvGrpSpPr>
+        <p:cNvPr id="1" name=""/>
+        <p:cNvGrpSpPr/>
+        <p:nvPr/>
+      </p:nvGrpSpPr>
+      <p:grpSpPr/>
+      <p:sp>
+        <p:nvSpPr>
+          <p:cNvPr id="2" name="Text Box 1"/>
+          <p:cNvSpPr txBox="1"/>
+          <p:nvPr/>
+        </p:nvSpPr>
+        <p:spPr>
+          <a:xfrm>
+            <a:off x="777240" y="220980"/>
+            <a:ext cx="3048000" cy="306705"/>
+          </a:xfrm>
+          <a:prstGeom prst="rect">
+            <a:avLst/>
+          </a:prstGeom>
+          <a:noFill/>
+        </p:spPr>
+        <p:txBody>
+          <a:bodyPr wrap="square" rtlCol="0">
+            <a:spAutoFit/>
+          </a:bodyPr>
+          <a:p>
+            <a:r>
+              <a:rPr lang="en-US" b="1">
+                <a:solidFill>
+                  <a:srgbClr val="C00000"/>
+                </a:solidFill>
+              </a:rPr>
+              <a:t>TITANIC DATA</a:t>
+            </a:r>
+            <a:endParaRPr lang="en-US" b="1">
+              <a:solidFill>
+                <a:srgbClr val="C00000"/>
+              </a:solidFill>
+            </a:endParaRPr>
+          </a:p>
+        </p:txBody>
+      </p:sp>
+      <p:graphicFrame>
+        <p:nvGraphicFramePr>
+          <p:cNvPr id="4" name="Table 3"/>
+          <p:cNvGraphicFramePr/>
+          <p:nvPr/>
+        </p:nvGraphicFramePr>
+        <p:xfrm>
+          <a:off x="2032000" y="12642215"/>
+          <a:ext cx="7863840" cy="0"/>
+        </p:xfrm>
+        <a:graphic>
+          <a:graphicData uri="http://schemas.openxmlformats.org/drawingml/2006/table">
+            <a:tbl>
+              <a:tblPr/>
+              <a:tblGrid>
+                <a:gridCol w="2621280"/>
+                <a:gridCol w="2621280"/>
+                <a:gridCol w="2621280"/>
+              </a:tblGrid>
+              <a:tr h="0">
+                <a:tc>
+                  <a:txBody>
+                    <a:bodyPr/>
+                    <a:p>
+                      <a:r>
+                        <a:rPr lang="en-US" altLang="zh-CN" sz="1100"/>
+                        <a:t>Plot Type</a:t>
+                      </a:r>
+                      <a:endParaRPr lang="en-US" altLang="zh-CN" sz="1100"/>
+                    </a:p>
+                  </a:txBody>
+                  <a:tcPr marL="0" marR="0" marT="0" marB="0" anchor="ctr" anchorCtr="0">
+                    <a:lnL>
+                      <a:noFill/>
+                    </a:lnL>
+                    <a:lnR>
+                      <a:noFill/>
+                    </a:lnR>
+                    <a:lnT>
+                      <a:noFill/>
+                    </a:lnT>
+                    <a:lnB>
+                      <a:noFill/>
+                    </a:lnB>
+                    <a:noFill/>
+                  </a:tcPr>
+                </a:tc>
+                <a:tc>
+                  <a:txBody>
+                    <a:bodyPr/>
+                    <a:p>
+                      <a:r>
+                        <a:rPr lang="en-US" altLang="zh-CN" sz="1100"/>
+                        <a:t>Library</a:t>
+                      </a:r>
+                      <a:endParaRPr lang="en-US" altLang="zh-CN" sz="1100"/>
+                    </a:p>
+                  </a:txBody>
+                  <a:tcPr marL="0" marR="0" marT="0" marB="0" anchor="ctr" anchorCtr="0">
+                    <a:lnL>
+                      <a:noFill/>
+                    </a:lnL>
+                    <a:lnR>
+                      <a:noFill/>
+                    </a:lnR>
+                    <a:lnT>
+                      <a:noFill/>
+                    </a:lnT>
+                    <a:lnB>
+                      <a:noFill/>
+                    </a:lnB>
+                    <a:noFill/>
+                  </a:tcPr>
+                </a:tc>
+                <a:tc>
+                  <a:txBody>
+                    <a:bodyPr/>
+                    <a:p>
+                      <a:r>
+                        <a:rPr lang="en-US" altLang="zh-CN" sz="1100"/>
+                        <a:t>Usage Description</a:t>
+                      </a:r>
+                      <a:endParaRPr lang="en-US" altLang="zh-CN" sz="1100"/>
+                    </a:p>
+                  </a:txBody>
+                  <a:tcPr marL="0" marR="0" marT="0" marB="0" anchor="ctr" anchorCtr="0">
+                    <a:lnL>
+                      <a:noFill/>
+                    </a:lnL>
+                    <a:lnR>
+                      <a:noFill/>
+                    </a:lnR>
+                    <a:lnT>
+                      <a:noFill/>
+                    </a:lnT>
+                    <a:lnB>
+                      <a:noFill/>
+                    </a:lnB>
+                    <a:noFill/>
+                  </a:tcPr>
+                </a:tc>
+              </a:tr>
+              <a:tr h="0">
+                <a:tc>
+                  <a:txBody>
+                    <a:bodyPr/>
+                    <a:p>
+                      <a:r>
+                        <a:rPr lang="en-US" altLang="zh-CN" sz="1100"/>
+                        <a:t>Line Plot</a:t>
+                      </a:r>
+                      <a:endParaRPr lang="en-US" altLang="zh-CN" sz="1100"/>
+                    </a:p>
+                  </a:txBody>
+                  <a:tcPr marL="0" marR="0" marT="0" marB="0" anchor="ctr" anchorCtr="0">
+                    <a:lnL>
+                      <a:noFill/>
+                    </a:lnL>
+                    <a:lnR>
+                      <a:noFill/>
+                    </a:lnR>
+                    <a:lnT>
+                      <a:noFill/>
+                    </a:lnT>
+                    <a:lnB>
+                      <a:noFill/>
+                    </a:lnB>
+                    <a:noFill/>
+                  </a:tcPr>
+                </a:tc>
+                <a:tc>
+                  <a:txBody>
+                    <a:bodyPr/>
+                    <a:p>
+                      <a:r>
+                        <a:rPr lang="en-US" altLang="zh-CN" sz="1100"/>
+                        <a:t>Matplotlib</a:t>
+                      </a:r>
+                      <a:endParaRPr lang="en-US" altLang="zh-CN" sz="1100"/>
+                    </a:p>
+                  </a:txBody>
+                  <a:tcPr marL="0" marR="0" marT="0" marB="0" anchor="ctr" anchorCtr="0">
+                    <a:lnL>
+                      <a:noFill/>
+                    </a:lnL>
+                    <a:lnR>
+                      <a:noFill/>
+                    </a:lnR>
+                    <a:lnT>
+                      <a:noFill/>
+                    </a:lnT>
+                    <a:lnB>
+                      <a:noFill/>
+                    </a:lnB>
+                    <a:noFill/>
+                  </a:tcPr>
+                </a:tc>
+                <a:tc>
+                  <a:txBody>
+                    <a:bodyPr/>
+                    <a:p>
+                      <a:r>
+                        <a:rPr lang="en-US" altLang="zh-CN" sz="1100"/>
+                        <a:t>Trends over continuous variables (e.g., age)</a:t>
+                      </a:r>
+                      <a:endParaRPr lang="en-US" altLang="zh-CN" sz="1100"/>
+                    </a:p>
+                  </a:txBody>
+                  <a:tcPr marL="0" marR="0" marT="0" marB="0" anchor="ctr" anchorCtr="0">
+                    <a:lnL>
+                      <a:noFill/>
+                    </a:lnL>
+                    <a:lnR>
+                      <a:noFill/>
+                    </a:lnR>
+                    <a:lnT>
+                      <a:noFill/>
+                    </a:lnT>
+                    <a:lnB>
+                      <a:noFill/>
+                    </a:lnB>
+                    <a:noFill/>
+                  </a:tcPr>
+                </a:tc>
+              </a:tr>
+              <a:tr h="0">
+                <a:tc>
+                  <a:txBody>
+                    <a:bodyPr/>
+                    <a:p>
+                      <a:r>
+                        <a:rPr lang="en-US" altLang="zh-CN" sz="1100"/>
+                        <a:t>Bar Chart</a:t>
+                      </a:r>
+                      <a:endParaRPr lang="en-US" altLang="zh-CN" sz="1100"/>
+                    </a:p>
+                  </a:txBody>
+                  <a:tcPr marL="0" marR="0" marT="0" marB="0" anchor="ctr" anchorCtr="0">
+                    <a:lnL>
+                      <a:noFill/>
+                    </a:lnL>
+                    <a:lnR>
+                      <a:noFill/>
+                    </a:lnR>
+                    <a:lnT>
+                      <a:noFill/>
+                    </a:lnT>
+                    <a:lnB>
+                      <a:noFill/>
+                    </a:lnB>
+                    <a:noFill/>
+                  </a:tcPr>
+                </a:tc>
+                <a:tc>
+                  <a:txBody>
+                    <a:bodyPr/>
+                    <a:p>
+                      <a:r>
+                        <a:rPr lang="en-US" altLang="zh-CN" sz="1100"/>
+                        <a:t>Matplotlib</a:t>
+                      </a:r>
+                      <a:endParaRPr lang="en-US" altLang="zh-CN" sz="1100"/>
+                    </a:p>
+                  </a:txBody>
+                  <a:tcPr marL="0" marR="0" marT="0" marB="0" anchor="ctr" anchorCtr="0">
+                    <a:lnL>
+                      <a:noFill/>
+                    </a:lnL>
+                    <a:lnR>
+                      <a:noFill/>
+                    </a:lnR>
+                    <a:lnT>
+                      <a:noFill/>
+                    </a:lnT>
+                    <a:lnB>
+                      <a:noFill/>
+                    </a:lnB>
+                    <a:noFill/>
+                  </a:tcPr>
+                </a:tc>
+                <a:tc>
+                  <a:txBody>
+                    <a:bodyPr/>
+                    <a:p>
+                      <a:r>
+                        <a:rPr lang="en-US" altLang="zh-CN" sz="1100"/>
+                        <a:t>Compare categories (e.g., class)</a:t>
+                      </a:r>
+                      <a:endParaRPr lang="en-US" altLang="zh-CN" sz="1100"/>
+                    </a:p>
+                  </a:txBody>
+                  <a:tcPr marL="0" marR="0" marT="0" marB="0" anchor="ctr" anchorCtr="0">
+                    <a:lnL>
+                      <a:noFill/>
+                    </a:lnL>
+                    <a:lnR>
+                      <a:noFill/>
+                    </a:lnR>
+                    <a:lnT>
+                      <a:noFill/>
+                    </a:lnT>
+                    <a:lnB>
+                      <a:noFill/>
+                    </a:lnB>
+                    <a:noFill/>
+                  </a:tcPr>
+                </a:tc>
+              </a:tr>
+              <a:tr h="0">
+                <a:tc>
+                  <a:txBody>
+                    <a:bodyPr/>
+                    <a:p>
+                      <a:r>
+                        <a:rPr lang="en-US" altLang="zh-CN" sz="1100"/>
+                        <a:t>Pie Chart</a:t>
+                      </a:r>
+                      <a:endParaRPr lang="en-US" altLang="zh-CN" sz="1100"/>
+                    </a:p>
+                  </a:txBody>
+                  <a:tcPr marL="0" marR="0" marT="0" marB="0" anchor="ctr" anchorCtr="0">
+                    <a:lnL>
+                      <a:noFill/>
+                    </a:lnL>
+                    <a:lnR>
+                      <a:noFill/>
+                    </a:lnR>
+                    <a:lnT>
+                      <a:noFill/>
+                    </a:lnT>
+                    <a:lnB>
+                      <a:noFill/>
+                    </a:lnB>
+                    <a:noFill/>
+                  </a:tcPr>
+                </a:tc>
+                <a:tc>
+                  <a:txBody>
+                    <a:bodyPr/>
+                    <a:p>
+                      <a:r>
+                        <a:rPr lang="en-US" altLang="zh-CN" sz="1100"/>
+                        <a:t>Matplotlib</a:t>
+                      </a:r>
+                      <a:endParaRPr lang="en-US" altLang="zh-CN" sz="1100"/>
+                    </a:p>
+                  </a:txBody>
+                  <a:tcPr marL="0" marR="0" marT="0" marB="0" anchor="ctr" anchorCtr="0">
+                    <a:lnL>
+                      <a:noFill/>
+                    </a:lnL>
+                    <a:lnR>
+                      <a:noFill/>
+                    </a:lnR>
+                    <a:lnT>
+                      <a:noFill/>
+                    </a:lnT>
+                    <a:lnB>
+                      <a:noFill/>
+                    </a:lnB>
+                    <a:noFill/>
+                  </a:tcPr>
+                </a:tc>
+                <a:tc>
+                  <a:txBody>
+                    <a:bodyPr/>
+                    <a:p>
+                      <a:r>
+                        <a:rPr lang="en-US" altLang="zh-CN" sz="1100"/>
+                        <a:t>Show proportions (e.g., gender)</a:t>
+                      </a:r>
+                      <a:endParaRPr lang="en-US" altLang="zh-CN" sz="1100"/>
+                    </a:p>
+                  </a:txBody>
+                  <a:tcPr marL="0" marR="0" marT="0" marB="0" anchor="ctr" anchorCtr="0">
+                    <a:lnL>
+                      <a:noFill/>
+                    </a:lnL>
+                    <a:lnR>
+                      <a:noFill/>
+                    </a:lnR>
+                    <a:lnT>
+                      <a:noFill/>
+                    </a:lnT>
+                    <a:lnB>
+                      <a:noFill/>
+                    </a:lnB>
+                    <a:noFill/>
+                  </a:tcPr>
+                </a:tc>
+              </a:tr>
+              <a:tr h="0">
+                <a:tc>
+                  <a:txBody>
+                    <a:bodyPr/>
+                    <a:p>
+                      <a:r>
+                        <a:rPr lang="en-US" altLang="zh-CN" sz="1100"/>
+                        <a:t>Countplot</a:t>
+                      </a:r>
+                      <a:endParaRPr lang="en-US" altLang="zh-CN" sz="1100"/>
+                    </a:p>
+                  </a:txBody>
+                  <a:tcPr marL="0" marR="0" marT="0" marB="0" anchor="ctr" anchorCtr="0">
+                    <a:lnL>
+                      <a:noFill/>
+                    </a:lnL>
+                    <a:lnR>
+                      <a:noFill/>
+                    </a:lnR>
+                    <a:lnT>
+                      <a:noFill/>
+                    </a:lnT>
+                    <a:lnB>
+                      <a:noFill/>
+                    </a:lnB>
+                    <a:noFill/>
+                  </a:tcPr>
+                </a:tc>
+                <a:tc>
+                  <a:txBody>
+                    <a:bodyPr/>
+                    <a:p>
+                      <a:r>
+                        <a:rPr lang="en-US" altLang="zh-CN" sz="1100"/>
+                        <a:t>Seaborn</a:t>
+                      </a:r>
+                      <a:endParaRPr lang="en-US" altLang="zh-CN" sz="1100"/>
+                    </a:p>
+                  </a:txBody>
+                  <a:tcPr marL="0" marR="0" marT="0" marB="0" anchor="ctr" anchorCtr="0">
+                    <a:lnL>
+                      <a:noFill/>
+                    </a:lnL>
+                    <a:lnR>
+                      <a:noFill/>
+                    </a:lnR>
+                    <a:lnT>
+                      <a:noFill/>
+                    </a:lnT>
+                    <a:lnB>
+                      <a:noFill/>
+                    </a:lnB>
+                    <a:noFill/>
+                  </a:tcPr>
+                </a:tc>
+                <a:tc>
+                  <a:txBody>
+                    <a:bodyPr/>
+                    <a:p>
+                      <a:r>
+                        <a:rPr lang="en-US" altLang="zh-CN" sz="1100"/>
+                        <a:t>Count of categories</a:t>
+                      </a:r>
+                      <a:endParaRPr lang="en-US" altLang="zh-CN" sz="1100"/>
+                    </a:p>
+                  </a:txBody>
+                  <a:tcPr marL="0" marR="0" marT="0" marB="0" anchor="ctr" anchorCtr="0">
+                    <a:lnL>
+                      <a:noFill/>
+                    </a:lnL>
+                    <a:lnR>
+                      <a:noFill/>
+                    </a:lnR>
+                    <a:lnT>
+                      <a:noFill/>
+                    </a:lnT>
+                    <a:lnB>
+                      <a:noFill/>
+                    </a:lnB>
+                    <a:noFill/>
+                  </a:tcPr>
+                </a:tc>
+              </a:tr>
+              <a:tr h="0">
+                <a:tc>
+                  <a:txBody>
+                    <a:bodyPr/>
+                    <a:p>
+                      <a:r>
+                        <a:rPr lang="en-US" altLang="zh-CN" sz="1100"/>
+                        <a:t>Barplot</a:t>
+                      </a:r>
+                      <a:endParaRPr lang="en-US" altLang="zh-CN" sz="1100"/>
+                    </a:p>
+                  </a:txBody>
+                  <a:tcPr marL="0" marR="0" marT="0" marB="0" anchor="ctr" anchorCtr="0">
+                    <a:lnL>
+                      <a:noFill/>
+                    </a:lnL>
+                    <a:lnR>
+                      <a:noFill/>
+                    </a:lnR>
+                    <a:lnT>
+                      <a:noFill/>
+                    </a:lnT>
+                    <a:lnB>
+                      <a:noFill/>
+                    </a:lnB>
+                    <a:noFill/>
+                  </a:tcPr>
+                </a:tc>
+                <a:tc>
+                  <a:txBody>
+                    <a:bodyPr/>
+                    <a:p>
+                      <a:r>
+                        <a:rPr lang="en-US" altLang="zh-CN" sz="1100"/>
+                        <a:t>Seaborn</a:t>
+                      </a:r>
+                      <a:endParaRPr lang="en-US" altLang="zh-CN" sz="1100"/>
+                    </a:p>
+                  </a:txBody>
+                  <a:tcPr marL="0" marR="0" marT="0" marB="0" anchor="ctr" anchorCtr="0">
+                    <a:lnL>
+                      <a:noFill/>
+                    </a:lnL>
+                    <a:lnR>
+                      <a:noFill/>
+                    </a:lnR>
+                    <a:lnT>
+                      <a:noFill/>
+                    </a:lnT>
+                    <a:lnB>
+                      <a:noFill/>
+                    </a:lnB>
+                    <a:noFill/>
+                  </a:tcPr>
+                </a:tc>
+                <a:tc>
+                  <a:txBody>
+                    <a:bodyPr/>
+                    <a:p>
+                      <a:r>
+                        <a:rPr lang="en-US" altLang="zh-CN" sz="1100"/>
+                        <a:t>Aggregated values by category</a:t>
+                      </a:r>
+                      <a:endParaRPr lang="en-US" altLang="zh-CN" sz="1100"/>
+                    </a:p>
+                  </a:txBody>
+                  <a:tcPr marL="0" marR="0" marT="0" marB="0" anchor="ctr" anchorCtr="0">
+                    <a:lnL>
+                      <a:noFill/>
+                    </a:lnL>
+                    <a:lnR>
+                      <a:noFill/>
+                    </a:lnR>
+                    <a:lnT>
+                      <a:noFill/>
+                    </a:lnT>
+                    <a:lnB>
+                      <a:noFill/>
+                    </a:lnB>
+                    <a:noFill/>
+                  </a:tcPr>
+                </a:tc>
+              </a:tr>
+              <a:tr h="0">
+                <a:tc>
+                  <a:txBody>
+                    <a:bodyPr/>
+                    <a:p>
+                      <a:r>
+                        <a:rPr lang="en-US" altLang="zh-CN" sz="1100"/>
+                        <a:t>Violinplot</a:t>
+                      </a:r>
+                      <a:endParaRPr lang="en-US" altLang="zh-CN" sz="1100"/>
+                    </a:p>
+                  </a:txBody>
+                  <a:tcPr marL="0" marR="0" marT="0" marB="0" anchor="ctr" anchorCtr="0">
+                    <a:lnL>
+                      <a:noFill/>
+                    </a:lnL>
+                    <a:lnR>
+                      <a:noFill/>
+                    </a:lnR>
+                    <a:lnT>
+                      <a:noFill/>
+                    </a:lnT>
+                    <a:lnB>
+                      <a:noFill/>
+                    </a:lnB>
+                    <a:noFill/>
+                  </a:tcPr>
+                </a:tc>
+                <a:tc>
+                  <a:txBody>
+                    <a:bodyPr/>
+                    <a:p>
+                      <a:r>
+                        <a:rPr lang="en-US" altLang="zh-CN" sz="1100"/>
+                        <a:t>Seaborn</a:t>
+                      </a:r>
+                      <a:endParaRPr lang="en-US" altLang="zh-CN" sz="1100"/>
+                    </a:p>
+                  </a:txBody>
+                  <a:tcPr marL="0" marR="0" marT="0" marB="0" anchor="ctr" anchorCtr="0">
+                    <a:lnL>
+                      <a:noFill/>
+                    </a:lnL>
+                    <a:lnR>
+                      <a:noFill/>
+                    </a:lnR>
+                    <a:lnT>
+                      <a:noFill/>
+                    </a:lnT>
+                    <a:lnB>
+                      <a:noFill/>
+                    </a:lnB>
+                    <a:noFill/>
+                  </a:tcPr>
+                </a:tc>
+                <a:tc>
+                  <a:txBody>
+                    <a:bodyPr/>
+                    <a:p>
+                      <a:r>
+                        <a:rPr lang="en-US" altLang="zh-CN" sz="1100"/>
+                        <a:t>Distribution + comparison</a:t>
+                      </a:r>
+                      <a:endParaRPr lang="en-US" altLang="zh-CN" sz="1100"/>
+                    </a:p>
+                  </a:txBody>
+                  <a:tcPr marL="0" marR="0" marT="0" marB="0" anchor="ctr" anchorCtr="0">
+                    <a:lnL>
+                      <a:noFill/>
+                    </a:lnL>
+                    <a:lnR>
+                      <a:noFill/>
+                    </a:lnR>
+                    <a:lnT>
+                      <a:noFill/>
+                    </a:lnT>
+                    <a:lnB>
+                      <a:noFill/>
+                    </a:lnB>
+                    <a:noFill/>
+                  </a:tcPr>
+                </a:tc>
+              </a:tr>
+              <a:tr h="0">
+                <a:tc>
+                  <a:txBody>
+                    <a:bodyPr/>
+                    <a:p>
+                      <a:r>
+                        <a:rPr lang="en-US" altLang="zh-CN" sz="1100"/>
+                        <a:t>Histplot</a:t>
+                      </a:r>
+                      <a:endParaRPr lang="en-US" altLang="zh-CN" sz="1100"/>
+                    </a:p>
+                  </a:txBody>
+                  <a:tcPr marL="0" marR="0" marT="0" marB="0" anchor="ctr" anchorCtr="0">
+                    <a:lnL>
+                      <a:noFill/>
+                    </a:lnL>
+                    <a:lnR>
+                      <a:noFill/>
+                    </a:lnR>
+                    <a:lnT>
+                      <a:noFill/>
+                    </a:lnT>
+                    <a:lnB>
+                      <a:noFill/>
+                    </a:lnB>
+                    <a:noFill/>
+                  </a:tcPr>
+                </a:tc>
+                <a:tc>
+                  <a:txBody>
+                    <a:bodyPr/>
+                    <a:p>
+                      <a:r>
+                        <a:rPr lang="en-US" altLang="zh-CN" sz="1100"/>
+                        <a:t>Seaborn</a:t>
+                      </a:r>
+                      <a:endParaRPr lang="en-US" altLang="zh-CN" sz="1100"/>
+                    </a:p>
+                  </a:txBody>
+                  <a:tcPr marL="0" marR="0" marT="0" marB="0" anchor="ctr" anchorCtr="0">
+                    <a:lnL>
+                      <a:noFill/>
+                    </a:lnL>
+                    <a:lnR>
+                      <a:noFill/>
+                    </a:lnR>
+                    <a:lnT>
+                      <a:noFill/>
+                    </a:lnT>
+                    <a:lnB>
+                      <a:noFill/>
+                    </a:lnB>
+                    <a:noFill/>
+                  </a:tcPr>
+                </a:tc>
+                <a:tc>
+                  <a:txBody>
+                    <a:bodyPr/>
+                    <a:p>
+                      <a:r>
+                        <a:rPr lang="en-US" altLang="zh-CN" sz="1100"/>
+                        <a:t>Distribution of single variable</a:t>
+                      </a:r>
+                      <a:endParaRPr lang="en-US" altLang="zh-CN" sz="1100"/>
+                    </a:p>
+                  </a:txBody>
+                  <a:tcPr marL="0" marR="0" marT="0" marB="0" anchor="ctr" anchorCtr="0">
+                    <a:lnL>
+                      <a:noFill/>
+                    </a:lnL>
+                    <a:lnR>
+                      <a:noFill/>
+                    </a:lnR>
+                    <a:lnT>
+                      <a:noFill/>
+                    </a:lnT>
+                    <a:lnB>
+                      <a:noFill/>
+                    </a:lnB>
+                    <a:noFill/>
+                  </a:tcPr>
+                </a:tc>
+              </a:tr>
+              <a:tr h="0">
+                <a:tc>
+                  <a:txBody>
+                    <a:bodyPr/>
+                    <a:p>
+                      <a:r>
+                        <a:rPr lang="en-US" altLang="zh-CN" sz="1100"/>
+                        <a:t>Scatterplot</a:t>
+                      </a:r>
+                      <a:endParaRPr lang="en-US" altLang="zh-CN" sz="1100"/>
+                    </a:p>
+                  </a:txBody>
+                  <a:tcPr marL="0" marR="0" marT="0" marB="0" anchor="ctr" anchorCtr="0">
+                    <a:lnL>
+                      <a:noFill/>
+                    </a:lnL>
+                    <a:lnR>
+                      <a:noFill/>
+                    </a:lnR>
+                    <a:lnT>
+                      <a:noFill/>
+                    </a:lnT>
+                    <a:lnB>
+                      <a:noFill/>
+                    </a:lnB>
+                    <a:noFill/>
+                  </a:tcPr>
+                </a:tc>
+                <a:tc>
+                  <a:txBody>
+                    <a:bodyPr/>
+                    <a:p>
+                      <a:r>
+                        <a:rPr lang="en-US" altLang="zh-CN" sz="1100"/>
+                        <a:t>Seaborn</a:t>
+                      </a:r>
+                      <a:endParaRPr lang="en-US" altLang="zh-CN" sz="1100"/>
+                    </a:p>
+                  </a:txBody>
+                  <a:tcPr marL="0" marR="0" marT="0" marB="0" anchor="ctr" anchorCtr="0">
+                    <a:lnL>
+                      <a:noFill/>
+                    </a:lnL>
+                    <a:lnR>
+                      <a:noFill/>
+                    </a:lnR>
+                    <a:lnT>
+                      <a:noFill/>
+                    </a:lnT>
+                    <a:lnB>
+                      <a:noFill/>
+                    </a:lnB>
+                    <a:noFill/>
+                  </a:tcPr>
+                </a:tc>
+                <a:tc>
+                  <a:txBody>
+                    <a:bodyPr/>
+                    <a:p>
+                      <a:r>
+                        <a:rPr lang="en-US" altLang="zh-CN" sz="1100"/>
+                        <a:t>Relation between two numeric variables</a:t>
+                      </a:r>
+                      <a:endParaRPr lang="en-US" altLang="zh-CN" sz="1100"/>
+                    </a:p>
+                  </a:txBody>
+                  <a:tcPr marL="0" marR="0" marT="0" marB="0" anchor="ctr" anchorCtr="0">
+                    <a:lnL>
+                      <a:noFill/>
+                    </a:lnL>
+                    <a:lnR>
+                      <a:noFill/>
+                    </a:lnR>
+                    <a:lnT>
+                      <a:noFill/>
+                    </a:lnT>
+                    <a:lnB>
+                      <a:noFill/>
+                    </a:lnB>
+                    <a:noFill/>
+                  </a:tcPr>
+                </a:tc>
+              </a:tr>
+              <a:tr h="0">
+                <a:tc>
+                  <a:txBody>
+                    <a:bodyPr/>
+                    <a:p>
+                      <a:r>
+                        <a:rPr lang="en-US" altLang="zh-CN" sz="1100"/>
+                        <a:t>Pairplot</a:t>
+                      </a:r>
+                      <a:endParaRPr lang="en-US" altLang="zh-CN" sz="1100"/>
+                    </a:p>
+                  </a:txBody>
+                  <a:tcPr marL="0" marR="0" marT="0" marB="0" anchor="ctr" anchorCtr="0">
+                    <a:lnL>
+                      <a:noFill/>
+                    </a:lnL>
+                    <a:lnR>
+                      <a:noFill/>
+                    </a:lnR>
+                    <a:lnT>
+                      <a:noFill/>
+                    </a:lnT>
+                    <a:lnB>
+                      <a:noFill/>
+                    </a:lnB>
+                    <a:noFill/>
+                  </a:tcPr>
+                </a:tc>
+                <a:tc>
+                  <a:txBody>
+                    <a:bodyPr/>
+                    <a:p>
+                      <a:r>
+                        <a:rPr lang="en-US" altLang="zh-CN" sz="1100"/>
+                        <a:t>Seaborn</a:t>
+                      </a:r>
+                      <a:endParaRPr lang="en-US" altLang="zh-CN" sz="1100"/>
+                    </a:p>
+                  </a:txBody>
+                  <a:tcPr marL="0" marR="0" marT="0" marB="0" anchor="ctr" anchorCtr="0">
+                    <a:lnL>
+                      <a:noFill/>
+                    </a:lnL>
+                    <a:lnR>
+                      <a:noFill/>
+                    </a:lnR>
+                    <a:lnT>
+                      <a:noFill/>
+                    </a:lnT>
+                    <a:lnB>
+                      <a:noFill/>
+                    </a:lnB>
+                    <a:noFill/>
+                  </a:tcPr>
+                </a:tc>
+                <a:tc>
+                  <a:txBody>
+                    <a:bodyPr/>
+                    <a:p>
+                      <a:r>
+                        <a:rPr lang="en-US" altLang="zh-CN" sz="1100"/>
+                        <a:t>Pairwise relationship + clustering</a:t>
+                      </a:r>
+                      <a:endParaRPr lang="en-US" altLang="zh-CN" sz="1100"/>
+                    </a:p>
+                  </a:txBody>
+                  <a:tcPr marL="0" marR="0" marT="0" marB="0" anchor="ctr" anchorCtr="0">
+                    <a:lnL>
+                      <a:noFill/>
+                    </a:lnL>
+                    <a:lnR>
+                      <a:noFill/>
+                    </a:lnR>
+                    <a:lnT>
+                      <a:noFill/>
+                    </a:lnT>
+                    <a:lnB>
+                      <a:noFill/>
+                    </a:lnB>
+                    <a:noFill/>
+                  </a:tcPr>
+                </a:tc>
+              </a:tr>
+              <a:tr h="0">
+                <a:tc>
+                  <a:txBody>
+                    <a:bodyPr/>
+                    <a:p>
+                      <a:r>
+                        <a:rPr lang="en-US" altLang="zh-CN" sz="1100"/>
+                        <a:t>Heatmap</a:t>
+                      </a:r>
+                      <a:endParaRPr lang="en-US" altLang="zh-CN" sz="1100"/>
+                    </a:p>
+                  </a:txBody>
+                  <a:tcPr marL="0" marR="0" marT="0" marB="0" anchor="ctr" anchorCtr="0">
+                    <a:lnL>
+                      <a:noFill/>
+                    </a:lnL>
+                    <a:lnR>
+                      <a:noFill/>
+                    </a:lnR>
+                    <a:lnT>
+                      <a:noFill/>
+                    </a:lnT>
+                    <a:lnB>
+                      <a:noFill/>
+                    </a:lnB>
+                    <a:noFill/>
+                  </a:tcPr>
+                </a:tc>
+                <a:tc>
+                  <a:txBody>
+                    <a:bodyPr/>
+                    <a:p>
+                      <a:r>
+                        <a:rPr lang="en-US" altLang="zh-CN" sz="1100"/>
+                        <a:t>Seaborn</a:t>
+                      </a:r>
+                      <a:endParaRPr lang="en-US" altLang="zh-CN" sz="1100"/>
+                    </a:p>
+                  </a:txBody>
+                  <a:tcPr marL="0" marR="0" marT="0" marB="0" anchor="ctr" anchorCtr="0">
+                    <a:lnL>
+                      <a:noFill/>
+                    </a:lnL>
+                    <a:lnR>
+                      <a:noFill/>
+                    </a:lnR>
+                    <a:lnT>
+                      <a:noFill/>
+                    </a:lnT>
+                    <a:lnB>
+                      <a:noFill/>
+                    </a:lnB>
+                    <a:noFill/>
+                  </a:tcPr>
+                </a:tc>
+                <a:tc>
+                  <a:txBody>
+                    <a:bodyPr/>
+                    <a:p>
+                      <a:r>
+                        <a:rPr lang="en-US" altLang="zh-CN" sz="1100"/>
+                        <a:t>Correlation or matrix data</a:t>
+                      </a:r>
+                      <a:endParaRPr lang="en-US" altLang="zh-CN" sz="1100"/>
+                    </a:p>
+                  </a:txBody>
+                  <a:tcPr marL="0" marR="0" marT="0" marB="0" anchor="ctr" anchorCtr="0">
+                    <a:lnL>
+                      <a:noFill/>
+                    </a:lnL>
+                    <a:lnR>
+                      <a:noFill/>
+                    </a:lnR>
+                    <a:lnT>
+                      <a:noFill/>
+                    </a:lnT>
+                    <a:lnB>
+                      <a:noFill/>
+                    </a:lnB>
+                    <a:noFill/>
+                  </a:tcPr>
+                </a:tc>
+              </a:tr>
+            </a:tbl>
+          </a:graphicData>
+        </a:graphic>
+      </p:graphicFrame>
+      <p:sp>
+        <p:nvSpPr>
+          <p:cNvPr id="5" name="Text Box 4"/>
+          <p:cNvSpPr txBox="1"/>
+          <p:nvPr/>
+        </p:nvSpPr>
+        <p:spPr>
+          <a:xfrm>
+            <a:off x="875030" y="527368"/>
+            <a:ext cx="5080000" cy="337185"/>
+          </a:xfrm>
+          <a:prstGeom prst="rect">
+            <a:avLst/>
+          </a:prstGeom>
+        </p:spPr>
+        <p:txBody>
+          <a:bodyPr>
+            <a:spAutoFit/>
+          </a:bodyPr>
+          <a:p>
+            <a:pPr>
+              <a:spcAft>
+                <a:spcPct val="60000"/>
+              </a:spcAft>
+            </a:pPr>
+            <a:r>
+              <a:rPr lang="zh-CN" altLang="en-US" sz="1600" b="1"/>
+              <a:t>🔢 </a:t>
+            </a:r>
+            <a:r>
+              <a:rPr lang="en-US" altLang="zh-CN" sz="1600" b="1"/>
+              <a:t>Loading Titanic Dataset</a:t>
+            </a:r>
+            <a:endParaRPr lang="en-US" altLang="zh-CN" sz="1600" b="1"/>
+          </a:p>
+        </p:txBody>
+      </p:sp>
+      <p:sp>
+        <p:nvSpPr>
+          <p:cNvPr id="6" name="Text Box 5"/>
+          <p:cNvSpPr txBox="1"/>
+          <p:nvPr/>
+        </p:nvSpPr>
+        <p:spPr>
+          <a:xfrm>
+            <a:off x="1261110" y="864870"/>
+            <a:ext cx="4572000" cy="2461260"/>
+          </a:xfrm>
+          <a:prstGeom prst="rect">
+            <a:avLst/>
+          </a:prstGeom>
+          <a:noFill/>
+        </p:spPr>
+        <p:txBody>
+          <a:bodyPr wrap="square" rtlCol="0" anchor="t">
+            <a:spAutoFit/>
+          </a:bodyPr>
+          <a:p>
+            <a:r>
+              <a:rPr lang="en-US" altLang="en-US"/>
+              <a:t>import seaborn as sns</a:t>
+            </a:r>
+            <a:endParaRPr lang="en-US" altLang="en-US"/>
+          </a:p>
+          <a:p>
+            <a:r>
+              <a:rPr lang="en-US" altLang="en-US"/>
+              <a:t>import pandas as pd</a:t>
+            </a:r>
+            <a:endParaRPr lang="en-US" altLang="en-US"/>
+          </a:p>
+          <a:p>
+            <a:r>
+              <a:rPr lang="en-US" altLang="en-US"/>
+              <a:t>import matplotlib.pyplot as plt</a:t>
+            </a:r>
+            <a:endParaRPr lang="en-US" altLang="en-US"/>
+          </a:p>
+          <a:p>
+            <a:endParaRPr lang="en-US" altLang="en-US"/>
+          </a:p>
+          <a:p>
+            <a:r>
+              <a:rPr lang="en-US" altLang="en-US"/>
+              <a:t># Load dataset</a:t>
+            </a:r>
+            <a:endParaRPr lang="en-US" altLang="en-US"/>
+          </a:p>
+          <a:p>
+            <a:r>
+              <a:rPr lang="en-US" altLang="en-US"/>
+              <a:t>titanic = sns.load_dataset('titanic')</a:t>
+            </a:r>
+            <a:endParaRPr lang="en-US" altLang="en-US"/>
+          </a:p>
+          <a:p>
+            <a:endParaRPr lang="en-US" altLang="en-US"/>
+          </a:p>
+          <a:p>
+            <a:r>
+              <a:rPr lang="en-US" altLang="en-US"/>
+              <a:t># Basic Exploration</a:t>
+            </a:r>
+            <a:endParaRPr lang="en-US" altLang="en-US"/>
+          </a:p>
+          <a:p>
+            <a:r>
+              <a:rPr lang="en-US" altLang="en-US"/>
+              <a:t>titanic.head()</a:t>
+            </a:r>
+            <a:endParaRPr lang="en-US" altLang="en-US"/>
+          </a:p>
+          <a:p>
+            <a:r>
+              <a:rPr lang="en-US" altLang="en-US"/>
+              <a:t>titanic.info()</a:t>
+            </a:r>
+            <a:endParaRPr lang="en-US" altLang="en-US"/>
+          </a:p>
+          <a:p>
+            <a:r>
+              <a:rPr lang="en-US" altLang="en-US"/>
+              <a:t>titanic.describe()</a:t>
+            </a:r>
+            <a:endParaRPr lang="en-US"/>
+          </a:p>
+        </p:txBody>
+      </p:sp>
+      <p:sp>
+        <p:nvSpPr>
+          <p:cNvPr id="8" name="Text Box 7"/>
+          <p:cNvSpPr txBox="1"/>
+          <p:nvPr/>
+        </p:nvSpPr>
+        <p:spPr>
+          <a:xfrm>
+            <a:off x="4064000" y="-60643"/>
+            <a:ext cx="5080000" cy="5233035"/>
+          </a:xfrm>
+          <a:prstGeom prst="rect">
+            <a:avLst/>
+          </a:prstGeom>
+        </p:spPr>
+        <p:txBody>
+          <a:bodyPr>
+            <a:spAutoFit/>
+          </a:bodyPr>
+          <a:p>
+            <a:pPr>
+              <a:spcAft>
+                <a:spcPct val="60000"/>
+              </a:spcAft>
+            </a:pPr>
+            <a:r>
+              <a:rPr lang="en-US" altLang="zh-CN" sz="1800" b="1"/>
+              <a:t>1. Line Plot</a:t>
+            </a:r>
+            <a:endParaRPr lang="en-US" altLang="zh-CN" sz="1800" b="1"/>
+          </a:p>
+          <a:p>
+            <a:pPr>
+              <a:spcAft>
+                <a:spcPct val="60000"/>
+              </a:spcAft>
+            </a:pPr>
+            <a:r>
+              <a:rPr lang="en-US" altLang="zh-CN" sz="1200"/>
+              <a:t>age_count = titanic['age'].value_counts().sort_index()
+plt.plot(age_count.index, age_count.values)
+plt.title('Passenger Count by Age')
+plt.xlabel('Age')
+plt.ylabel('Count')
+plt.grid(True)
+plt.show()</a:t>
+            </a:r>
+            <a:endParaRPr lang="en-US" altLang="zh-CN" sz="1200"/>
+          </a:p>
+          <a:p>
+            <a:pPr>
+              <a:spcAft>
+                <a:spcPct val="60000"/>
+              </a:spcAft>
+            </a:pPr>
+            <a:r>
+              <a:rPr lang="en-US" altLang="zh-CN" sz="1800" b="1"/>
+              <a:t>2. Bar Chart</a:t>
+            </a:r>
+            <a:endParaRPr lang="en-US" altLang="zh-CN" sz="1800" b="1"/>
+          </a:p>
+          <a:p>
+            <a:pPr>
+              <a:spcAft>
+                <a:spcPct val="60000"/>
+              </a:spcAft>
+            </a:pPr>
+            <a:r>
+              <a:rPr lang="en-US" altLang="zh-CN" sz="1200"/>
+              <a:t>survived_class = titanic.groupby('pclass')['survived'].sum()
+survived_class.plot(kind='bar', color='skyblue')
+plt.title('Survivors by Passenger Class')
+plt.xlabel('Passenger Class')
+plt.ylabel('Number of Survivors')
+plt.show()</a:t>
+            </a:r>
+            <a:endParaRPr lang="en-US" altLang="zh-CN" sz="1200"/>
+          </a:p>
+          <a:p>
+            <a:pPr>
+              <a:spcAft>
+                <a:spcPct val="60000"/>
+              </a:spcAft>
+            </a:pPr>
+            <a:r>
+              <a:rPr lang="en-US" altLang="zh-CN" sz="1800" b="1"/>
+              <a:t>3. Pie Chart</a:t>
+            </a:r>
+            <a:endParaRPr lang="en-US" altLang="zh-CN" sz="1800" b="1"/>
+          </a:p>
+          <a:p>
+            <a:pPr>
+              <a:spcAft>
+                <a:spcPct val="60000"/>
+              </a:spcAft>
+            </a:pPr>
+            <a:r>
+              <a:rPr lang="en-US" altLang="zh-CN" sz="1200"/>
+              <a:t>gender = titanic['sex'].value_counts()
+plt.pie(gender, labels=gender.index, autopct='%1.1f%%', startangle=140)
+plt.title('Gender Distribution')
+plt.axis('equal')
+plt.show()</a:t>
+            </a:r>
+            <a:endParaRPr lang="en-US" altLang="zh-CN" sz="1200" b="1"/>
+          </a:p>
+        </p:txBody>
+      </p:sp>
+    </p:spTree>
+  </p:cSld>
+  <p:clrMapOvr>
+    <a:masterClrMapping/>
+  </p:clrMapOvr>
+</p:sld>
+</file>
+
+<file path=ppt/slides/slide24.xml><?xml version="1.0" encoding="utf-8"?>
+<p:sld xmlns:a="http://schemas.openxmlformats.org/drawingml/2006/main" xmlns:r="http://schemas.openxmlformats.org/officeDocument/2006/relationships" xmlns:p="http://schemas.openxmlformats.org/presentationml/2006/main">
+  <p:cSld>
+    <p:spTree>
+      <p:nvGrpSpPr>
+        <p:cNvPr id="1" name=""/>
+        <p:cNvGrpSpPr/>
+        <p:nvPr/>
+      </p:nvGrpSpPr>
+      <p:grpSpPr/>
+      <p:sp>
+        <p:nvSpPr>
+          <p:cNvPr id="2" name="Text Box 1"/>
+          <p:cNvSpPr txBox="1"/>
+          <p:nvPr/>
+        </p:nvSpPr>
+        <p:spPr>
+          <a:xfrm>
+            <a:off x="80010" y="57785"/>
+            <a:ext cx="3843655" cy="4544695"/>
+          </a:xfrm>
+          <a:prstGeom prst="rect">
+            <a:avLst/>
+          </a:prstGeom>
+        </p:spPr>
+        <p:txBody>
+          <a:bodyPr wrap="square">
+            <a:spAutoFit/>
+          </a:bodyPr>
+          <a:p>
+            <a:pPr>
+              <a:spcAft>
+                <a:spcPct val="60000"/>
+              </a:spcAft>
+            </a:pPr>
+            <a:r>
+              <a:rPr lang="zh-CN" altLang="en-US" sz="2000" b="1"/>
+              <a:t>🌈 </a:t>
+            </a:r>
+            <a:r>
+              <a:rPr lang="en-US" altLang="zh-CN" sz="2000" b="1"/>
+              <a:t>Seaborn Basics</a:t>
+            </a:r>
+            <a:endParaRPr lang="en-US" altLang="zh-CN" sz="2000" b="1"/>
+          </a:p>
+          <a:p>
+            <a:pPr>
+              <a:spcAft>
+                <a:spcPct val="60000"/>
+              </a:spcAft>
+            </a:pPr>
+            <a:r>
+              <a:rPr lang="en-US" altLang="zh-CN" sz="2000" b="1"/>
+              <a:t>1. Countplot</a:t>
+            </a:r>
+            <a:r>
+              <a:rPr lang="en-US" altLang="zh-CN"/>
+              <a:t>sns.countplot(x='class', hue='survived', data=titanic)
+plt.title('Survival Count by Class')
+plt.show()</a:t>
+            </a:r>
+            <a:endParaRPr lang="en-US" altLang="zh-CN"/>
+          </a:p>
+          <a:p>
+            <a:pPr>
+              <a:spcAft>
+                <a:spcPct val="60000"/>
+              </a:spcAft>
+            </a:pPr>
+            <a:r>
+              <a:rPr lang="en-US" altLang="zh-CN" sz="2000" b="1"/>
+              <a:t>2. Barplot</a:t>
+            </a:r>
+            <a:r>
+              <a:rPr lang="en-US" altLang="zh-CN"/>
+              <a:t>sns.barplot(x='embark_town', y='fare', data=titanic)
+plt.title('Average Fare by Embark Town')
+plt.show()</a:t>
+            </a:r>
+            <a:endParaRPr lang="en-US" altLang="zh-CN"/>
+          </a:p>
+          <a:p>
+            <a:pPr>
+              <a:spcAft>
+                <a:spcPct val="60000"/>
+              </a:spcAft>
+            </a:pPr>
+            <a:r>
+              <a:rPr lang="en-US" altLang="zh-CN" sz="2000" b="1"/>
+              <a:t>3. Violinplot</a:t>
+            </a:r>
+            <a:r>
+              <a:rPr lang="en-US" altLang="zh-CN"/>
+              <a:t>sns.violinplot(x='class', y='age', hue='survived', data=titanic, split=True)
+plt.title('Age Distribution by Class and Survival')
+plt.show()</a:t>
+            </a:r>
+            <a:endParaRPr lang="en-US" altLang="zh-CN"/>
+          </a:p>
+          <a:p>
+            <a:pPr>
+              <a:spcAft>
+                <a:spcPct val="60000"/>
+              </a:spcAft>
+            </a:pPr>
+            <a:endParaRPr lang="en-US" altLang="zh-CN" b="1"/>
+          </a:p>
+        </p:txBody>
+      </p:sp>
+      <p:sp>
+        <p:nvSpPr>
+          <p:cNvPr id="3" name="Text Box 2"/>
+          <p:cNvSpPr txBox="1"/>
+          <p:nvPr/>
+        </p:nvSpPr>
+        <p:spPr>
+          <a:xfrm>
+            <a:off x="4064000" y="155575"/>
+            <a:ext cx="5027295" cy="4205605"/>
+          </a:xfrm>
+          <a:prstGeom prst="rect">
+            <a:avLst/>
+          </a:prstGeom>
+        </p:spPr>
+        <p:txBody>
+          <a:bodyPr wrap="square">
+            <a:spAutoFit/>
+          </a:bodyPr>
+          <a:p>
+            <a:pPr>
+              <a:spcAft>
+                <a:spcPct val="60000"/>
+              </a:spcAft>
+            </a:pPr>
+            <a:r>
+              <a:rPr lang="zh-CN" altLang="en-US" sz="2000" b="1"/>
+              <a:t>📊 </a:t>
+            </a:r>
+            <a:r>
+              <a:rPr lang="en-US" altLang="zh-CN" sz="2000" b="1"/>
+              <a:t>Distribution and Regression Plots</a:t>
+            </a:r>
+            <a:endParaRPr lang="en-US" altLang="zh-CN" sz="2000" b="1"/>
+          </a:p>
+          <a:p>
+            <a:pPr>
+              <a:spcAft>
+                <a:spcPct val="60000"/>
+              </a:spcAft>
+            </a:pPr>
+            <a:r>
+              <a:rPr lang="en-US" altLang="zh-CN" sz="2000" b="1"/>
+              <a:t>1. Histplot</a:t>
+            </a:r>
+            <a:r>
+              <a:rPr lang="en-US" altLang="zh-CN"/>
+              <a:t>sns.histplot(data=titanic, x='age', bins=20, kde=True)
+plt.title('Age Distribution')
+plt.show()</a:t>
+            </a:r>
+            <a:endParaRPr lang="en-US" altLang="zh-CN"/>
+          </a:p>
+          <a:p>
+            <a:pPr>
+              <a:spcAft>
+                <a:spcPct val="60000"/>
+              </a:spcAft>
+            </a:pPr>
+            <a:r>
+              <a:rPr lang="en-US" altLang="zh-CN" sz="2000" b="1"/>
+              <a:t>2. Scatterplot</a:t>
+            </a:r>
+            <a:r>
+              <a:rPr lang="en-US" altLang="zh-CN"/>
+              <a:t>sns.scatterplot(x='age', y='fare', hue='survived', data=titanic)
+plt.title('Fare vs Age by Survival')
+plt.show()</a:t>
+            </a:r>
+            <a:endParaRPr lang="en-US" altLang="zh-CN"/>
+          </a:p>
+          <a:p>
+            <a:pPr>
+              <a:spcAft>
+                <a:spcPct val="60000"/>
+              </a:spcAft>
+            </a:pPr>
+            <a:r>
+              <a:rPr lang="en-US" altLang="zh-CN" sz="2000" b="1"/>
+              <a:t>3. Lineplot</a:t>
+            </a:r>
+            <a:r>
+              <a:rPr lang="en-US" altLang="zh-CN"/>
+              <a:t>sns.lineplot(data=titanic, x='age', y='survived')
+plt.title('Survival Trend by Age')
+plt.show()</a:t>
+            </a:r>
+            <a:endParaRPr lang="en-US" altLang="zh-CN"/>
+          </a:p>
+          <a:p>
+            <a:pPr>
+              <a:spcAft>
+                <a:spcPct val="60000"/>
+              </a:spcAft>
+            </a:pPr>
+            <a:r>
+              <a:rPr lang="zh-CN" altLang="en-US" sz="2000" b="1"/>
+              <a:t>🤝</a:t>
+            </a:r>
+            <a:endParaRPr lang="zh-CN" altLang="en-US" sz="2000" b="1"/>
+          </a:p>
+        </p:txBody>
+      </p:sp>
+    </p:spTree>
+  </p:cSld>
+  <p:clrMapOvr>
+    <a:masterClrMapping/>
+  </p:clrMapOvr>
+</p:sld>
+</file>
+
+<file path=ppt/slides/slide25.xml><?xml version="1.0" encoding="utf-8"?>
+<p:sld xmlns:a="http://schemas.openxmlformats.org/drawingml/2006/main" xmlns:r="http://schemas.openxmlformats.org/officeDocument/2006/relationships" xmlns:p="http://schemas.openxmlformats.org/presentationml/2006/main">
+  <p:cSld>
+    <p:spTree>
+      <p:nvGrpSpPr>
+        <p:cNvPr id="1" name=""/>
+        <p:cNvGrpSpPr/>
+        <p:nvPr/>
+      </p:nvGrpSpPr>
+      <p:grpSpPr/>
+      <p:sp>
+        <p:nvSpPr>
+          <p:cNvPr id="2" name="Text Box 1"/>
+          <p:cNvSpPr txBox="1"/>
+          <p:nvPr/>
+        </p:nvSpPr>
+        <p:spPr>
+          <a:xfrm>
+            <a:off x="300355" y="94933"/>
+            <a:ext cx="5080000" cy="4801235"/>
+          </a:xfrm>
+          <a:prstGeom prst="rect">
+            <a:avLst/>
+          </a:prstGeom>
+        </p:spPr>
+        <p:txBody>
+          <a:bodyPr>
+            <a:spAutoFit/>
+          </a:bodyPr>
+          <a:p>
+            <a:pPr>
+              <a:spcAft>
+                <a:spcPct val="60000"/>
+              </a:spcAft>
+            </a:pPr>
+            <a:r>
+              <a:rPr lang="zh-CN" altLang="en-US" sz="1800" b="1"/>
+              <a:t>🤝 </a:t>
+            </a:r>
+            <a:r>
+              <a:rPr lang="en-US" altLang="zh-CN" sz="1800" b="1"/>
+              <a:t>Pairplot and Heatmap</a:t>
+            </a:r>
+            <a:endParaRPr lang="en-US" altLang="zh-CN" sz="1800" b="1"/>
+          </a:p>
+          <a:p>
+            <a:pPr>
+              <a:spcAft>
+                <a:spcPct val="60000"/>
+              </a:spcAft>
+            </a:pPr>
+            <a:r>
+              <a:rPr lang="en-US" altLang="zh-CN" sz="1800" b="1"/>
+              <a:t>1. Pairplot</a:t>
+            </a:r>
+            <a:r>
+              <a:rPr lang="en-US" altLang="zh-CN" sz="1200"/>
+              <a:t>sns.pairplot(titanic[['age', 'fare', 'survived']], hue='survived')
+plt.show()</a:t>
+            </a:r>
+            <a:endParaRPr lang="en-US" altLang="zh-CN" sz="1200"/>
+          </a:p>
+          <a:p>
+            <a:pPr>
+              <a:spcAft>
+                <a:spcPct val="60000"/>
+              </a:spcAft>
+            </a:pPr>
+            <a:r>
+              <a:rPr lang="en-US" altLang="zh-CN" sz="1800" b="1"/>
+              <a:t>2. Correlation Heatmap</a:t>
+            </a:r>
+            <a:r>
+              <a:rPr lang="en-US" altLang="zh-CN" sz="1200"/>
+              <a:t>corr = titanic.corr(numeric_only=True)
+sns.heatmap(corr, annot=True, cmap='coolwarm', fmt='.2f')
+plt.title('Correlation Heatmap')
+plt.show()</a:t>
+            </a:r>
+            <a:endParaRPr lang="en-US" altLang="zh-CN" sz="1200"/>
+          </a:p>
+          <a:p>
+            <a:pPr>
+              <a:spcAft>
+                <a:spcPct val="60000"/>
+              </a:spcAft>
+            </a:pPr>
+            <a:r>
+              <a:rPr lang="zh-CN" altLang="en-US" sz="1800" b="1"/>
+              <a:t>🎭 </a:t>
+            </a:r>
+            <a:r>
+              <a:rPr lang="en-US" altLang="zh-CN" sz="1800" b="1"/>
+              <a:t>Customizing and Styling</a:t>
+            </a:r>
+            <a:r>
+              <a:rPr lang="en-US" altLang="zh-CN" sz="1200"/>
+              <a:t>sns.set_style('whitegrid')
+sns.set_context('talk')
+sns.barplot(x='sex', y='survived', data=titanic, palette='pastel')
+plt.title('Survival Rate by Gender - Styled')
+plt.show()</a:t>
+            </a:r>
+            <a:endParaRPr lang="en-US" altLang="zh-CN" sz="1200"/>
+          </a:p>
+          <a:p>
+            <a:pPr>
+              <a:spcAft>
+                <a:spcPct val="60000"/>
+              </a:spcAft>
+            </a:pPr>
+            <a:r>
+              <a:rPr lang="zh-CN" altLang="en-US" sz="1800" b="1"/>
+              <a:t>🎨 </a:t>
+            </a:r>
+            <a:r>
+              <a:rPr lang="en-US" altLang="zh-CN" sz="1800" b="1"/>
+              <a:t>Final EDA Project Task</a:t>
+            </a:r>
+            <a:endParaRPr lang="en-US" altLang="zh-CN" sz="1800" b="1"/>
+          </a:p>
+          <a:p>
+            <a:r>
+              <a:rPr lang="en-US" altLang="zh-CN" sz="1200"/>
+              <a:t>Create a visual analysis report answering:</a:t>
+            </a:r>
+            <a:endParaRPr lang="en-US" altLang="zh-CN" sz="1200"/>
+          </a:p>
+          <a:p>
+            <a:pPr>
+              <a:buFont typeface="Arial" panose="020B0604020202020204"/>
+              <a:buChar char="•"/>
+            </a:pPr>
+            <a:r>
+              <a:rPr lang="en-US" altLang="zh-CN" sz="1200"/>
+              <a:t>Who survived more? (Gender/Class/Age?)</a:t>
+            </a:r>
+            <a:endParaRPr lang="en-US" altLang="zh-CN" sz="1200"/>
+          </a:p>
+          <a:p>
+            <a:pPr>
+              <a:buFont typeface="Arial" panose="020B0604020202020204"/>
+              <a:buChar char="•"/>
+            </a:pPr>
+            <a:r>
+              <a:rPr lang="en-US" altLang="zh-CN" sz="1200"/>
+              <a:t>Does age impact survival?</a:t>
+            </a:r>
+            <a:endParaRPr lang="en-US" altLang="zh-CN" sz="1200"/>
+          </a:p>
+          <a:p>
+            <a:pPr>
+              <a:buFont typeface="Arial" panose="020B0604020202020204"/>
+              <a:buChar char="•"/>
+            </a:pPr>
+            <a:r>
+              <a:rPr lang="en-US" altLang="zh-CN" sz="1200"/>
+              <a:t>Fare vs survival?</a:t>
+            </a:r>
+            <a:endParaRPr lang="en-US" altLang="zh-CN" sz="1200"/>
+          </a:p>
+        </p:txBody>
+      </p:sp>
+    </p:spTree>
+  </p:cSld>
+  <p:clrMapOvr>
+    <a:masterClrMapping/>
+  </p:clrMapOvr>
+</p:sld>
+</file>
+
+<file path=ppt/slides/slide3.xml><?xml version="1.0" encoding="utf-8"?>
+<p:sld xmlns:a="http://schemas.openxmlformats.org/drawingml/2006/main" xmlns:r="http://schemas.openxmlformats.org/officeDocument/2006/relationships" xmlns:p="http://schemas.openxmlformats.org/presentationml/2006/main">
+  <p:cSld>
+    <p:spTree>
+      <p:nvGrpSpPr>
+        <p:cNvPr id="1" name=""/>
+        <p:cNvGrpSpPr/>
+        <p:nvPr/>
+      </p:nvGrpSpPr>
+      <p:grpSpPr/>
+      <p:sp>
+        <p:nvSpPr>
+          <p:cNvPr id="2" name="Text Box 1"/>
+          <p:cNvSpPr txBox="1"/>
+          <p:nvPr/>
+        </p:nvSpPr>
+        <p:spPr>
+          <a:xfrm>
+            <a:off x="71755" y="53340"/>
+            <a:ext cx="5080000" cy="4154805"/>
+          </a:xfrm>
+          <a:prstGeom prst="rect">
+            <a:avLst/>
+          </a:prstGeom>
+        </p:spPr>
+        <p:txBody>
+          <a:bodyPr>
+            <a:spAutoFit/>
+          </a:bodyPr>
+          <a:p>
+            <a:pPr>
+              <a:spcAft>
+                <a:spcPct val="60000"/>
+              </a:spcAft>
+            </a:pPr>
+            <a:r>
+              <a:rPr lang="zh-CN" altLang="en-US" sz="1800" b="1"/>
+              <a:t>📘 </a:t>
+            </a:r>
+            <a:r>
+              <a:rPr lang="en-US" altLang="zh-CN" sz="1800" b="1"/>
+              <a:t>Module 1: Introduction to Data Visualization &amp; Titanic Dataset</a:t>
+            </a:r>
+            <a:endParaRPr lang="en-US" altLang="zh-CN" sz="1800" b="1"/>
+          </a:p>
+          <a:p>
+            <a:r>
+              <a:rPr lang="en-US" altLang="zh-CN" sz="1200"/>
+              <a:t>Objective: Understand the purpose and value of data visualization.</a:t>
+            </a:r>
+            <a:endParaRPr lang="en-US" altLang="zh-CN" sz="1200"/>
+          </a:p>
+          <a:p>
+            <a:r>
+              <a:rPr lang="en-US" altLang="zh-CN" sz="1200"/>
+              <a:t>Topics:</a:t>
+            </a:r>
+            <a:endParaRPr lang="en-US" altLang="zh-CN" sz="1200"/>
+          </a:p>
+          <a:p>
+            <a:endParaRPr lang="en-US" altLang="zh-CN" sz="1200"/>
+          </a:p>
+          <a:p>
+            <a:pPr>
+              <a:buFont typeface="Arial" panose="020B0604020202020204"/>
+              <a:buChar char="•"/>
+            </a:pPr>
+            <a:r>
+              <a:rPr lang="en-US" altLang="zh-CN" sz="1200"/>
+              <a:t>What is Data Visualization?</a:t>
+            </a:r>
+            <a:endParaRPr lang="en-US" altLang="zh-CN" sz="1200"/>
+          </a:p>
+          <a:p>
+            <a:pPr>
+              <a:buFont typeface="Arial" panose="020B0604020202020204"/>
+              <a:buChar char="•"/>
+            </a:pPr>
+            <a:endParaRPr lang="en-US" altLang="zh-CN" sz="1200"/>
+          </a:p>
+          <a:p>
+            <a:pPr>
+              <a:buFont typeface="Arial" panose="020B0604020202020204"/>
+              <a:buChar char="•"/>
+            </a:pPr>
+            <a:r>
+              <a:rPr lang="en-US" altLang="zh-CN" sz="1200"/>
+              <a:t>Why use Matplotlib and Seaborn?</a:t>
+            </a:r>
+            <a:endParaRPr lang="en-US" altLang="zh-CN" sz="1200"/>
+          </a:p>
+          <a:p>
+            <a:pPr>
+              <a:buFont typeface="Arial" panose="020B0604020202020204"/>
+              <a:buChar char="•"/>
+            </a:pPr>
+            <a:endParaRPr lang="en-US" altLang="zh-CN" sz="1200"/>
+          </a:p>
+          <a:p>
+            <a:pPr>
+              <a:buFont typeface="Arial" panose="020B0604020202020204"/>
+              <a:buChar char="•"/>
+            </a:pPr>
+            <a:r>
+              <a:rPr lang="en-US" altLang="zh-CN" sz="1200"/>
+              <a:t>Overview of Titanic dataset (features and data types)</a:t>
+            </a:r>
+            <a:endParaRPr lang="en-US" altLang="zh-CN" sz="1200"/>
+          </a:p>
+          <a:p>
+            <a:pPr>
+              <a:buFont typeface="Arial" panose="020B0604020202020204"/>
+              <a:buChar char="•"/>
+            </a:pPr>
+            <a:endParaRPr lang="en-US" altLang="zh-CN" sz="1200"/>
+          </a:p>
+          <a:p>
+            <a:pPr>
+              <a:buFont typeface="Arial" panose="020B0604020202020204"/>
+              <a:buChar char="•"/>
+            </a:pPr>
+            <a:r>
+              <a:rPr lang="en-US" altLang="zh-CN" sz="1200"/>
+              <a:t>Loading and exploring Titanic dataset using Pandas</a:t>
+            </a:r>
+            <a:endParaRPr lang="en-US" altLang="zh-CN" sz="1200"/>
+          </a:p>
+          <a:p>
+            <a:r>
+              <a:rPr lang="en-US" altLang="zh-CN" sz="1200"/>
+              <a:t>Activities:</a:t>
+            </a:r>
+            <a:endParaRPr lang="en-US" altLang="zh-CN" sz="1200"/>
+          </a:p>
+          <a:p>
+            <a:endParaRPr lang="en-US" altLang="zh-CN" sz="1200"/>
+          </a:p>
+          <a:p>
+            <a:pPr>
+              <a:buFont typeface="Arial" panose="020B0604020202020204"/>
+              <a:buChar char="•"/>
+            </a:pPr>
+            <a:r>
+              <a:rPr lang="en-US" altLang="zh-CN" sz="1200"/>
+              <a:t>Load Titanic dataset using sns.load_dataset("titanic")</a:t>
+            </a:r>
+            <a:endParaRPr lang="en-US" altLang="zh-CN" sz="1200"/>
+          </a:p>
+          <a:p>
+            <a:pPr>
+              <a:buFont typeface="Arial" panose="020B0604020202020204"/>
+              <a:buChar char="•"/>
+            </a:pPr>
+            <a:endParaRPr lang="en-US" altLang="zh-CN" sz="1200"/>
+          </a:p>
+          <a:p>
+            <a:pPr>
+              <a:buFont typeface="Arial" panose="020B0604020202020204"/>
+              <a:buChar char="•"/>
+            </a:pPr>
+            <a:r>
+              <a:rPr lang="en-US" altLang="zh-CN" sz="1200"/>
+              <a:t>Use .head(), .info(), .describe() to explore</a:t>
+            </a:r>
+            <a:endParaRPr lang="en-US" altLang="zh-CN" sz="1200"/>
+          </a:p>
+          <a:p>
+            <a:r>
+              <a:rPr lang="en-US" altLang="zh-CN" sz="1200"/>
+              <a:t>Assignment:</a:t>
+            </a:r>
+            <a:endParaRPr lang="en-US" altLang="zh-CN" sz="1200"/>
+          </a:p>
+          <a:p>
+            <a:endParaRPr lang="en-US" altLang="zh-CN" sz="1200"/>
+          </a:p>
+          <a:p>
+            <a:pPr>
+              <a:buFont typeface="Arial" panose="020B0604020202020204"/>
+              <a:buChar char="•"/>
+            </a:pPr>
+            <a:r>
+              <a:rPr lang="en-US" altLang="zh-CN" sz="1200"/>
+              <a:t>Write a summary of 5 interesting things from the Titanic dataset.</a:t>
+            </a:r>
+            <a:endParaRPr lang="en-US" altLang="zh-CN" sz="1200"/>
+          </a:p>
+        </p:txBody>
+      </p:sp>
+      <p:sp>
+        <p:nvSpPr>
+          <p:cNvPr id="3" name="Text Box 2"/>
+          <p:cNvSpPr txBox="1"/>
+          <p:nvPr/>
+        </p:nvSpPr>
+        <p:spPr>
+          <a:xfrm>
+            <a:off x="4064000" y="211455"/>
+            <a:ext cx="5080000" cy="4246880"/>
+          </a:xfrm>
+          <a:prstGeom prst="rect">
+            <a:avLst/>
+          </a:prstGeom>
+        </p:spPr>
+        <p:txBody>
+          <a:bodyPr>
+            <a:spAutoFit/>
+          </a:bodyPr>
+          <a:p>
+            <a:pPr>
+              <a:spcAft>
+                <a:spcPct val="60000"/>
+              </a:spcAft>
+            </a:pPr>
+            <a:r>
+              <a:rPr lang="zh-CN" altLang="en-US" sz="1800" b="1"/>
+              <a:t>📘 </a:t>
+            </a:r>
+            <a:r>
+              <a:rPr lang="en-US" altLang="zh-CN" sz="1800" b="1"/>
+              <a:t>Module 2: Matplotlib Basics</a:t>
+            </a:r>
+            <a:endParaRPr lang="en-US" altLang="zh-CN" sz="1800" b="1"/>
+          </a:p>
+          <a:p>
+            <a:r>
+              <a:rPr lang="en-US" altLang="zh-CN" sz="1200"/>
+              <a:t>Objective: Learn to create basic plots using Matplotlib.</a:t>
+            </a:r>
+            <a:endParaRPr lang="en-US" altLang="zh-CN" sz="1200"/>
+          </a:p>
+          <a:p>
+            <a:r>
+              <a:rPr lang="en-US" altLang="zh-CN" sz="1200"/>
+              <a:t>Topics:</a:t>
+            </a:r>
+            <a:endParaRPr lang="en-US" altLang="zh-CN" sz="1200"/>
+          </a:p>
+          <a:p>
+            <a:endParaRPr lang="en-US" altLang="zh-CN" sz="1200"/>
+          </a:p>
+          <a:p>
+            <a:pPr>
+              <a:buFont typeface="Arial" panose="020B0604020202020204"/>
+              <a:buChar char="•"/>
+            </a:pPr>
+            <a:r>
+              <a:rPr lang="en-US" altLang="zh-CN" sz="1200"/>
+              <a:t>Anatomy of a Matplotlib plot (figure, axes, titles, labels, legend)</a:t>
+            </a:r>
+            <a:endParaRPr lang="en-US" altLang="zh-CN" sz="1200"/>
+          </a:p>
+          <a:p>
+            <a:pPr>
+              <a:buFont typeface="Arial" panose="020B0604020202020204"/>
+              <a:buChar char="•"/>
+            </a:pPr>
+            <a:endParaRPr lang="en-US" altLang="zh-CN" sz="1200"/>
+          </a:p>
+          <a:p>
+            <a:pPr>
+              <a:buFont typeface="Arial" panose="020B0604020202020204"/>
+              <a:buChar char="•"/>
+            </a:pPr>
+            <a:r>
+              <a:rPr lang="en-US" altLang="zh-CN" sz="1200"/>
+              <a:t>plot(), bar(), scatter(), hist(), pie()</a:t>
+            </a:r>
+            <a:endParaRPr lang="en-US" altLang="zh-CN" sz="1200"/>
+          </a:p>
+          <a:p>
+            <a:pPr>
+              <a:buFont typeface="Arial" panose="020B0604020202020204"/>
+              <a:buChar char="•"/>
+            </a:pPr>
+            <a:endParaRPr lang="en-US" altLang="zh-CN" sz="1200"/>
+          </a:p>
+          <a:p>
+            <a:pPr>
+              <a:buFont typeface="Arial" panose="020B0604020202020204"/>
+              <a:buChar char="•"/>
+            </a:pPr>
+            <a:r>
+              <a:rPr lang="en-US" altLang="zh-CN" sz="1200"/>
+              <a:t>Customizing plots (color, linestyle, marker)</a:t>
+            </a:r>
+            <a:endParaRPr lang="en-US" altLang="zh-CN" sz="1200"/>
+          </a:p>
+          <a:p>
+            <a:pPr>
+              <a:buFont typeface="Arial" panose="020B0604020202020204"/>
+              <a:buChar char="•"/>
+            </a:pPr>
+            <a:endParaRPr lang="en-US" altLang="zh-CN" sz="1200"/>
+          </a:p>
+          <a:p>
+            <a:pPr>
+              <a:buFont typeface="Arial" panose="020B0604020202020204"/>
+              <a:buChar char="•"/>
+            </a:pPr>
+            <a:r>
+              <a:rPr lang="en-US" altLang="zh-CN" sz="1200"/>
+              <a:t>Adding titles, labels, and legends</a:t>
+            </a:r>
+            <a:endParaRPr lang="en-US" altLang="zh-CN" sz="1200"/>
+          </a:p>
+          <a:p>
+            <a:r>
+              <a:rPr lang="en-US" altLang="zh-CN" sz="1200"/>
+              <a:t>Hands-on with Titanic:</a:t>
+            </a:r>
+            <a:endParaRPr lang="en-US" altLang="zh-CN" sz="1200"/>
+          </a:p>
+          <a:p>
+            <a:endParaRPr lang="en-US" altLang="zh-CN" sz="1200"/>
+          </a:p>
+          <a:p>
+            <a:pPr>
+              <a:buFont typeface="Arial" panose="020B0604020202020204"/>
+              <a:buChar char="•"/>
+            </a:pPr>
+            <a:r>
+              <a:rPr lang="en-US" altLang="zh-CN" sz="1200"/>
+              <a:t>Line chart showing number of passengers by age</a:t>
+            </a:r>
+            <a:endParaRPr lang="en-US" altLang="zh-CN" sz="1200"/>
+          </a:p>
+          <a:p>
+            <a:pPr>
+              <a:buFont typeface="Arial" panose="020B0604020202020204"/>
+              <a:buChar char="•"/>
+            </a:pPr>
+            <a:endParaRPr lang="en-US" altLang="zh-CN" sz="1200"/>
+          </a:p>
+          <a:p>
+            <a:pPr>
+              <a:buFont typeface="Arial" panose="020B0604020202020204"/>
+              <a:buChar char="•"/>
+            </a:pPr>
+            <a:r>
+              <a:rPr lang="en-US" altLang="zh-CN" sz="1200"/>
+              <a:t>Bar chart: Number of survivors (survived) by class</a:t>
+            </a:r>
+            <a:endParaRPr lang="en-US" altLang="zh-CN" sz="1200"/>
+          </a:p>
+          <a:p>
+            <a:pPr>
+              <a:buFont typeface="Arial" panose="020B0604020202020204"/>
+              <a:buChar char="•"/>
+            </a:pPr>
+            <a:endParaRPr lang="en-US" altLang="zh-CN" sz="1200"/>
+          </a:p>
+          <a:p>
+            <a:pPr>
+              <a:buFont typeface="Arial" panose="020B0604020202020204"/>
+              <a:buChar char="•"/>
+            </a:pPr>
+            <a:r>
+              <a:rPr lang="en-US" altLang="zh-CN" sz="1200"/>
+              <a:t>Pie chart: Gender distribution</a:t>
+            </a:r>
+            <a:endParaRPr lang="en-US" altLang="zh-CN" sz="1200"/>
+          </a:p>
+          <a:p>
+            <a:r>
+              <a:rPr lang="en-US" altLang="zh-CN" sz="1200"/>
+              <a:t>Assignment:</a:t>
+            </a:r>
+            <a:endParaRPr lang="en-US" altLang="zh-CN" sz="1200"/>
+          </a:p>
+          <a:p>
+            <a:endParaRPr lang="en-US" altLang="zh-CN" sz="1200"/>
+          </a:p>
+          <a:p>
+            <a:pPr>
+              <a:buFont typeface="Arial" panose="020B0604020202020204"/>
+              <a:buChar char="•"/>
+            </a:pPr>
+            <a:r>
+              <a:rPr lang="en-US" altLang="zh-CN" sz="1200"/>
+              <a:t>Create 5 different plots using only Matplotlib on Titanic dataset.</a:t>
+            </a:r>
+            <a:endParaRPr lang="en-US" altLang="zh-CN" sz="1200"/>
+          </a:p>
+        </p:txBody>
+      </p:sp>
+    </p:spTree>
+  </p:cSld>
+  <p:clrMapOvr>
+    <a:masterClrMapping/>
+  </p:clrMapOvr>
+</p:sld>
+</file>
+
+<file path=ppt/slides/slide4.xml><?xml version="1.0" encoding="utf-8"?>
+<p:sld xmlns:a="http://schemas.openxmlformats.org/drawingml/2006/main" xmlns:r="http://schemas.openxmlformats.org/officeDocument/2006/relationships" xmlns:p="http://schemas.openxmlformats.org/presentationml/2006/main">
+  <p:cSld>
+    <p:spTree>
+      <p:nvGrpSpPr>
+        <p:cNvPr id="1" name=""/>
+        <p:cNvGrpSpPr/>
+        <p:nvPr/>
+      </p:nvGrpSpPr>
+      <p:grpSpPr/>
+      <p:sp>
+        <p:nvSpPr>
+          <p:cNvPr id="2" name="Text Box 1"/>
+          <p:cNvSpPr txBox="1"/>
+          <p:nvPr/>
+        </p:nvSpPr>
+        <p:spPr>
+          <a:xfrm>
+            <a:off x="0" y="0"/>
+            <a:ext cx="5080000" cy="4154805"/>
+          </a:xfrm>
+          <a:prstGeom prst="rect">
+            <a:avLst/>
+          </a:prstGeom>
+        </p:spPr>
+        <p:txBody>
+          <a:bodyPr>
+            <a:spAutoFit/>
+          </a:bodyPr>
+          <a:p>
+            <a:pPr>
+              <a:spcAft>
+                <a:spcPct val="60000"/>
+              </a:spcAft>
+            </a:pPr>
+            <a:r>
+              <a:rPr lang="zh-CN" altLang="en-US" sz="1800" b="1"/>
+              <a:t>📘 </a:t>
+            </a:r>
+            <a:r>
+              <a:rPr lang="en-US" altLang="zh-CN" sz="1800" b="1"/>
+              <a:t>Module 3: Matplotlib Advanced Customization</a:t>
+            </a:r>
+            <a:endParaRPr lang="en-US" altLang="zh-CN" sz="1800" b="1"/>
+          </a:p>
+          <a:p>
+            <a:r>
+              <a:rPr lang="en-US" altLang="zh-CN" sz="1200"/>
+              <a:t>Objective: Improve plot readability and aesthetics.</a:t>
+            </a:r>
+            <a:endParaRPr lang="en-US" altLang="zh-CN" sz="1200"/>
+          </a:p>
+          <a:p>
+            <a:r>
+              <a:rPr lang="en-US" altLang="zh-CN" sz="1200"/>
+              <a:t>Topics:</a:t>
+            </a:r>
+            <a:endParaRPr lang="en-US" altLang="zh-CN" sz="1200"/>
+          </a:p>
+          <a:p>
+            <a:endParaRPr lang="en-US" altLang="zh-CN" sz="1200"/>
+          </a:p>
+          <a:p>
+            <a:pPr>
+              <a:buFont typeface="Arial" panose="020B0604020202020204"/>
+              <a:buChar char="•"/>
+            </a:pPr>
+            <a:r>
+              <a:rPr lang="en-US" altLang="zh-CN" sz="1200"/>
+              <a:t>Subplots with plt.subplot() and plt.subplots()</a:t>
+            </a:r>
+            <a:endParaRPr lang="en-US" altLang="zh-CN" sz="1200"/>
+          </a:p>
+          <a:p>
+            <a:pPr>
+              <a:buFont typeface="Arial" panose="020B0604020202020204"/>
+              <a:buChar char="•"/>
+            </a:pPr>
+            <a:endParaRPr lang="en-US" altLang="zh-CN" sz="1200"/>
+          </a:p>
+          <a:p>
+            <a:pPr>
+              <a:buFont typeface="Arial" panose="020B0604020202020204"/>
+              <a:buChar char="•"/>
+            </a:pPr>
+            <a:r>
+              <a:rPr lang="en-US" altLang="zh-CN" sz="1200"/>
+              <a:t>Adding annotations</a:t>
+            </a:r>
+            <a:endParaRPr lang="en-US" altLang="zh-CN" sz="1200"/>
+          </a:p>
+          <a:p>
+            <a:pPr>
+              <a:buFont typeface="Arial" panose="020B0604020202020204"/>
+              <a:buChar char="•"/>
+            </a:pPr>
+            <a:endParaRPr lang="en-US" altLang="zh-CN" sz="1200"/>
+          </a:p>
+          <a:p>
+            <a:pPr>
+              <a:buFont typeface="Arial" panose="020B0604020202020204"/>
+              <a:buChar char="•"/>
+            </a:pPr>
+            <a:r>
+              <a:rPr lang="en-US" altLang="zh-CN" sz="1200"/>
+              <a:t>Grid, ticks, spines</a:t>
+            </a:r>
+            <a:endParaRPr lang="en-US" altLang="zh-CN" sz="1200"/>
+          </a:p>
+          <a:p>
+            <a:pPr>
+              <a:buFont typeface="Arial" panose="020B0604020202020204"/>
+              <a:buChar char="•"/>
+            </a:pPr>
+            <a:endParaRPr lang="en-US" altLang="zh-CN" sz="1200"/>
+          </a:p>
+          <a:p>
+            <a:pPr>
+              <a:buFont typeface="Arial" panose="020B0604020202020204"/>
+              <a:buChar char="•"/>
+            </a:pPr>
+            <a:r>
+              <a:rPr lang="en-US" altLang="zh-CN" sz="1200"/>
+              <a:t>Saving plots as images</a:t>
+            </a:r>
+            <a:endParaRPr lang="en-US" altLang="zh-CN" sz="1200"/>
+          </a:p>
+          <a:p>
+            <a:r>
+              <a:rPr lang="en-US" altLang="zh-CN" sz="1200"/>
+              <a:t>Hands-on with Titanic:</a:t>
+            </a:r>
+            <a:endParaRPr lang="en-US" altLang="zh-CN" sz="1200"/>
+          </a:p>
+          <a:p>
+            <a:endParaRPr lang="en-US" altLang="zh-CN" sz="1200"/>
+          </a:p>
+          <a:p>
+            <a:pPr>
+              <a:buFont typeface="Arial" panose="020B0604020202020204"/>
+              <a:buChar char="•"/>
+            </a:pPr>
+            <a:r>
+              <a:rPr lang="en-US" altLang="zh-CN" sz="1200"/>
+              <a:t>Create subplot grid showing survival by class and gender</a:t>
+            </a:r>
+            <a:endParaRPr lang="en-US" altLang="zh-CN" sz="1200"/>
+          </a:p>
+          <a:p>
+            <a:pPr>
+              <a:buFont typeface="Arial" panose="020B0604020202020204"/>
+              <a:buChar char="•"/>
+            </a:pPr>
+            <a:endParaRPr lang="en-US" altLang="zh-CN" sz="1200"/>
+          </a:p>
+          <a:p>
+            <a:pPr>
+              <a:buFont typeface="Arial" panose="020B0604020202020204"/>
+              <a:buChar char="•"/>
+            </a:pPr>
+            <a:r>
+              <a:rPr lang="en-US" altLang="zh-CN" sz="1200"/>
+              <a:t>Annotate highest fare-paying passenger</a:t>
+            </a:r>
+            <a:endParaRPr lang="en-US" altLang="zh-CN" sz="1200"/>
+          </a:p>
+          <a:p>
+            <a:r>
+              <a:rPr lang="en-US" altLang="zh-CN" sz="1200"/>
+              <a:t>Assignment:</a:t>
+            </a:r>
+            <a:endParaRPr lang="en-US" altLang="zh-CN" sz="1200"/>
+          </a:p>
+          <a:p>
+            <a:endParaRPr lang="en-US" altLang="zh-CN" sz="1200"/>
+          </a:p>
+          <a:p>
+            <a:pPr>
+              <a:buFont typeface="Arial" panose="020B0604020202020204"/>
+              <a:buChar char="•"/>
+            </a:pPr>
+            <a:r>
+              <a:rPr lang="en-US" altLang="zh-CN" sz="1200"/>
+              <a:t>Create a dashboard of 4 Titanic plots using subplots.</a:t>
+            </a:r>
+            <a:endParaRPr lang="en-US" altLang="zh-CN" sz="1200"/>
+          </a:p>
+        </p:txBody>
+      </p:sp>
+      <p:sp>
+        <p:nvSpPr>
+          <p:cNvPr id="3" name="Text Box 2"/>
+          <p:cNvSpPr txBox="1"/>
+          <p:nvPr/>
+        </p:nvSpPr>
+        <p:spPr>
+          <a:xfrm>
+            <a:off x="4064000" y="194945"/>
+            <a:ext cx="5080000" cy="3518535"/>
+          </a:xfrm>
+          <a:prstGeom prst="rect">
+            <a:avLst/>
+          </a:prstGeom>
+        </p:spPr>
+        <p:txBody>
+          <a:bodyPr>
+            <a:spAutoFit/>
+          </a:bodyPr>
+          <a:p>
+            <a:pPr>
+              <a:spcAft>
+                <a:spcPct val="60000"/>
+              </a:spcAft>
+            </a:pPr>
+            <a:r>
+              <a:rPr lang="zh-CN" altLang="en-US" sz="1600" b="1"/>
+              <a:t>📘 </a:t>
+            </a:r>
+            <a:r>
+              <a:rPr lang="en-US" altLang="zh-CN" sz="1600" b="1"/>
+              <a:t>Module 4: Seaborn Basics – Introduction &amp; Categorical Plots</a:t>
+            </a:r>
+            <a:endParaRPr lang="en-US" altLang="zh-CN" sz="1600" b="1"/>
+          </a:p>
+          <a:p>
+            <a:r>
+              <a:rPr lang="en-US" altLang="zh-CN" sz="1000"/>
+              <a:t>Objective: Learn to build quick statistical plots using Seaborn.</a:t>
+            </a:r>
+            <a:endParaRPr lang="en-US" altLang="zh-CN" sz="1000"/>
+          </a:p>
+          <a:p>
+            <a:r>
+              <a:rPr lang="en-US" altLang="zh-CN" sz="1000"/>
+              <a:t>Topics:</a:t>
+            </a:r>
+            <a:endParaRPr lang="en-US" altLang="zh-CN" sz="1000"/>
+          </a:p>
+          <a:p>
+            <a:endParaRPr lang="en-US" altLang="zh-CN" sz="1000"/>
+          </a:p>
+          <a:p>
+            <a:pPr>
+              <a:buFont typeface="Arial" panose="020B0604020202020204"/>
+              <a:buChar char="•"/>
+            </a:pPr>
+            <a:r>
+              <a:rPr lang="en-US" altLang="zh-CN" sz="1000"/>
+              <a:t>Overview of Seaborn aesthetics and themes</a:t>
+            </a:r>
+            <a:endParaRPr lang="en-US" altLang="zh-CN" sz="1000"/>
+          </a:p>
+          <a:p>
+            <a:pPr>
+              <a:buFont typeface="Arial" panose="020B0604020202020204"/>
+              <a:buChar char="•"/>
+            </a:pPr>
+            <a:endParaRPr lang="en-US" altLang="zh-CN" sz="1000"/>
+          </a:p>
+          <a:p>
+            <a:pPr>
+              <a:buFont typeface="Arial" panose="020B0604020202020204"/>
+              <a:buChar char="•"/>
+            </a:pPr>
+            <a:r>
+              <a:rPr lang="en-US" altLang="zh-CN" sz="1000"/>
+              <a:t>countplot(), barplot(), boxplot(), violinplot()</a:t>
+            </a:r>
+            <a:endParaRPr lang="en-US" altLang="zh-CN" sz="1000"/>
+          </a:p>
+          <a:p>
+            <a:pPr>
+              <a:buFont typeface="Arial" panose="020B0604020202020204"/>
+              <a:buChar char="•"/>
+            </a:pPr>
+            <a:endParaRPr lang="en-US" altLang="zh-CN" sz="1000"/>
+          </a:p>
+          <a:p>
+            <a:pPr>
+              <a:buFont typeface="Arial" panose="020B0604020202020204"/>
+              <a:buChar char="•"/>
+            </a:pPr>
+            <a:r>
+              <a:rPr lang="en-US" altLang="zh-CN" sz="1000"/>
+              <a:t>Color palettes and hue, col, row parameters</a:t>
+            </a:r>
+            <a:endParaRPr lang="en-US" altLang="zh-CN" sz="1000"/>
+          </a:p>
+          <a:p>
+            <a:r>
+              <a:rPr lang="en-US" altLang="zh-CN" sz="1000"/>
+              <a:t>Hands-on with Titanic:</a:t>
+            </a:r>
+            <a:endParaRPr lang="en-US" altLang="zh-CN" sz="1000"/>
+          </a:p>
+          <a:p>
+            <a:endParaRPr lang="en-US" altLang="zh-CN" sz="1000"/>
+          </a:p>
+          <a:p>
+            <a:pPr>
+              <a:buFont typeface="Arial" panose="020B0604020202020204"/>
+              <a:buChar char="•"/>
+            </a:pPr>
+            <a:r>
+              <a:rPr lang="en-US" altLang="zh-CN" sz="1000"/>
+              <a:t>countplot() of survivors by class and gender</a:t>
+            </a:r>
+            <a:endParaRPr lang="en-US" altLang="zh-CN" sz="1000"/>
+          </a:p>
+          <a:p>
+            <a:pPr>
+              <a:buFont typeface="Arial" panose="020B0604020202020204"/>
+              <a:buChar char="•"/>
+            </a:pPr>
+            <a:endParaRPr lang="en-US" altLang="zh-CN" sz="1000"/>
+          </a:p>
+          <a:p>
+            <a:pPr>
+              <a:buFont typeface="Arial" panose="020B0604020202020204"/>
+              <a:buChar char="•"/>
+            </a:pPr>
+            <a:r>
+              <a:rPr lang="en-US" altLang="zh-CN" sz="1000"/>
+              <a:t>barplot() of average fare by embark_town</a:t>
+            </a:r>
+            <a:endParaRPr lang="en-US" altLang="zh-CN" sz="1000"/>
+          </a:p>
+          <a:p>
+            <a:pPr>
+              <a:buFont typeface="Arial" panose="020B0604020202020204"/>
+              <a:buChar char="•"/>
+            </a:pPr>
+            <a:endParaRPr lang="en-US" altLang="zh-CN" sz="1000"/>
+          </a:p>
+          <a:p>
+            <a:pPr>
+              <a:buFont typeface="Arial" panose="020B0604020202020204"/>
+              <a:buChar char="•"/>
+            </a:pPr>
+            <a:r>
+              <a:rPr lang="en-US" altLang="zh-CN" sz="1000"/>
+              <a:t>violinplot() of age distribution by class</a:t>
+            </a:r>
+            <a:endParaRPr lang="en-US" altLang="zh-CN" sz="1000"/>
+          </a:p>
+          <a:p>
+            <a:r>
+              <a:rPr lang="en-US" altLang="zh-CN" sz="1000"/>
+              <a:t>Assignment:</a:t>
+            </a:r>
+            <a:endParaRPr lang="en-US" altLang="zh-CN" sz="1000"/>
+          </a:p>
+          <a:p>
+            <a:endParaRPr lang="en-US" altLang="zh-CN" sz="1000"/>
+          </a:p>
+          <a:p>
+            <a:pPr>
+              <a:buFont typeface="Arial" panose="020B0604020202020204"/>
+              <a:buChar char="•"/>
+            </a:pPr>
+            <a:r>
+              <a:rPr lang="en-US" altLang="zh-CN" sz="1000"/>
+              <a:t>Use at least 3 categorical plots to explore survival vs different features.</a:t>
+            </a:r>
+            <a:endParaRPr lang="en-US" altLang="zh-CN" sz="1000"/>
+          </a:p>
+        </p:txBody>
+      </p:sp>
+    </p:spTree>
+  </p:cSld>
+  <p:clrMapOvr>
+    <a:masterClrMapping/>
+  </p:clrMapOvr>
+</p:sld>
+</file>
+
+<file path=ppt/slides/slide5.xml><?xml version="1.0" encoding="utf-8"?>
+<p:sld xmlns:a="http://schemas.openxmlformats.org/drawingml/2006/main" xmlns:r="http://schemas.openxmlformats.org/officeDocument/2006/relationships" xmlns:p="http://schemas.openxmlformats.org/presentationml/2006/main">
+  <p:cSld>
+    <p:spTree>
+      <p:nvGrpSpPr>
+        <p:cNvPr id="1" name=""/>
+        <p:cNvGrpSpPr/>
+        <p:nvPr/>
+      </p:nvGrpSpPr>
+      <p:grpSpPr/>
+      <p:sp>
+        <p:nvSpPr>
+          <p:cNvPr id="2" name="Text Box 1"/>
+          <p:cNvSpPr txBox="1"/>
+          <p:nvPr/>
+        </p:nvSpPr>
+        <p:spPr>
+          <a:xfrm>
+            <a:off x="361950" y="182880"/>
+            <a:ext cx="3904615" cy="3230245"/>
+          </a:xfrm>
+          <a:prstGeom prst="rect">
+            <a:avLst/>
+          </a:prstGeom>
+        </p:spPr>
+        <p:txBody>
+          <a:bodyPr wrap="square">
+            <a:spAutoFit/>
+          </a:bodyPr>
+          <a:p>
+            <a:r>
+              <a:rPr lang="zh-CN" altLang="en-US" sz="1200"/>
+              <a:t>📘</a:t>
+            </a:r>
+            <a:r>
+              <a:rPr lang="en-US" altLang="en-US" sz="1200"/>
+              <a:t> Module 5: Seaborn for Numerical Variables</a:t>
+            </a:r>
+            <a:endParaRPr lang="en-US" altLang="en-US" sz="1200"/>
+          </a:p>
+          <a:p>
+            <a:endParaRPr lang="en-US" altLang="en-US" sz="1200"/>
+          </a:p>
+          <a:p>
+            <a:r>
+              <a:rPr lang="en-US" altLang="zh-CN" sz="1200"/>
+              <a:t>Objective: Visualize distributions and relationships between numeric variables.</a:t>
+            </a:r>
+            <a:endParaRPr lang="en-US" altLang="zh-CN" sz="1200"/>
+          </a:p>
+          <a:p>
+            <a:r>
+              <a:rPr lang="en-US" altLang="zh-CN" sz="1200"/>
+              <a:t>Topics:</a:t>
+            </a:r>
+            <a:endParaRPr lang="en-US" altLang="zh-CN" sz="1200"/>
+          </a:p>
+          <a:p>
+            <a:endParaRPr lang="en-US" altLang="zh-CN" sz="1200"/>
+          </a:p>
+          <a:p>
+            <a:pPr>
+              <a:buFont typeface="Arial" panose="020B0604020202020204"/>
+              <a:buChar char="•"/>
+            </a:pPr>
+            <a:r>
+              <a:rPr lang="en-US" altLang="zh-CN" sz="1200"/>
+              <a:t>histplot(), distplot() (legacy), kdeplot()</a:t>
+            </a:r>
+            <a:endParaRPr lang="en-US" altLang="zh-CN" sz="1200"/>
+          </a:p>
+          <a:p>
+            <a:pPr>
+              <a:buFont typeface="Arial" panose="020B0604020202020204"/>
+              <a:buChar char="•"/>
+            </a:pPr>
+            <a:r>
+              <a:rPr lang="en-US" altLang="zh-CN" sz="1200"/>
+              <a:t>scatterplot(), lineplot(), regplot()</a:t>
+            </a:r>
+            <a:endParaRPr lang="en-US" altLang="zh-CN" sz="1200"/>
+          </a:p>
+          <a:p>
+            <a:r>
+              <a:rPr lang="en-US" altLang="zh-CN" sz="1200"/>
+              <a:t>Hands-on with Titanic:</a:t>
+            </a:r>
+            <a:endParaRPr lang="en-US" altLang="zh-CN" sz="1200"/>
+          </a:p>
+          <a:p>
+            <a:pPr lvl="4">
+              <a:buFont typeface="Arial" panose="020B0604020202020204"/>
+              <a:buChar char="•"/>
+            </a:pPr>
+            <a:r>
+              <a:rPr lang="en-US" altLang="zh-CN" sz="1200"/>
+              <a:t>Age distribution using histplot()</a:t>
+            </a:r>
+            <a:endParaRPr lang="en-US" altLang="zh-CN" sz="1200"/>
+          </a:p>
+          <a:p>
+            <a:pPr lvl="4">
+              <a:buFont typeface="Arial" panose="020B0604020202020204"/>
+              <a:buChar char="•"/>
+            </a:pPr>
+            <a:endParaRPr lang="en-US" altLang="zh-CN" sz="1200"/>
+          </a:p>
+          <a:p>
+            <a:pPr lvl="4">
+              <a:buFont typeface="Arial" panose="020B0604020202020204"/>
+              <a:buChar char="•"/>
+            </a:pPr>
+            <a:r>
+              <a:rPr lang="en-US" altLang="zh-CN" sz="1200"/>
+              <a:t>Fare vs age scatterplot() with survival as hue</a:t>
+            </a:r>
+            <a:endParaRPr lang="en-US" altLang="zh-CN" sz="1200"/>
+          </a:p>
+          <a:p>
+            <a:pPr lvl="4">
+              <a:buFont typeface="Arial" panose="020B0604020202020204"/>
+              <a:buChar char="•"/>
+            </a:pPr>
+            <a:endParaRPr lang="en-US" altLang="zh-CN" sz="1200"/>
+          </a:p>
+          <a:p>
+            <a:pPr lvl="4">
+              <a:buFont typeface="Arial" panose="020B0604020202020204"/>
+              <a:buChar char="•"/>
+            </a:pPr>
+            <a:r>
+              <a:rPr lang="en-US" altLang="zh-CN" sz="1200"/>
+              <a:t>Survival trend by age using lineplot()</a:t>
+            </a:r>
+            <a:endParaRPr lang="en-US" altLang="zh-CN" sz="1200"/>
+          </a:p>
+          <a:p>
+            <a:pPr lvl="4"/>
+            <a:r>
+              <a:rPr lang="en-US" altLang="zh-CN" sz="1200"/>
+              <a:t>Assignment:</a:t>
+            </a:r>
+            <a:endParaRPr lang="en-US" altLang="zh-CN" sz="1200"/>
+          </a:p>
+          <a:p>
+            <a:endParaRPr lang="en-US" altLang="zh-CN" sz="1200"/>
+          </a:p>
+          <a:p>
+            <a:pPr>
+              <a:buFont typeface="Arial" panose="020B0604020202020204"/>
+              <a:buChar char="•"/>
+            </a:pPr>
+            <a:r>
+              <a:rPr lang="en-US" altLang="zh-CN" sz="1200"/>
+              <a:t>Plot distribution of age and fare; interpret the shapes.</a:t>
+            </a:r>
+            <a:endParaRPr lang="en-US" altLang="zh-CN" sz="1200"/>
+          </a:p>
+        </p:txBody>
+      </p:sp>
+      <p:sp>
+        <p:nvSpPr>
+          <p:cNvPr id="3" name="Text Box 2"/>
+          <p:cNvSpPr txBox="1"/>
+          <p:nvPr/>
+        </p:nvSpPr>
+        <p:spPr>
+          <a:xfrm>
+            <a:off x="4204970" y="182880"/>
+            <a:ext cx="4939030" cy="2964180"/>
+          </a:xfrm>
+          <a:prstGeom prst="rect">
+            <a:avLst/>
+          </a:prstGeom>
+        </p:spPr>
+        <p:txBody>
+          <a:bodyPr wrap="square">
+            <a:spAutoFit/>
+          </a:bodyPr>
+          <a:p>
+            <a:pPr>
+              <a:spcAft>
+                <a:spcPct val="60000"/>
+              </a:spcAft>
+            </a:pPr>
+            <a:r>
+              <a:rPr lang="zh-CN" altLang="en-US" sz="1600" b="1"/>
+              <a:t>📘 </a:t>
+            </a:r>
+            <a:r>
+              <a:rPr lang="en-US" altLang="zh-CN" sz="1600" b="1"/>
+              <a:t>Module 6: Seaborn Pairwise &amp; Matrix Plots</a:t>
+            </a:r>
+            <a:endParaRPr lang="en-US" altLang="zh-CN" sz="1600" b="1"/>
+          </a:p>
+          <a:p>
+            <a:r>
+              <a:rPr lang="en-US" altLang="zh-CN" sz="1000"/>
+              <a:t>Objective: Use pairwise and heatmap plots for multivariate insights.</a:t>
+            </a:r>
+            <a:endParaRPr lang="en-US" altLang="zh-CN" sz="1000"/>
+          </a:p>
+          <a:p>
+            <a:r>
+              <a:rPr lang="en-US" altLang="zh-CN" sz="1000"/>
+              <a:t>Topics:</a:t>
+            </a:r>
+            <a:endParaRPr lang="en-US" altLang="zh-CN" sz="1000"/>
+          </a:p>
+          <a:p>
+            <a:endParaRPr lang="en-US" altLang="zh-CN" sz="1000"/>
+          </a:p>
+          <a:p>
+            <a:pPr>
+              <a:buFont typeface="Arial" panose="020B0604020202020204"/>
+              <a:buChar char="•"/>
+            </a:pPr>
+            <a:r>
+              <a:rPr lang="en-US" altLang="zh-CN" sz="1000"/>
+              <a:t>pairplot(), jointplot()</a:t>
+            </a:r>
+            <a:endParaRPr lang="en-US" altLang="zh-CN" sz="1000"/>
+          </a:p>
+          <a:p>
+            <a:pPr>
+              <a:buFont typeface="Arial" panose="020B0604020202020204"/>
+              <a:buChar char="•"/>
+            </a:pPr>
+            <a:endParaRPr lang="en-US" altLang="zh-CN" sz="1000"/>
+          </a:p>
+          <a:p>
+            <a:pPr>
+              <a:buFont typeface="Arial" panose="020B0604020202020204"/>
+              <a:buChar char="•"/>
+            </a:pPr>
+            <a:r>
+              <a:rPr lang="en-US" altLang="zh-CN" sz="1000"/>
+              <a:t>heatmap() and correlation matrix</a:t>
+            </a:r>
+            <a:endParaRPr lang="en-US" altLang="zh-CN" sz="1000"/>
+          </a:p>
+          <a:p>
+            <a:pPr>
+              <a:buFont typeface="Arial" panose="020B0604020202020204"/>
+              <a:buChar char="•"/>
+            </a:pPr>
+            <a:endParaRPr lang="en-US" altLang="zh-CN" sz="1000"/>
+          </a:p>
+          <a:p>
+            <a:pPr>
+              <a:buFont typeface="Arial" panose="020B0604020202020204"/>
+              <a:buChar char="•"/>
+            </a:pPr>
+            <a:r>
+              <a:rPr lang="en-US" altLang="zh-CN" sz="1000"/>
+              <a:t>Customizing annotations and colormap</a:t>
+            </a:r>
+            <a:endParaRPr lang="en-US" altLang="zh-CN" sz="1000"/>
+          </a:p>
+          <a:p>
+            <a:r>
+              <a:rPr lang="en-US" altLang="zh-CN" sz="1000"/>
+              <a:t>Hands-on with Titanic:</a:t>
+            </a:r>
+            <a:endParaRPr lang="en-US" altLang="zh-CN" sz="1000"/>
+          </a:p>
+          <a:p>
+            <a:endParaRPr lang="en-US" altLang="zh-CN" sz="1000"/>
+          </a:p>
+          <a:p>
+            <a:pPr>
+              <a:buFont typeface="Arial" panose="020B0604020202020204"/>
+              <a:buChar char="•"/>
+            </a:pPr>
+            <a:r>
+              <a:rPr lang="en-US" altLang="zh-CN" sz="1000"/>
+              <a:t>Correlation heatmap of numeric features</a:t>
+            </a:r>
+            <a:endParaRPr lang="en-US" altLang="zh-CN" sz="1000"/>
+          </a:p>
+          <a:p>
+            <a:pPr>
+              <a:buFont typeface="Arial" panose="020B0604020202020204"/>
+              <a:buChar char="•"/>
+            </a:pPr>
+            <a:endParaRPr lang="en-US" altLang="zh-CN" sz="1000"/>
+          </a:p>
+          <a:p>
+            <a:pPr>
+              <a:buFont typeface="Arial" panose="020B0604020202020204"/>
+              <a:buChar char="•"/>
+            </a:pPr>
+            <a:r>
+              <a:rPr lang="en-US" altLang="zh-CN" sz="1000"/>
+              <a:t>pairplot() with hue="survived"</a:t>
+            </a:r>
+            <a:endParaRPr lang="en-US" altLang="zh-CN" sz="1000"/>
+          </a:p>
+          <a:p>
+            <a:r>
+              <a:rPr lang="en-US" altLang="zh-CN" sz="1000"/>
+              <a:t>Assignment:</a:t>
+            </a:r>
+            <a:endParaRPr lang="en-US" altLang="zh-CN" sz="1000"/>
+          </a:p>
+          <a:p>
+            <a:endParaRPr lang="en-US" altLang="zh-CN" sz="1000"/>
+          </a:p>
+          <a:p>
+            <a:pPr>
+              <a:buFont typeface="Arial" panose="020B0604020202020204"/>
+              <a:buChar char="•"/>
+            </a:pPr>
+            <a:r>
+              <a:rPr lang="en-US" altLang="zh-CN" sz="1000"/>
+              <a:t>Create heatmap and describe 2-3 interesting correlations.</a:t>
+            </a:r>
+            <a:endParaRPr lang="en-US" altLang="zh-CN" sz="1000"/>
+          </a:p>
+        </p:txBody>
+      </p:sp>
+    </p:spTree>
+  </p:cSld>
+  <p:clrMapOvr>
+    <a:masterClrMapping/>
+  </p:clrMapOvr>
+</p:sld>
+</file>
+
+<file path=ppt/slides/slide6.xml><?xml version="1.0" encoding="utf-8"?>
+<p:sld xmlns:a="http://schemas.openxmlformats.org/drawingml/2006/main" xmlns:r="http://schemas.openxmlformats.org/officeDocument/2006/relationships" xmlns:p="http://schemas.openxmlformats.org/presentationml/2006/main">
+  <p:cSld>
+    <p:spTree>
+      <p:nvGrpSpPr>
+        <p:cNvPr id="1" name=""/>
+        <p:cNvGrpSpPr/>
+        <p:nvPr/>
+      </p:nvGrpSpPr>
+      <p:grpSpPr/>
+      <p:sp>
+        <p:nvSpPr>
+          <p:cNvPr id="2" name="Text Box 1"/>
+          <p:cNvSpPr txBox="1"/>
+          <p:nvPr/>
+        </p:nvSpPr>
+        <p:spPr>
+          <a:xfrm>
+            <a:off x="0" y="-317"/>
+            <a:ext cx="5080000" cy="4359910"/>
+          </a:xfrm>
+          <a:prstGeom prst="rect">
+            <a:avLst/>
+          </a:prstGeom>
+        </p:spPr>
+        <p:txBody>
+          <a:bodyPr>
+            <a:spAutoFit/>
+          </a:bodyPr>
+          <a:p>
+            <a:pPr>
+              <a:spcAft>
+                <a:spcPct val="60000"/>
+              </a:spcAft>
+            </a:pPr>
+            <a:r>
+              <a:rPr lang="zh-CN" altLang="en-US" sz="2000" b="1"/>
+              <a:t>📘 </a:t>
+            </a:r>
+            <a:r>
+              <a:rPr lang="en-US" altLang="zh-CN" sz="2000" b="1"/>
+              <a:t>Module 7: Advanced Plot Styling &amp; Themes</a:t>
+            </a:r>
+            <a:endParaRPr lang="en-US" altLang="zh-CN" sz="2000" b="1"/>
+          </a:p>
+          <a:p>
+            <a:r>
+              <a:rPr lang="en-US" altLang="zh-CN"/>
+              <a:t>Objective: Make plots presentation-ready.</a:t>
+            </a:r>
+            <a:endParaRPr lang="en-US" altLang="zh-CN"/>
+          </a:p>
+          <a:p>
+            <a:r>
+              <a:rPr lang="en-US" altLang="zh-CN"/>
+              <a:t>Topics:</a:t>
+            </a:r>
+            <a:endParaRPr lang="en-US" altLang="zh-CN"/>
+          </a:p>
+          <a:p>
+            <a:endParaRPr lang="en-US" altLang="zh-CN"/>
+          </a:p>
+          <a:p>
+            <a:pPr>
+              <a:buFont typeface="Arial" panose="020B0604020202020204"/>
+              <a:buChar char="•"/>
+            </a:pPr>
+            <a:r>
+              <a:rPr lang="en-US" altLang="zh-CN"/>
+              <a:t>Seaborn themes (darkgrid, whitegrid, etc.)</a:t>
+            </a:r>
+            <a:endParaRPr lang="en-US" altLang="zh-CN"/>
+          </a:p>
+          <a:p>
+            <a:pPr>
+              <a:buFont typeface="Arial" panose="020B0604020202020204"/>
+              <a:buChar char="•"/>
+            </a:pPr>
+            <a:endParaRPr lang="en-US" altLang="zh-CN"/>
+          </a:p>
+          <a:p>
+            <a:pPr>
+              <a:buFont typeface="Arial" panose="020B0604020202020204"/>
+              <a:buChar char="•"/>
+            </a:pPr>
+            <a:r>
+              <a:rPr lang="en-US" altLang="zh-CN"/>
+              <a:t>Using set_context() and set_style()</a:t>
+            </a:r>
+            <a:endParaRPr lang="en-US" altLang="zh-CN"/>
+          </a:p>
+          <a:p>
+            <a:pPr>
+              <a:buFont typeface="Arial" panose="020B0604020202020204"/>
+              <a:buChar char="•"/>
+            </a:pPr>
+            <a:endParaRPr lang="en-US" altLang="zh-CN"/>
+          </a:p>
+          <a:p>
+            <a:pPr>
+              <a:buFont typeface="Arial" panose="020B0604020202020204"/>
+              <a:buChar char="•"/>
+            </a:pPr>
+            <a:r>
+              <a:rPr lang="en-US" altLang="zh-CN"/>
+              <a:t>Adjusting figure size, aspect ratios</a:t>
+            </a:r>
+            <a:endParaRPr lang="en-US" altLang="zh-CN"/>
+          </a:p>
+          <a:p>
+            <a:r>
+              <a:rPr lang="en-US" altLang="zh-CN"/>
+              <a:t>Hands-on with Titanic:</a:t>
+            </a:r>
+            <a:endParaRPr lang="en-US" altLang="zh-CN"/>
+          </a:p>
+          <a:p>
+            <a:endParaRPr lang="en-US" altLang="zh-CN"/>
+          </a:p>
+          <a:p>
+            <a:pPr>
+              <a:buFont typeface="Arial" panose="020B0604020202020204"/>
+              <a:buChar char="•"/>
+            </a:pPr>
+            <a:r>
+              <a:rPr lang="en-US" altLang="zh-CN"/>
+              <a:t>Recreate previous plots using different themes</a:t>
+            </a:r>
+            <a:endParaRPr lang="en-US" altLang="zh-CN"/>
+          </a:p>
+          <a:p>
+            <a:pPr>
+              <a:buFont typeface="Arial" panose="020B0604020202020204"/>
+              <a:buChar char="•"/>
+            </a:pPr>
+            <a:endParaRPr lang="en-US" altLang="zh-CN"/>
+          </a:p>
+          <a:p>
+            <a:pPr>
+              <a:buFont typeface="Arial" panose="020B0604020202020204"/>
+              <a:buChar char="•"/>
+            </a:pPr>
+            <a:r>
+              <a:rPr lang="en-US" altLang="zh-CN"/>
+              <a:t>Prepare plots for report/presentation</a:t>
+            </a:r>
+            <a:endParaRPr lang="en-US" altLang="zh-CN"/>
+          </a:p>
+          <a:p>
+            <a:r>
+              <a:rPr lang="en-US" altLang="zh-CN"/>
+              <a:t>Assignment:</a:t>
+            </a:r>
+            <a:endParaRPr lang="en-US" altLang="zh-CN"/>
+          </a:p>
+          <a:p>
+            <a:endParaRPr lang="en-US" altLang="zh-CN"/>
+          </a:p>
+          <a:p>
+            <a:pPr>
+              <a:buFont typeface="Arial" panose="020B0604020202020204"/>
+              <a:buChar char="•"/>
+            </a:pPr>
+            <a:r>
+              <a:rPr lang="en-US" altLang="zh-CN"/>
+              <a:t>Create 3 styled plots suitable for a business report.</a:t>
+            </a:r>
+            <a:endParaRPr lang="en-US" altLang="zh-CN"/>
+          </a:p>
+        </p:txBody>
+      </p:sp>
+      <p:sp>
+        <p:nvSpPr>
+          <p:cNvPr id="3" name="Text Box 2"/>
+          <p:cNvSpPr txBox="1"/>
+          <p:nvPr/>
+        </p:nvSpPr>
+        <p:spPr>
+          <a:xfrm>
+            <a:off x="4064000" y="410845"/>
+            <a:ext cx="5080000" cy="4128135"/>
+          </a:xfrm>
+          <a:prstGeom prst="rect">
+            <a:avLst/>
+          </a:prstGeom>
+        </p:spPr>
+        <p:txBody>
+          <a:bodyPr>
+            <a:spAutoFit/>
+          </a:bodyPr>
+          <a:p>
+            <a:pPr indent="0">
+              <a:buFont typeface="Arial" panose="020B0604020202020204"/>
+              <a:buNone/>
+            </a:pPr>
+            <a:r>
+              <a:rPr lang="zh-CN" altLang="en-US" b="1"/>
+              <a:t>📘 </a:t>
+            </a:r>
+            <a:r>
+              <a:rPr lang="en-US" altLang="zh-CN" b="1"/>
+              <a:t>Module 8: Plotting for EDA Storytelling (Mini Project)</a:t>
+            </a:r>
+            <a:endParaRPr lang="en-US" altLang="zh-CN" b="1"/>
+          </a:p>
+          <a:p>
+            <a:r>
+              <a:rPr lang="en-US" altLang="zh-CN" sz="900"/>
+              <a:t>Objective: Use plots to tell a story.</a:t>
+            </a:r>
+            <a:endParaRPr lang="en-US" altLang="zh-CN" sz="900"/>
+          </a:p>
+          <a:p>
+            <a:r>
+              <a:rPr lang="en-US" altLang="zh-CN" sz="900"/>
+              <a:t>Task:</a:t>
+            </a:r>
+            <a:endParaRPr lang="en-US" altLang="zh-CN" sz="900"/>
+          </a:p>
+          <a:p>
+            <a:endParaRPr lang="en-US" altLang="zh-CN" sz="900"/>
+          </a:p>
+          <a:p>
+            <a:pPr>
+              <a:buFont typeface="Arial" panose="020B0604020202020204"/>
+              <a:buChar char="•"/>
+            </a:pPr>
+            <a:r>
+              <a:rPr lang="en-US" altLang="zh-CN" sz="900"/>
+              <a:t>Create an EDA (Exploratory Data Analysis) storyline using 6–8 visualizations.</a:t>
+            </a:r>
+            <a:endParaRPr lang="en-US" altLang="zh-CN" sz="900"/>
+          </a:p>
+          <a:p>
+            <a:pPr>
+              <a:buFont typeface="Arial" panose="020B0604020202020204"/>
+              <a:buChar char="•"/>
+            </a:pPr>
+            <a:endParaRPr lang="en-US" altLang="zh-CN" sz="900"/>
+          </a:p>
+          <a:p>
+            <a:pPr>
+              <a:buFont typeface="Arial" panose="020B0604020202020204"/>
+              <a:buChar char="•"/>
+            </a:pPr>
+            <a:r>
+              <a:rPr lang="en-US" altLang="zh-CN" sz="900"/>
+              <a:t>Interpret and explain: “Who had the highest chances of survival?”</a:t>
+            </a:r>
+            <a:endParaRPr lang="en-US" altLang="zh-CN" sz="900"/>
+          </a:p>
+          <a:p>
+            <a:r>
+              <a:rPr lang="en-US" altLang="zh-CN" sz="900"/>
+              <a:t>Expected skills:</a:t>
+            </a:r>
+            <a:endParaRPr lang="en-US" altLang="zh-CN" sz="900"/>
+          </a:p>
+          <a:p>
+            <a:endParaRPr lang="en-US" altLang="zh-CN" sz="900"/>
+          </a:p>
+          <a:p>
+            <a:pPr>
+              <a:buFont typeface="Arial" panose="020B0604020202020204"/>
+              <a:buChar char="•"/>
+            </a:pPr>
+            <a:r>
+              <a:rPr lang="en-US" altLang="zh-CN" sz="900"/>
+              <a:t>Use both Matplotlib and Seaborn effectively</a:t>
+            </a:r>
+            <a:endParaRPr lang="en-US" altLang="zh-CN" sz="900"/>
+          </a:p>
+          <a:p>
+            <a:pPr>
+              <a:buFont typeface="Arial" panose="020B0604020202020204"/>
+              <a:buChar char="•"/>
+            </a:pPr>
+            <a:endParaRPr lang="en-US" altLang="zh-CN" sz="900"/>
+          </a:p>
+          <a:p>
+            <a:pPr>
+              <a:buFont typeface="Arial" panose="020B0604020202020204"/>
+              <a:buChar char="•"/>
+            </a:pPr>
+            <a:r>
+              <a:rPr lang="en-US" altLang="zh-CN" sz="900"/>
+              <a:t>Visual storytelling</a:t>
+            </a:r>
+            <a:endParaRPr lang="en-US" altLang="zh-CN" sz="900"/>
+          </a:p>
+          <a:p>
+            <a:pPr>
+              <a:buFont typeface="Arial" panose="020B0604020202020204"/>
+              <a:buChar char="•"/>
+            </a:pPr>
+            <a:endParaRPr lang="en-US" altLang="zh-CN" sz="900"/>
+          </a:p>
+          <a:p>
+            <a:pPr>
+              <a:buFont typeface="Arial" panose="020B0604020202020204"/>
+              <a:buChar char="•"/>
+            </a:pPr>
+            <a:r>
+              <a:rPr lang="en-US" altLang="zh-CN" sz="900"/>
+              <a:t>Use of subplots, titles, colors for narrative</a:t>
+            </a:r>
+            <a:endParaRPr lang="en-US" altLang="zh-CN" sz="900"/>
+          </a:p>
+          <a:p>
+            <a:pPr>
+              <a:spcAft>
+                <a:spcPct val="60000"/>
+              </a:spcAft>
+            </a:pPr>
+            <a:r>
+              <a:rPr lang="zh-CN" altLang="en-US" b="1"/>
+              <a:t>🎯 </a:t>
+            </a:r>
+            <a:r>
+              <a:rPr lang="en-US" altLang="zh-CN" b="1"/>
+              <a:t>Capstone Assignment</a:t>
+            </a:r>
+            <a:endParaRPr lang="en-US" altLang="zh-CN" b="1"/>
+          </a:p>
+          <a:p>
+            <a:r>
+              <a:rPr lang="en-US" altLang="zh-CN" sz="900"/>
+              <a:t>Title:“Visual Titanic” – End-to-End Visualization Report</a:t>
+            </a:r>
+            <a:endParaRPr lang="en-US" altLang="zh-CN" sz="900"/>
+          </a:p>
+          <a:p>
+            <a:r>
+              <a:rPr lang="en-US" altLang="zh-CN" sz="900"/>
+              <a:t>Deliverables:</a:t>
+            </a:r>
+            <a:endParaRPr lang="en-US" altLang="zh-CN" sz="900"/>
+          </a:p>
+          <a:p>
+            <a:endParaRPr lang="en-US" altLang="zh-CN" sz="900"/>
+          </a:p>
+          <a:p>
+            <a:pPr>
+              <a:buFont typeface="Arial" panose="020B0604020202020204"/>
+              <a:buChar char="•"/>
+            </a:pPr>
+            <a:r>
+              <a:rPr lang="en-US" altLang="zh-CN" sz="900"/>
+              <a:t>One Jupyter notebook (cleaned and well-commented)</a:t>
+            </a:r>
+            <a:endParaRPr lang="en-US" altLang="zh-CN" sz="900"/>
+          </a:p>
+          <a:p>
+            <a:pPr>
+              <a:buFont typeface="Arial" panose="020B0604020202020204"/>
+              <a:buChar char="•"/>
+            </a:pPr>
+            <a:endParaRPr lang="en-US" altLang="zh-CN" sz="900"/>
+          </a:p>
+          <a:p>
+            <a:pPr>
+              <a:buFont typeface="Arial" panose="020B0604020202020204"/>
+              <a:buChar char="•"/>
+            </a:pPr>
+            <a:r>
+              <a:rPr lang="en-US" altLang="zh-CN" sz="900"/>
+              <a:t>At least:</a:t>
+            </a:r>
+            <a:endParaRPr lang="en-US" altLang="zh-CN" sz="900"/>
+          </a:p>
+          <a:p>
+            <a:pPr>
+              <a:buFont typeface="Arial" panose="020B0604020202020204"/>
+              <a:buChar char="•"/>
+            </a:pPr>
+            <a:endParaRPr lang="en-US" altLang="zh-CN" sz="900"/>
+          </a:p>
+          <a:p>
+            <a:pPr lvl="1">
+              <a:buFont typeface="Arial" panose="020B0604020202020204"/>
+              <a:buChar char="◦"/>
+            </a:pPr>
+            <a:r>
+              <a:rPr lang="en-US" altLang="zh-CN" sz="900"/>
+              <a:t>3 Matplotlib plots</a:t>
+            </a:r>
+            <a:endParaRPr lang="en-US" altLang="zh-CN" sz="900"/>
+          </a:p>
+          <a:p>
+            <a:pPr lvl="1">
+              <a:buFont typeface="Arial" panose="020B0604020202020204"/>
+              <a:buChar char="◦"/>
+            </a:pPr>
+            <a:endParaRPr lang="en-US" altLang="zh-CN" sz="900"/>
+          </a:p>
+          <a:p>
+            <a:pPr lvl="1">
+              <a:buFont typeface="Arial" panose="020B0604020202020204"/>
+              <a:buChar char="◦"/>
+            </a:pPr>
+            <a:r>
+              <a:rPr lang="en-US" altLang="zh-CN" sz="900"/>
+              <a:t>5 Seaborn plots (with at least 1 pairplot and 1 heatmap)</a:t>
+            </a:r>
+            <a:endParaRPr lang="en-US" altLang="zh-CN" sz="900"/>
+          </a:p>
+          <a:p>
+            <a:pPr lvl="1">
+              <a:buFont typeface="Arial" panose="020B0604020202020204"/>
+              <a:buChar char="◦"/>
+            </a:pPr>
+            <a:endParaRPr lang="en-US" altLang="zh-CN" sz="900"/>
+          </a:p>
+          <a:p>
+            <a:pPr lvl="1">
+              <a:buFont typeface="Arial" panose="020B0604020202020204"/>
+              <a:buChar char="◦"/>
+            </a:pPr>
+            <a:r>
+              <a:rPr lang="en-US" altLang="zh-CN" sz="900"/>
+              <a:t>Plot storytelling with conclusions</a:t>
+            </a:r>
+            <a:endParaRPr lang="en-US" altLang="zh-CN" sz="900"/>
+          </a:p>
+        </p:txBody>
+      </p:sp>
+    </p:spTree>
+  </p:cSld>
+  <p:clrMapOvr>
+    <a:masterClrMapping/>
+  </p:clrMapOvr>
+</p:sld>
+</file>
+
+<file path=ppt/slides/slide7.xml><?xml version="1.0" encoding="utf-8"?>
+<p:sld xmlns:a="http://schemas.openxmlformats.org/drawingml/2006/main" xmlns:r="http://schemas.openxmlformats.org/officeDocument/2006/relationships" xmlns:p="http://schemas.openxmlformats.org/presentationml/2006/main">
+  <p:cSld>
+    <p:spTree>
+      <p:nvGrpSpPr>
+        <p:cNvPr id="1" name=""/>
+        <p:cNvGrpSpPr/>
+        <p:nvPr/>
+      </p:nvGrpSpPr>
+      <p:grpSpPr/>
+      <p:sp>
+        <p:nvSpPr>
+          <p:cNvPr id="2" name="Text Box 1"/>
+          <p:cNvSpPr txBox="1"/>
+          <p:nvPr/>
+        </p:nvSpPr>
+        <p:spPr>
+          <a:xfrm>
+            <a:off x="801370" y="602932"/>
+            <a:ext cx="5080000" cy="2061210"/>
+          </a:xfrm>
+          <a:prstGeom prst="rect">
+            <a:avLst/>
+          </a:prstGeom>
+        </p:spPr>
+        <p:txBody>
+          <a:bodyPr>
+            <a:spAutoFit/>
+          </a:bodyPr>
+          <a:p>
+            <a:pPr>
+              <a:lnSpc>
+                <a:spcPct val="100000"/>
+              </a:lnSpc>
+            </a:pPr>
+            <a:r>
+              <a:rPr lang="en-US" altLang="zh-CN" sz="1600" b="0">
+                <a:solidFill>
+                  <a:schemeClr val="tx1"/>
+                </a:solidFill>
+                <a:latin typeface="Consolas" panose="020B0609020204030204"/>
+                <a:ea typeface="Consolas" panose="020B0609020204030204"/>
+              </a:rPr>
+              <a:t># install </a:t>
+            </a:r>
+            <a:endParaRPr lang="en-US" altLang="zh-CN" sz="1600" b="0">
+              <a:solidFill>
+                <a:schemeClr val="tx1"/>
+              </a:solidFill>
+              <a:latin typeface="Consolas" panose="020B0609020204030204"/>
+              <a:ea typeface="Consolas" panose="020B0609020204030204"/>
+            </a:endParaRPr>
+          </a:p>
+          <a:p>
+            <a:pPr>
+              <a:lnSpc>
+                <a:spcPct val="100000"/>
+              </a:lnSpc>
+            </a:pPr>
+            <a:r>
+              <a:rPr lang="en-US" altLang="zh-CN" sz="1600" b="0">
+                <a:solidFill>
+                  <a:schemeClr val="tx1"/>
+                </a:solidFill>
+                <a:latin typeface="Consolas" panose="020B0609020204030204"/>
+                <a:ea typeface="Consolas" panose="020B0609020204030204"/>
+              </a:rPr>
+              <a:t># pip install matplotlib</a:t>
+            </a:r>
+            <a:endParaRPr lang="en-US" altLang="zh-CN" sz="1600" b="0">
+              <a:solidFill>
+                <a:schemeClr val="tx1"/>
+              </a:solidFill>
+              <a:latin typeface="Consolas" panose="020B0609020204030204"/>
+              <a:ea typeface="Consolas" panose="020B0609020204030204"/>
+            </a:endParaRPr>
+          </a:p>
+          <a:p>
+            <a:pPr>
+              <a:lnSpc>
+                <a:spcPct val="100000"/>
+              </a:lnSpc>
+            </a:pPr>
+            <a:r>
+              <a:rPr lang="en-US" altLang="zh-CN" sz="1600" b="0">
+                <a:solidFill>
+                  <a:schemeClr val="tx1"/>
+                </a:solidFill>
+                <a:latin typeface="Consolas" panose="020B0609020204030204"/>
+                <a:ea typeface="Consolas" panose="020B0609020204030204"/>
+              </a:rPr>
+              <a:t># pip install seaborn</a:t>
+            </a:r>
+            <a:endParaRPr lang="en-US" altLang="zh-CN" sz="1600" b="0">
+              <a:solidFill>
+                <a:schemeClr val="tx1"/>
+              </a:solidFill>
+              <a:latin typeface="Consolas" panose="020B0609020204030204"/>
+              <a:ea typeface="Consolas" panose="020B0609020204030204"/>
+            </a:endParaRPr>
+          </a:p>
+          <a:p>
+            <a:pPr>
+              <a:lnSpc>
+                <a:spcPct val="100000"/>
+              </a:lnSpc>
+            </a:pPr>
+            <a:endParaRPr lang="en-US" altLang="zh-CN" sz="1600" b="0">
+              <a:solidFill>
+                <a:schemeClr val="tx1"/>
+              </a:solidFill>
+              <a:latin typeface="Consolas" panose="020B0609020204030204"/>
+              <a:ea typeface="Consolas" panose="020B0609020204030204"/>
+            </a:endParaRPr>
+          </a:p>
+          <a:p>
+            <a:pPr>
+              <a:lnSpc>
+                <a:spcPct val="100000"/>
+              </a:lnSpc>
+            </a:pPr>
+            <a:r>
+              <a:rPr lang="en-US" altLang="en-US" sz="1600" b="0">
+                <a:solidFill>
+                  <a:schemeClr val="tx1"/>
+                </a:solidFill>
+                <a:latin typeface="Consolas" panose="020B0609020204030204"/>
+                <a:ea typeface="Consolas" panose="020B0609020204030204"/>
+              </a:rPr>
+              <a:t>import matplotlib.pyplot as plt</a:t>
+            </a:r>
+            <a:endParaRPr lang="en-US" altLang="en-US" sz="1600" b="0">
+              <a:solidFill>
+                <a:schemeClr val="tx1"/>
+              </a:solidFill>
+              <a:latin typeface="Consolas" panose="020B0609020204030204"/>
+              <a:ea typeface="Consolas" panose="020B0609020204030204"/>
+            </a:endParaRPr>
+          </a:p>
+          <a:p>
+            <a:pPr>
+              <a:lnSpc>
+                <a:spcPct val="100000"/>
+              </a:lnSpc>
+            </a:pPr>
+            <a:r>
+              <a:rPr lang="en-US" altLang="en-US" sz="1600" b="0">
+                <a:solidFill>
+                  <a:schemeClr val="tx1"/>
+                </a:solidFill>
+                <a:latin typeface="Consolas" panose="020B0609020204030204"/>
+                <a:ea typeface="Consolas" panose="020B0609020204030204"/>
+              </a:rPr>
+              <a:t>import seaborn as sns</a:t>
+            </a:r>
+            <a:endParaRPr lang="en-US" altLang="en-US" sz="1600" b="0">
+              <a:solidFill>
+                <a:schemeClr val="tx1"/>
+              </a:solidFill>
+              <a:latin typeface="Consolas" panose="020B0609020204030204"/>
+              <a:ea typeface="Consolas" panose="020B0609020204030204"/>
+            </a:endParaRPr>
+          </a:p>
+          <a:p>
+            <a:pPr>
+              <a:lnSpc>
+                <a:spcPct val="100000"/>
+              </a:lnSpc>
+            </a:pPr>
+            <a:r>
+              <a:rPr lang="en-US" altLang="en-US" sz="1600" b="0">
+                <a:solidFill>
+                  <a:schemeClr val="tx1"/>
+                </a:solidFill>
+                <a:latin typeface="Consolas" panose="020B0609020204030204"/>
+                <a:ea typeface="Consolas" panose="020B0609020204030204"/>
+              </a:rPr>
+              <a:t># https://matplotlib.org/</a:t>
+            </a:r>
+            <a:endParaRPr lang="en-US" altLang="en-US" sz="1600" b="0">
+              <a:solidFill>
+                <a:schemeClr val="tx1"/>
+              </a:solidFill>
+              <a:latin typeface="Consolas" panose="020B0609020204030204"/>
+              <a:ea typeface="Consolas" panose="020B0609020204030204"/>
+            </a:endParaRPr>
+          </a:p>
+          <a:p>
+            <a:pPr>
+              <a:lnSpc>
+                <a:spcPct val="100000"/>
+              </a:lnSpc>
+            </a:pPr>
+            <a:r>
+              <a:rPr lang="en-US" altLang="en-US" sz="1600" b="0">
+                <a:solidFill>
+                  <a:schemeClr val="tx1"/>
+                </a:solidFill>
+                <a:latin typeface="Consolas" panose="020B0609020204030204"/>
+                <a:ea typeface="Consolas" panose="020B0609020204030204"/>
+              </a:rPr>
+              <a:t># https://seaborn.pydata.org/</a:t>
+            </a:r>
+            <a:endParaRPr lang="en-US" altLang="en-US" sz="1600" b="0">
+              <a:solidFill>
+                <a:schemeClr val="tx1"/>
+              </a:solidFill>
+              <a:latin typeface="Consolas" panose="020B0609020204030204"/>
+              <a:ea typeface="Consolas" panose="020B0609020204030204"/>
+            </a:endParaRPr>
+          </a:p>
+        </p:txBody>
+      </p:sp>
+    </p:spTree>
+  </p:cSld>
+  <p:clrMapOvr>
+    <a:masterClrMapping/>
+  </p:clrMapOvr>
+</p:sld>
+</file>
+
+<file path=ppt/slides/slide8.xml><?xml version="1.0" encoding="utf-8"?>
+<p:sld xmlns:a="http://schemas.openxmlformats.org/drawingml/2006/main" xmlns:r="http://schemas.openxmlformats.org/officeDocument/2006/relationships" xmlns:p="http://schemas.openxmlformats.org/presentationml/2006/main">
+  <p:cSld>
+    <p:spTree>
+      <p:nvGrpSpPr>
+        <p:cNvPr id="1" name=""/>
+        <p:cNvGrpSpPr/>
+        <p:nvPr/>
+      </p:nvGrpSpPr>
+      <p:grpSpPr/>
+      <p:sp>
+        <p:nvSpPr>
+          <p:cNvPr id="2" name="Text Box 1"/>
+          <p:cNvSpPr txBox="1"/>
+          <p:nvPr/>
+        </p:nvSpPr>
+        <p:spPr>
+          <a:xfrm>
+            <a:off x="400685" y="345758"/>
+            <a:ext cx="5080000" cy="2891790"/>
+          </a:xfrm>
+          <a:prstGeom prst="rect">
+            <a:avLst/>
+          </a:prstGeom>
+        </p:spPr>
+        <p:txBody>
+          <a:bodyPr>
+            <a:spAutoFit/>
+          </a:bodyPr>
+          <a:p>
+            <a:pPr>
+              <a:lnSpc>
+                <a:spcPct val="100000"/>
+              </a:lnSpc>
+            </a:pPr>
+            <a:r>
+              <a:rPr lang="en-US" altLang="zh-CN" b="0">
+                <a:solidFill>
+                  <a:schemeClr val="tx1"/>
+                </a:solidFill>
+                <a:latin typeface="Consolas" panose="020B0609020204030204"/>
+                <a:ea typeface="Consolas" panose="020B0609020204030204"/>
+              </a:rPr>
+              <a:t># data </a:t>
+            </a:r>
+            <a:endParaRPr lang="en-US" altLang="zh-CN" b="0">
+              <a:solidFill>
+                <a:schemeClr val="tx1"/>
+              </a:solidFill>
+              <a:latin typeface="Consolas" panose="020B0609020204030204"/>
+              <a:ea typeface="Consolas" panose="020B0609020204030204"/>
+            </a:endParaRPr>
+          </a:p>
+          <a:p>
+            <a:pPr>
+              <a:lnSpc>
+                <a:spcPct val="100000"/>
+              </a:lnSpc>
+            </a:pPr>
+            <a:r>
+              <a:rPr lang="en-US" altLang="zh-CN" b="0">
+                <a:solidFill>
+                  <a:schemeClr val="tx1"/>
+                </a:solidFill>
+                <a:latin typeface="Consolas" panose="020B0609020204030204"/>
+                <a:ea typeface="Consolas" panose="020B0609020204030204"/>
+              </a:rPr>
+              <a:t>importnumpyasnp</a:t>
+            </a:r>
+            <a:endParaRPr lang="en-US" altLang="zh-CN" b="0">
+              <a:solidFill>
+                <a:schemeClr val="tx1"/>
+              </a:solidFill>
+              <a:latin typeface="Consolas" panose="020B0609020204030204"/>
+              <a:ea typeface="Consolas" panose="020B0609020204030204"/>
+            </a:endParaRPr>
+          </a:p>
+          <a:p>
+            <a:pPr>
+              <a:lnSpc>
+                <a:spcPct val="100000"/>
+              </a:lnSpc>
+            </a:pPr>
+            <a:r>
+              <a:rPr lang="en-US" altLang="zh-CN" b="0">
+                <a:solidFill>
+                  <a:schemeClr val="tx1"/>
+                </a:solidFill>
+                <a:latin typeface="Consolas" panose="020B0609020204030204"/>
+                <a:ea typeface="Consolas" panose="020B0609020204030204"/>
+              </a:rPr>
+              <a:t>importpandasaspd</a:t>
+            </a:r>
+            <a:endParaRPr lang="en-US" altLang="zh-CN" b="0">
+              <a:solidFill>
+                <a:schemeClr val="tx1"/>
+              </a:solidFill>
+              <a:latin typeface="Consolas" panose="020B0609020204030204"/>
+              <a:ea typeface="Consolas" panose="020B0609020204030204"/>
+            </a:endParaRPr>
+          </a:p>
+          <a:p>
+            <a:pPr>
+              <a:lnSpc>
+                <a:spcPct val="100000"/>
+              </a:lnSpc>
+            </a:pPr>
+            <a:r>
+              <a:rPr lang="en-US" altLang="zh-CN" b="0">
+                <a:solidFill>
+                  <a:schemeClr val="tx1"/>
+                </a:solidFill>
+                <a:latin typeface="Consolas" panose="020B0609020204030204"/>
+                <a:ea typeface="Consolas" panose="020B0609020204030204"/>
+              </a:rPr>
+              <a:t>d1= [1,2,3,4,5,6]</a:t>
+            </a:r>
+            <a:endParaRPr lang="en-US" altLang="zh-CN" b="0">
+              <a:solidFill>
+                <a:schemeClr val="tx1"/>
+              </a:solidFill>
+              <a:latin typeface="Consolas" panose="020B0609020204030204"/>
+              <a:ea typeface="Consolas" panose="020B0609020204030204"/>
+            </a:endParaRPr>
+          </a:p>
+          <a:p>
+            <a:pPr>
+              <a:lnSpc>
+                <a:spcPct val="100000"/>
+              </a:lnSpc>
+            </a:pPr>
+            <a:endParaRPr lang="en-US" altLang="zh-CN" b="0">
+              <a:solidFill>
+                <a:schemeClr val="tx1"/>
+              </a:solidFill>
+              <a:latin typeface="Consolas" panose="020B0609020204030204"/>
+              <a:ea typeface="Consolas" panose="020B0609020204030204"/>
+            </a:endParaRPr>
+          </a:p>
+          <a:p>
+            <a:pPr>
+              <a:lnSpc>
+                <a:spcPct val="100000"/>
+              </a:lnSpc>
+            </a:pPr>
+            <a:r>
+              <a:rPr lang="en-US" altLang="en-US" b="0">
+                <a:solidFill>
+                  <a:schemeClr val="tx1"/>
+                </a:solidFill>
+                <a:latin typeface="Consolas" panose="020B0609020204030204"/>
+                <a:ea typeface="Consolas" panose="020B0609020204030204"/>
+              </a:rPr>
+              <a:t># create  line graph using plot</a:t>
+            </a:r>
+            <a:endParaRPr lang="en-US" altLang="en-US" b="0">
+              <a:solidFill>
+                <a:schemeClr val="tx1"/>
+              </a:solidFill>
+              <a:latin typeface="Consolas" panose="020B0609020204030204"/>
+              <a:ea typeface="Consolas" panose="020B0609020204030204"/>
+            </a:endParaRPr>
+          </a:p>
+          <a:p>
+            <a:pPr>
+              <a:lnSpc>
+                <a:spcPct val="100000"/>
+              </a:lnSpc>
+            </a:pPr>
+            <a:r>
+              <a:rPr lang="en-US" altLang="en-US" b="0">
+                <a:solidFill>
+                  <a:schemeClr val="tx1"/>
+                </a:solidFill>
+                <a:latin typeface="Consolas" panose="020B0609020204030204"/>
+                <a:ea typeface="Consolas" panose="020B0609020204030204"/>
+              </a:rPr>
+              <a:t>plt.plot(d1)</a:t>
+            </a:r>
+            <a:endParaRPr lang="en-US" altLang="en-US" b="0">
+              <a:solidFill>
+                <a:schemeClr val="tx1"/>
+              </a:solidFill>
+              <a:latin typeface="Consolas" panose="020B0609020204030204"/>
+              <a:ea typeface="Consolas" panose="020B0609020204030204"/>
+            </a:endParaRPr>
+          </a:p>
+          <a:p>
+            <a:pPr>
+              <a:lnSpc>
+                <a:spcPct val="100000"/>
+              </a:lnSpc>
+            </a:pPr>
+            <a:endParaRPr lang="en-US" altLang="en-US" b="0">
+              <a:solidFill>
+                <a:schemeClr val="tx1"/>
+              </a:solidFill>
+              <a:latin typeface="Consolas" panose="020B0609020204030204"/>
+              <a:ea typeface="Consolas" panose="020B0609020204030204"/>
+            </a:endParaRPr>
+          </a:p>
+          <a:p>
+            <a:pPr>
+              <a:lnSpc>
+                <a:spcPct val="100000"/>
+              </a:lnSpc>
+            </a:pPr>
+            <a:r>
+              <a:rPr lang="en-US" altLang="en-US" b="0">
+                <a:solidFill>
+                  <a:schemeClr val="tx1"/>
+                </a:solidFill>
+                <a:latin typeface="Consolas" panose="020B0609020204030204"/>
+                <a:ea typeface="Consolas" panose="020B0609020204030204"/>
+              </a:rPr>
+              <a:t># plt.show() # only display the plot </a:t>
+            </a:r>
+            <a:endParaRPr lang="en-US" altLang="en-US" b="0">
+              <a:solidFill>
+                <a:schemeClr val="tx1"/>
+              </a:solidFill>
+              <a:latin typeface="Consolas" panose="020B0609020204030204"/>
+              <a:ea typeface="Consolas" panose="020B0609020204030204"/>
+            </a:endParaRPr>
+          </a:p>
+          <a:p>
+            <a:pPr>
+              <a:lnSpc>
+                <a:spcPct val="100000"/>
+              </a:lnSpc>
+            </a:pPr>
+            <a:endParaRPr lang="en-US" altLang="en-US" b="0">
+              <a:solidFill>
+                <a:schemeClr val="tx1"/>
+              </a:solidFill>
+              <a:latin typeface="Consolas" panose="020B0609020204030204"/>
+              <a:ea typeface="Consolas" panose="020B0609020204030204"/>
+            </a:endParaRPr>
+          </a:p>
+          <a:p>
+            <a:pPr>
+              <a:lnSpc>
+                <a:spcPct val="100000"/>
+              </a:lnSpc>
+            </a:pPr>
+            <a:r>
+              <a:rPr lang="en-US" altLang="en-US" b="0">
+                <a:solidFill>
+                  <a:schemeClr val="tx1"/>
+                </a:solidFill>
+                <a:latin typeface="Consolas" panose="020B0609020204030204"/>
+                <a:ea typeface="Consolas" panose="020B0609020204030204"/>
+              </a:rPr>
+              <a:t>x = np.linspace(0,10, 100)</a:t>
+            </a:r>
+            <a:endParaRPr lang="en-US" altLang="en-US" b="0">
+              <a:solidFill>
+                <a:schemeClr val="tx1"/>
+              </a:solidFill>
+              <a:latin typeface="Consolas" panose="020B0609020204030204"/>
+              <a:ea typeface="Consolas" panose="020B0609020204030204"/>
+            </a:endParaRPr>
+          </a:p>
+          <a:p>
+            <a:pPr>
+              <a:lnSpc>
+                <a:spcPct val="100000"/>
+              </a:lnSpc>
+            </a:pPr>
+            <a:r>
+              <a:rPr lang="en-US" altLang="en-US" b="0">
+                <a:solidFill>
+                  <a:schemeClr val="tx1"/>
+                </a:solidFill>
+                <a:latin typeface="Consolas" panose="020B0609020204030204"/>
+                <a:ea typeface="Consolas" panose="020B0609020204030204"/>
+              </a:rPr>
+              <a:t>y = np.linspace(1,30)</a:t>
+            </a:r>
+            <a:endParaRPr lang="en-US" altLang="en-US" b="0">
+              <a:solidFill>
+                <a:schemeClr val="tx1"/>
+              </a:solidFill>
+              <a:latin typeface="Consolas" panose="020B0609020204030204"/>
+              <a:ea typeface="Consolas" panose="020B0609020204030204"/>
+            </a:endParaRPr>
+          </a:p>
+          <a:p>
+            <a:pPr>
+              <a:lnSpc>
+                <a:spcPct val="100000"/>
+              </a:lnSpc>
+            </a:pPr>
+            <a:r>
+              <a:rPr lang="en-US" altLang="en-US" b="0">
+                <a:solidFill>
+                  <a:schemeClr val="tx1"/>
+                </a:solidFill>
+                <a:latin typeface="Consolas" panose="020B0609020204030204"/>
+                <a:ea typeface="Consolas" panose="020B0609020204030204"/>
+              </a:rPr>
+              <a:t>x</a:t>
+            </a:r>
+            <a:endParaRPr lang="en-US" altLang="en-US" b="0">
+              <a:solidFill>
+                <a:schemeClr val="tx1"/>
+              </a:solidFill>
+              <a:latin typeface="Consolas" panose="020B0609020204030204"/>
+              <a:ea typeface="Consolas" panose="020B0609020204030204"/>
+            </a:endParaRPr>
+          </a:p>
+        </p:txBody>
+      </p:sp>
+      <p:sp>
+        <p:nvSpPr>
+          <p:cNvPr id="3" name="Text Box 2"/>
+          <p:cNvSpPr txBox="1"/>
+          <p:nvPr/>
+        </p:nvSpPr>
+        <p:spPr>
+          <a:xfrm>
+            <a:off x="573405" y="3335973"/>
+            <a:ext cx="5080000" cy="645160"/>
+          </a:xfrm>
+          <a:prstGeom prst="rect">
+            <a:avLst/>
+          </a:prstGeom>
+        </p:spPr>
+        <p:txBody>
+          <a:bodyPr>
+            <a:spAutoFit/>
+          </a:bodyPr>
+          <a:p>
+            <a:pPr>
+              <a:lnSpc>
+                <a:spcPct val="100000"/>
+              </a:lnSpc>
+            </a:pPr>
+            <a:r>
+              <a:rPr lang="en-US" altLang="zh-CN" sz="1200" b="0">
+                <a:solidFill>
+                  <a:schemeClr val="tx1"/>
+                </a:solidFill>
+                <a:latin typeface="Consolas" panose="020B0609020204030204"/>
+                <a:ea typeface="Consolas" panose="020B0609020204030204"/>
+              </a:rPr>
+              <a:t>plt.plot(np.linspace(1,50,20))</a:t>
+            </a:r>
+            <a:endParaRPr lang="en-US" altLang="zh-CN" sz="1200" b="0">
+              <a:solidFill>
+                <a:schemeClr val="tx1"/>
+              </a:solidFill>
+              <a:latin typeface="Consolas" panose="020B0609020204030204"/>
+              <a:ea typeface="Consolas" panose="020B0609020204030204"/>
+            </a:endParaRPr>
+          </a:p>
+          <a:p>
+            <a:pPr>
+              <a:lnSpc>
+                <a:spcPct val="100000"/>
+              </a:lnSpc>
+            </a:pPr>
+            <a:r>
+              <a:rPr lang="en-US" altLang="en-US" sz="1200" b="0">
+                <a:solidFill>
+                  <a:schemeClr val="tx1"/>
+                </a:solidFill>
+                <a:latin typeface="Consolas" panose="020B0609020204030204"/>
+                <a:ea typeface="Consolas" panose="020B0609020204030204"/>
+              </a:rPr>
+              <a:t>data = np.random.randint(1,50,20)</a:t>
+            </a:r>
+            <a:endParaRPr lang="en-US" altLang="en-US" sz="1200" b="0">
+              <a:solidFill>
+                <a:schemeClr val="tx1"/>
+              </a:solidFill>
+              <a:latin typeface="Consolas" panose="020B0609020204030204"/>
+              <a:ea typeface="Consolas" panose="020B0609020204030204"/>
+            </a:endParaRPr>
+          </a:p>
+          <a:p>
+            <a:pPr>
+              <a:lnSpc>
+                <a:spcPct val="100000"/>
+              </a:lnSpc>
+            </a:pPr>
+            <a:endParaRPr lang="en-US" altLang="en-US" sz="1200" b="0">
+              <a:solidFill>
+                <a:schemeClr val="tx1"/>
+              </a:solidFill>
+              <a:latin typeface="Consolas" panose="020B0609020204030204"/>
+              <a:ea typeface="Consolas" panose="020B0609020204030204"/>
+            </a:endParaRPr>
+          </a:p>
+        </p:txBody>
+      </p:sp>
+    </p:spTree>
+  </p:cSld>
+  <p:clrMapOvr>
+    <a:masterClrMapping/>
+  </p:clrMapOvr>
+</p:sld>
+</file>
+
+<file path=ppt/slides/slide9.xml><?xml version="1.0" encoding="utf-8"?>
+<p:sld xmlns:a="http://schemas.openxmlformats.org/drawingml/2006/main" xmlns:r="http://schemas.openxmlformats.org/officeDocument/2006/relationships" xmlns:p="http://schemas.openxmlformats.org/presentationml/2006/main">
+  <p:cSld>
+    <p:spTree>
+      <p:nvGrpSpPr>
+        <p:cNvPr id="1" name=""/>
+        <p:cNvGrpSpPr/>
+        <p:nvPr/>
+      </p:nvGrpSpPr>
+      <p:grpSpPr/>
+      <p:sp>
+        <p:nvSpPr>
+          <p:cNvPr id="2" name="Text Box 1"/>
+          <p:cNvSpPr txBox="1"/>
+          <p:nvPr/>
+        </p:nvSpPr>
+        <p:spPr>
+          <a:xfrm>
+            <a:off x="149860" y="146050"/>
+            <a:ext cx="5080000" cy="2553335"/>
+          </a:xfrm>
+          <a:prstGeom prst="rect">
+            <a:avLst/>
+          </a:prstGeom>
+        </p:spPr>
+        <p:txBody>
+          <a:bodyPr>
+            <a:spAutoFit/>
+          </a:bodyPr>
+          <a:p>
+            <a:pPr>
+              <a:lnSpc>
+                <a:spcPct val="100000"/>
+              </a:lnSpc>
+            </a:pPr>
+            <a:r>
+              <a:rPr lang="en-US" altLang="zh-CN" sz="2000" b="1">
+                <a:solidFill>
+                  <a:schemeClr val="tx1"/>
+                </a:solidFill>
+                <a:latin typeface="Consolas" panose="020B0609020204030204"/>
+                <a:ea typeface="Consolas" panose="020B0609020204030204"/>
+              </a:rPr>
+              <a:t># multiple lines in single plot</a:t>
+            </a:r>
+            <a:endParaRPr lang="en-US" altLang="zh-CN" sz="2000" b="1">
+              <a:solidFill>
+                <a:schemeClr val="tx1"/>
+              </a:solidFill>
+              <a:latin typeface="Consolas" panose="020B0609020204030204"/>
+              <a:ea typeface="Consolas" panose="020B0609020204030204"/>
+            </a:endParaRPr>
+          </a:p>
+          <a:p>
+            <a:pPr>
+              <a:lnSpc>
+                <a:spcPct val="100000"/>
+              </a:lnSpc>
+            </a:pPr>
+            <a:r>
+              <a:rPr lang="en-US" altLang="zh-CN" b="0">
+                <a:solidFill>
+                  <a:schemeClr val="tx1"/>
+                </a:solidFill>
+                <a:latin typeface="Consolas" panose="020B0609020204030204"/>
+                <a:ea typeface="Consolas" panose="020B0609020204030204"/>
+              </a:rPr>
+              <a:t>plt.figure(figsize=(5,5))</a:t>
+            </a:r>
+            <a:endParaRPr lang="en-US" altLang="zh-CN" b="0">
+              <a:solidFill>
+                <a:schemeClr val="tx1"/>
+              </a:solidFill>
+              <a:latin typeface="Consolas" panose="020B0609020204030204"/>
+              <a:ea typeface="Consolas" panose="020B0609020204030204"/>
+            </a:endParaRPr>
+          </a:p>
+          <a:p>
+            <a:pPr>
+              <a:lnSpc>
+                <a:spcPct val="100000"/>
+              </a:lnSpc>
+            </a:pPr>
+            <a:r>
+              <a:rPr lang="en-US" altLang="zh-CN" b="0">
+                <a:solidFill>
+                  <a:schemeClr val="tx1"/>
+                </a:solidFill>
+                <a:latin typeface="Consolas" panose="020B0609020204030204"/>
+                <a:ea typeface="Consolas" panose="020B0609020204030204"/>
+              </a:rPr>
+              <a:t>x=np.linspace(0, 2, 100)</a:t>
+            </a:r>
+            <a:endParaRPr lang="en-US" altLang="zh-CN" b="0">
+              <a:solidFill>
+                <a:schemeClr val="tx1"/>
+              </a:solidFill>
+              <a:latin typeface="Consolas" panose="020B0609020204030204"/>
+              <a:ea typeface="Consolas" panose="020B0609020204030204"/>
+            </a:endParaRPr>
+          </a:p>
+          <a:p>
+            <a:pPr>
+              <a:lnSpc>
+                <a:spcPct val="100000"/>
+              </a:lnSpc>
+            </a:pPr>
+            <a:r>
+              <a:rPr lang="en-US" altLang="zh-CN" b="0">
+                <a:solidFill>
+                  <a:schemeClr val="tx1"/>
+                </a:solidFill>
+                <a:latin typeface="Consolas" panose="020B0609020204030204"/>
+                <a:ea typeface="Consolas" panose="020B0609020204030204"/>
+              </a:rPr>
+              <a:t>plt.plot(x, x, label='linear')  </a:t>
+            </a:r>
+            <a:endParaRPr lang="en-US" altLang="zh-CN" b="0">
+              <a:solidFill>
+                <a:schemeClr val="tx1"/>
+              </a:solidFill>
+              <a:latin typeface="Consolas" panose="020B0609020204030204"/>
+              <a:ea typeface="Consolas" panose="020B0609020204030204"/>
+            </a:endParaRPr>
+          </a:p>
+          <a:p>
+            <a:pPr>
+              <a:lnSpc>
+                <a:spcPct val="100000"/>
+              </a:lnSpc>
+            </a:pPr>
+            <a:r>
+              <a:rPr lang="en-US" altLang="zh-CN" b="0">
+                <a:solidFill>
+                  <a:schemeClr val="tx1"/>
+                </a:solidFill>
+                <a:latin typeface="Consolas" panose="020B0609020204030204"/>
+                <a:ea typeface="Consolas" panose="020B0609020204030204"/>
+              </a:rPr>
+              <a:t>plt.plot(x, x**2, label='quadratic')</a:t>
+            </a:r>
+            <a:endParaRPr lang="en-US" altLang="zh-CN" b="0">
+              <a:solidFill>
+                <a:schemeClr val="tx1"/>
+              </a:solidFill>
+              <a:latin typeface="Consolas" panose="020B0609020204030204"/>
+              <a:ea typeface="Consolas" panose="020B0609020204030204"/>
+            </a:endParaRPr>
+          </a:p>
+          <a:p>
+            <a:pPr>
+              <a:lnSpc>
+                <a:spcPct val="100000"/>
+              </a:lnSpc>
+            </a:pPr>
+            <a:r>
+              <a:rPr lang="en-US" altLang="zh-CN" b="0">
+                <a:solidFill>
+                  <a:schemeClr val="tx1"/>
+                </a:solidFill>
+                <a:latin typeface="Consolas" panose="020B0609020204030204"/>
+                <a:ea typeface="Consolas" panose="020B0609020204030204"/>
+              </a:rPr>
+              <a:t>plt.plot(x, x**3, label='cubic')</a:t>
+            </a:r>
+            <a:endParaRPr lang="en-US" altLang="zh-CN" b="0">
+              <a:solidFill>
+                <a:schemeClr val="tx1"/>
+              </a:solidFill>
+              <a:latin typeface="Consolas" panose="020B0609020204030204"/>
+              <a:ea typeface="Consolas" panose="020B0609020204030204"/>
+            </a:endParaRPr>
+          </a:p>
+          <a:p>
+            <a:pPr>
+              <a:lnSpc>
+                <a:spcPct val="100000"/>
+              </a:lnSpc>
+            </a:pPr>
+            <a:r>
+              <a:rPr lang="en-US" altLang="zh-CN" b="0">
+                <a:solidFill>
+                  <a:schemeClr val="tx1"/>
+                </a:solidFill>
+                <a:latin typeface="Consolas" panose="020B0609020204030204"/>
+                <a:ea typeface="Consolas" panose="020B0609020204030204"/>
+              </a:rPr>
+              <a:t>plt.xlabel('x label')</a:t>
+            </a:r>
+            <a:endParaRPr lang="en-US" altLang="zh-CN" b="0">
+              <a:solidFill>
+                <a:schemeClr val="tx1"/>
+              </a:solidFill>
+              <a:latin typeface="Consolas" panose="020B0609020204030204"/>
+              <a:ea typeface="Consolas" panose="020B0609020204030204"/>
+            </a:endParaRPr>
+          </a:p>
+          <a:p>
+            <a:pPr>
+              <a:lnSpc>
+                <a:spcPct val="100000"/>
+              </a:lnSpc>
+            </a:pPr>
+            <a:r>
+              <a:rPr lang="en-US" altLang="zh-CN" b="0">
+                <a:solidFill>
+                  <a:schemeClr val="tx1"/>
+                </a:solidFill>
+                <a:latin typeface="Consolas" panose="020B0609020204030204"/>
+                <a:ea typeface="Consolas" panose="020B0609020204030204"/>
+              </a:rPr>
+              <a:t>plt.ylabel('y label')</a:t>
+            </a:r>
+            <a:endParaRPr lang="en-US" altLang="zh-CN" b="0">
+              <a:solidFill>
+                <a:schemeClr val="tx1"/>
+              </a:solidFill>
+              <a:latin typeface="Consolas" panose="020B0609020204030204"/>
+              <a:ea typeface="Consolas" panose="020B0609020204030204"/>
+            </a:endParaRPr>
+          </a:p>
+          <a:p>
+            <a:pPr>
+              <a:lnSpc>
+                <a:spcPct val="100000"/>
+              </a:lnSpc>
+            </a:pPr>
+            <a:r>
+              <a:rPr lang="en-US" altLang="zh-CN" b="0">
+                <a:solidFill>
+                  <a:schemeClr val="tx1"/>
+                </a:solidFill>
+                <a:latin typeface="Consolas" panose="020B0609020204030204"/>
+                <a:ea typeface="Consolas" panose="020B0609020204030204"/>
+              </a:rPr>
+              <a:t>plt.title("Simple Plot")</a:t>
+            </a:r>
+            <a:endParaRPr lang="en-US" altLang="zh-CN" b="0">
+              <a:solidFill>
+                <a:schemeClr val="tx1"/>
+              </a:solidFill>
+              <a:latin typeface="Consolas" panose="020B0609020204030204"/>
+              <a:ea typeface="Consolas" panose="020B0609020204030204"/>
+            </a:endParaRPr>
+          </a:p>
+          <a:p>
+            <a:pPr>
+              <a:lnSpc>
+                <a:spcPct val="100000"/>
+              </a:lnSpc>
+            </a:pPr>
+            <a:r>
+              <a:rPr lang="en-US" altLang="zh-CN" b="0">
+                <a:solidFill>
+                  <a:schemeClr val="tx1"/>
+                </a:solidFill>
+                <a:latin typeface="Consolas" panose="020B0609020204030204"/>
+                <a:ea typeface="Consolas" panose="020B0609020204030204"/>
+              </a:rPr>
+              <a:t>plt.legend()</a:t>
+            </a:r>
+            <a:endParaRPr lang="en-US" altLang="zh-CN" b="0">
+              <a:solidFill>
+                <a:schemeClr val="tx1"/>
+              </a:solidFill>
+              <a:latin typeface="Consolas" panose="020B0609020204030204"/>
+              <a:ea typeface="Consolas" panose="020B0609020204030204"/>
+            </a:endParaRPr>
+          </a:p>
+          <a:p>
+            <a:pPr>
+              <a:lnSpc>
+                <a:spcPct val="100000"/>
+              </a:lnSpc>
+            </a:pPr>
+            <a:r>
+              <a:rPr lang="en-US" altLang="zh-CN" b="0">
+                <a:solidFill>
+                  <a:schemeClr val="tx1"/>
+                </a:solidFill>
+                <a:latin typeface="Consolas" panose="020B0609020204030204"/>
+                <a:ea typeface="Consolas" panose="020B0609020204030204"/>
+              </a:rPr>
+              <a:t>plt.show()</a:t>
+            </a:r>
+            <a:endParaRPr lang="en-US" altLang="zh-CN" b="0">
+              <a:solidFill>
+                <a:schemeClr val="tx1"/>
+              </a:solidFill>
+              <a:latin typeface="Consolas" panose="020B0609020204030204"/>
+              <a:ea typeface="Consolas" panose="020B0609020204030204"/>
+            </a:endParaRPr>
+          </a:p>
+        </p:txBody>
+      </p:sp>
+      <p:sp>
+        <p:nvSpPr>
+          <p:cNvPr id="3" name="Text Box 2"/>
+          <p:cNvSpPr txBox="1"/>
+          <p:nvPr/>
+        </p:nvSpPr>
+        <p:spPr>
+          <a:xfrm>
+            <a:off x="4659630" y="295910"/>
+            <a:ext cx="4201795" cy="1876425"/>
+          </a:xfrm>
+          <a:prstGeom prst="rect">
+            <a:avLst/>
+          </a:prstGeom>
+        </p:spPr>
+        <p:txBody>
+          <a:bodyPr wrap="square">
+            <a:spAutoFit/>
+          </a:bodyPr>
+          <a:p>
+            <a:pPr>
+              <a:lnSpc>
+                <a:spcPct val="100000"/>
+              </a:lnSpc>
+            </a:pPr>
+            <a:r>
+              <a:rPr lang="en-US" altLang="zh-CN" sz="1800" b="1">
+                <a:solidFill>
+                  <a:schemeClr val="tx1"/>
+                </a:solidFill>
+                <a:latin typeface="Consolas" panose="020B0609020204030204"/>
+                <a:ea typeface="Consolas" panose="020B0609020204030204"/>
+              </a:rPr>
+              <a:t>seaborn use</a:t>
+            </a:r>
+            <a:endParaRPr lang="en-US" altLang="zh-CN" b="0">
+              <a:solidFill>
+                <a:schemeClr val="tx1"/>
+              </a:solidFill>
+              <a:latin typeface="Consolas" panose="020B0609020204030204"/>
+              <a:ea typeface="Consolas" panose="020B0609020204030204"/>
+            </a:endParaRPr>
+          </a:p>
+          <a:p>
+            <a:pPr>
+              <a:lnSpc>
+                <a:spcPct val="100000"/>
+              </a:lnSpc>
+            </a:pPr>
+            <a:r>
+              <a:rPr lang="en-US" altLang="zh-CN" b="0">
+                <a:solidFill>
+                  <a:schemeClr val="tx1"/>
+                </a:solidFill>
+                <a:latin typeface="Consolas" panose="020B0609020204030204"/>
+                <a:ea typeface="Consolas" panose="020B0609020204030204"/>
+              </a:rPr>
+              <a:t>import seaborn as sns</a:t>
+            </a:r>
+            <a:endParaRPr lang="en-US" altLang="zh-CN" b="0">
+              <a:solidFill>
+                <a:schemeClr val="tx1"/>
+              </a:solidFill>
+              <a:latin typeface="Consolas" panose="020B0609020204030204"/>
+              <a:ea typeface="Consolas" panose="020B0609020204030204"/>
+            </a:endParaRPr>
+          </a:p>
+          <a:p>
+            <a:pPr>
+              <a:lnSpc>
+                <a:spcPct val="100000"/>
+              </a:lnSpc>
+            </a:pPr>
+            <a:r>
+              <a:rPr lang="en-US" altLang="en-US" b="0">
+                <a:solidFill>
+                  <a:schemeClr val="tx1"/>
+                </a:solidFill>
+                <a:latin typeface="Consolas" panose="020B0609020204030204"/>
+                <a:ea typeface="Consolas" panose="020B0609020204030204"/>
+              </a:rPr>
+              <a:t>sns.lineplot(x=x,y=x, label='linear')</a:t>
+            </a:r>
+            <a:endParaRPr lang="en-US" altLang="en-US" b="0">
+              <a:solidFill>
+                <a:schemeClr val="tx1"/>
+              </a:solidFill>
+              <a:latin typeface="Consolas" panose="020B0609020204030204"/>
+              <a:ea typeface="Consolas" panose="020B0609020204030204"/>
+            </a:endParaRPr>
+          </a:p>
+          <a:p>
+            <a:pPr>
+              <a:lnSpc>
+                <a:spcPct val="100000"/>
+              </a:lnSpc>
+            </a:pPr>
+            <a:r>
+              <a:rPr lang="en-US" altLang="en-US" b="0">
+                <a:solidFill>
+                  <a:schemeClr val="tx1"/>
+                </a:solidFill>
+                <a:latin typeface="Consolas" panose="020B0609020204030204"/>
+                <a:ea typeface="Consolas" panose="020B0609020204030204"/>
+              </a:rPr>
+              <a:t>sns.lineplot(x=x,y=x**2, label='q')</a:t>
+            </a:r>
+            <a:endParaRPr lang="en-US" altLang="en-US" b="0">
+              <a:solidFill>
+                <a:schemeClr val="tx1"/>
+              </a:solidFill>
+              <a:latin typeface="Consolas" panose="020B0609020204030204"/>
+              <a:ea typeface="Consolas" panose="020B0609020204030204"/>
+            </a:endParaRPr>
+          </a:p>
+          <a:p>
+            <a:pPr>
+              <a:lnSpc>
+                <a:spcPct val="100000"/>
+              </a:lnSpc>
+            </a:pPr>
+            <a:r>
+              <a:rPr lang="en-US" altLang="en-US" b="0">
+                <a:solidFill>
+                  <a:schemeClr val="tx1"/>
+                </a:solidFill>
+                <a:latin typeface="Consolas" panose="020B0609020204030204"/>
+                <a:ea typeface="Consolas" panose="020B0609020204030204"/>
+              </a:rPr>
+              <a:t>sns.lineplot(x=x,y=x**3, label='c')</a:t>
+            </a:r>
+            <a:endParaRPr lang="en-US" altLang="en-US" b="0">
+              <a:solidFill>
+                <a:schemeClr val="tx1"/>
+              </a:solidFill>
+              <a:latin typeface="Consolas" panose="020B0609020204030204"/>
+              <a:ea typeface="Consolas" panose="020B0609020204030204"/>
+            </a:endParaRPr>
+          </a:p>
+          <a:p>
+            <a:pPr>
+              <a:lnSpc>
+                <a:spcPct val="100000"/>
+              </a:lnSpc>
+            </a:pPr>
+            <a:r>
+              <a:rPr lang="en-US" altLang="en-US" b="0">
+                <a:solidFill>
+                  <a:schemeClr val="tx1"/>
+                </a:solidFill>
+                <a:latin typeface="Consolas" panose="020B0609020204030204"/>
+                <a:ea typeface="Consolas" panose="020B0609020204030204"/>
+              </a:rPr>
+              <a:t>plt.title(" line graph")</a:t>
+            </a:r>
+            <a:endParaRPr lang="en-US" altLang="en-US" b="0">
+              <a:solidFill>
+                <a:schemeClr val="tx1"/>
+              </a:solidFill>
+              <a:latin typeface="Consolas" panose="020B0609020204030204"/>
+              <a:ea typeface="Consolas" panose="020B0609020204030204"/>
+            </a:endParaRPr>
+          </a:p>
+          <a:p>
+            <a:pPr>
+              <a:lnSpc>
+                <a:spcPct val="100000"/>
+              </a:lnSpc>
+            </a:pPr>
+            <a:endParaRPr lang="en-US" altLang="en-US" b="0">
+              <a:solidFill>
+                <a:schemeClr val="tx1"/>
+              </a:solidFill>
+              <a:latin typeface="Consolas" panose="020B0609020204030204"/>
+              <a:ea typeface="Consolas" panose="020B0609020204030204"/>
+            </a:endParaRPr>
+          </a:p>
+          <a:p>
+            <a:pPr>
+              <a:lnSpc>
+                <a:spcPct val="100000"/>
+              </a:lnSpc>
+            </a:pPr>
+            <a:r>
+              <a:rPr lang="en-US" altLang="en-US" b="0">
+                <a:solidFill>
+                  <a:schemeClr val="tx1"/>
+                </a:solidFill>
+                <a:latin typeface="Consolas" panose="020B0609020204030204"/>
+                <a:ea typeface="Consolas" panose="020B0609020204030204"/>
+              </a:rPr>
+              <a:t>plt.show()</a:t>
+            </a:r>
+            <a:endParaRPr lang="en-US" altLang="en-US" b="0">
+              <a:solidFill>
+                <a:schemeClr val="tx1"/>
+              </a:solidFill>
+              <a:latin typeface="Consolas" panose="020B0609020204030204"/>
+              <a:ea typeface="Consolas" panose="020B0609020204030204"/>
+            </a:endParaRPr>
+          </a:p>
+        </p:txBody>
+      </p:sp>
     </p:spTree>
   </p:cSld>
   <p:clrMapOvr>

--- a/5.0_python_6.libraries/python_libraries/3_matplot_seaborn/Matplotlib_Seaborn_class.pptx
+++ b/5.0_python_6.libraries/python_libraries/3_matplot_seaborn/Matplotlib_Seaborn_class.pptx
@@ -10,29 +10,32 @@
   <p:sldIdLst>
     <p:sldId id="256" r:id="rId3"/>
     <p:sldId id="258" r:id="rId5"/>
-    <p:sldId id="262" r:id="rId6"/>
-    <p:sldId id="263" r:id="rId7"/>
-    <p:sldId id="264" r:id="rId8"/>
-    <p:sldId id="265" r:id="rId9"/>
-    <p:sldId id="259" r:id="rId10"/>
-    <p:sldId id="260" r:id="rId11"/>
-    <p:sldId id="268" r:id="rId12"/>
-    <p:sldId id="257" r:id="rId13"/>
-    <p:sldId id="266" r:id="rId14"/>
-    <p:sldId id="261" r:id="rId15"/>
-    <p:sldId id="267" r:id="rId16"/>
-    <p:sldId id="269" r:id="rId17"/>
-    <p:sldId id="270" r:id="rId18"/>
-    <p:sldId id="275" r:id="rId19"/>
-    <p:sldId id="271" r:id="rId20"/>
-    <p:sldId id="280" r:id="rId21"/>
-    <p:sldId id="276" r:id="rId22"/>
-    <p:sldId id="279" r:id="rId23"/>
-    <p:sldId id="278" r:id="rId24"/>
-    <p:sldId id="277" r:id="rId25"/>
-    <p:sldId id="272" r:id="rId26"/>
-    <p:sldId id="273" r:id="rId27"/>
-    <p:sldId id="274" r:id="rId28"/>
+    <p:sldId id="282" r:id="rId6"/>
+    <p:sldId id="262" r:id="rId7"/>
+    <p:sldId id="263" r:id="rId8"/>
+    <p:sldId id="264" r:id="rId9"/>
+    <p:sldId id="265" r:id="rId10"/>
+    <p:sldId id="259" r:id="rId11"/>
+    <p:sldId id="260" r:id="rId12"/>
+    <p:sldId id="283" r:id="rId13"/>
+    <p:sldId id="268" r:id="rId14"/>
+    <p:sldId id="257" r:id="rId15"/>
+    <p:sldId id="266" r:id="rId16"/>
+    <p:sldId id="261" r:id="rId17"/>
+    <p:sldId id="267" r:id="rId18"/>
+    <p:sldId id="269" r:id="rId19"/>
+    <p:sldId id="270" r:id="rId20"/>
+    <p:sldId id="275" r:id="rId21"/>
+    <p:sldId id="271" r:id="rId22"/>
+    <p:sldId id="280" r:id="rId23"/>
+    <p:sldId id="276" r:id="rId24"/>
+    <p:sldId id="279" r:id="rId25"/>
+    <p:sldId id="278" r:id="rId26"/>
+    <p:sldId id="277" r:id="rId27"/>
+    <p:sldId id="272" r:id="rId28"/>
+    <p:sldId id="273" r:id="rId29"/>
+    <p:sldId id="274" r:id="rId30"/>
+    <p:sldId id="281" r:id="rId31"/>
   </p:sldIdLst>
   <p:sldSz cx="9144000" cy="5143500"/>
   <p:notesSz cx="6858000" cy="9144000"/>
@@ -5479,7 +5482,7 @@
       </p:grpSpPr>
       <p:pic>
         <p:nvPicPr>
-          <p:cNvPr id="1" name="Picture 0"/>
+          <p:cNvPr id="2" name="Picture 1"/>
           <p:cNvPicPr/>
           <p:nvPr/>
         </p:nvPicPr>
@@ -5491,7 +5494,7 @@
         </p:blipFill>
         <p:spPr>
           <a:xfrm>
-            <a:off x="527447" y="0"/>
+            <a:off x="558562" y="0"/>
             <a:ext cx="7708106" cy="5143500"/>
           </a:xfrm>
           <a:prstGeom prst="rect">
@@ -5517,9 +5520,2755 @@
         <p:nvPr/>
       </p:nvGrpSpPr>
       <p:grpSpPr/>
+      <p:sp>
+        <p:nvSpPr>
+          <p:cNvPr id="2" name="Text Box 1"/>
+          <p:cNvSpPr txBox="1"/>
+          <p:nvPr/>
+        </p:nvSpPr>
+        <p:spPr>
+          <a:xfrm>
+            <a:off x="697865" y="289560"/>
+            <a:ext cx="3048000" cy="521970"/>
+          </a:xfrm>
+          <a:prstGeom prst="rect">
+            <a:avLst/>
+          </a:prstGeom>
+          <a:noFill/>
+        </p:spPr>
+        <p:txBody>
+          <a:bodyPr wrap="square" rtlCol="0">
+            <a:spAutoFit/>
+          </a:bodyPr>
+          <a:p>
+            <a:r>
+              <a:rPr lang="en-US" sz="2800" b="1">
+                <a:solidFill>
+                  <a:srgbClr val="C00000"/>
+                </a:solidFill>
+              </a:rPr>
+              <a:t>Line Design</a:t>
+            </a:r>
+            <a:endParaRPr lang="en-US" sz="2800" b="1">
+              <a:solidFill>
+                <a:srgbClr val="C00000"/>
+              </a:solidFill>
+            </a:endParaRPr>
+          </a:p>
+        </p:txBody>
+      </p:sp>
+      <p:sp>
+        <p:nvSpPr>
+          <p:cNvPr id="3" name="Text Box 2"/>
+          <p:cNvSpPr txBox="1"/>
+          <p:nvPr/>
+        </p:nvSpPr>
+        <p:spPr>
+          <a:xfrm>
+            <a:off x="3573780" y="3674428"/>
+            <a:ext cx="5080000" cy="337185"/>
+          </a:xfrm>
+          <a:prstGeom prst="rect">
+            <a:avLst/>
+          </a:prstGeom>
+        </p:spPr>
+        <p:txBody>
+          <a:bodyPr>
+            <a:spAutoFit/>
+          </a:bodyPr>
+          <a:p>
+            <a:pPr marL="0" indent="0"/>
+            <a:r>
+              <a:rPr lang="en-US" altLang="zh-CN" sz="1600" b="1" i="0">
+                <a:solidFill>
+                  <a:srgbClr val="912583"/>
+                </a:solidFill>
+                <a:latin typeface="Arial" panose="020B0604020202020204" pitchFamily="34" charset="0"/>
+                <a:ea typeface="SFMono-Regular"/>
+                <a:cs typeface="Arial" panose="020B0604020202020204" pitchFamily="34" charset="0"/>
+              </a:rPr>
+              <a:t>filled_markers</a:t>
+            </a:r>
+            <a:r>
+              <a:rPr lang="en-US" altLang="zh-CN" sz="1000" b="1">
+                <a:solidFill>
+                  <a:srgbClr val="333333"/>
+                </a:solidFill>
+                <a:latin typeface="Arial" panose="020B0604020202020204" pitchFamily="34" charset="0"/>
+                <a:ea typeface="SFMono-Regular"/>
+                <a:cs typeface="Arial" panose="020B0604020202020204" pitchFamily="34" charset="0"/>
+              </a:rPr>
+              <a:t> = ('.', 'o', 'v', '^', '&lt;', '&gt;', '8', 's', 'p', '*', 'h', 'H', 'D', 'd', 'P', 'X')</a:t>
+            </a:r>
+            <a:endParaRPr lang="en-US" altLang="zh-CN" sz="1000" b="1">
+              <a:solidFill>
+                <a:srgbClr val="333333"/>
+              </a:solidFill>
+              <a:latin typeface="Arial" panose="020B0604020202020204" pitchFamily="34" charset="0"/>
+              <a:ea typeface="SFMono-Regular"/>
+              <a:cs typeface="Arial" panose="020B0604020202020204" pitchFamily="34" charset="0"/>
+            </a:endParaRPr>
+          </a:p>
+        </p:txBody>
+      </p:sp>
+      <p:sp>
+        <p:nvSpPr>
+          <p:cNvPr id="4" name="Text Box 3"/>
+          <p:cNvSpPr txBox="1"/>
+          <p:nvPr/>
+        </p:nvSpPr>
+        <p:spPr>
+          <a:xfrm>
+            <a:off x="478155" y="4405630"/>
+            <a:ext cx="8331200" cy="737235"/>
+          </a:xfrm>
+          <a:prstGeom prst="rect">
+            <a:avLst/>
+          </a:prstGeom>
+          <a:noFill/>
+        </p:spPr>
+        <p:txBody>
+          <a:bodyPr wrap="square" rtlCol="0">
+            <a:spAutoFit/>
+          </a:bodyPr>
+          <a:p>
+            <a:r>
+              <a:rPr lang="en-US" altLang="en-US"/>
+              <a:t>https://matplotlib.org/stable/users/explain/colors/colors.html#colors-def</a:t>
+            </a:r>
+            <a:endParaRPr lang="en-US" altLang="en-US"/>
+          </a:p>
+          <a:p>
+            <a:r>
+              <a:rPr lang="en-US" altLang="en-US"/>
+              <a:t>https://www.geeksforgeeks.org/python/matplotlib-pyplot-colors-in-python/</a:t>
+            </a:r>
+            <a:endParaRPr lang="en-US" altLang="en-US"/>
+          </a:p>
+          <a:p>
+            <a:r>
+              <a:rPr lang="en-US" altLang="en-US"/>
+              <a:t>https://www.geeksforgeeks.org/python/matplotlib-tutorial/ </a:t>
+            </a:r>
+            <a:endParaRPr lang="en-US" altLang="en-US"/>
+          </a:p>
+        </p:txBody>
+      </p:sp>
+      <p:sp>
+        <p:nvSpPr>
+          <p:cNvPr id="5" name="Text Box 4"/>
+          <p:cNvSpPr txBox="1"/>
+          <p:nvPr/>
+        </p:nvSpPr>
+        <p:spPr>
+          <a:xfrm>
+            <a:off x="6494145" y="289560"/>
+            <a:ext cx="2260600" cy="1814830"/>
+          </a:xfrm>
+          <a:prstGeom prst="rect">
+            <a:avLst/>
+          </a:prstGeom>
+        </p:spPr>
+        <p:txBody>
+          <a:bodyPr wrap="square">
+            <a:spAutoFit/>
+          </a:bodyPr>
+          <a:p>
+            <a:pPr marL="0" indent="0">
+              <a:spcBef>
+                <a:spcPct val="0"/>
+              </a:spcBef>
+              <a:spcAft>
+                <a:spcPct val="0"/>
+              </a:spcAft>
+              <a:buFont typeface="Arial" panose="020B0604020202020204"/>
+              <a:buChar char="•"/>
+            </a:pPr>
+            <a:r>
+              <a:rPr lang="en-US" altLang="zh-CN" sz="1000" b="0" i="0">
+                <a:solidFill>
+                  <a:srgbClr val="912583"/>
+                </a:solidFill>
+                <a:latin typeface="Arial" panose="020B0604020202020204" pitchFamily="34" charset="0"/>
+                <a:ea typeface="SFMono-Regular"/>
+                <a:cs typeface="Arial" panose="020B0604020202020204" pitchFamily="34" charset="0"/>
+              </a:rPr>
+              <a:t>'b'</a:t>
+            </a:r>
+            <a:r>
+              <a:rPr lang="en-US" altLang="zh-CN" b="0" i="0">
+                <a:solidFill>
+                  <a:srgbClr val="333333"/>
+                </a:solidFill>
+                <a:latin typeface="Arial" panose="020B0604020202020204" pitchFamily="34" charset="0"/>
+                <a:ea typeface="-apple-system"/>
+                <a:cs typeface="Arial" panose="020B0604020202020204" pitchFamily="34" charset="0"/>
+              </a:rPr>
+              <a:t> as blue</a:t>
+            </a:r>
+            <a:endParaRPr lang="en-US" altLang="zh-CN" b="0" i="0">
+              <a:solidFill>
+                <a:srgbClr val="333333"/>
+              </a:solidFill>
+              <a:latin typeface="Arial" panose="020B0604020202020204" pitchFamily="34" charset="0"/>
+              <a:ea typeface="-apple-system"/>
+              <a:cs typeface="Arial" panose="020B0604020202020204" pitchFamily="34" charset="0"/>
+            </a:endParaRPr>
+          </a:p>
+          <a:p>
+            <a:pPr marL="0" indent="0">
+              <a:spcBef>
+                <a:spcPct val="0"/>
+              </a:spcBef>
+              <a:spcAft>
+                <a:spcPct val="0"/>
+              </a:spcAft>
+              <a:buFont typeface="Arial" panose="020B0604020202020204"/>
+              <a:buChar char="•"/>
+            </a:pPr>
+            <a:r>
+              <a:rPr lang="en-US" altLang="zh-CN" sz="1000" b="0" i="0">
+                <a:solidFill>
+                  <a:srgbClr val="912583"/>
+                </a:solidFill>
+                <a:latin typeface="Arial" panose="020B0604020202020204" pitchFamily="34" charset="0"/>
+                <a:ea typeface="SFMono-Regular"/>
+                <a:cs typeface="Arial" panose="020B0604020202020204" pitchFamily="34" charset="0"/>
+              </a:rPr>
+              <a:t>'g'</a:t>
+            </a:r>
+            <a:r>
+              <a:rPr lang="en-US" altLang="zh-CN" b="0" i="0">
+                <a:solidFill>
+                  <a:srgbClr val="333333"/>
+                </a:solidFill>
+                <a:latin typeface="Arial" panose="020B0604020202020204" pitchFamily="34" charset="0"/>
+                <a:ea typeface="-apple-system"/>
+                <a:cs typeface="Arial" panose="020B0604020202020204" pitchFamily="34" charset="0"/>
+              </a:rPr>
+              <a:t> as green</a:t>
+            </a:r>
+            <a:endParaRPr lang="en-US" altLang="zh-CN" b="0" i="0">
+              <a:solidFill>
+                <a:srgbClr val="333333"/>
+              </a:solidFill>
+              <a:latin typeface="Arial" panose="020B0604020202020204" pitchFamily="34" charset="0"/>
+              <a:ea typeface="-apple-system"/>
+              <a:cs typeface="Arial" panose="020B0604020202020204" pitchFamily="34" charset="0"/>
+            </a:endParaRPr>
+          </a:p>
+          <a:p>
+            <a:pPr marL="0" indent="0">
+              <a:spcBef>
+                <a:spcPct val="0"/>
+              </a:spcBef>
+              <a:spcAft>
+                <a:spcPct val="0"/>
+              </a:spcAft>
+              <a:buFont typeface="Arial" panose="020B0604020202020204"/>
+              <a:buChar char="•"/>
+            </a:pPr>
+            <a:r>
+              <a:rPr lang="en-US" altLang="zh-CN" sz="1000" b="0" i="0">
+                <a:solidFill>
+                  <a:srgbClr val="912583"/>
+                </a:solidFill>
+                <a:latin typeface="Arial" panose="020B0604020202020204" pitchFamily="34" charset="0"/>
+                <a:ea typeface="SFMono-Regular"/>
+                <a:cs typeface="Arial" panose="020B0604020202020204" pitchFamily="34" charset="0"/>
+              </a:rPr>
+              <a:t>'r'</a:t>
+            </a:r>
+            <a:r>
+              <a:rPr lang="en-US" altLang="zh-CN" b="0" i="0">
+                <a:solidFill>
+                  <a:srgbClr val="333333"/>
+                </a:solidFill>
+                <a:latin typeface="Arial" panose="020B0604020202020204" pitchFamily="34" charset="0"/>
+                <a:ea typeface="-apple-system"/>
+                <a:cs typeface="Arial" panose="020B0604020202020204" pitchFamily="34" charset="0"/>
+              </a:rPr>
+              <a:t> as red</a:t>
+            </a:r>
+            <a:endParaRPr lang="en-US" altLang="zh-CN" b="0" i="0">
+              <a:solidFill>
+                <a:srgbClr val="333333"/>
+              </a:solidFill>
+              <a:latin typeface="Arial" panose="020B0604020202020204" pitchFamily="34" charset="0"/>
+              <a:ea typeface="-apple-system"/>
+              <a:cs typeface="Arial" panose="020B0604020202020204" pitchFamily="34" charset="0"/>
+            </a:endParaRPr>
+          </a:p>
+          <a:p>
+            <a:pPr marL="0" indent="0">
+              <a:spcBef>
+                <a:spcPct val="0"/>
+              </a:spcBef>
+              <a:spcAft>
+                <a:spcPct val="0"/>
+              </a:spcAft>
+              <a:buFont typeface="Arial" panose="020B0604020202020204"/>
+              <a:buChar char="•"/>
+            </a:pPr>
+            <a:r>
+              <a:rPr lang="en-US" altLang="zh-CN" sz="1000" b="0" i="0">
+                <a:solidFill>
+                  <a:srgbClr val="912583"/>
+                </a:solidFill>
+                <a:latin typeface="Arial" panose="020B0604020202020204" pitchFamily="34" charset="0"/>
+                <a:ea typeface="SFMono-Regular"/>
+                <a:cs typeface="Arial" panose="020B0604020202020204" pitchFamily="34" charset="0"/>
+              </a:rPr>
+              <a:t>'c'</a:t>
+            </a:r>
+            <a:r>
+              <a:rPr lang="en-US" altLang="zh-CN" b="0" i="0">
+                <a:solidFill>
+                  <a:srgbClr val="333333"/>
+                </a:solidFill>
+                <a:latin typeface="Arial" panose="020B0604020202020204" pitchFamily="34" charset="0"/>
+                <a:ea typeface="-apple-system"/>
+                <a:cs typeface="Arial" panose="020B0604020202020204" pitchFamily="34" charset="0"/>
+              </a:rPr>
+              <a:t> as cyan</a:t>
+            </a:r>
+            <a:endParaRPr lang="en-US" altLang="zh-CN" b="0" i="0">
+              <a:solidFill>
+                <a:srgbClr val="333333"/>
+              </a:solidFill>
+              <a:latin typeface="Arial" panose="020B0604020202020204" pitchFamily="34" charset="0"/>
+              <a:ea typeface="-apple-system"/>
+              <a:cs typeface="Arial" panose="020B0604020202020204" pitchFamily="34" charset="0"/>
+            </a:endParaRPr>
+          </a:p>
+          <a:p>
+            <a:pPr marL="0" indent="0">
+              <a:spcBef>
+                <a:spcPct val="0"/>
+              </a:spcBef>
+              <a:spcAft>
+                <a:spcPct val="0"/>
+              </a:spcAft>
+              <a:buFont typeface="Arial" panose="020B0604020202020204"/>
+              <a:buChar char="•"/>
+            </a:pPr>
+            <a:r>
+              <a:rPr lang="en-US" altLang="zh-CN" sz="1000" b="0" i="0">
+                <a:solidFill>
+                  <a:srgbClr val="912583"/>
+                </a:solidFill>
+                <a:latin typeface="Arial" panose="020B0604020202020204" pitchFamily="34" charset="0"/>
+                <a:ea typeface="SFMono-Regular"/>
+                <a:cs typeface="Arial" panose="020B0604020202020204" pitchFamily="34" charset="0"/>
+              </a:rPr>
+              <a:t>'m'</a:t>
+            </a:r>
+            <a:r>
+              <a:rPr lang="en-US" altLang="zh-CN" b="0" i="0">
+                <a:solidFill>
+                  <a:srgbClr val="333333"/>
+                </a:solidFill>
+                <a:latin typeface="Arial" panose="020B0604020202020204" pitchFamily="34" charset="0"/>
+                <a:ea typeface="-apple-system"/>
+                <a:cs typeface="Arial" panose="020B0604020202020204" pitchFamily="34" charset="0"/>
+              </a:rPr>
+              <a:t> as magenta</a:t>
+            </a:r>
+            <a:endParaRPr lang="en-US" altLang="zh-CN" b="0" i="0">
+              <a:solidFill>
+                <a:srgbClr val="333333"/>
+              </a:solidFill>
+              <a:latin typeface="Arial" panose="020B0604020202020204" pitchFamily="34" charset="0"/>
+              <a:ea typeface="-apple-system"/>
+              <a:cs typeface="Arial" panose="020B0604020202020204" pitchFamily="34" charset="0"/>
+            </a:endParaRPr>
+          </a:p>
+          <a:p>
+            <a:pPr marL="0" indent="0">
+              <a:spcBef>
+                <a:spcPct val="0"/>
+              </a:spcBef>
+              <a:spcAft>
+                <a:spcPct val="0"/>
+              </a:spcAft>
+              <a:buFont typeface="Arial" panose="020B0604020202020204"/>
+              <a:buChar char="•"/>
+            </a:pPr>
+            <a:r>
+              <a:rPr lang="en-US" altLang="zh-CN" sz="1000" b="0" i="0">
+                <a:solidFill>
+                  <a:srgbClr val="912583"/>
+                </a:solidFill>
+                <a:latin typeface="Arial" panose="020B0604020202020204" pitchFamily="34" charset="0"/>
+                <a:ea typeface="SFMono-Regular"/>
+                <a:cs typeface="Arial" panose="020B0604020202020204" pitchFamily="34" charset="0"/>
+              </a:rPr>
+              <a:t>'y'</a:t>
+            </a:r>
+            <a:r>
+              <a:rPr lang="en-US" altLang="zh-CN" b="0" i="0">
+                <a:solidFill>
+                  <a:srgbClr val="333333"/>
+                </a:solidFill>
+                <a:latin typeface="Arial" panose="020B0604020202020204" pitchFamily="34" charset="0"/>
+                <a:ea typeface="-apple-system"/>
+                <a:cs typeface="Arial" panose="020B0604020202020204" pitchFamily="34" charset="0"/>
+              </a:rPr>
+              <a:t> as yellow</a:t>
+            </a:r>
+            <a:endParaRPr lang="en-US" altLang="zh-CN" b="0" i="0">
+              <a:solidFill>
+                <a:srgbClr val="333333"/>
+              </a:solidFill>
+              <a:latin typeface="Arial" panose="020B0604020202020204" pitchFamily="34" charset="0"/>
+              <a:ea typeface="-apple-system"/>
+              <a:cs typeface="Arial" panose="020B0604020202020204" pitchFamily="34" charset="0"/>
+            </a:endParaRPr>
+          </a:p>
+          <a:p>
+            <a:pPr marL="0" indent="0">
+              <a:spcBef>
+                <a:spcPct val="0"/>
+              </a:spcBef>
+              <a:spcAft>
+                <a:spcPct val="0"/>
+              </a:spcAft>
+              <a:buFont typeface="Arial" panose="020B0604020202020204"/>
+              <a:buChar char="•"/>
+            </a:pPr>
+            <a:r>
+              <a:rPr lang="en-US" altLang="zh-CN" sz="1000" b="0" i="0">
+                <a:solidFill>
+                  <a:srgbClr val="912583"/>
+                </a:solidFill>
+                <a:latin typeface="Arial" panose="020B0604020202020204" pitchFamily="34" charset="0"/>
+                <a:ea typeface="SFMono-Regular"/>
+                <a:cs typeface="Arial" panose="020B0604020202020204" pitchFamily="34" charset="0"/>
+              </a:rPr>
+              <a:t>'k'</a:t>
+            </a:r>
+            <a:r>
+              <a:rPr lang="en-US" altLang="zh-CN" b="0" i="0">
+                <a:solidFill>
+                  <a:srgbClr val="333333"/>
+                </a:solidFill>
+                <a:latin typeface="Arial" panose="020B0604020202020204" pitchFamily="34" charset="0"/>
+                <a:ea typeface="-apple-system"/>
+                <a:cs typeface="Arial" panose="020B0604020202020204" pitchFamily="34" charset="0"/>
+              </a:rPr>
+              <a:t> as black</a:t>
+            </a:r>
+            <a:endParaRPr lang="en-US" altLang="zh-CN" b="0" i="0">
+              <a:solidFill>
+                <a:srgbClr val="333333"/>
+              </a:solidFill>
+              <a:latin typeface="Arial" panose="020B0604020202020204" pitchFamily="34" charset="0"/>
+              <a:ea typeface="-apple-system"/>
+              <a:cs typeface="Arial" panose="020B0604020202020204" pitchFamily="34" charset="0"/>
+            </a:endParaRPr>
+          </a:p>
+          <a:p>
+            <a:pPr marL="0" indent="0">
+              <a:spcBef>
+                <a:spcPct val="0"/>
+              </a:spcBef>
+              <a:spcAft>
+                <a:spcPct val="0"/>
+              </a:spcAft>
+              <a:buFont typeface="Arial" panose="020B0604020202020204"/>
+              <a:buChar char="•"/>
+            </a:pPr>
+            <a:r>
+              <a:rPr lang="en-US" altLang="zh-CN" sz="1000" b="0" i="0">
+                <a:solidFill>
+                  <a:srgbClr val="912583"/>
+                </a:solidFill>
+                <a:latin typeface="Arial" panose="020B0604020202020204" pitchFamily="34" charset="0"/>
+                <a:ea typeface="SFMono-Regular"/>
+                <a:cs typeface="Arial" panose="020B0604020202020204" pitchFamily="34" charset="0"/>
+              </a:rPr>
+              <a:t>'w'</a:t>
+            </a:r>
+            <a:r>
+              <a:rPr lang="en-US" altLang="zh-CN" b="0" i="0">
+                <a:solidFill>
+                  <a:srgbClr val="333333"/>
+                </a:solidFill>
+                <a:latin typeface="Arial" panose="020B0604020202020204" pitchFamily="34" charset="0"/>
+                <a:ea typeface="-apple-system"/>
+                <a:cs typeface="Arial" panose="020B0604020202020204" pitchFamily="34" charset="0"/>
+              </a:rPr>
+              <a:t> as white</a:t>
+            </a:r>
+            <a:endParaRPr lang="en-US" altLang="zh-CN" b="0" i="0">
+              <a:solidFill>
+                <a:srgbClr val="333333"/>
+              </a:solidFill>
+              <a:latin typeface="Arial" panose="020B0604020202020204" pitchFamily="34" charset="0"/>
+              <a:ea typeface="-apple-system"/>
+              <a:cs typeface="Arial" panose="020B0604020202020204" pitchFamily="34" charset="0"/>
+            </a:endParaRPr>
+          </a:p>
+        </p:txBody>
+      </p:sp>
+      <p:graphicFrame>
+        <p:nvGraphicFramePr>
+          <p:cNvPr id="6" name="Table 5"/>
+          <p:cNvGraphicFramePr/>
+          <p:nvPr>
+            <p:custDataLst>
+              <p:tags r:id="rId1"/>
+            </p:custDataLst>
+          </p:nvPr>
+        </p:nvGraphicFramePr>
+        <p:xfrm>
+          <a:off x="5384165" y="2176145"/>
+          <a:ext cx="3192780" cy="1005840"/>
+        </p:xfrm>
+        <a:graphic>
+          <a:graphicData uri="http://schemas.openxmlformats.org/drawingml/2006/table">
+            <a:tbl>
+              <a:tblPr/>
+              <a:tblGrid>
+                <a:gridCol w="1343660"/>
+                <a:gridCol w="1849120"/>
+              </a:tblGrid>
+              <a:tr h="167640">
+                <a:tc>
+                  <a:txBody>
+                    <a:bodyPr/>
+                    <a:p>
+                      <a:pPr marL="0" indent="0" fontAlgn="t">
+                        <a:spcBef>
+                          <a:spcPct val="0"/>
+                        </a:spcBef>
+                        <a:spcAft>
+                          <a:spcPct val="0"/>
+                        </a:spcAft>
+                      </a:pPr>
+                      <a:r>
+                        <a:rPr lang="en-US" altLang="zh-CN" sz="1100" b="0" i="0">
+                          <a:solidFill>
+                            <a:srgbClr val="333333"/>
+                          </a:solidFill>
+                          <a:latin typeface="-apple-system"/>
+                          <a:ea typeface="-apple-system"/>
+                        </a:rPr>
+                        <a:t>linestyle</a:t>
+                      </a:r>
+                      <a:endParaRPr lang="en-US" altLang="zh-CN" sz="1100" b="0" i="0">
+                        <a:solidFill>
+                          <a:srgbClr val="333333"/>
+                        </a:solidFill>
+                        <a:latin typeface="-apple-system"/>
+                        <a:ea typeface="-apple-system"/>
+                      </a:endParaRPr>
+                    </a:p>
+                  </a:txBody>
+                  <a:tcPr marL="0" marR="0" marT="0" marB="0" anchor="t" anchorCtr="0">
+                    <a:lnL w="9525" cap="flat" cmpd="sng">
+                      <a:solidFill>
+                        <a:srgbClr val="000000"/>
+                      </a:solidFill>
+                      <a:prstDash val="solid"/>
+                      <a:headEnd type="none" w="med" len="med"/>
+                      <a:tailEnd type="none" w="med" len="med"/>
+                    </a:lnL>
+                    <a:lnR w="4445" cap="flat" cmpd="sng">
+                      <a:solidFill>
+                        <a:srgbClr val="E5E7EA"/>
+                      </a:solidFill>
+                      <a:prstDash val="solid"/>
+                      <a:headEnd type="none" w="med" len="med"/>
+                      <a:tailEnd type="none" w="med" len="med"/>
+                    </a:lnR>
+                    <a:lnT w="9525" cap="flat" cmpd="sng">
+                      <a:solidFill>
+                        <a:srgbClr val="000000"/>
+                      </a:solidFill>
+                      <a:prstDash val="solid"/>
+                      <a:headEnd type="none" w="med" len="med"/>
+                      <a:tailEnd type="none" w="med" len="med"/>
+                    </a:lnT>
+                    <a:lnB w="4445" cap="flat" cmpd="sng">
+                      <a:solidFill>
+                        <a:srgbClr val="000000"/>
+                      </a:solidFill>
+                      <a:prstDash val="solid"/>
+                      <a:headEnd type="none" w="med" len="med"/>
+                      <a:tailEnd type="none" w="med" len="med"/>
+                    </a:lnB>
+                    <a:noFill/>
+                  </a:tcPr>
+                </a:tc>
+                <a:tc>
+                  <a:txBody>
+                    <a:bodyPr/>
+                    <a:p>
+                      <a:pPr marL="0" indent="0" fontAlgn="t">
+                        <a:spcBef>
+                          <a:spcPct val="0"/>
+                        </a:spcBef>
+                        <a:spcAft>
+                          <a:spcPct val="0"/>
+                        </a:spcAft>
+                      </a:pPr>
+                      <a:r>
+                        <a:rPr lang="en-US" altLang="zh-CN" sz="1100" b="0" i="0">
+                          <a:solidFill>
+                            <a:srgbClr val="333333"/>
+                          </a:solidFill>
+                          <a:latin typeface="-apple-system"/>
+                          <a:ea typeface="-apple-system"/>
+                        </a:rPr>
+                        <a:t>description</a:t>
+                      </a:r>
+                      <a:endParaRPr lang="en-US" altLang="zh-CN" sz="1100" b="0" i="0">
+                        <a:solidFill>
+                          <a:srgbClr val="333333"/>
+                        </a:solidFill>
+                        <a:latin typeface="-apple-system"/>
+                        <a:ea typeface="-apple-system"/>
+                      </a:endParaRPr>
+                    </a:p>
+                  </a:txBody>
+                  <a:tcPr marL="0" marR="0" marT="0" marB="0" anchor="t" anchorCtr="0">
+                    <a:lnL w="4445" cap="flat" cmpd="sng">
+                      <a:solidFill>
+                        <a:srgbClr val="E5E7EA"/>
+                      </a:solidFill>
+                      <a:prstDash val="solid"/>
+                      <a:headEnd type="none" w="med" len="med"/>
+                      <a:tailEnd type="none" w="med" len="med"/>
+                    </a:lnL>
+                    <a:lnR w="9525" cap="flat" cmpd="sng">
+                      <a:solidFill>
+                        <a:srgbClr val="000000"/>
+                      </a:solidFill>
+                      <a:prstDash val="solid"/>
+                      <a:headEnd type="none" w="med" len="med"/>
+                      <a:tailEnd type="none" w="med" len="med"/>
+                    </a:lnR>
+                    <a:lnT w="9525" cap="flat" cmpd="sng">
+                      <a:solidFill>
+                        <a:srgbClr val="000000"/>
+                      </a:solidFill>
+                      <a:prstDash val="solid"/>
+                      <a:headEnd type="none" w="med" len="med"/>
+                      <a:tailEnd type="none" w="med" len="med"/>
+                    </a:lnT>
+                    <a:lnB w="4445" cap="flat" cmpd="sng">
+                      <a:solidFill>
+                        <a:srgbClr val="000000"/>
+                      </a:solidFill>
+                      <a:prstDash val="solid"/>
+                      <a:headEnd type="none" w="med" len="med"/>
+                      <a:tailEnd type="none" w="med" len="med"/>
+                    </a:lnB>
+                    <a:noFill/>
+                  </a:tcPr>
+                </a:tc>
+              </a:tr>
+              <a:tr h="0">
+                <a:tc>
+                  <a:txBody>
+                    <a:bodyPr/>
+                    <a:p>
+                      <a:pPr marL="0" indent="0" fontAlgn="t">
+                        <a:spcBef>
+                          <a:spcPct val="0"/>
+                        </a:spcBef>
+                        <a:spcAft>
+                          <a:spcPct val="0"/>
+                        </a:spcAft>
+                      </a:pPr>
+                      <a:r>
+                        <a:rPr lang="en-US" altLang="zh-CN" sz="900" b="0" i="0">
+                          <a:solidFill>
+                            <a:srgbClr val="912583"/>
+                          </a:solidFill>
+                          <a:latin typeface="-apple-system"/>
+                          <a:ea typeface="-apple-system"/>
+                        </a:rPr>
+                        <a:t>'-'</a:t>
+                      </a:r>
+                      <a:r>
+                        <a:rPr lang="en-US" altLang="zh-CN" sz="1100" b="0" i="0">
+                          <a:solidFill>
+                            <a:srgbClr val="333333"/>
+                          </a:solidFill>
+                          <a:latin typeface="-apple-system"/>
+                          <a:ea typeface="-apple-system"/>
+                        </a:rPr>
+                        <a:t> </a:t>
+                      </a:r>
+                      <a:r>
+                        <a:rPr lang="en-US" altLang="zh-CN" sz="1100" b="0" i="0">
+                          <a:solidFill>
+                            <a:srgbClr val="333333"/>
+                          </a:solidFill>
+                          <a:latin typeface="-apple-system"/>
+                          <a:ea typeface="-apple-system"/>
+                        </a:rPr>
+                        <a:t>or</a:t>
+                      </a:r>
+                      <a:r>
+                        <a:rPr lang="en-US" altLang="zh-CN" sz="1100" b="0" i="0">
+                          <a:solidFill>
+                            <a:srgbClr val="333333"/>
+                          </a:solidFill>
+                          <a:latin typeface="-apple-system"/>
+                          <a:ea typeface="-apple-system"/>
+                        </a:rPr>
+                        <a:t> </a:t>
+                      </a:r>
+                      <a:r>
+                        <a:rPr lang="en-US" altLang="zh-CN" sz="900" b="0" i="0">
+                          <a:solidFill>
+                            <a:srgbClr val="912583"/>
+                          </a:solidFill>
+                          <a:latin typeface="-apple-system"/>
+                          <a:ea typeface="-apple-system"/>
+                        </a:rPr>
+                        <a:t>'solid'</a:t>
+                      </a:r>
+                      <a:endParaRPr lang="en-US" altLang="zh-CN" sz="900" b="0" i="0">
+                        <a:solidFill>
+                          <a:srgbClr val="912583"/>
+                        </a:solidFill>
+                        <a:latin typeface="-apple-system"/>
+                        <a:ea typeface="-apple-system"/>
+                      </a:endParaRPr>
+                    </a:p>
+                  </a:txBody>
+                  <a:tcPr marL="0" marR="0" marT="0" marB="0" anchor="t" anchorCtr="0">
+                    <a:lnL w="9525" cap="flat" cmpd="sng">
+                      <a:solidFill>
+                        <a:srgbClr val="000000"/>
+                      </a:solidFill>
+                      <a:prstDash val="solid"/>
+                      <a:headEnd type="none" w="med" len="med"/>
+                      <a:tailEnd type="none" w="med" len="med"/>
+                    </a:lnL>
+                    <a:lnR w="4445" cap="flat" cmpd="sng">
+                      <a:solidFill>
+                        <a:srgbClr val="E5E7EA"/>
+                      </a:solidFill>
+                      <a:prstDash val="solid"/>
+                      <a:headEnd type="none" w="med" len="med"/>
+                      <a:tailEnd type="none" w="med" len="med"/>
+                    </a:lnR>
+                    <a:lnT w="4445" cap="flat" cmpd="sng">
+                      <a:solidFill>
+                        <a:srgbClr val="000000"/>
+                      </a:solidFill>
+                      <a:prstDash val="solid"/>
+                      <a:headEnd type="none" w="med" len="med"/>
+                      <a:tailEnd type="none" w="med" len="med"/>
+                    </a:lnT>
+                    <a:lnB w="4445" cap="flat" cmpd="sng">
+                      <a:solidFill>
+                        <a:srgbClr val="000000"/>
+                      </a:solidFill>
+                      <a:prstDash val="solid"/>
+                      <a:headEnd type="none" w="med" len="med"/>
+                      <a:tailEnd type="none" w="med" len="med"/>
+                    </a:lnB>
+                    <a:noFill/>
+                  </a:tcPr>
+                </a:tc>
+                <a:tc>
+                  <a:txBody>
+                    <a:bodyPr/>
+                    <a:p>
+                      <a:pPr marL="0" indent="0" fontAlgn="t">
+                        <a:spcBef>
+                          <a:spcPct val="0"/>
+                        </a:spcBef>
+                        <a:spcAft>
+                          <a:spcPct val="0"/>
+                        </a:spcAft>
+                      </a:pPr>
+                      <a:r>
+                        <a:rPr lang="en-US" altLang="zh-CN" sz="1100" b="0" i="0">
+                          <a:solidFill>
+                            <a:srgbClr val="333333"/>
+                          </a:solidFill>
+                          <a:latin typeface="-apple-system"/>
+                          <a:ea typeface="-apple-system"/>
+                        </a:rPr>
+                        <a:t>solid line</a:t>
+                      </a:r>
+                      <a:endParaRPr lang="en-US" altLang="zh-CN" sz="1100" b="0" i="0">
+                        <a:solidFill>
+                          <a:srgbClr val="333333"/>
+                        </a:solidFill>
+                        <a:latin typeface="-apple-system"/>
+                        <a:ea typeface="-apple-system"/>
+                      </a:endParaRPr>
+                    </a:p>
+                  </a:txBody>
+                  <a:tcPr marL="0" marR="0" marT="0" marB="0" anchor="t" anchorCtr="0">
+                    <a:lnL w="4445" cap="flat" cmpd="sng">
+                      <a:solidFill>
+                        <a:srgbClr val="E5E7EA"/>
+                      </a:solidFill>
+                      <a:prstDash val="solid"/>
+                      <a:headEnd type="none" w="med" len="med"/>
+                      <a:tailEnd type="none" w="med" len="med"/>
+                    </a:lnL>
+                    <a:lnR w="9525" cap="flat" cmpd="sng">
+                      <a:solidFill>
+                        <a:srgbClr val="000000"/>
+                      </a:solidFill>
+                      <a:prstDash val="solid"/>
+                      <a:headEnd type="none" w="med" len="med"/>
+                      <a:tailEnd type="none" w="med" len="med"/>
+                    </a:lnR>
+                    <a:lnT w="4445" cap="flat" cmpd="sng">
+                      <a:solidFill>
+                        <a:srgbClr val="000000"/>
+                      </a:solidFill>
+                      <a:prstDash val="solid"/>
+                      <a:headEnd type="none" w="med" len="med"/>
+                      <a:tailEnd type="none" w="med" len="med"/>
+                    </a:lnT>
+                    <a:lnB w="4445" cap="flat" cmpd="sng">
+                      <a:solidFill>
+                        <a:srgbClr val="000000"/>
+                      </a:solidFill>
+                      <a:prstDash val="solid"/>
+                      <a:headEnd type="none" w="med" len="med"/>
+                      <a:tailEnd type="none" w="med" len="med"/>
+                    </a:lnB>
+                    <a:noFill/>
+                  </a:tcPr>
+                </a:tc>
+              </a:tr>
+              <a:tr h="0">
+                <a:tc>
+                  <a:txBody>
+                    <a:bodyPr/>
+                    <a:p>
+                      <a:pPr marL="0" indent="0" fontAlgn="t">
+                        <a:spcBef>
+                          <a:spcPct val="0"/>
+                        </a:spcBef>
+                        <a:spcAft>
+                          <a:spcPct val="0"/>
+                        </a:spcAft>
+                      </a:pPr>
+                      <a:r>
+                        <a:rPr lang="en-US" altLang="zh-CN" sz="900" b="0" i="0">
+                          <a:solidFill>
+                            <a:srgbClr val="912583"/>
+                          </a:solidFill>
+                          <a:latin typeface="-apple-system"/>
+                          <a:ea typeface="-apple-system"/>
+                        </a:rPr>
+                        <a:t>'--'</a:t>
+                      </a:r>
+                      <a:r>
+                        <a:rPr lang="en-US" altLang="zh-CN" sz="1100" b="0" i="0">
+                          <a:solidFill>
+                            <a:srgbClr val="333333"/>
+                          </a:solidFill>
+                          <a:latin typeface="-apple-system"/>
+                          <a:ea typeface="-apple-system"/>
+                        </a:rPr>
+                        <a:t> </a:t>
+                      </a:r>
+                      <a:r>
+                        <a:rPr lang="en-US" altLang="zh-CN" sz="1100" b="0" i="0">
+                          <a:solidFill>
+                            <a:srgbClr val="333333"/>
+                          </a:solidFill>
+                          <a:latin typeface="-apple-system"/>
+                          <a:ea typeface="-apple-system"/>
+                        </a:rPr>
+                        <a:t>or</a:t>
+                      </a:r>
+                      <a:r>
+                        <a:rPr lang="en-US" altLang="zh-CN" sz="1100" b="0" i="0">
+                          <a:solidFill>
+                            <a:srgbClr val="333333"/>
+                          </a:solidFill>
+                          <a:latin typeface="-apple-system"/>
+                          <a:ea typeface="-apple-system"/>
+                        </a:rPr>
+                        <a:t> </a:t>
+                      </a:r>
+                      <a:r>
+                        <a:rPr lang="en-US" altLang="zh-CN" sz="900" b="0" i="0">
+                          <a:solidFill>
+                            <a:srgbClr val="912583"/>
+                          </a:solidFill>
+                          <a:latin typeface="-apple-system"/>
+                          <a:ea typeface="-apple-system"/>
+                        </a:rPr>
+                        <a:t>'dashed'</a:t>
+                      </a:r>
+                      <a:endParaRPr lang="en-US" altLang="zh-CN" sz="900" b="0" i="0">
+                        <a:solidFill>
+                          <a:srgbClr val="912583"/>
+                        </a:solidFill>
+                        <a:latin typeface="-apple-system"/>
+                        <a:ea typeface="-apple-system"/>
+                      </a:endParaRPr>
+                    </a:p>
+                  </a:txBody>
+                  <a:tcPr marL="0" marR="0" marT="0" marB="0" anchor="t" anchorCtr="0">
+                    <a:lnL w="9525" cap="flat" cmpd="sng">
+                      <a:solidFill>
+                        <a:srgbClr val="000000"/>
+                      </a:solidFill>
+                      <a:prstDash val="solid"/>
+                      <a:headEnd type="none" w="med" len="med"/>
+                      <a:tailEnd type="none" w="med" len="med"/>
+                    </a:lnL>
+                    <a:lnR w="4445" cap="flat" cmpd="sng">
+                      <a:solidFill>
+                        <a:srgbClr val="E5E7EA"/>
+                      </a:solidFill>
+                      <a:prstDash val="solid"/>
+                      <a:headEnd type="none" w="med" len="med"/>
+                      <a:tailEnd type="none" w="med" len="med"/>
+                    </a:lnR>
+                    <a:lnT w="4445" cap="flat" cmpd="sng">
+                      <a:solidFill>
+                        <a:srgbClr val="000000"/>
+                      </a:solidFill>
+                      <a:prstDash val="solid"/>
+                      <a:headEnd type="none" w="med" len="med"/>
+                      <a:tailEnd type="none" w="med" len="med"/>
+                    </a:lnT>
+                    <a:lnB w="4445" cap="flat" cmpd="sng">
+                      <a:solidFill>
+                        <a:srgbClr val="000000"/>
+                      </a:solidFill>
+                      <a:prstDash val="solid"/>
+                      <a:headEnd type="none" w="med" len="med"/>
+                      <a:tailEnd type="none" w="med" len="med"/>
+                    </a:lnB>
+                    <a:noFill/>
+                  </a:tcPr>
+                </a:tc>
+                <a:tc>
+                  <a:txBody>
+                    <a:bodyPr/>
+                    <a:p>
+                      <a:pPr marL="0" indent="0" fontAlgn="t">
+                        <a:spcBef>
+                          <a:spcPct val="0"/>
+                        </a:spcBef>
+                        <a:spcAft>
+                          <a:spcPct val="0"/>
+                        </a:spcAft>
+                      </a:pPr>
+                      <a:r>
+                        <a:rPr lang="en-US" altLang="zh-CN" sz="1100" b="0" i="0">
+                          <a:solidFill>
+                            <a:srgbClr val="333333"/>
+                          </a:solidFill>
+                          <a:latin typeface="-apple-system"/>
+                          <a:ea typeface="-apple-system"/>
+                        </a:rPr>
+                        <a:t>dashed line</a:t>
+                      </a:r>
+                      <a:endParaRPr lang="en-US" altLang="zh-CN" sz="1100" b="0" i="0">
+                        <a:solidFill>
+                          <a:srgbClr val="333333"/>
+                        </a:solidFill>
+                        <a:latin typeface="-apple-system"/>
+                        <a:ea typeface="-apple-system"/>
+                      </a:endParaRPr>
+                    </a:p>
+                  </a:txBody>
+                  <a:tcPr marL="0" marR="0" marT="0" marB="0" anchor="t" anchorCtr="0">
+                    <a:lnL w="4445" cap="flat" cmpd="sng">
+                      <a:solidFill>
+                        <a:srgbClr val="E5E7EA"/>
+                      </a:solidFill>
+                      <a:prstDash val="solid"/>
+                      <a:headEnd type="none" w="med" len="med"/>
+                      <a:tailEnd type="none" w="med" len="med"/>
+                    </a:lnL>
+                    <a:lnR w="9525" cap="flat" cmpd="sng">
+                      <a:solidFill>
+                        <a:srgbClr val="000000"/>
+                      </a:solidFill>
+                      <a:prstDash val="solid"/>
+                      <a:headEnd type="none" w="med" len="med"/>
+                      <a:tailEnd type="none" w="med" len="med"/>
+                    </a:lnR>
+                    <a:lnT w="4445" cap="flat" cmpd="sng">
+                      <a:solidFill>
+                        <a:srgbClr val="000000"/>
+                      </a:solidFill>
+                      <a:prstDash val="solid"/>
+                      <a:headEnd type="none" w="med" len="med"/>
+                      <a:tailEnd type="none" w="med" len="med"/>
+                    </a:lnT>
+                    <a:lnB w="4445" cap="flat" cmpd="sng">
+                      <a:solidFill>
+                        <a:srgbClr val="000000"/>
+                      </a:solidFill>
+                      <a:prstDash val="solid"/>
+                      <a:headEnd type="none" w="med" len="med"/>
+                      <a:tailEnd type="none" w="med" len="med"/>
+                    </a:lnB>
+                    <a:noFill/>
+                  </a:tcPr>
+                </a:tc>
+              </a:tr>
+              <a:tr h="0">
+                <a:tc>
+                  <a:txBody>
+                    <a:bodyPr/>
+                    <a:p>
+                      <a:pPr marL="0" indent="0" fontAlgn="t">
+                        <a:spcBef>
+                          <a:spcPct val="0"/>
+                        </a:spcBef>
+                        <a:spcAft>
+                          <a:spcPct val="0"/>
+                        </a:spcAft>
+                      </a:pPr>
+                      <a:r>
+                        <a:rPr lang="en-US" altLang="zh-CN" sz="900" b="0" i="0">
+                          <a:solidFill>
+                            <a:srgbClr val="912583"/>
+                          </a:solidFill>
+                          <a:latin typeface="-apple-system"/>
+                          <a:ea typeface="-apple-system"/>
+                        </a:rPr>
+                        <a:t>'-.'</a:t>
+                      </a:r>
+                      <a:r>
+                        <a:rPr lang="en-US" altLang="zh-CN" sz="1100" b="0" i="0">
+                          <a:solidFill>
+                            <a:srgbClr val="333333"/>
+                          </a:solidFill>
+                          <a:latin typeface="-apple-system"/>
+                          <a:ea typeface="-apple-system"/>
+                        </a:rPr>
+                        <a:t> </a:t>
+                      </a:r>
+                      <a:r>
+                        <a:rPr lang="en-US" altLang="zh-CN" sz="1100" b="0" i="0">
+                          <a:solidFill>
+                            <a:srgbClr val="333333"/>
+                          </a:solidFill>
+                          <a:latin typeface="-apple-system"/>
+                          <a:ea typeface="-apple-system"/>
+                        </a:rPr>
+                        <a:t>or</a:t>
+                      </a:r>
+                      <a:r>
+                        <a:rPr lang="en-US" altLang="zh-CN" sz="1100" b="0" i="0">
+                          <a:solidFill>
+                            <a:srgbClr val="333333"/>
+                          </a:solidFill>
+                          <a:latin typeface="-apple-system"/>
+                          <a:ea typeface="-apple-system"/>
+                        </a:rPr>
+                        <a:t> </a:t>
+                      </a:r>
+                      <a:r>
+                        <a:rPr lang="en-US" altLang="zh-CN" sz="900" b="0" i="0">
+                          <a:solidFill>
+                            <a:srgbClr val="912583"/>
+                          </a:solidFill>
+                          <a:latin typeface="-apple-system"/>
+                          <a:ea typeface="-apple-system"/>
+                        </a:rPr>
+                        <a:t>'dashdot'</a:t>
+                      </a:r>
+                      <a:endParaRPr lang="en-US" altLang="zh-CN" sz="900" b="0" i="0">
+                        <a:solidFill>
+                          <a:srgbClr val="912583"/>
+                        </a:solidFill>
+                        <a:latin typeface="-apple-system"/>
+                        <a:ea typeface="-apple-system"/>
+                      </a:endParaRPr>
+                    </a:p>
+                  </a:txBody>
+                  <a:tcPr marL="0" marR="0" marT="0" marB="0" anchor="t" anchorCtr="0">
+                    <a:lnL w="9525" cap="flat" cmpd="sng">
+                      <a:solidFill>
+                        <a:srgbClr val="000000"/>
+                      </a:solidFill>
+                      <a:prstDash val="solid"/>
+                      <a:headEnd type="none" w="med" len="med"/>
+                      <a:tailEnd type="none" w="med" len="med"/>
+                    </a:lnL>
+                    <a:lnR w="4445" cap="flat" cmpd="sng">
+                      <a:solidFill>
+                        <a:srgbClr val="E5E7EA"/>
+                      </a:solidFill>
+                      <a:prstDash val="solid"/>
+                      <a:headEnd type="none" w="med" len="med"/>
+                      <a:tailEnd type="none" w="med" len="med"/>
+                    </a:lnR>
+                    <a:lnT w="4445" cap="flat" cmpd="sng">
+                      <a:solidFill>
+                        <a:srgbClr val="000000"/>
+                      </a:solidFill>
+                      <a:prstDash val="solid"/>
+                      <a:headEnd type="none" w="med" len="med"/>
+                      <a:tailEnd type="none" w="med" len="med"/>
+                    </a:lnT>
+                    <a:lnB w="4445" cap="flat" cmpd="sng">
+                      <a:solidFill>
+                        <a:srgbClr val="000000"/>
+                      </a:solidFill>
+                      <a:prstDash val="solid"/>
+                      <a:headEnd type="none" w="med" len="med"/>
+                      <a:tailEnd type="none" w="med" len="med"/>
+                    </a:lnB>
+                    <a:noFill/>
+                  </a:tcPr>
+                </a:tc>
+                <a:tc>
+                  <a:txBody>
+                    <a:bodyPr/>
+                    <a:p>
+                      <a:pPr marL="0" indent="0" fontAlgn="t">
+                        <a:spcBef>
+                          <a:spcPct val="0"/>
+                        </a:spcBef>
+                        <a:spcAft>
+                          <a:spcPct val="0"/>
+                        </a:spcAft>
+                      </a:pPr>
+                      <a:r>
+                        <a:rPr lang="en-US" altLang="zh-CN" sz="1100" b="0" i="0">
+                          <a:solidFill>
+                            <a:srgbClr val="333333"/>
+                          </a:solidFill>
+                          <a:latin typeface="-apple-system"/>
+                          <a:ea typeface="-apple-system"/>
+                        </a:rPr>
+                        <a:t>dash-dotted line</a:t>
+                      </a:r>
+                      <a:endParaRPr lang="en-US" altLang="zh-CN" sz="1100" b="0" i="0">
+                        <a:solidFill>
+                          <a:srgbClr val="333333"/>
+                        </a:solidFill>
+                        <a:latin typeface="-apple-system"/>
+                        <a:ea typeface="-apple-system"/>
+                      </a:endParaRPr>
+                    </a:p>
+                  </a:txBody>
+                  <a:tcPr marL="0" marR="0" marT="0" marB="0" anchor="t" anchorCtr="0">
+                    <a:lnL w="4445" cap="flat" cmpd="sng">
+                      <a:solidFill>
+                        <a:srgbClr val="E5E7EA"/>
+                      </a:solidFill>
+                      <a:prstDash val="solid"/>
+                      <a:headEnd type="none" w="med" len="med"/>
+                      <a:tailEnd type="none" w="med" len="med"/>
+                    </a:lnL>
+                    <a:lnR w="9525" cap="flat" cmpd="sng">
+                      <a:solidFill>
+                        <a:srgbClr val="000000"/>
+                      </a:solidFill>
+                      <a:prstDash val="solid"/>
+                      <a:headEnd type="none" w="med" len="med"/>
+                      <a:tailEnd type="none" w="med" len="med"/>
+                    </a:lnR>
+                    <a:lnT w="4445" cap="flat" cmpd="sng">
+                      <a:solidFill>
+                        <a:srgbClr val="000000"/>
+                      </a:solidFill>
+                      <a:prstDash val="solid"/>
+                      <a:headEnd type="none" w="med" len="med"/>
+                      <a:tailEnd type="none" w="med" len="med"/>
+                    </a:lnT>
+                    <a:lnB w="4445" cap="flat" cmpd="sng">
+                      <a:solidFill>
+                        <a:srgbClr val="000000"/>
+                      </a:solidFill>
+                      <a:prstDash val="solid"/>
+                      <a:headEnd type="none" w="med" len="med"/>
+                      <a:tailEnd type="none" w="med" len="med"/>
+                    </a:lnB>
+                    <a:noFill/>
+                  </a:tcPr>
+                </a:tc>
+              </a:tr>
+              <a:tr h="0">
+                <a:tc>
+                  <a:txBody>
+                    <a:bodyPr/>
+                    <a:p>
+                      <a:pPr marL="0" indent="0" fontAlgn="t">
+                        <a:spcBef>
+                          <a:spcPct val="0"/>
+                        </a:spcBef>
+                        <a:spcAft>
+                          <a:spcPct val="0"/>
+                        </a:spcAft>
+                      </a:pPr>
+                      <a:r>
+                        <a:rPr lang="en-US" altLang="zh-CN" sz="900" b="0" i="0">
+                          <a:solidFill>
+                            <a:srgbClr val="912583"/>
+                          </a:solidFill>
+                          <a:latin typeface="-apple-system"/>
+                          <a:ea typeface="-apple-system"/>
+                        </a:rPr>
+                        <a:t>':'</a:t>
+                      </a:r>
+                      <a:r>
+                        <a:rPr lang="en-US" altLang="zh-CN" sz="1100" b="0" i="0">
+                          <a:solidFill>
+                            <a:srgbClr val="333333"/>
+                          </a:solidFill>
+                          <a:latin typeface="-apple-system"/>
+                          <a:ea typeface="-apple-system"/>
+                        </a:rPr>
+                        <a:t> </a:t>
+                      </a:r>
+                      <a:r>
+                        <a:rPr lang="en-US" altLang="zh-CN" sz="1100" b="0" i="0">
+                          <a:solidFill>
+                            <a:srgbClr val="333333"/>
+                          </a:solidFill>
+                          <a:latin typeface="-apple-system"/>
+                          <a:ea typeface="-apple-system"/>
+                        </a:rPr>
+                        <a:t>or</a:t>
+                      </a:r>
+                      <a:r>
+                        <a:rPr lang="en-US" altLang="zh-CN" sz="1100" b="0" i="0">
+                          <a:solidFill>
+                            <a:srgbClr val="333333"/>
+                          </a:solidFill>
+                          <a:latin typeface="-apple-system"/>
+                          <a:ea typeface="-apple-system"/>
+                        </a:rPr>
+                        <a:t> </a:t>
+                      </a:r>
+                      <a:r>
+                        <a:rPr lang="en-US" altLang="zh-CN" sz="900" b="0" i="0">
+                          <a:solidFill>
+                            <a:srgbClr val="912583"/>
+                          </a:solidFill>
+                          <a:latin typeface="-apple-system"/>
+                          <a:ea typeface="-apple-system"/>
+                        </a:rPr>
+                        <a:t>'dotted'</a:t>
+                      </a:r>
+                      <a:endParaRPr lang="en-US" altLang="zh-CN" sz="900" b="0" i="0">
+                        <a:solidFill>
+                          <a:srgbClr val="912583"/>
+                        </a:solidFill>
+                        <a:latin typeface="-apple-system"/>
+                        <a:ea typeface="-apple-system"/>
+                      </a:endParaRPr>
+                    </a:p>
+                  </a:txBody>
+                  <a:tcPr marL="0" marR="0" marT="0" marB="0" anchor="t" anchorCtr="0">
+                    <a:lnL w="9525" cap="flat" cmpd="sng">
+                      <a:solidFill>
+                        <a:srgbClr val="000000"/>
+                      </a:solidFill>
+                      <a:prstDash val="solid"/>
+                      <a:headEnd type="none" w="med" len="med"/>
+                      <a:tailEnd type="none" w="med" len="med"/>
+                    </a:lnL>
+                    <a:lnR w="4445" cap="flat" cmpd="sng">
+                      <a:solidFill>
+                        <a:srgbClr val="E5E7EA"/>
+                      </a:solidFill>
+                      <a:prstDash val="solid"/>
+                      <a:headEnd type="none" w="med" len="med"/>
+                      <a:tailEnd type="none" w="med" len="med"/>
+                    </a:lnR>
+                    <a:lnT w="4445" cap="flat" cmpd="sng">
+                      <a:solidFill>
+                        <a:srgbClr val="000000"/>
+                      </a:solidFill>
+                      <a:prstDash val="solid"/>
+                      <a:headEnd type="none" w="med" len="med"/>
+                      <a:tailEnd type="none" w="med" len="med"/>
+                    </a:lnT>
+                    <a:lnB w="4445" cap="flat" cmpd="sng">
+                      <a:solidFill>
+                        <a:srgbClr val="000000"/>
+                      </a:solidFill>
+                      <a:prstDash val="solid"/>
+                      <a:headEnd type="none" w="med" len="med"/>
+                      <a:tailEnd type="none" w="med" len="med"/>
+                    </a:lnB>
+                    <a:noFill/>
+                  </a:tcPr>
+                </a:tc>
+                <a:tc>
+                  <a:txBody>
+                    <a:bodyPr/>
+                    <a:p>
+                      <a:pPr marL="0" indent="0" fontAlgn="t">
+                        <a:spcBef>
+                          <a:spcPct val="0"/>
+                        </a:spcBef>
+                        <a:spcAft>
+                          <a:spcPct val="0"/>
+                        </a:spcAft>
+                      </a:pPr>
+                      <a:r>
+                        <a:rPr lang="en-US" altLang="zh-CN" sz="1100" b="0" i="0">
+                          <a:solidFill>
+                            <a:srgbClr val="333333"/>
+                          </a:solidFill>
+                          <a:latin typeface="-apple-system"/>
+                          <a:ea typeface="-apple-system"/>
+                        </a:rPr>
+                        <a:t>dotted line</a:t>
+                      </a:r>
+                      <a:endParaRPr lang="en-US" altLang="zh-CN" sz="1100" b="0" i="0">
+                        <a:solidFill>
+                          <a:srgbClr val="333333"/>
+                        </a:solidFill>
+                        <a:latin typeface="-apple-system"/>
+                        <a:ea typeface="-apple-system"/>
+                      </a:endParaRPr>
+                    </a:p>
+                  </a:txBody>
+                  <a:tcPr marL="0" marR="0" marT="0" marB="0" anchor="t" anchorCtr="0">
+                    <a:lnL w="4445" cap="flat" cmpd="sng">
+                      <a:solidFill>
+                        <a:srgbClr val="E5E7EA"/>
+                      </a:solidFill>
+                      <a:prstDash val="solid"/>
+                      <a:headEnd type="none" w="med" len="med"/>
+                      <a:tailEnd type="none" w="med" len="med"/>
+                    </a:lnL>
+                    <a:lnR w="9525" cap="flat" cmpd="sng">
+                      <a:solidFill>
+                        <a:srgbClr val="000000"/>
+                      </a:solidFill>
+                      <a:prstDash val="solid"/>
+                      <a:headEnd type="none" w="med" len="med"/>
+                      <a:tailEnd type="none" w="med" len="med"/>
+                    </a:lnR>
+                    <a:lnT w="4445" cap="flat" cmpd="sng">
+                      <a:solidFill>
+                        <a:srgbClr val="000000"/>
+                      </a:solidFill>
+                      <a:prstDash val="solid"/>
+                      <a:headEnd type="none" w="med" len="med"/>
+                      <a:tailEnd type="none" w="med" len="med"/>
+                    </a:lnT>
+                    <a:lnB w="4445" cap="flat" cmpd="sng">
+                      <a:solidFill>
+                        <a:srgbClr val="000000"/>
+                      </a:solidFill>
+                      <a:prstDash val="solid"/>
+                      <a:headEnd type="none" w="med" len="med"/>
+                      <a:tailEnd type="none" w="med" len="med"/>
+                    </a:lnB>
+                    <a:noFill/>
+                  </a:tcPr>
+                </a:tc>
+              </a:tr>
+              <a:tr h="0">
+                <a:tc>
+                  <a:txBody>
+                    <a:bodyPr/>
+                    <a:p>
+                      <a:pPr marL="0" indent="0" fontAlgn="t">
+                        <a:spcBef>
+                          <a:spcPct val="0"/>
+                        </a:spcBef>
+                        <a:spcAft>
+                          <a:spcPct val="0"/>
+                        </a:spcAft>
+                      </a:pPr>
+                      <a:r>
+                        <a:rPr lang="en-US" altLang="zh-CN" sz="900" b="0" i="0">
+                          <a:solidFill>
+                            <a:srgbClr val="912583"/>
+                          </a:solidFill>
+                          <a:latin typeface="-apple-system"/>
+                          <a:ea typeface="-apple-system"/>
+                        </a:rPr>
+                        <a:t>'none'</a:t>
+                      </a:r>
+                      <a:r>
+                        <a:rPr lang="en-US" altLang="zh-CN" sz="1100" b="0" i="0">
+                          <a:solidFill>
+                            <a:srgbClr val="333333"/>
+                          </a:solidFill>
+                          <a:latin typeface="-apple-system"/>
+                          <a:ea typeface="-apple-system"/>
+                        </a:rPr>
+                        <a:t>,</a:t>
+                      </a:r>
+                      <a:r>
+                        <a:rPr lang="en-US" altLang="zh-CN" sz="1100" b="0" i="0">
+                          <a:solidFill>
+                            <a:srgbClr val="333333"/>
+                          </a:solidFill>
+                          <a:latin typeface="-apple-system"/>
+                          <a:ea typeface="-apple-system"/>
+                        </a:rPr>
+                        <a:t> </a:t>
+                      </a:r>
+                      <a:r>
+                        <a:rPr lang="en-US" altLang="zh-CN" sz="900" b="0" i="0">
+                          <a:solidFill>
+                            <a:srgbClr val="912583"/>
+                          </a:solidFill>
+                          <a:latin typeface="-apple-system"/>
+                          <a:ea typeface="-apple-system"/>
+                        </a:rPr>
+                        <a:t>'None'</a:t>
+                      </a:r>
+                      <a:r>
+                        <a:rPr lang="en-US" altLang="zh-CN" sz="1100" b="0" i="0">
+                          <a:solidFill>
+                            <a:srgbClr val="333333"/>
+                          </a:solidFill>
+                          <a:latin typeface="-apple-system"/>
+                          <a:ea typeface="-apple-system"/>
+                        </a:rPr>
+                        <a:t>,</a:t>
+                      </a:r>
+                      <a:r>
+                        <a:rPr lang="en-US" altLang="zh-CN" sz="1100" b="0" i="0">
+                          <a:solidFill>
+                            <a:srgbClr val="333333"/>
+                          </a:solidFill>
+                          <a:latin typeface="-apple-system"/>
+                          <a:ea typeface="-apple-system"/>
+                        </a:rPr>
+                        <a:t> </a:t>
+                      </a:r>
+                      <a:r>
+                        <a:rPr lang="en-US" altLang="zh-CN" sz="900" b="0" i="0">
+                          <a:solidFill>
+                            <a:srgbClr val="912583"/>
+                          </a:solidFill>
+                          <a:latin typeface="-apple-system"/>
+                          <a:ea typeface="-apple-system"/>
+                        </a:rPr>
+                        <a:t>'</a:t>
+                      </a:r>
+                      <a:r>
+                        <a:rPr lang="en-US" altLang="zh-CN" sz="900" b="0" i="0">
+                          <a:solidFill>
+                            <a:srgbClr val="912583"/>
+                          </a:solidFill>
+                          <a:latin typeface="-apple-system"/>
+                          <a:ea typeface="-apple-system"/>
+                        </a:rPr>
+                        <a:t> </a:t>
+                      </a:r>
+                      <a:r>
+                        <a:rPr lang="en-US" altLang="zh-CN" sz="900" b="0" i="0">
+                          <a:solidFill>
+                            <a:srgbClr val="912583"/>
+                          </a:solidFill>
+                          <a:latin typeface="-apple-system"/>
+                          <a:ea typeface="-apple-system"/>
+                        </a:rPr>
+                        <a:t>'</a:t>
+                      </a:r>
+                      <a:r>
+                        <a:rPr lang="en-US" altLang="zh-CN" sz="1100" b="0" i="0">
+                          <a:solidFill>
+                            <a:srgbClr val="333333"/>
+                          </a:solidFill>
+                          <a:latin typeface="-apple-system"/>
+                          <a:ea typeface="-apple-system"/>
+                        </a:rPr>
+                        <a:t>, or</a:t>
+                      </a:r>
+                      <a:r>
+                        <a:rPr lang="en-US" altLang="zh-CN" sz="1100" b="0" i="0">
+                          <a:solidFill>
+                            <a:srgbClr val="333333"/>
+                          </a:solidFill>
+                          <a:latin typeface="-apple-system"/>
+                          <a:ea typeface="-apple-system"/>
+                        </a:rPr>
+                        <a:t> </a:t>
+                      </a:r>
+                      <a:r>
+                        <a:rPr lang="en-US" altLang="zh-CN" sz="900" b="0" i="0">
+                          <a:solidFill>
+                            <a:srgbClr val="912583"/>
+                          </a:solidFill>
+                          <a:latin typeface="-apple-system"/>
+                          <a:ea typeface="-apple-system"/>
+                        </a:rPr>
+                        <a:t>''</a:t>
+                      </a:r>
+                      <a:endParaRPr lang="en-US" altLang="zh-CN" sz="900" b="0" i="0">
+                        <a:solidFill>
+                          <a:srgbClr val="912583"/>
+                        </a:solidFill>
+                        <a:latin typeface="-apple-system"/>
+                        <a:ea typeface="-apple-system"/>
+                      </a:endParaRPr>
+                    </a:p>
+                  </a:txBody>
+                  <a:tcPr marL="0" marR="0" marT="0" marB="0" anchor="t" anchorCtr="0">
+                    <a:lnL w="9525" cap="flat" cmpd="sng">
+                      <a:solidFill>
+                        <a:srgbClr val="000000"/>
+                      </a:solidFill>
+                      <a:prstDash val="solid"/>
+                      <a:headEnd type="none" w="med" len="med"/>
+                      <a:tailEnd type="none" w="med" len="med"/>
+                    </a:lnL>
+                    <a:lnR w="4445" cap="flat" cmpd="sng">
+                      <a:solidFill>
+                        <a:srgbClr val="E5E7EA"/>
+                      </a:solidFill>
+                      <a:prstDash val="solid"/>
+                      <a:headEnd type="none" w="med" len="med"/>
+                      <a:tailEnd type="none" w="med" len="med"/>
+                    </a:lnR>
+                    <a:lnT w="4445" cap="flat" cmpd="sng">
+                      <a:solidFill>
+                        <a:srgbClr val="000000"/>
+                      </a:solidFill>
+                      <a:prstDash val="solid"/>
+                      <a:headEnd type="none" w="med" len="med"/>
+                      <a:tailEnd type="none" w="med" len="med"/>
+                    </a:lnT>
+                    <a:lnB w="4445" cap="flat" cmpd="sng">
+                      <a:solidFill>
+                        <a:srgbClr val="000000"/>
+                      </a:solidFill>
+                      <a:prstDash val="solid"/>
+                      <a:headEnd type="none" w="med" len="med"/>
+                      <a:tailEnd type="none" w="med" len="med"/>
+                    </a:lnB>
+                    <a:noFill/>
+                  </a:tcPr>
+                </a:tc>
+                <a:tc>
+                  <a:txBody>
+                    <a:bodyPr/>
+                    <a:p>
+                      <a:pPr marL="0" indent="0" fontAlgn="t">
+                        <a:spcBef>
+                          <a:spcPct val="0"/>
+                        </a:spcBef>
+                        <a:spcAft>
+                          <a:spcPct val="0"/>
+                        </a:spcAft>
+                      </a:pPr>
+                      <a:r>
+                        <a:rPr lang="en-US" altLang="zh-CN" sz="1100" b="0" i="0">
+                          <a:solidFill>
+                            <a:srgbClr val="333333"/>
+                          </a:solidFill>
+                          <a:latin typeface="-apple-system"/>
+                          <a:ea typeface="-apple-system"/>
+                        </a:rPr>
+                        <a:t>draw nothing</a:t>
+                      </a:r>
+                      <a:endParaRPr lang="en-US" altLang="zh-CN" sz="1100" b="0" i="0">
+                        <a:solidFill>
+                          <a:srgbClr val="333333"/>
+                        </a:solidFill>
+                        <a:latin typeface="-apple-system"/>
+                        <a:ea typeface="-apple-system"/>
+                      </a:endParaRPr>
+                    </a:p>
+                  </a:txBody>
+                  <a:tcPr marL="0" marR="0" marT="0" marB="0" anchor="t" anchorCtr="0">
+                    <a:lnL w="4445" cap="flat" cmpd="sng">
+                      <a:solidFill>
+                        <a:srgbClr val="E5E7EA"/>
+                      </a:solidFill>
+                      <a:prstDash val="solid"/>
+                      <a:headEnd type="none" w="med" len="med"/>
+                      <a:tailEnd type="none" w="med" len="med"/>
+                    </a:lnL>
+                    <a:lnR w="9525" cap="flat" cmpd="sng">
+                      <a:solidFill>
+                        <a:srgbClr val="000000"/>
+                      </a:solidFill>
+                      <a:prstDash val="solid"/>
+                      <a:headEnd type="none" w="med" len="med"/>
+                      <a:tailEnd type="none" w="med" len="med"/>
+                    </a:lnR>
+                    <a:lnT w="4445" cap="flat" cmpd="sng">
+                      <a:solidFill>
+                        <a:srgbClr val="000000"/>
+                      </a:solidFill>
+                      <a:prstDash val="solid"/>
+                      <a:headEnd type="none" w="med" len="med"/>
+                      <a:tailEnd type="none" w="med" len="med"/>
+                    </a:lnT>
+                    <a:lnB w="4445" cap="flat" cmpd="sng">
+                      <a:solidFill>
+                        <a:srgbClr val="000000"/>
+                      </a:solidFill>
+                      <a:prstDash val="solid"/>
+                      <a:headEnd type="none" w="med" len="med"/>
+                      <a:tailEnd type="none" w="med" len="med"/>
+                    </a:lnB>
+                    <a:noFill/>
+                  </a:tcPr>
+                </a:tc>
+              </a:tr>
+            </a:tbl>
+          </a:graphicData>
+        </a:graphic>
+      </p:graphicFrame>
+      <p:sp>
+        <p:nvSpPr>
+          <p:cNvPr id="7" name="Text Box 6"/>
+          <p:cNvSpPr txBox="1"/>
+          <p:nvPr/>
+        </p:nvSpPr>
+        <p:spPr>
+          <a:xfrm>
+            <a:off x="560070" y="784543"/>
+            <a:ext cx="5080000" cy="212725"/>
+          </a:xfrm>
+          <a:prstGeom prst="rect">
+            <a:avLst/>
+          </a:prstGeom>
+        </p:spPr>
+        <p:txBody>
+          <a:bodyPr>
+            <a:spAutoFit/>
+          </a:bodyPr>
+          <a:p>
+            <a:pPr>
+              <a:lnSpc>
+                <a:spcPts val="950"/>
+              </a:lnSpc>
+            </a:pPr>
+            <a:r>
+              <a:rPr lang="en-US" altLang="zh-CN" sz="1600" b="0">
+                <a:solidFill>
+                  <a:srgbClr val="000000"/>
+                </a:solidFill>
+                <a:latin typeface="monospace"/>
+                <a:ea typeface="monospace"/>
+              </a:rPr>
+              <a:t>plt.plot(x,y, </a:t>
+            </a:r>
+            <a:r>
+              <a:rPr lang="en-US" altLang="zh-CN" sz="1600" b="0">
+                <a:solidFill>
+                  <a:srgbClr val="A31515"/>
+                </a:solidFill>
+                <a:latin typeface="monospace"/>
+                <a:ea typeface="monospace"/>
+              </a:rPr>
+              <a:t>"g-"</a:t>
+            </a:r>
+            <a:r>
+              <a:rPr lang="en-US" altLang="zh-CN" sz="1600" b="0">
+                <a:solidFill>
+                  <a:srgbClr val="000000"/>
+                </a:solidFill>
+                <a:latin typeface="monospace"/>
+                <a:ea typeface="monospace"/>
+              </a:rPr>
+              <a:t>,)</a:t>
+            </a:r>
+            <a:endParaRPr lang="en-US" altLang="zh-CN" sz="1600" b="0">
+              <a:solidFill>
+                <a:srgbClr val="000000"/>
+              </a:solidFill>
+              <a:latin typeface="monospace"/>
+              <a:ea typeface="monospace"/>
+            </a:endParaRPr>
+          </a:p>
+        </p:txBody>
+      </p:sp>
+      <p:sp>
+        <p:nvSpPr>
+          <p:cNvPr id="8" name="Text Box 7"/>
+          <p:cNvSpPr txBox="1"/>
+          <p:nvPr/>
+        </p:nvSpPr>
+        <p:spPr>
+          <a:xfrm>
+            <a:off x="645795" y="1011872"/>
+            <a:ext cx="5080000" cy="460375"/>
+          </a:xfrm>
+          <a:prstGeom prst="rect">
+            <a:avLst/>
+          </a:prstGeom>
+        </p:spPr>
+        <p:txBody>
+          <a:bodyPr>
+            <a:spAutoFit/>
+          </a:bodyPr>
+          <a:p>
+            <a:pPr>
+              <a:lnSpc>
+                <a:spcPct val="100000"/>
+              </a:lnSpc>
+            </a:pPr>
+            <a:r>
+              <a:rPr lang="en-US" altLang="zh-CN" sz="1200" b="0">
+                <a:solidFill>
+                  <a:srgbClr val="000000"/>
+                </a:solidFill>
+                <a:latin typeface="monospace"/>
+                <a:ea typeface="monospace"/>
+              </a:rPr>
+              <a:t>plt.plot(x,y, </a:t>
+            </a:r>
+            <a:r>
+              <a:rPr lang="en-US" altLang="zh-CN" sz="1200" b="0">
+                <a:solidFill>
+                  <a:srgbClr val="A31515"/>
+                </a:solidFill>
+                <a:latin typeface="monospace"/>
+                <a:ea typeface="monospace"/>
+              </a:rPr>
+              <a:t>"-."</a:t>
+            </a:r>
+            <a:r>
+              <a:rPr lang="en-US" altLang="zh-CN" sz="1200" b="0">
+                <a:solidFill>
+                  <a:srgbClr val="000000"/>
+                </a:solidFill>
+                <a:latin typeface="monospace"/>
+                <a:ea typeface="monospace"/>
+              </a:rPr>
+              <a:t>,c=</a:t>
+            </a:r>
+            <a:r>
+              <a:rPr lang="en-US" altLang="zh-CN" sz="1200" b="0">
+                <a:solidFill>
+                  <a:srgbClr val="A31515"/>
+                </a:solidFill>
+                <a:latin typeface="monospace"/>
+                <a:ea typeface="monospace"/>
+              </a:rPr>
+              <a:t>"blue"</a:t>
+            </a:r>
+            <a:r>
+              <a:rPr lang="en-US" altLang="zh-CN" sz="1200" b="0">
+                <a:solidFill>
+                  <a:srgbClr val="000000"/>
+                </a:solidFill>
+                <a:latin typeface="monospace"/>
+                <a:ea typeface="monospace"/>
+              </a:rPr>
+              <a:t>, linewidth=</a:t>
+            </a:r>
+            <a:r>
+              <a:rPr lang="en-US" altLang="zh-CN" sz="1200" b="0">
+                <a:solidFill>
+                  <a:srgbClr val="116644"/>
+                </a:solidFill>
+                <a:latin typeface="monospace"/>
+                <a:ea typeface="monospace"/>
+              </a:rPr>
+              <a:t>2</a:t>
+            </a:r>
+            <a:r>
+              <a:rPr lang="en-US" altLang="zh-CN" sz="1200" b="0">
+                <a:solidFill>
+                  <a:srgbClr val="000000"/>
+                </a:solidFill>
+                <a:latin typeface="monospace"/>
+                <a:ea typeface="monospace"/>
+              </a:rPr>
+              <a:t>,marker=</a:t>
+            </a:r>
+            <a:r>
+              <a:rPr lang="en-US" altLang="zh-CN" sz="1200" b="0">
+                <a:solidFill>
+                  <a:srgbClr val="A31515"/>
+                </a:solidFill>
+                <a:latin typeface="monospace"/>
+                <a:ea typeface="monospace"/>
+              </a:rPr>
+              <a:t>'2'</a:t>
+            </a:r>
+            <a:r>
+              <a:rPr lang="en-US" altLang="zh-CN" sz="1200" b="0">
+                <a:solidFill>
+                  <a:srgbClr val="000000"/>
+                </a:solidFill>
+                <a:latin typeface="monospace"/>
+                <a:ea typeface="monospace"/>
+              </a:rPr>
+              <a:t>,markerfacecolor=</a:t>
+            </a:r>
+            <a:r>
+              <a:rPr lang="en-US" altLang="zh-CN" sz="1200" b="0">
+                <a:solidFill>
+                  <a:srgbClr val="A31515"/>
+                </a:solidFill>
+                <a:latin typeface="monospace"/>
+                <a:ea typeface="monospace"/>
+              </a:rPr>
+              <a:t>'g'</a:t>
+            </a:r>
+            <a:r>
+              <a:rPr lang="en-US" altLang="zh-CN" sz="1200" b="0">
+                <a:solidFill>
+                  <a:srgbClr val="000000"/>
+                </a:solidFill>
+                <a:latin typeface="monospace"/>
+                <a:ea typeface="monospace"/>
+              </a:rPr>
+              <a:t>, mec=</a:t>
+            </a:r>
+            <a:r>
+              <a:rPr lang="en-US" altLang="zh-CN" sz="1200" b="0">
+                <a:solidFill>
+                  <a:srgbClr val="A31515"/>
+                </a:solidFill>
+                <a:latin typeface="monospace"/>
+                <a:ea typeface="monospace"/>
+              </a:rPr>
+              <a:t>"r"</a:t>
+            </a:r>
+            <a:r>
+              <a:rPr lang="en-US" altLang="zh-CN" sz="1200" b="0">
+                <a:solidFill>
+                  <a:srgbClr val="000000"/>
+                </a:solidFill>
+                <a:latin typeface="monospace"/>
+                <a:ea typeface="monospace"/>
+              </a:rPr>
+              <a:t>)</a:t>
+            </a:r>
+            <a:endParaRPr lang="en-US" altLang="zh-CN" sz="1200" b="0">
+              <a:solidFill>
+                <a:srgbClr val="000000"/>
+              </a:solidFill>
+              <a:latin typeface="monospace"/>
+              <a:ea typeface="monospace"/>
+            </a:endParaRPr>
+          </a:p>
+        </p:txBody>
+      </p:sp>
+      <p:sp>
+        <p:nvSpPr>
+          <p:cNvPr id="9" name="Text Box 8"/>
+          <p:cNvSpPr txBox="1"/>
+          <p:nvPr/>
+        </p:nvSpPr>
+        <p:spPr>
+          <a:xfrm>
+            <a:off x="304165" y="2176145"/>
+            <a:ext cx="4801235" cy="2030095"/>
+          </a:xfrm>
+          <a:prstGeom prst="rect">
+            <a:avLst/>
+          </a:prstGeom>
+        </p:spPr>
+        <p:txBody>
+          <a:bodyPr wrap="square">
+            <a:spAutoFit/>
+          </a:bodyPr>
+          <a:p>
+            <a:pPr>
+              <a:lnSpc>
+                <a:spcPct val="100000"/>
+              </a:lnSpc>
+            </a:pPr>
+            <a:r>
+              <a:rPr lang="en-US" altLang="zh-CN" b="0">
+                <a:solidFill>
+                  <a:srgbClr val="008000"/>
+                </a:solidFill>
+                <a:latin typeface="monospace"/>
+                <a:ea typeface="monospace"/>
+              </a:rPr>
+              <a:t># add extra information on chart </a:t>
+            </a:r>
+            <a:endParaRPr lang="en-US" altLang="zh-CN" b="0">
+              <a:solidFill>
+                <a:srgbClr val="008000"/>
+              </a:solidFill>
+              <a:latin typeface="monospace"/>
+              <a:ea typeface="monospace"/>
+            </a:endParaRPr>
+          </a:p>
+          <a:p>
+            <a:pPr>
+              <a:lnSpc>
+                <a:spcPct val="100000"/>
+              </a:lnSpc>
+            </a:pPr>
+            <a:r>
+              <a:rPr lang="en-US" altLang="zh-CN" b="0">
+                <a:solidFill>
+                  <a:srgbClr val="000000"/>
+                </a:solidFill>
+                <a:latin typeface="monospace"/>
+                <a:ea typeface="monospace"/>
+              </a:rPr>
+              <a:t>plt.plot(x,y, </a:t>
+            </a:r>
+            <a:r>
+              <a:rPr lang="en-US" altLang="zh-CN" b="0">
+                <a:solidFill>
+                  <a:srgbClr val="A31515"/>
+                </a:solidFill>
+                <a:latin typeface="monospace"/>
+                <a:ea typeface="monospace"/>
+              </a:rPr>
+              <a:t>"g"</a:t>
+            </a:r>
+            <a:r>
+              <a:rPr lang="en-US" altLang="zh-CN" b="0">
+                <a:solidFill>
+                  <a:srgbClr val="000000"/>
+                </a:solidFill>
+                <a:latin typeface="monospace"/>
+                <a:ea typeface="monospace"/>
+              </a:rPr>
+              <a:t>, linewidth=</a:t>
+            </a:r>
+            <a:r>
+              <a:rPr lang="en-US" altLang="zh-CN" b="0">
+                <a:solidFill>
+                  <a:srgbClr val="116644"/>
+                </a:solidFill>
+                <a:latin typeface="monospace"/>
+                <a:ea typeface="monospace"/>
+              </a:rPr>
+              <a:t>2</a:t>
+            </a:r>
+            <a:r>
+              <a:rPr lang="en-US" altLang="zh-CN" b="0">
+                <a:solidFill>
+                  <a:srgbClr val="000000"/>
+                </a:solidFill>
+                <a:latin typeface="monospace"/>
+                <a:ea typeface="monospace"/>
+              </a:rPr>
+              <a:t>, marker=</a:t>
+            </a:r>
+            <a:r>
+              <a:rPr lang="en-US" altLang="zh-CN" b="0">
+                <a:solidFill>
+                  <a:srgbClr val="A31515"/>
+                </a:solidFill>
+                <a:latin typeface="monospace"/>
+                <a:ea typeface="monospace"/>
+              </a:rPr>
+              <a:t>'o'</a:t>
+            </a:r>
+            <a:r>
+              <a:rPr lang="en-US" altLang="zh-CN" b="0">
+                <a:solidFill>
+                  <a:srgbClr val="000000"/>
+                </a:solidFill>
+                <a:latin typeface="monospace"/>
+                <a:ea typeface="monospace"/>
+              </a:rPr>
+              <a:t>,markerfacecolor=</a:t>
+            </a:r>
+            <a:r>
+              <a:rPr lang="en-US" altLang="zh-CN" b="0">
+                <a:solidFill>
+                  <a:srgbClr val="A31515"/>
+                </a:solidFill>
+                <a:latin typeface="monospace"/>
+                <a:ea typeface="monospace"/>
+              </a:rPr>
+              <a:t>'r'</a:t>
+            </a:r>
+            <a:r>
+              <a:rPr lang="en-US" altLang="zh-CN" b="0">
+                <a:solidFill>
+                  <a:srgbClr val="000000"/>
+                </a:solidFill>
+                <a:latin typeface="monospace"/>
+                <a:ea typeface="monospace"/>
+              </a:rPr>
+              <a:t>,markersize=</a:t>
+            </a:r>
+            <a:r>
+              <a:rPr lang="en-US" altLang="zh-CN" b="0">
+                <a:solidFill>
+                  <a:srgbClr val="116644"/>
+                </a:solidFill>
+                <a:latin typeface="monospace"/>
+                <a:ea typeface="monospace"/>
+              </a:rPr>
+              <a:t>8</a:t>
+            </a:r>
+            <a:r>
+              <a:rPr lang="en-US" altLang="zh-CN" b="0">
+                <a:solidFill>
+                  <a:srgbClr val="000000"/>
+                </a:solidFill>
+                <a:latin typeface="monospace"/>
+                <a:ea typeface="monospace"/>
+              </a:rPr>
+              <a:t>,mec=</a:t>
+            </a:r>
+            <a:r>
+              <a:rPr lang="en-US" altLang="zh-CN" b="0">
+                <a:solidFill>
+                  <a:srgbClr val="A31515"/>
+                </a:solidFill>
+                <a:latin typeface="monospace"/>
+                <a:ea typeface="monospace"/>
+              </a:rPr>
+              <a:t>"r"</a:t>
+            </a:r>
+            <a:r>
+              <a:rPr lang="en-US" altLang="zh-CN" b="0">
+                <a:solidFill>
+                  <a:srgbClr val="000000"/>
+                </a:solidFill>
+                <a:latin typeface="monospace"/>
+                <a:ea typeface="monospace"/>
+              </a:rPr>
+              <a:t>)</a:t>
+            </a:r>
+            <a:endParaRPr lang="en-US" altLang="zh-CN" b="0">
+              <a:solidFill>
+                <a:srgbClr val="000000"/>
+              </a:solidFill>
+              <a:latin typeface="monospace"/>
+              <a:ea typeface="monospace"/>
+            </a:endParaRPr>
+          </a:p>
+          <a:p>
+            <a:pPr>
+              <a:lnSpc>
+                <a:spcPct val="100000"/>
+              </a:lnSpc>
+            </a:pPr>
+            <a:r>
+              <a:rPr lang="en-US" altLang="zh-CN" b="0">
+                <a:solidFill>
+                  <a:srgbClr val="000000"/>
+                </a:solidFill>
+                <a:latin typeface="monospace"/>
+                <a:ea typeface="monospace"/>
+              </a:rPr>
+              <a:t>plt.title(</a:t>
+            </a:r>
+            <a:r>
+              <a:rPr lang="en-US" altLang="zh-CN" b="0">
+                <a:solidFill>
+                  <a:srgbClr val="A31515"/>
+                </a:solidFill>
+                <a:latin typeface="monospace"/>
+                <a:ea typeface="monospace"/>
+              </a:rPr>
+              <a:t>"Line Plot chart"</a:t>
+            </a:r>
+            <a:r>
+              <a:rPr lang="en-US" altLang="zh-CN" b="0">
+                <a:solidFill>
+                  <a:srgbClr val="000000"/>
+                </a:solidFill>
+                <a:latin typeface="monospace"/>
+                <a:ea typeface="monospace"/>
+              </a:rPr>
+              <a:t>)</a:t>
+            </a:r>
+            <a:endParaRPr lang="en-US" altLang="zh-CN" b="0">
+              <a:solidFill>
+                <a:srgbClr val="000000"/>
+              </a:solidFill>
+              <a:latin typeface="monospace"/>
+              <a:ea typeface="monospace"/>
+            </a:endParaRPr>
+          </a:p>
+          <a:p>
+            <a:pPr>
+              <a:lnSpc>
+                <a:spcPct val="100000"/>
+              </a:lnSpc>
+            </a:pPr>
+            <a:r>
+              <a:rPr lang="en-US" altLang="zh-CN" b="0">
+                <a:solidFill>
+                  <a:srgbClr val="000000"/>
+                </a:solidFill>
+                <a:latin typeface="monospace"/>
+                <a:ea typeface="monospace"/>
+              </a:rPr>
+              <a:t>plt.xlabel(</a:t>
+            </a:r>
+            <a:r>
+              <a:rPr lang="en-US" altLang="zh-CN" b="0">
+                <a:solidFill>
+                  <a:srgbClr val="A31515"/>
+                </a:solidFill>
+                <a:latin typeface="monospace"/>
+                <a:ea typeface="monospace"/>
+              </a:rPr>
+              <a:t>"X"</a:t>
+            </a:r>
+            <a:r>
+              <a:rPr lang="en-US" altLang="zh-CN" b="0">
+                <a:solidFill>
+                  <a:srgbClr val="000000"/>
+                </a:solidFill>
+                <a:latin typeface="monospace"/>
+                <a:ea typeface="monospace"/>
+              </a:rPr>
+              <a:t>)</a:t>
+            </a:r>
+            <a:endParaRPr lang="en-US" altLang="zh-CN" b="0">
+              <a:solidFill>
+                <a:srgbClr val="000000"/>
+              </a:solidFill>
+              <a:latin typeface="monospace"/>
+              <a:ea typeface="monospace"/>
+            </a:endParaRPr>
+          </a:p>
+          <a:p>
+            <a:pPr>
+              <a:lnSpc>
+                <a:spcPct val="100000"/>
+              </a:lnSpc>
+            </a:pPr>
+            <a:r>
+              <a:rPr lang="en-US" altLang="zh-CN" b="0">
+                <a:solidFill>
+                  <a:srgbClr val="000000"/>
+                </a:solidFill>
+                <a:latin typeface="monospace"/>
+                <a:ea typeface="monospace"/>
+              </a:rPr>
+              <a:t>plt.ylabel(</a:t>
+            </a:r>
+            <a:r>
+              <a:rPr lang="en-US" altLang="zh-CN" b="0">
+                <a:solidFill>
+                  <a:srgbClr val="A31515"/>
+                </a:solidFill>
+                <a:latin typeface="monospace"/>
+                <a:ea typeface="monospace"/>
+              </a:rPr>
+              <a:t>"Y"</a:t>
+            </a:r>
+            <a:r>
+              <a:rPr lang="en-US" altLang="zh-CN" b="0">
+                <a:solidFill>
+                  <a:srgbClr val="000000"/>
+                </a:solidFill>
+                <a:latin typeface="monospace"/>
+                <a:ea typeface="monospace"/>
+              </a:rPr>
+              <a:t>)</a:t>
+            </a:r>
+            <a:endParaRPr lang="en-US" altLang="zh-CN" b="0">
+              <a:solidFill>
+                <a:srgbClr val="000000"/>
+              </a:solidFill>
+              <a:latin typeface="monospace"/>
+              <a:ea typeface="monospace"/>
+            </a:endParaRPr>
+          </a:p>
+          <a:p>
+            <a:pPr>
+              <a:lnSpc>
+                <a:spcPct val="100000"/>
+              </a:lnSpc>
+            </a:pPr>
+            <a:r>
+              <a:rPr lang="en-US" altLang="zh-CN" b="0">
+                <a:solidFill>
+                  <a:srgbClr val="000000"/>
+                </a:solidFill>
+                <a:latin typeface="monospace"/>
+                <a:ea typeface="monospace"/>
+              </a:rPr>
+              <a:t>plt.legend([</a:t>
+            </a:r>
+            <a:r>
+              <a:rPr lang="en-US" altLang="zh-CN" b="0">
+                <a:solidFill>
+                  <a:srgbClr val="A31515"/>
+                </a:solidFill>
+                <a:latin typeface="monospace"/>
+                <a:ea typeface="monospace"/>
+              </a:rPr>
+              <a:t>"Line Plot"</a:t>
+            </a:r>
+            <a:r>
+              <a:rPr lang="en-US" altLang="zh-CN" b="0">
+                <a:solidFill>
+                  <a:srgbClr val="000000"/>
+                </a:solidFill>
+                <a:latin typeface="monospace"/>
+                <a:ea typeface="monospace"/>
+              </a:rPr>
+              <a:t>])</a:t>
+            </a:r>
+            <a:endParaRPr lang="en-US" altLang="zh-CN" b="0">
+              <a:solidFill>
+                <a:srgbClr val="000000"/>
+              </a:solidFill>
+              <a:latin typeface="monospace"/>
+              <a:ea typeface="monospace"/>
+            </a:endParaRPr>
+          </a:p>
+          <a:p>
+            <a:pPr>
+              <a:lnSpc>
+                <a:spcPct val="100000"/>
+              </a:lnSpc>
+            </a:pPr>
+            <a:r>
+              <a:rPr lang="en-US" altLang="zh-CN" b="0">
+                <a:solidFill>
+                  <a:srgbClr val="000000"/>
+                </a:solidFill>
+                <a:latin typeface="monospace"/>
+                <a:ea typeface="monospace"/>
+              </a:rPr>
+              <a:t>plt.show()</a:t>
+            </a:r>
+            <a:endParaRPr lang="en-US" altLang="zh-CN" b="0">
+              <a:solidFill>
+                <a:srgbClr val="000000"/>
+              </a:solidFill>
+              <a:latin typeface="monospace"/>
+              <a:ea typeface="monospace"/>
+            </a:endParaRPr>
+          </a:p>
+        </p:txBody>
+      </p:sp>
+    </p:spTree>
+  </p:cSld>
+  <p:clrMapOvr>
+    <a:masterClrMapping/>
+  </p:clrMapOvr>
+</p:sld>
+</file>
+
+<file path=ppt/slides/slide11.xml><?xml version="1.0" encoding="utf-8"?>
+<p:sld xmlns:a="http://schemas.openxmlformats.org/drawingml/2006/main" xmlns:r="http://schemas.openxmlformats.org/officeDocument/2006/relationships" xmlns:p="http://schemas.openxmlformats.org/presentationml/2006/main">
+  <p:cSld>
+    <p:spTree>
+      <p:nvGrpSpPr>
+        <p:cNvPr id="1" name=""/>
+        <p:cNvGrpSpPr/>
+        <p:nvPr/>
+      </p:nvGrpSpPr>
+      <p:grpSpPr/>
+      <p:sp>
+        <p:nvSpPr>
+          <p:cNvPr id="2" name="Text Box 1"/>
+          <p:cNvSpPr txBox="1"/>
+          <p:nvPr/>
+        </p:nvSpPr>
+        <p:spPr>
+          <a:xfrm>
+            <a:off x="149860" y="146050"/>
+            <a:ext cx="5080000" cy="2553335"/>
+          </a:xfrm>
+          <a:prstGeom prst="rect">
+            <a:avLst/>
+          </a:prstGeom>
+        </p:spPr>
+        <p:txBody>
+          <a:bodyPr>
+            <a:spAutoFit/>
+          </a:bodyPr>
+          <a:p>
+            <a:pPr>
+              <a:lnSpc>
+                <a:spcPct val="100000"/>
+              </a:lnSpc>
+            </a:pPr>
+            <a:r>
+              <a:rPr lang="en-US" altLang="zh-CN" sz="2000" b="1">
+                <a:solidFill>
+                  <a:schemeClr val="tx1"/>
+                </a:solidFill>
+                <a:latin typeface="Consolas" panose="020B0609020204030204"/>
+                <a:ea typeface="Consolas" panose="020B0609020204030204"/>
+              </a:rPr>
+              <a:t># multiple lines in single plot</a:t>
+            </a:r>
+            <a:endParaRPr lang="en-US" altLang="zh-CN" sz="2000" b="1">
+              <a:solidFill>
+                <a:schemeClr val="tx1"/>
+              </a:solidFill>
+              <a:latin typeface="Consolas" panose="020B0609020204030204"/>
+              <a:ea typeface="Consolas" panose="020B0609020204030204"/>
+            </a:endParaRPr>
+          </a:p>
+          <a:p>
+            <a:pPr>
+              <a:lnSpc>
+                <a:spcPct val="100000"/>
+              </a:lnSpc>
+            </a:pPr>
+            <a:r>
+              <a:rPr lang="en-US" altLang="zh-CN" b="0">
+                <a:solidFill>
+                  <a:schemeClr val="tx1"/>
+                </a:solidFill>
+                <a:latin typeface="Consolas" panose="020B0609020204030204"/>
+                <a:ea typeface="Consolas" panose="020B0609020204030204"/>
+              </a:rPr>
+              <a:t>plt.figure(figsize=(5,5))</a:t>
+            </a:r>
+            <a:endParaRPr lang="en-US" altLang="zh-CN" b="0">
+              <a:solidFill>
+                <a:schemeClr val="tx1"/>
+              </a:solidFill>
+              <a:latin typeface="Consolas" panose="020B0609020204030204"/>
+              <a:ea typeface="Consolas" panose="020B0609020204030204"/>
+            </a:endParaRPr>
+          </a:p>
+          <a:p>
+            <a:pPr>
+              <a:lnSpc>
+                <a:spcPct val="100000"/>
+              </a:lnSpc>
+            </a:pPr>
+            <a:r>
+              <a:rPr lang="en-US" altLang="zh-CN" b="0">
+                <a:solidFill>
+                  <a:schemeClr val="tx1"/>
+                </a:solidFill>
+                <a:latin typeface="Consolas" panose="020B0609020204030204"/>
+                <a:ea typeface="Consolas" panose="020B0609020204030204"/>
+              </a:rPr>
+              <a:t>x=np.linspace(0, 2, 100)</a:t>
+            </a:r>
+            <a:endParaRPr lang="en-US" altLang="zh-CN" b="0">
+              <a:solidFill>
+                <a:schemeClr val="tx1"/>
+              </a:solidFill>
+              <a:latin typeface="Consolas" panose="020B0609020204030204"/>
+              <a:ea typeface="Consolas" panose="020B0609020204030204"/>
+            </a:endParaRPr>
+          </a:p>
+          <a:p>
+            <a:pPr>
+              <a:lnSpc>
+                <a:spcPct val="100000"/>
+              </a:lnSpc>
+            </a:pPr>
+            <a:r>
+              <a:rPr lang="en-US" altLang="zh-CN" b="0">
+                <a:solidFill>
+                  <a:schemeClr val="tx1"/>
+                </a:solidFill>
+                <a:latin typeface="Consolas" panose="020B0609020204030204"/>
+                <a:ea typeface="Consolas" panose="020B0609020204030204"/>
+              </a:rPr>
+              <a:t>plt.plot(x, x, label='linear')  </a:t>
+            </a:r>
+            <a:endParaRPr lang="en-US" altLang="zh-CN" b="0">
+              <a:solidFill>
+                <a:schemeClr val="tx1"/>
+              </a:solidFill>
+              <a:latin typeface="Consolas" panose="020B0609020204030204"/>
+              <a:ea typeface="Consolas" panose="020B0609020204030204"/>
+            </a:endParaRPr>
+          </a:p>
+          <a:p>
+            <a:pPr>
+              <a:lnSpc>
+                <a:spcPct val="100000"/>
+              </a:lnSpc>
+            </a:pPr>
+            <a:r>
+              <a:rPr lang="en-US" altLang="zh-CN" b="0">
+                <a:solidFill>
+                  <a:schemeClr val="tx1"/>
+                </a:solidFill>
+                <a:latin typeface="Consolas" panose="020B0609020204030204"/>
+                <a:ea typeface="Consolas" panose="020B0609020204030204"/>
+              </a:rPr>
+              <a:t>plt.plot(x, x**2, label='quadratic')</a:t>
+            </a:r>
+            <a:endParaRPr lang="en-US" altLang="zh-CN" b="0">
+              <a:solidFill>
+                <a:schemeClr val="tx1"/>
+              </a:solidFill>
+              <a:latin typeface="Consolas" panose="020B0609020204030204"/>
+              <a:ea typeface="Consolas" panose="020B0609020204030204"/>
+            </a:endParaRPr>
+          </a:p>
+          <a:p>
+            <a:pPr>
+              <a:lnSpc>
+                <a:spcPct val="100000"/>
+              </a:lnSpc>
+            </a:pPr>
+            <a:r>
+              <a:rPr lang="en-US" altLang="zh-CN" b="0">
+                <a:solidFill>
+                  <a:schemeClr val="tx1"/>
+                </a:solidFill>
+                <a:latin typeface="Consolas" panose="020B0609020204030204"/>
+                <a:ea typeface="Consolas" panose="020B0609020204030204"/>
+              </a:rPr>
+              <a:t>plt.plot(x, x**3, label='cubic')</a:t>
+            </a:r>
+            <a:endParaRPr lang="en-US" altLang="zh-CN" b="0">
+              <a:solidFill>
+                <a:schemeClr val="tx1"/>
+              </a:solidFill>
+              <a:latin typeface="Consolas" panose="020B0609020204030204"/>
+              <a:ea typeface="Consolas" panose="020B0609020204030204"/>
+            </a:endParaRPr>
+          </a:p>
+          <a:p>
+            <a:pPr>
+              <a:lnSpc>
+                <a:spcPct val="100000"/>
+              </a:lnSpc>
+            </a:pPr>
+            <a:r>
+              <a:rPr lang="en-US" altLang="zh-CN" b="0">
+                <a:solidFill>
+                  <a:schemeClr val="tx1"/>
+                </a:solidFill>
+                <a:latin typeface="Consolas" panose="020B0609020204030204"/>
+                <a:ea typeface="Consolas" panose="020B0609020204030204"/>
+              </a:rPr>
+              <a:t>plt.xlabel('x label')</a:t>
+            </a:r>
+            <a:endParaRPr lang="en-US" altLang="zh-CN" b="0">
+              <a:solidFill>
+                <a:schemeClr val="tx1"/>
+              </a:solidFill>
+              <a:latin typeface="Consolas" panose="020B0609020204030204"/>
+              <a:ea typeface="Consolas" panose="020B0609020204030204"/>
+            </a:endParaRPr>
+          </a:p>
+          <a:p>
+            <a:pPr>
+              <a:lnSpc>
+                <a:spcPct val="100000"/>
+              </a:lnSpc>
+            </a:pPr>
+            <a:r>
+              <a:rPr lang="en-US" altLang="zh-CN" b="0">
+                <a:solidFill>
+                  <a:schemeClr val="tx1"/>
+                </a:solidFill>
+                <a:latin typeface="Consolas" panose="020B0609020204030204"/>
+                <a:ea typeface="Consolas" panose="020B0609020204030204"/>
+              </a:rPr>
+              <a:t>plt.ylabel('y label')</a:t>
+            </a:r>
+            <a:endParaRPr lang="en-US" altLang="zh-CN" b="0">
+              <a:solidFill>
+                <a:schemeClr val="tx1"/>
+              </a:solidFill>
+              <a:latin typeface="Consolas" panose="020B0609020204030204"/>
+              <a:ea typeface="Consolas" panose="020B0609020204030204"/>
+            </a:endParaRPr>
+          </a:p>
+          <a:p>
+            <a:pPr>
+              <a:lnSpc>
+                <a:spcPct val="100000"/>
+              </a:lnSpc>
+            </a:pPr>
+            <a:r>
+              <a:rPr lang="en-US" altLang="zh-CN" b="0">
+                <a:solidFill>
+                  <a:schemeClr val="tx1"/>
+                </a:solidFill>
+                <a:latin typeface="Consolas" panose="020B0609020204030204"/>
+                <a:ea typeface="Consolas" panose="020B0609020204030204"/>
+              </a:rPr>
+              <a:t>plt.title("Simple Plot")</a:t>
+            </a:r>
+            <a:endParaRPr lang="en-US" altLang="zh-CN" b="0">
+              <a:solidFill>
+                <a:schemeClr val="tx1"/>
+              </a:solidFill>
+              <a:latin typeface="Consolas" panose="020B0609020204030204"/>
+              <a:ea typeface="Consolas" panose="020B0609020204030204"/>
+            </a:endParaRPr>
+          </a:p>
+          <a:p>
+            <a:pPr>
+              <a:lnSpc>
+                <a:spcPct val="100000"/>
+              </a:lnSpc>
+            </a:pPr>
+            <a:r>
+              <a:rPr lang="en-US" altLang="zh-CN" b="0">
+                <a:solidFill>
+                  <a:schemeClr val="tx1"/>
+                </a:solidFill>
+                <a:latin typeface="Consolas" panose="020B0609020204030204"/>
+                <a:ea typeface="Consolas" panose="020B0609020204030204"/>
+              </a:rPr>
+              <a:t>plt.legend()</a:t>
+            </a:r>
+            <a:endParaRPr lang="en-US" altLang="zh-CN" b="0">
+              <a:solidFill>
+                <a:schemeClr val="tx1"/>
+              </a:solidFill>
+              <a:latin typeface="Consolas" panose="020B0609020204030204"/>
+              <a:ea typeface="Consolas" panose="020B0609020204030204"/>
+            </a:endParaRPr>
+          </a:p>
+          <a:p>
+            <a:pPr>
+              <a:lnSpc>
+                <a:spcPct val="100000"/>
+              </a:lnSpc>
+            </a:pPr>
+            <a:r>
+              <a:rPr lang="en-US" altLang="zh-CN" b="0">
+                <a:solidFill>
+                  <a:schemeClr val="tx1"/>
+                </a:solidFill>
+                <a:latin typeface="Consolas" panose="020B0609020204030204"/>
+                <a:ea typeface="Consolas" panose="020B0609020204030204"/>
+              </a:rPr>
+              <a:t>plt.show()</a:t>
+            </a:r>
+            <a:endParaRPr lang="en-US" altLang="zh-CN" b="0">
+              <a:solidFill>
+                <a:schemeClr val="tx1"/>
+              </a:solidFill>
+              <a:latin typeface="Consolas" panose="020B0609020204030204"/>
+              <a:ea typeface="Consolas" panose="020B0609020204030204"/>
+            </a:endParaRPr>
+          </a:p>
+        </p:txBody>
+      </p:sp>
+      <p:sp>
+        <p:nvSpPr>
+          <p:cNvPr id="3" name="Text Box 2"/>
+          <p:cNvSpPr txBox="1"/>
+          <p:nvPr/>
+        </p:nvSpPr>
+        <p:spPr>
+          <a:xfrm>
+            <a:off x="4659630" y="295910"/>
+            <a:ext cx="4201795" cy="1876425"/>
+          </a:xfrm>
+          <a:prstGeom prst="rect">
+            <a:avLst/>
+          </a:prstGeom>
+        </p:spPr>
+        <p:txBody>
+          <a:bodyPr wrap="square">
+            <a:spAutoFit/>
+          </a:bodyPr>
+          <a:p>
+            <a:pPr>
+              <a:lnSpc>
+                <a:spcPct val="100000"/>
+              </a:lnSpc>
+            </a:pPr>
+            <a:r>
+              <a:rPr lang="en-US" altLang="zh-CN" sz="1800" b="1">
+                <a:solidFill>
+                  <a:schemeClr val="tx1"/>
+                </a:solidFill>
+                <a:latin typeface="Consolas" panose="020B0609020204030204"/>
+                <a:ea typeface="Consolas" panose="020B0609020204030204"/>
+              </a:rPr>
+              <a:t>seaborn use</a:t>
+            </a:r>
+            <a:endParaRPr lang="en-US" altLang="zh-CN" b="0">
+              <a:solidFill>
+                <a:schemeClr val="tx1"/>
+              </a:solidFill>
+              <a:latin typeface="Consolas" panose="020B0609020204030204"/>
+              <a:ea typeface="Consolas" panose="020B0609020204030204"/>
+            </a:endParaRPr>
+          </a:p>
+          <a:p>
+            <a:pPr>
+              <a:lnSpc>
+                <a:spcPct val="100000"/>
+              </a:lnSpc>
+            </a:pPr>
+            <a:r>
+              <a:rPr lang="en-US" altLang="zh-CN" b="0">
+                <a:solidFill>
+                  <a:schemeClr val="tx1"/>
+                </a:solidFill>
+                <a:latin typeface="Consolas" panose="020B0609020204030204"/>
+                <a:ea typeface="Consolas" panose="020B0609020204030204"/>
+              </a:rPr>
+              <a:t>import seaborn as sns</a:t>
+            </a:r>
+            <a:endParaRPr lang="en-US" altLang="zh-CN" b="0">
+              <a:solidFill>
+                <a:schemeClr val="tx1"/>
+              </a:solidFill>
+              <a:latin typeface="Consolas" panose="020B0609020204030204"/>
+              <a:ea typeface="Consolas" panose="020B0609020204030204"/>
+            </a:endParaRPr>
+          </a:p>
+          <a:p>
+            <a:pPr>
+              <a:lnSpc>
+                <a:spcPct val="100000"/>
+              </a:lnSpc>
+            </a:pPr>
+            <a:r>
+              <a:rPr lang="en-US" altLang="en-US" b="0">
+                <a:solidFill>
+                  <a:schemeClr val="tx1"/>
+                </a:solidFill>
+                <a:latin typeface="Consolas" panose="020B0609020204030204"/>
+                <a:ea typeface="Consolas" panose="020B0609020204030204"/>
+              </a:rPr>
+              <a:t>sns.lineplot(x=x,y=x, label='linear')</a:t>
+            </a:r>
+            <a:endParaRPr lang="en-US" altLang="en-US" b="0">
+              <a:solidFill>
+                <a:schemeClr val="tx1"/>
+              </a:solidFill>
+              <a:latin typeface="Consolas" panose="020B0609020204030204"/>
+              <a:ea typeface="Consolas" panose="020B0609020204030204"/>
+            </a:endParaRPr>
+          </a:p>
+          <a:p>
+            <a:pPr>
+              <a:lnSpc>
+                <a:spcPct val="100000"/>
+              </a:lnSpc>
+            </a:pPr>
+            <a:r>
+              <a:rPr lang="en-US" altLang="en-US" b="0">
+                <a:solidFill>
+                  <a:schemeClr val="tx1"/>
+                </a:solidFill>
+                <a:latin typeface="Consolas" panose="020B0609020204030204"/>
+                <a:ea typeface="Consolas" panose="020B0609020204030204"/>
+              </a:rPr>
+              <a:t>sns.lineplot(x=x,y=x**2, label='q')</a:t>
+            </a:r>
+            <a:endParaRPr lang="en-US" altLang="en-US" b="0">
+              <a:solidFill>
+                <a:schemeClr val="tx1"/>
+              </a:solidFill>
+              <a:latin typeface="Consolas" panose="020B0609020204030204"/>
+              <a:ea typeface="Consolas" panose="020B0609020204030204"/>
+            </a:endParaRPr>
+          </a:p>
+          <a:p>
+            <a:pPr>
+              <a:lnSpc>
+                <a:spcPct val="100000"/>
+              </a:lnSpc>
+            </a:pPr>
+            <a:r>
+              <a:rPr lang="en-US" altLang="en-US" b="0">
+                <a:solidFill>
+                  <a:schemeClr val="tx1"/>
+                </a:solidFill>
+                <a:latin typeface="Consolas" panose="020B0609020204030204"/>
+                <a:ea typeface="Consolas" panose="020B0609020204030204"/>
+              </a:rPr>
+              <a:t>sns.lineplot(x=x,y=x**3, label='c')</a:t>
+            </a:r>
+            <a:endParaRPr lang="en-US" altLang="en-US" b="0">
+              <a:solidFill>
+                <a:schemeClr val="tx1"/>
+              </a:solidFill>
+              <a:latin typeface="Consolas" panose="020B0609020204030204"/>
+              <a:ea typeface="Consolas" panose="020B0609020204030204"/>
+            </a:endParaRPr>
+          </a:p>
+          <a:p>
+            <a:pPr>
+              <a:lnSpc>
+                <a:spcPct val="100000"/>
+              </a:lnSpc>
+            </a:pPr>
+            <a:r>
+              <a:rPr lang="en-US" altLang="en-US" b="0">
+                <a:solidFill>
+                  <a:schemeClr val="tx1"/>
+                </a:solidFill>
+                <a:latin typeface="Consolas" panose="020B0609020204030204"/>
+                <a:ea typeface="Consolas" panose="020B0609020204030204"/>
+              </a:rPr>
+              <a:t>plt.title(" line graph")</a:t>
+            </a:r>
+            <a:endParaRPr lang="en-US" altLang="en-US" b="0">
+              <a:solidFill>
+                <a:schemeClr val="tx1"/>
+              </a:solidFill>
+              <a:latin typeface="Consolas" panose="020B0609020204030204"/>
+              <a:ea typeface="Consolas" panose="020B0609020204030204"/>
+            </a:endParaRPr>
+          </a:p>
+          <a:p>
+            <a:pPr>
+              <a:lnSpc>
+                <a:spcPct val="100000"/>
+              </a:lnSpc>
+            </a:pPr>
+            <a:endParaRPr lang="en-US" altLang="en-US" b="0">
+              <a:solidFill>
+                <a:schemeClr val="tx1"/>
+              </a:solidFill>
+              <a:latin typeface="Consolas" panose="020B0609020204030204"/>
+              <a:ea typeface="Consolas" panose="020B0609020204030204"/>
+            </a:endParaRPr>
+          </a:p>
+          <a:p>
+            <a:pPr>
+              <a:lnSpc>
+                <a:spcPct val="100000"/>
+              </a:lnSpc>
+            </a:pPr>
+            <a:r>
+              <a:rPr lang="en-US" altLang="en-US" b="0">
+                <a:solidFill>
+                  <a:schemeClr val="tx1"/>
+                </a:solidFill>
+                <a:latin typeface="Consolas" panose="020B0609020204030204"/>
+                <a:ea typeface="Consolas" panose="020B0609020204030204"/>
+              </a:rPr>
+              <a:t>plt.show()</a:t>
+            </a:r>
+            <a:endParaRPr lang="en-US" altLang="en-US" b="0">
+              <a:solidFill>
+                <a:schemeClr val="tx1"/>
+              </a:solidFill>
+              <a:latin typeface="Consolas" panose="020B0609020204030204"/>
+              <a:ea typeface="Consolas" panose="020B0609020204030204"/>
+            </a:endParaRPr>
+          </a:p>
+        </p:txBody>
+      </p:sp>
+    </p:spTree>
+  </p:cSld>
+  <p:clrMapOvr>
+    <a:masterClrMapping/>
+  </p:clrMapOvr>
+</p:sld>
+</file>
+
+<file path=ppt/slides/slide12.xml><?xml version="1.0" encoding="utf-8"?>
+<p:sld xmlns:a="http://schemas.openxmlformats.org/drawingml/2006/main" xmlns:r="http://schemas.openxmlformats.org/officeDocument/2006/relationships" xmlns:p="http://schemas.openxmlformats.org/presentationml/2006/main">
+  <p:cSld>
+    <p:spTree>
+      <p:nvGrpSpPr>
+        <p:cNvPr id="1" name=""/>
+        <p:cNvGrpSpPr/>
+        <p:nvPr/>
+      </p:nvGrpSpPr>
+      <p:grpSpPr/>
       <p:pic>
         <p:nvPicPr>
-          <p:cNvPr id="4" name="Picture 3"/>
+          <p:cNvPr id="2" name="Picture 1"/>
           <p:cNvPicPr/>
           <p:nvPr/>
         </p:nvPicPr>
@@ -5547,7 +8296,7 @@
 </p:sld>
 </file>
 
-<file path=ppt/slides/slide11.xml><?xml version="1.0" encoding="utf-8"?>
+<file path=ppt/slides/slide13.xml><?xml version="1.0" encoding="utf-8"?>
 <p:sld xmlns:a="http://schemas.openxmlformats.org/drawingml/2006/main" xmlns:r="http://schemas.openxmlformats.org/officeDocument/2006/relationships" xmlns:p="http://schemas.openxmlformats.org/presentationml/2006/main">
   <p:cSld>
     <p:spTree>
@@ -5565,7 +8314,7 @@
         </p:nvSpPr>
         <p:spPr>
           <a:xfrm>
-            <a:off x="1313180" y="375920"/>
+            <a:off x="360045" y="167005"/>
             <a:ext cx="3048000" cy="306705"/>
           </a:xfrm>
           <a:prstGeom prst="rect">
@@ -5610,7 +8359,7 @@
         </p:nvSpPr>
         <p:spPr>
           <a:xfrm>
-            <a:off x="989330" y="742315"/>
+            <a:off x="260985" y="2571750"/>
             <a:ext cx="5080000" cy="2245360"/>
           </a:xfrm>
           <a:prstGeom prst="rect">
@@ -5803,7 +8552,41 @@
                 <a:latin typeface="Consolas" panose="020B0609020204030204"/>
                 <a:ea typeface="Consolas" panose="020B0609020204030204"/>
               </a:rPr>
-              <a:t>plt.legend()</a:t>
+              <a:t>plt.legend(loc=</a:t>
+            </a:r>
+            <a:r>
+              <a:rPr lang="en-US" altLang="zh-CN">
+                <a:solidFill>
+                  <a:srgbClr val="333333"/>
+                </a:solidFill>
+                <a:latin typeface="Candara" panose="020E0502030303020204" charset="0"/>
+                <a:ea typeface="-apple-system"/>
+                <a:cs typeface="Candara" panose="020E0502030303020204" charset="0"/>
+                <a:sym typeface="+mn-ea"/>
+              </a:rPr>
+              <a:t> </a:t>
+            </a:r>
+            <a:r>
+              <a:rPr lang="en-US" altLang="zh-CN">
+                <a:solidFill>
+                  <a:srgbClr val="912583"/>
+                </a:solidFill>
+                <a:latin typeface="Candara" panose="020E0502030303020204" charset="0"/>
+                <a:ea typeface="SFMono-Regular"/>
+                <a:cs typeface="Candara" panose="020E0502030303020204" charset="0"/>
+                <a:sym typeface="+mn-ea"/>
+              </a:rPr>
+              <a:t>'upper left'</a:t>
+            </a:r>
+            <a:r>
+              <a:rPr lang="en-US" altLang="zh-CN" b="0">
+                <a:solidFill>
+                  <a:schemeClr val="tx1"/>
+                </a:solidFill>
+                <a:latin typeface="Consolas" panose="020B0609020204030204"/>
+                <a:ea typeface="Consolas" panose="020B0609020204030204"/>
+              </a:rPr>
+              <a:t>)</a:t>
             </a:r>
             <a:endParaRPr lang="en-US" altLang="zh-CN" b="0">
               <a:solidFill>
@@ -5828,6 +8611,484 @@
                 <a:ea typeface="Consolas" panose="020B0609020204030204"/>
               </a:rPr>
               <a:t>plt.show()</a:t>
+            </a:r>
+            <a:endParaRPr lang="en-US" altLang="zh-CN" b="0">
+              <a:solidFill>
+                <a:schemeClr val="tx1"/>
+              </a:solidFill>
+              <a:latin typeface="Consolas" panose="020B0609020204030204"/>
+              <a:ea typeface="Consolas" panose="020B0609020204030204"/>
+            </a:endParaRPr>
+          </a:p>
+        </p:txBody>
+      </p:sp>
+      <p:sp>
+        <p:nvSpPr>
+          <p:cNvPr id="4" name="Text Box 3"/>
+          <p:cNvSpPr txBox="1"/>
+          <p:nvPr/>
+        </p:nvSpPr>
+        <p:spPr>
+          <a:xfrm>
+            <a:off x="5426710" y="3101340"/>
+            <a:ext cx="3655060" cy="1660525"/>
+          </a:xfrm>
+          <a:prstGeom prst="rect">
+            <a:avLst/>
+          </a:prstGeom>
+        </p:spPr>
+        <p:txBody>
+          <a:bodyPr wrap="square">
+            <a:spAutoFit/>
+          </a:bodyPr>
+          <a:p>
+            <a:pPr marL="0" indent="0">
+              <a:spcBef>
+                <a:spcPct val="0"/>
+              </a:spcBef>
+              <a:spcAft>
+                <a:spcPct val="0"/>
+              </a:spcAft>
+            </a:pPr>
+            <a:r>
+              <a:rPr lang="en-US" altLang="zh-CN" sz="1000" b="1" i="0">
+                <a:solidFill>
+                  <a:srgbClr val="333333"/>
+                </a:solidFill>
+                <a:latin typeface="Candara" panose="020E0502030303020204" charset="0"/>
+                <a:ea typeface="-apple-system"/>
+                <a:cs typeface="Candara" panose="020E0502030303020204" charset="0"/>
+              </a:rPr>
+              <a:t>str or pair of floats, default: </a:t>
+            </a:r>
+            <a:r>
+              <a:rPr lang="en-US" altLang="zh-CN" sz="1200" b="1" i="0">
+                <a:solidFill>
+                  <a:srgbClr val="0F4D70"/>
+                </a:solidFill>
+                <a:latin typeface="Candara" panose="020E0502030303020204" charset="0"/>
+                <a:ea typeface="SFMono-Regular"/>
+                <a:cs typeface="Candara" panose="020E0502030303020204" charset="0"/>
+                <a:hlinkClick r:id="rId1"/>
+              </a:rPr>
+              <a:t>rcParams["legend.loc"]</a:t>
+            </a:r>
+            <a:r>
+              <a:rPr lang="en-US" altLang="zh-CN" sz="1000" b="1" i="0">
+                <a:solidFill>
+                  <a:srgbClr val="333333"/>
+                </a:solidFill>
+                <a:latin typeface="Candara" panose="020E0502030303020204" charset="0"/>
+                <a:ea typeface="-apple-system"/>
+                <a:cs typeface="Candara" panose="020E0502030303020204" charset="0"/>
+              </a:rPr>
+              <a:t> (default: </a:t>
+            </a:r>
+            <a:r>
+              <a:rPr lang="en-US" altLang="zh-CN" sz="1200" b="1" i="0">
+                <a:solidFill>
+                  <a:srgbClr val="912583"/>
+                </a:solidFill>
+                <a:latin typeface="Candara" panose="020E0502030303020204" charset="0"/>
+                <a:ea typeface="SFMono-Regular"/>
+                <a:cs typeface="Candara" panose="020E0502030303020204" charset="0"/>
+              </a:rPr>
+              <a:t>'best'</a:t>
+            </a:r>
+            <a:r>
+              <a:rPr lang="en-US" altLang="zh-CN" sz="1000" b="1" i="0">
+                <a:solidFill>
+                  <a:srgbClr val="333333"/>
+                </a:solidFill>
+                <a:latin typeface="Candara" panose="020E0502030303020204" charset="0"/>
+                <a:ea typeface="-apple-system"/>
+                <a:cs typeface="Candara" panose="020E0502030303020204" charset="0"/>
+              </a:rPr>
+              <a:t>)</a:t>
+            </a:r>
+            <a:endParaRPr lang="en-US" altLang="zh-CN" sz="1000" b="1" i="0">
+              <a:solidFill>
+                <a:srgbClr val="333333"/>
+              </a:solidFill>
+              <a:latin typeface="Candara" panose="020E0502030303020204" charset="0"/>
+              <a:ea typeface="-apple-system"/>
+              <a:cs typeface="Candara" panose="020E0502030303020204" charset="0"/>
+            </a:endParaRPr>
+          </a:p>
+          <a:p>
+            <a:pPr marL="0" indent="0">
+              <a:spcBef>
+                <a:spcPct val="0"/>
+              </a:spcBef>
+              <a:spcAft>
+                <a:spcPct val="0"/>
+              </a:spcAft>
+            </a:pPr>
+            <a:r>
+              <a:rPr lang="en-US" altLang="zh-CN" sz="1600" b="0" i="0">
+                <a:solidFill>
+                  <a:srgbClr val="333333"/>
+                </a:solidFill>
+                <a:latin typeface="Candara" panose="020E0502030303020204" charset="0"/>
+                <a:ea typeface="-apple-system"/>
+                <a:cs typeface="Candara" panose="020E0502030303020204" charset="0"/>
+              </a:rPr>
+              <a:t>The location of the legend.</a:t>
+            </a:r>
+            <a:endParaRPr lang="en-US" altLang="zh-CN" sz="1600" b="0" i="0">
+              <a:solidFill>
+                <a:srgbClr val="333333"/>
+              </a:solidFill>
+              <a:latin typeface="Candara" panose="020E0502030303020204" charset="0"/>
+              <a:ea typeface="-apple-system"/>
+              <a:cs typeface="Candara" panose="020E0502030303020204" charset="0"/>
+            </a:endParaRPr>
+          </a:p>
+          <a:p>
+            <a:pPr marL="0" indent="0">
+              <a:spcBef>
+                <a:spcPct val="0"/>
+              </a:spcBef>
+              <a:spcAft>
+                <a:spcPct val="0"/>
+              </a:spcAft>
+            </a:pPr>
+            <a:r>
+              <a:rPr lang="en-US" altLang="zh-CN" sz="1600" b="0" i="0">
+                <a:solidFill>
+                  <a:srgbClr val="333333"/>
+                </a:solidFill>
+                <a:latin typeface="Candara" panose="020E0502030303020204" charset="0"/>
+                <a:ea typeface="-apple-system"/>
+                <a:cs typeface="Candara" panose="020E0502030303020204" charset="0"/>
+              </a:rPr>
+              <a:t>The strings </a:t>
+            </a:r>
+            <a:r>
+              <a:rPr lang="en-US" altLang="zh-CN" sz="1200" b="0" i="0">
+                <a:solidFill>
+                  <a:srgbClr val="912583"/>
+                </a:solidFill>
+                <a:latin typeface="Candara" panose="020E0502030303020204" charset="0"/>
+                <a:ea typeface="SFMono-Regular"/>
+                <a:cs typeface="Candara" panose="020E0502030303020204" charset="0"/>
+              </a:rPr>
+              <a:t>'upper left'</a:t>
+            </a:r>
+            <a:r>
+              <a:rPr lang="en-US" altLang="zh-CN" sz="1600" b="0" i="0">
+                <a:solidFill>
+                  <a:srgbClr val="333333"/>
+                </a:solidFill>
+                <a:latin typeface="Candara" panose="020E0502030303020204" charset="0"/>
+                <a:ea typeface="-apple-system"/>
+                <a:cs typeface="Candara" panose="020E0502030303020204" charset="0"/>
+              </a:rPr>
+              <a:t>, </a:t>
+            </a:r>
+            <a:r>
+              <a:rPr lang="en-US" altLang="zh-CN" sz="1200" b="0" i="0">
+                <a:solidFill>
+                  <a:srgbClr val="912583"/>
+                </a:solidFill>
+                <a:latin typeface="Candara" panose="020E0502030303020204" charset="0"/>
+                <a:ea typeface="SFMono-Regular"/>
+                <a:cs typeface="Candara" panose="020E0502030303020204" charset="0"/>
+              </a:rPr>
+              <a:t>'upper right'</a:t>
+            </a:r>
+            <a:r>
+              <a:rPr lang="en-US" altLang="zh-CN" sz="1600" b="0" i="0">
+                <a:solidFill>
+                  <a:srgbClr val="333333"/>
+                </a:solidFill>
+                <a:latin typeface="Candara" panose="020E0502030303020204" charset="0"/>
+                <a:ea typeface="-apple-system"/>
+                <a:cs typeface="Candara" panose="020E0502030303020204" charset="0"/>
+              </a:rPr>
+              <a:t>, </a:t>
+            </a:r>
+            <a:r>
+              <a:rPr lang="en-US" altLang="zh-CN" sz="1200" b="0" i="0">
+                <a:solidFill>
+                  <a:srgbClr val="912583"/>
+                </a:solidFill>
+                <a:latin typeface="Candara" panose="020E0502030303020204" charset="0"/>
+                <a:ea typeface="SFMono-Regular"/>
+                <a:cs typeface="Candara" panose="020E0502030303020204" charset="0"/>
+              </a:rPr>
+              <a:t>'lower left'</a:t>
+            </a:r>
+            <a:r>
+              <a:rPr lang="en-US" altLang="zh-CN" sz="1600" b="0" i="0">
+                <a:solidFill>
+                  <a:srgbClr val="333333"/>
+                </a:solidFill>
+                <a:latin typeface="Candara" panose="020E0502030303020204" charset="0"/>
+                <a:ea typeface="-apple-system"/>
+                <a:cs typeface="Candara" panose="020E0502030303020204" charset="0"/>
+              </a:rPr>
+              <a:t>, </a:t>
+            </a:r>
+            <a:r>
+              <a:rPr lang="en-US" altLang="zh-CN" sz="1200" b="0" i="0">
+                <a:solidFill>
+                  <a:srgbClr val="912583"/>
+                </a:solidFill>
+                <a:latin typeface="Candara" panose="020E0502030303020204" charset="0"/>
+                <a:ea typeface="SFMono-Regular"/>
+                <a:cs typeface="Candara" panose="020E0502030303020204" charset="0"/>
+              </a:rPr>
+              <a:t>'lower right'</a:t>
+            </a:r>
+            <a:r>
+              <a:rPr lang="en-US" altLang="zh-CN" sz="1600" b="0" i="0">
+                <a:solidFill>
+                  <a:srgbClr val="333333"/>
+                </a:solidFill>
+                <a:latin typeface="Candara" panose="020E0502030303020204" charset="0"/>
+                <a:ea typeface="-apple-system"/>
+                <a:cs typeface="Candara" panose="020E0502030303020204" charset="0"/>
+              </a:rPr>
+              <a:t> place the legend at the corresponding corner of the axes.</a:t>
+            </a:r>
+            <a:endParaRPr lang="en-US" altLang="zh-CN" sz="1600" b="0" i="0">
+              <a:solidFill>
+                <a:srgbClr val="333333"/>
+              </a:solidFill>
+              <a:latin typeface="Candara" panose="020E0502030303020204" charset="0"/>
+              <a:ea typeface="-apple-system"/>
+              <a:cs typeface="Candara" panose="020E0502030303020204" charset="0"/>
+            </a:endParaRPr>
+          </a:p>
+        </p:txBody>
+      </p:sp>
+      <p:sp>
+        <p:nvSpPr>
+          <p:cNvPr id="5" name="Text Box 4"/>
+          <p:cNvSpPr txBox="1"/>
+          <p:nvPr/>
+        </p:nvSpPr>
+        <p:spPr>
+          <a:xfrm>
+            <a:off x="196215" y="664845"/>
+            <a:ext cx="7287260" cy="2030095"/>
+          </a:xfrm>
+          <a:prstGeom prst="rect">
+            <a:avLst/>
+          </a:prstGeom>
+        </p:spPr>
+        <p:txBody>
+          <a:bodyPr wrap="square">
+            <a:spAutoFit/>
+          </a:bodyPr>
+          <a:p>
+            <a:pPr>
+              <a:lnSpc>
+                <a:spcPct val="100000"/>
+              </a:lnSpc>
+            </a:pPr>
+            <a:r>
+              <a:rPr lang="en-US" altLang="zh-CN" b="0">
+                <a:solidFill>
+                  <a:schemeClr val="tx1"/>
+                </a:solidFill>
+                <a:latin typeface="Consolas" panose="020B0609020204030204"/>
+                <a:ea typeface="Consolas" panose="020B0609020204030204"/>
+              </a:rPr>
+              <a:t># create a plot figure</a:t>
+            </a:r>
+            <a:endParaRPr lang="en-US" altLang="zh-CN" b="0">
+              <a:solidFill>
+                <a:schemeClr val="tx1"/>
+              </a:solidFill>
+              <a:latin typeface="Consolas" panose="020B0609020204030204"/>
+              <a:ea typeface="Consolas" panose="020B0609020204030204"/>
+            </a:endParaRPr>
+          </a:p>
+          <a:p>
+            <a:pPr>
+              <a:lnSpc>
+                <a:spcPct val="100000"/>
+              </a:lnSpc>
+            </a:pPr>
+            <a:r>
+              <a:rPr lang="en-US" altLang="zh-CN" b="0">
+                <a:solidFill>
+                  <a:schemeClr val="tx1"/>
+                </a:solidFill>
+                <a:latin typeface="Consolas" panose="020B0609020204030204"/>
+                <a:ea typeface="Consolas" panose="020B0609020204030204"/>
+              </a:rPr>
+              <a:t>plt.figure()</a:t>
+            </a:r>
+            <a:endParaRPr lang="en-US" altLang="zh-CN" b="0">
+              <a:solidFill>
+                <a:schemeClr val="tx1"/>
+              </a:solidFill>
+              <a:latin typeface="Consolas" panose="020B0609020204030204"/>
+              <a:ea typeface="Consolas" panose="020B0609020204030204"/>
+            </a:endParaRPr>
+          </a:p>
+          <a:p>
+            <a:pPr>
+              <a:lnSpc>
+                <a:spcPct val="100000"/>
+              </a:lnSpc>
+            </a:pPr>
+            <a:r>
+              <a:rPr lang="en-US" altLang="zh-CN" b="0">
+                <a:solidFill>
+                  <a:schemeClr val="tx1"/>
+                </a:solidFill>
+                <a:latin typeface="Consolas" panose="020B0609020204030204"/>
+                <a:ea typeface="Consolas" panose="020B0609020204030204"/>
+              </a:rPr>
+              <a:t># create the first of two panels and set current axis</a:t>
+            </a:r>
+            <a:endParaRPr lang="en-US" altLang="zh-CN" b="0">
+              <a:solidFill>
+                <a:schemeClr val="tx1"/>
+              </a:solidFill>
+              <a:latin typeface="Consolas" panose="020B0609020204030204"/>
+              <a:ea typeface="Consolas" panose="020B0609020204030204"/>
+            </a:endParaRPr>
+          </a:p>
+          <a:p>
+            <a:pPr>
+              <a:lnSpc>
+                <a:spcPct val="100000"/>
+              </a:lnSpc>
+            </a:pPr>
+            <a:r>
+              <a:rPr lang="en-US" altLang="zh-CN" b="0">
+                <a:solidFill>
+                  <a:schemeClr val="tx1"/>
+                </a:solidFill>
+                <a:latin typeface="Consolas" panose="020B0609020204030204"/>
+                <a:ea typeface="Consolas" panose="020B0609020204030204"/>
+              </a:rPr>
+              <a:t>plt.subplot(2, 1, 1)   # (rows, columns, panel number)</a:t>
+            </a:r>
+            <a:endParaRPr lang="en-US" altLang="zh-CN" b="0">
+              <a:solidFill>
+                <a:schemeClr val="tx1"/>
+              </a:solidFill>
+              <a:latin typeface="Consolas" panose="020B0609020204030204"/>
+              <a:ea typeface="Consolas" panose="020B0609020204030204"/>
+            </a:endParaRPr>
+          </a:p>
+          <a:p>
+            <a:pPr>
+              <a:lnSpc>
+                <a:spcPct val="100000"/>
+              </a:lnSpc>
+            </a:pPr>
+            <a:r>
+              <a:rPr lang="en-US" altLang="zh-CN" b="0">
+                <a:solidFill>
+                  <a:schemeClr val="tx1"/>
+                </a:solidFill>
+                <a:latin typeface="Consolas" panose="020B0609020204030204"/>
+                <a:ea typeface="Consolas" panose="020B0609020204030204"/>
+              </a:rPr>
+              <a:t>plt.plot(x1, np.sin(x1))</a:t>
+            </a:r>
+            <a:endParaRPr lang="en-US" altLang="zh-CN" b="0">
+              <a:solidFill>
+                <a:schemeClr val="tx1"/>
+              </a:solidFill>
+              <a:latin typeface="Consolas" panose="020B0609020204030204"/>
+              <a:ea typeface="Consolas" panose="020B0609020204030204"/>
+            </a:endParaRPr>
+          </a:p>
+          <a:p>
+            <a:pPr>
+              <a:lnSpc>
+                <a:spcPct val="100000"/>
+              </a:lnSpc>
+            </a:pPr>
+            <a:r>
+              <a:rPr lang="en-US" altLang="zh-CN" b="0">
+                <a:solidFill>
+                  <a:schemeClr val="tx1"/>
+                </a:solidFill>
+                <a:latin typeface="Consolas" panose="020B0609020204030204"/>
+                <a:ea typeface="Consolas" panose="020B0609020204030204"/>
+              </a:rPr>
+              <a:t># create the second of two panels and set current axis</a:t>
+            </a:r>
+            <a:endParaRPr lang="en-US" altLang="zh-CN" b="0">
+              <a:solidFill>
+                <a:schemeClr val="tx1"/>
+              </a:solidFill>
+              <a:latin typeface="Consolas" panose="020B0609020204030204"/>
+              <a:ea typeface="Consolas" panose="020B0609020204030204"/>
+            </a:endParaRPr>
+          </a:p>
+          <a:p>
+            <a:pPr>
+              <a:lnSpc>
+                <a:spcPct val="100000"/>
+              </a:lnSpc>
+            </a:pPr>
+            <a:r>
+              <a:rPr lang="en-US" altLang="zh-CN" b="0">
+                <a:solidFill>
+                  <a:schemeClr val="tx1"/>
+                </a:solidFill>
+                <a:latin typeface="Consolas" panose="020B0609020204030204"/>
+                <a:ea typeface="Consolas" panose="020B0609020204030204"/>
+              </a:rPr>
+              <a:t>plt.subplot(2, 1, 2)   # (rows, columns, panel number)</a:t>
+            </a:r>
+            <a:endParaRPr lang="en-US" altLang="zh-CN" b="0">
+              <a:solidFill>
+                <a:schemeClr val="tx1"/>
+              </a:solidFill>
+              <a:latin typeface="Consolas" panose="020B0609020204030204"/>
+              <a:ea typeface="Consolas" panose="020B0609020204030204"/>
+            </a:endParaRPr>
+          </a:p>
+          <a:p>
+            <a:pPr>
+              <a:lnSpc>
+                <a:spcPct val="100000"/>
+              </a:lnSpc>
+            </a:pPr>
+            <a:r>
+              <a:rPr lang="en-US" altLang="zh-CN" b="0">
+                <a:solidFill>
+                  <a:schemeClr val="tx1"/>
+                </a:solidFill>
+                <a:latin typeface="Consolas" panose="020B0609020204030204"/>
+                <a:ea typeface="Consolas" panose="020B0609020204030204"/>
+              </a:rPr>
+              <a:t>plt.plot(x1, np.cos(x1));</a:t>
+            </a:r>
+            <a:endParaRPr lang="en-US" altLang="zh-CN" b="0">
+              <a:solidFill>
+                <a:schemeClr val="tx1"/>
+              </a:solidFill>
+              <a:latin typeface="Consolas" panose="020B0609020204030204"/>
+              <a:ea typeface="Consolas" panose="020B0609020204030204"/>
+            </a:endParaRPr>
+          </a:p>
+          <a:p>
+            <a:pPr>
+              <a:lnSpc>
+                <a:spcPct val="100000"/>
+              </a:lnSpc>
+            </a:pPr>
+            <a:r>
+              <a:rPr lang="en-US" altLang="zh-CN" b="0">
+                <a:solidFill>
+                  <a:schemeClr val="tx1"/>
+                </a:solidFill>
+                <a:latin typeface="Consolas" panose="020B0609020204030204"/>
+                <a:ea typeface="Consolas" panose="020B0609020204030204"/>
+              </a:rPr>
+              <a:t>#==================================================================</a:t>
             </a:r>
             <a:endParaRPr lang="en-US" altLang="zh-CN" b="0">
               <a:solidFill>
@@ -5847,7 +9108,7 @@
 </p:sld>
 </file>
 
-<file path=ppt/slides/slide12.xml><?xml version="1.0" encoding="utf-8"?>
+<file path=ppt/slides/slide14.xml><?xml version="1.0" encoding="utf-8"?>
 <p:sld xmlns:a="http://schemas.openxmlformats.org/drawingml/2006/main" xmlns:r="http://schemas.openxmlformats.org/officeDocument/2006/relationships" xmlns:p="http://schemas.openxmlformats.org/presentationml/2006/main">
   <p:cSld>
     <p:spTree>
@@ -6342,7 +9603,7 @@
 </p:sld>
 </file>
 
-<file path=ppt/slides/slide13.xml><?xml version="1.0" encoding="utf-8"?>
+<file path=ppt/slides/slide15.xml><?xml version="1.0" encoding="utf-8"?>
 <p:sld xmlns:a="http://schemas.openxmlformats.org/drawingml/2006/main" xmlns:r="http://schemas.openxmlformats.org/officeDocument/2006/relationships" xmlns:p="http://schemas.openxmlformats.org/presentationml/2006/main">
   <p:cSld>
     <p:spTree>
@@ -6762,7 +10023,7 @@
 </p:sld>
 </file>
 
-<file path=ppt/slides/slide14.xml><?xml version="1.0" encoding="utf-8"?>
+<file path=ppt/slides/slide16.xml><?xml version="1.0" encoding="utf-8"?>
 <p:sld xmlns:a="http://schemas.openxmlformats.org/drawingml/2006/main" xmlns:r="http://schemas.openxmlformats.org/officeDocument/2006/relationships" xmlns:p="http://schemas.openxmlformats.org/presentationml/2006/main">
   <p:cSld>
     <p:spTree>
@@ -7552,7 +10813,7 @@
 </p:sld>
 </file>
 
-<file path=ppt/slides/slide15.xml><?xml version="1.0" encoding="utf-8"?>
+<file path=ppt/slides/slide17.xml><?xml version="1.0" encoding="utf-8"?>
 <p:sld xmlns:a="http://schemas.openxmlformats.org/drawingml/2006/main" xmlns:r="http://schemas.openxmlformats.org/officeDocument/2006/relationships" xmlns:p="http://schemas.openxmlformats.org/presentationml/2006/main">
   <p:cSld>
     <p:spTree>
@@ -7907,7 +11168,7 @@
 </p:sld>
 </file>
 
-<file path=ppt/slides/slide16.xml><?xml version="1.0" encoding="utf-8"?>
+<file path=ppt/slides/slide18.xml><?xml version="1.0" encoding="utf-8"?>
 <p:sld xmlns:a="http://schemas.openxmlformats.org/drawingml/2006/main" xmlns:r="http://schemas.openxmlformats.org/officeDocument/2006/relationships" xmlns:p="http://schemas.openxmlformats.org/presentationml/2006/main">
   <p:cSld>
     <p:spTree>
@@ -8217,7 +11478,7 @@
 </p:sld>
 </file>
 
-<file path=ppt/slides/slide17.xml><?xml version="1.0" encoding="utf-8"?>
+<file path=ppt/slides/slide19.xml><?xml version="1.0" encoding="utf-8"?>
 <p:sld xmlns:a="http://schemas.openxmlformats.org/drawingml/2006/main" xmlns:r="http://schemas.openxmlformats.org/officeDocument/2006/relationships" xmlns:p="http://schemas.openxmlformats.org/presentationml/2006/main">
   <p:cSld>
     <p:spTree>
@@ -8699,7 +11960,116 @@
 </p:sld>
 </file>
 
-<file path=ppt/slides/slide18.xml><?xml version="1.0" encoding="utf-8"?>
+<file path=ppt/slides/slide2.xml><?xml version="1.0" encoding="utf-8"?>
+<p:sld xmlns:a="http://schemas.openxmlformats.org/drawingml/2006/main" xmlns:r="http://schemas.openxmlformats.org/officeDocument/2006/relationships" xmlns:p="http://schemas.openxmlformats.org/presentationml/2006/main">
+  <p:cSld>
+    <p:spTree>
+      <p:nvGrpSpPr>
+        <p:cNvPr id="1" name=""/>
+        <p:cNvGrpSpPr/>
+        <p:nvPr/>
+      </p:nvGrpSpPr>
+      <p:grpSpPr/>
+      <p:sp>
+        <p:nvSpPr>
+          <p:cNvPr id="4" name="Text Box 3"/>
+          <p:cNvSpPr txBox="1"/>
+          <p:nvPr/>
+        </p:nvSpPr>
+        <p:spPr>
+          <a:xfrm>
+            <a:off x="455930" y="328930"/>
+            <a:ext cx="8240395" cy="1814830"/>
+          </a:xfrm>
+          <a:prstGeom prst="rect">
+            <a:avLst/>
+          </a:prstGeom>
+        </p:spPr>
+        <p:txBody>
+          <a:bodyPr wrap="square">
+            <a:spAutoFit/>
+          </a:bodyPr>
+          <a:p>
+            <a:pPr marL="0" indent="0"/>
+            <a:r>
+              <a:rPr lang="en-US" altLang="zh-CN" sz="1600" b="1" i="0">
+                <a:solidFill>
+                  <a:srgbClr val="001D35"/>
+                </a:solidFill>
+                <a:latin typeface="Google Sans"/>
+                <a:ea typeface="Google Sans"/>
+              </a:rPr>
+              <a:t>Matplotlib and Seaborn</a:t>
+            </a:r>
+            <a:r>
+              <a:rPr lang="en-US" altLang="zh-CN" sz="1600" b="0" i="0">
+                <a:solidFill>
+                  <a:srgbClr val="001D35"/>
+                </a:solidFill>
+                <a:latin typeface="Google Sans"/>
+                <a:ea typeface="Google Sans"/>
+              </a:rPr>
+              <a:t> are Python libraries used for data visualization, each offering a different level of abstraction and functionality. Matplotlib is a foundational, low-level library that provides fine-grained control over plots. </a:t>
+            </a:r>
+            <a:endParaRPr lang="en-US" altLang="zh-CN" sz="1600" b="0" i="0">
+              <a:solidFill>
+                <a:srgbClr val="001D35"/>
+              </a:solidFill>
+              <a:latin typeface="Google Sans"/>
+              <a:ea typeface="Google Sans"/>
+            </a:endParaRPr>
+          </a:p>
+          <a:p>
+            <a:pPr marL="0" indent="0"/>
+            <a:endParaRPr lang="en-US" altLang="zh-CN" sz="1600" b="0" i="0">
+              <a:solidFill>
+                <a:srgbClr val="001D35"/>
+              </a:solidFill>
+              <a:latin typeface="Google Sans"/>
+              <a:ea typeface="Google Sans"/>
+            </a:endParaRPr>
+          </a:p>
+          <a:p>
+            <a:pPr marL="0" indent="0"/>
+            <a:r>
+              <a:rPr lang="en-US" altLang="zh-CN" sz="1600" b="1" i="0">
+                <a:solidFill>
+                  <a:srgbClr val="001D35"/>
+                </a:solidFill>
+                <a:latin typeface="Google Sans"/>
+                <a:ea typeface="Google Sans"/>
+              </a:rPr>
+              <a:t>Seaborn is a high-level library</a:t>
+            </a:r>
+            <a:r>
+              <a:rPr lang="en-US" altLang="zh-CN" sz="1600" b="0" i="0">
+                <a:solidFill>
+                  <a:srgbClr val="001D35"/>
+                </a:solidFill>
+                <a:latin typeface="Google Sans"/>
+                <a:ea typeface="Google Sans"/>
+              </a:rPr>
+              <a:t> built on top of Matplotlib, designed for creating more visually appealing and statistically informative graphics with less code. </a:t>
+            </a:r>
+            <a:endParaRPr lang="en-US" altLang="zh-CN" sz="1600" b="0" i="0">
+              <a:solidFill>
+                <a:srgbClr val="001D35"/>
+              </a:solidFill>
+              <a:latin typeface="Google Sans"/>
+              <a:ea typeface="Google Sans"/>
+            </a:endParaRPr>
+          </a:p>
+        </p:txBody>
+      </p:sp>
+    </p:spTree>
+  </p:cSld>
+  <p:clrMapOvr>
+    <a:masterClrMapping/>
+  </p:clrMapOvr>
+</p:sld>
+</file>
+
+<file path=ppt/slides/slide20.xml><?xml version="1.0" encoding="utf-8"?>
 <p:sld xmlns:a="http://schemas.openxmlformats.org/drawingml/2006/main" xmlns:r="http://schemas.openxmlformats.org/officeDocument/2006/relationships" xmlns:p="http://schemas.openxmlformats.org/presentationml/2006/main">
   <p:cSld>
     <p:spTree>
@@ -8930,7 +12300,7 @@
 </p:sld>
 </file>
 
-<file path=ppt/slides/slide19.xml><?xml version="1.0" encoding="utf-8"?>
+<file path=ppt/slides/slide21.xml><?xml version="1.0" encoding="utf-8"?>
 <p:sld xmlns:a="http://schemas.openxmlformats.org/drawingml/2006/main" xmlns:r="http://schemas.openxmlformats.org/officeDocument/2006/relationships" xmlns:p="http://schemas.openxmlformats.org/presentationml/2006/main">
   <p:cSld>
     <p:spTree>
@@ -9402,96 +12772,7 @@
 </p:sld>
 </file>
 
-<file path=ppt/slides/slide2.xml><?xml version="1.0" encoding="utf-8"?>
-<p:sld xmlns:a="http://schemas.openxmlformats.org/drawingml/2006/main" xmlns:r="http://schemas.openxmlformats.org/officeDocument/2006/relationships" xmlns:p="http://schemas.openxmlformats.org/presentationml/2006/main">
-  <p:cSld>
-    <p:spTree>
-      <p:nvGrpSpPr>
-        <p:cNvPr id="1" name=""/>
-        <p:cNvGrpSpPr/>
-        <p:nvPr/>
-      </p:nvGrpSpPr>
-      <p:grpSpPr/>
-      <p:sp>
-        <p:nvSpPr>
-          <p:cNvPr id="4" name="Text Box 3"/>
-          <p:cNvSpPr txBox="1"/>
-          <p:nvPr/>
-        </p:nvSpPr>
-        <p:spPr>
-          <a:xfrm>
-            <a:off x="455930" y="328613"/>
-            <a:ext cx="5080000" cy="2799715"/>
-          </a:xfrm>
-          <a:prstGeom prst="rect">
-            <a:avLst/>
-          </a:prstGeom>
-        </p:spPr>
-        <p:txBody>
-          <a:bodyPr>
-            <a:spAutoFit/>
-          </a:bodyPr>
-          <a:p>
-            <a:pPr marL="0" indent="0"/>
-            <a:r>
-              <a:rPr lang="en-US" altLang="zh-CN" sz="1600" b="0" i="0">
-                <a:solidFill>
-                  <a:srgbClr val="001D35"/>
-                </a:solidFill>
-                <a:latin typeface="Google Sans"/>
-                <a:ea typeface="Google Sans"/>
-              </a:rPr>
-              <a:t>Matplotlib and Seaborn are Python libraries used for data visualization, each offering a different level of abstraction and functionality. Matplotlib is a foundational, low-level library that provides fine-grained control over plots. </a:t>
-            </a:r>
-            <a:endParaRPr lang="en-US" altLang="zh-CN" sz="1600" b="0" i="0">
-              <a:solidFill>
-                <a:srgbClr val="001D35"/>
-              </a:solidFill>
-              <a:latin typeface="Google Sans"/>
-              <a:ea typeface="Google Sans"/>
-            </a:endParaRPr>
-          </a:p>
-          <a:p>
-            <a:pPr marL="0" indent="0"/>
-            <a:endParaRPr lang="en-US" altLang="zh-CN" sz="1600" b="0" i="0">
-              <a:solidFill>
-                <a:srgbClr val="001D35"/>
-              </a:solidFill>
-              <a:latin typeface="Google Sans"/>
-              <a:ea typeface="Google Sans"/>
-            </a:endParaRPr>
-          </a:p>
-          <a:p>
-            <a:pPr marL="0" indent="0"/>
-            <a:r>
-              <a:rPr lang="en-US" altLang="zh-CN" sz="1600" b="0" i="0">
-                <a:solidFill>
-                  <a:srgbClr val="001D35"/>
-                </a:solidFill>
-                <a:latin typeface="Google Sans"/>
-                <a:ea typeface="Google Sans"/>
-              </a:rPr>
-              <a:t>Seaborn is a high-level library built on top of Matplotlib, designed for creating more visually appealing and statistically informative graphics with less code. </a:t>
-            </a:r>
-            <a:endParaRPr lang="en-US" altLang="zh-CN" sz="1600" b="0" i="0">
-              <a:solidFill>
-                <a:srgbClr val="001D35"/>
-              </a:solidFill>
-              <a:latin typeface="Google Sans"/>
-              <a:ea typeface="Google Sans"/>
-            </a:endParaRPr>
-          </a:p>
-        </p:txBody>
-      </p:sp>
-    </p:spTree>
-  </p:cSld>
-  <p:clrMapOvr>
-    <a:masterClrMapping/>
-  </p:clrMapOvr>
-</p:sld>
-</file>
-
-<file path=ppt/slides/slide20.xml><?xml version="1.0" encoding="utf-8"?>
+<file path=ppt/slides/slide22.xml><?xml version="1.0" encoding="utf-8"?>
 <p:sld xmlns:a="http://schemas.openxmlformats.org/drawingml/2006/main" xmlns:r="http://schemas.openxmlformats.org/officeDocument/2006/relationships" xmlns:p="http://schemas.openxmlformats.org/presentationml/2006/main">
   <p:cSld>
     <p:spTree>
@@ -9664,7 +12945,7 @@
 </p:sld>
 </file>
 
-<file path=ppt/slides/slide21.xml><?xml version="1.0" encoding="utf-8"?>
+<file path=ppt/slides/slide23.xml><?xml version="1.0" encoding="utf-8"?>
 <p:sld xmlns:a="http://schemas.openxmlformats.org/drawingml/2006/main" xmlns:r="http://schemas.openxmlformats.org/officeDocument/2006/relationships" xmlns:p="http://schemas.openxmlformats.org/presentationml/2006/main">
   <p:cSld>
     <p:spTree>
@@ -10116,7 +13397,7 @@
 </p:sld>
 </file>
 
-<file path=ppt/slides/slide22.xml><?xml version="1.0" encoding="utf-8"?>
+<file path=ppt/slides/slide24.xml><?xml version="1.0" encoding="utf-8"?>
 <p:sld xmlns:a="http://schemas.openxmlformats.org/drawingml/2006/main" xmlns:r="http://schemas.openxmlformats.org/officeDocument/2006/relationships" xmlns:p="http://schemas.openxmlformats.org/presentationml/2006/main">
   <p:cSld>
     <p:spTree>
@@ -10395,7 +13676,7 @@
 </p:sld>
 </file>
 
-<file path=ppt/slides/slide23.xml><?xml version="1.0" encoding="utf-8"?>
+<file path=ppt/slides/slide25.xml><?xml version="1.0" encoding="utf-8"?>
 <p:sld xmlns:a="http://schemas.openxmlformats.org/drawingml/2006/main" xmlns:r="http://schemas.openxmlformats.org/officeDocument/2006/relationships" xmlns:p="http://schemas.openxmlformats.org/presentationml/2006/main">
   <p:cSld>
     <p:spTree>
@@ -11622,7 +14903,7 @@
 </p:sld>
 </file>
 
-<file path=ppt/slides/slide24.xml><?xml version="1.0" encoding="utf-8"?>
+<file path=ppt/slides/slide26.xml><?xml version="1.0" encoding="utf-8"?>
 <p:sld xmlns:a="http://schemas.openxmlformats.org/drawingml/2006/main" xmlns:r="http://schemas.openxmlformats.org/officeDocument/2006/relationships" xmlns:p="http://schemas.openxmlformats.org/presentationml/2006/main">
   <p:cSld>
     <p:spTree>
@@ -11842,7 +15123,7 @@
 </p:sld>
 </file>
 
-<file path=ppt/slides/slide25.xml><?xml version="1.0" encoding="utf-8"?>
+<file path=ppt/slides/slide27.xml><?xml version="1.0" encoding="utf-8"?>
 <p:sld xmlns:a="http://schemas.openxmlformats.org/drawingml/2006/main" xmlns:r="http://schemas.openxmlformats.org/officeDocument/2006/relationships" xmlns:p="http://schemas.openxmlformats.org/presentationml/2006/main">
   <p:cSld>
     <p:spTree>
@@ -11861,7 +15142,7 @@
         <p:spPr>
           <a:xfrm>
             <a:off x="300355" y="94933"/>
-            <a:ext cx="5080000" cy="4801235"/>
+            <a:ext cx="5080000" cy="4525645"/>
           </a:xfrm>
           <a:prstGeom prst="rect">
             <a:avLst/>
@@ -11897,6 +15178,14 @@
               <a:rPr lang="en-US" altLang="zh-CN" sz="1800" b="1"/>
               <a:t>1. Pairplot</a:t>
             </a:r>
+            <a:endParaRPr lang="en-US" altLang="zh-CN" sz="1800" b="1"/>
+          </a:p>
+          <a:p>
+            <a:pPr>
+              <a:spcAft>
+                <a:spcPct val="60000"/>
+              </a:spcAft>
+            </a:pPr>
             <a:r>
               <a:rPr lang="en-US" altLang="zh-CN" sz="1200"/>
               <a:t>sns.pairplot(titanic[['age', 'fare', 'survived']], hue='survived')
@@ -11914,6 +15203,14 @@
               <a:rPr lang="en-US" altLang="zh-CN" sz="1800" b="1"/>
               <a:t>2. Correlation Heatmap</a:t>
             </a:r>
+            <a:endParaRPr lang="en-US" altLang="zh-CN" sz="1800" b="1"/>
+          </a:p>
+          <a:p>
+            <a:pPr>
+              <a:spcAft>
+                <a:spcPct val="60000"/>
+              </a:spcAft>
+            </a:pPr>
             <a:r>
               <a:rPr lang="en-US" altLang="zh-CN" sz="1200"/>
               <a:t>corr = titanic.corr(numeric_only=True)
@@ -11937,6 +15234,14 @@
               <a:rPr lang="en-US" altLang="zh-CN" sz="1800" b="1"/>
               <a:t>Customizing and Styling</a:t>
             </a:r>
+            <a:endParaRPr lang="en-US" altLang="zh-CN" sz="1800" b="1"/>
+          </a:p>
+          <a:p>
+            <a:pPr>
+              <a:spcAft>
+                <a:spcPct val="60000"/>
+              </a:spcAft>
+            </a:pPr>
             <a:r>
               <a:rPr lang="en-US" altLang="zh-CN" sz="1200"/>
               <a:t>sns.set_style('whitegrid')
@@ -11953,19 +15258,55 @@
                 <a:spcPct val="60000"/>
               </a:spcAft>
             </a:pPr>
-            <a:r>
-              <a:rPr lang="zh-CN" altLang="en-US" sz="1800" b="1"/>
+            <a:endParaRPr lang="en-US" altLang="zh-CN" sz="1200"/>
+          </a:p>
+        </p:txBody>
+      </p:sp>
+      <p:sp>
+        <p:nvSpPr>
+          <p:cNvPr id="3" name="Text Box 2"/>
+          <p:cNvSpPr txBox="1"/>
+          <p:nvPr/>
+        </p:nvSpPr>
+        <p:spPr>
+          <a:xfrm>
+            <a:off x="5190490" y="198120"/>
+            <a:ext cx="3192780" cy="1292225"/>
+          </a:xfrm>
+          <a:prstGeom prst="rect">
+            <a:avLst/>
+          </a:prstGeom>
+          <a:noFill/>
+        </p:spPr>
+        <p:txBody>
+          <a:bodyPr wrap="square" rtlCol="0" anchor="t">
+            <a:spAutoFit/>
+          </a:bodyPr>
+          <a:p>
+            <a:pPr>
+              <a:spcAft>
+                <a:spcPct val="60000"/>
+              </a:spcAft>
+            </a:pPr>
+            <a:r>
+              <a:rPr lang="zh-CN" altLang="en-US" sz="1800" b="1">
+                <a:sym typeface="+mn-ea"/>
+              </a:rPr>
               <a:t>🎨 </a:t>
             </a:r>
             <a:r>
-              <a:rPr lang="en-US" altLang="zh-CN" sz="1800" b="1"/>
+              <a:rPr lang="en-US" altLang="zh-CN" sz="1800" b="1">
+                <a:sym typeface="+mn-ea"/>
+              </a:rPr>
               <a:t>Final EDA Project Task</a:t>
             </a:r>
             <a:endParaRPr lang="en-US" altLang="zh-CN" sz="1800" b="1"/>
           </a:p>
           <a:p>
             <a:r>
-              <a:rPr lang="en-US" altLang="zh-CN" sz="1200"/>
+              <a:rPr lang="en-US" altLang="zh-CN" sz="1200">
+                <a:sym typeface="+mn-ea"/>
+              </a:rPr>
               <a:t>Create a visual analysis report answering:</a:t>
             </a:r>
             <a:endParaRPr lang="en-US" altLang="zh-CN" sz="1200"/>
@@ -11976,7 +15317,9 @@
               <a:buChar char="•"/>
             </a:pPr>
             <a:r>
-              <a:rPr lang="en-US" altLang="zh-CN" sz="1200"/>
+              <a:rPr lang="en-US" altLang="zh-CN" sz="1200">
+                <a:sym typeface="+mn-ea"/>
+              </a:rPr>
               <a:t>Who survived more? (Gender/Class/Age?)</a:t>
             </a:r>
             <a:endParaRPr lang="en-US" altLang="zh-CN" sz="1200"/>
@@ -11987,7 +15330,9 @@
               <a:buChar char="•"/>
             </a:pPr>
             <a:r>
-              <a:rPr lang="en-US" altLang="zh-CN" sz="1200"/>
+              <a:rPr lang="en-US" altLang="zh-CN" sz="1200">
+                <a:sym typeface="+mn-ea"/>
+              </a:rPr>
               <a:t>Does age impact survival?</a:t>
             </a:r>
             <a:endParaRPr lang="en-US" altLang="zh-CN" sz="1200"/>
@@ -11998,10 +15343,61 @@
               <a:buChar char="•"/>
             </a:pPr>
             <a:r>
-              <a:rPr lang="en-US" altLang="zh-CN" sz="1200"/>
+              <a:rPr lang="en-US" altLang="zh-CN" sz="1200">
+                <a:sym typeface="+mn-ea"/>
+              </a:rPr>
               <a:t>Fare vs survival?</a:t>
             </a:r>
-            <a:endParaRPr lang="en-US" altLang="zh-CN" sz="1200"/>
+            <a:endParaRPr lang="en-US" altLang="zh-CN" sz="1200">
+              <a:sym typeface="+mn-ea"/>
+            </a:endParaRPr>
+          </a:p>
+        </p:txBody>
+      </p:sp>
+    </p:spTree>
+  </p:cSld>
+  <p:clrMapOvr>
+    <a:masterClrMapping/>
+  </p:clrMapOvr>
+</p:sld>
+</file>
+
+<file path=ppt/slides/slide28.xml><?xml version="1.0" encoding="utf-8"?>
+<p:sld xmlns:a="http://schemas.openxmlformats.org/drawingml/2006/main" xmlns:r="http://schemas.openxmlformats.org/officeDocument/2006/relationships" xmlns:p="http://schemas.openxmlformats.org/presentationml/2006/main">
+  <p:cSld>
+    <p:spTree>
+      <p:nvGrpSpPr>
+        <p:cNvPr id="1" name=""/>
+        <p:cNvGrpSpPr/>
+        <p:nvPr/>
+      </p:nvGrpSpPr>
+      <p:grpSpPr/>
+      <p:sp>
+        <p:nvSpPr>
+          <p:cNvPr id="2" name="Text Box 1"/>
+          <p:cNvSpPr txBox="1"/>
+          <p:nvPr/>
+        </p:nvSpPr>
+        <p:spPr>
+          <a:xfrm>
+            <a:off x="1373505" y="1910715"/>
+            <a:ext cx="6269990" cy="1322070"/>
+          </a:xfrm>
+          <a:prstGeom prst="rect">
+            <a:avLst/>
+          </a:prstGeom>
+          <a:noFill/>
+        </p:spPr>
+        <p:txBody>
+          <a:bodyPr wrap="square" rtlCol="0">
+            <a:spAutoFit/>
+          </a:bodyPr>
+          <a:p>
+            <a:r>
+              <a:rPr lang="en-US" sz="8000" b="1"/>
+              <a:t>THANK YOU</a:t>
+            </a:r>
+            <a:endParaRPr lang="en-US" sz="8000" b="1"/>
           </a:p>
         </p:txBody>
       </p:sp>
@@ -12031,174 +15427,577 @@
         </p:nvSpPr>
         <p:spPr>
           <a:xfrm>
-            <a:off x="71755" y="53340"/>
-            <a:ext cx="5080000" cy="4154805"/>
+            <a:off x="436245" y="0"/>
+            <a:ext cx="4135120" cy="4831080"/>
           </a:xfrm>
           <a:prstGeom prst="rect">
             <a:avLst/>
           </a:prstGeom>
         </p:spPr>
         <p:txBody>
-          <a:bodyPr>
+          <a:bodyPr wrap="square">
             <a:spAutoFit/>
           </a:bodyPr>
           <a:p>
             <a:pPr>
-              <a:spcAft>
-                <a:spcPct val="60000"/>
-              </a:spcAft>
-            </a:pPr>
-            <a:r>
-              <a:rPr lang="zh-CN" altLang="en-US" sz="1800" b="1"/>
-              <a:t>📘 </a:t>
-            </a:r>
-            <a:r>
-              <a:rPr lang="en-US" altLang="zh-CN" sz="1800" b="1"/>
-              <a:t>Module 1: Introduction to Data Visualization &amp; Titanic Dataset</a:t>
-            </a:r>
-            <a:endParaRPr lang="en-US" altLang="zh-CN" sz="1800" b="1"/>
-          </a:p>
-          <a:p>
-            <a:r>
-              <a:rPr lang="en-US" altLang="zh-CN" sz="1200"/>
-              <a:t>Objective: Understand the purpose and value of data visualization.</a:t>
-            </a:r>
-            <a:endParaRPr lang="en-US" altLang="zh-CN" sz="1200"/>
-          </a:p>
-          <a:p>
-            <a:r>
-              <a:rPr lang="en-US" altLang="zh-CN" sz="1200"/>
-              <a:t>Topics:</a:t>
-            </a:r>
-            <a:endParaRPr lang="en-US" altLang="zh-CN" sz="1200"/>
-          </a:p>
-          <a:p>
-            <a:endParaRPr lang="en-US" altLang="zh-CN" sz="1200"/>
-          </a:p>
-          <a:p>
-            <a:pPr>
-              <a:buFont typeface="Arial" panose="020B0604020202020204"/>
-              <a:buChar char="•"/>
-            </a:pPr>
-            <a:r>
-              <a:rPr lang="en-US" altLang="zh-CN" sz="1200"/>
-              <a:t>What is Data Visualization?</a:t>
-            </a:r>
-            <a:endParaRPr lang="en-US" altLang="zh-CN" sz="1200"/>
-          </a:p>
-          <a:p>
-            <a:pPr>
-              <a:buFont typeface="Arial" panose="020B0604020202020204"/>
-              <a:buChar char="•"/>
-            </a:pPr>
-            <a:endParaRPr lang="en-US" altLang="zh-CN" sz="1200"/>
-          </a:p>
-          <a:p>
-            <a:pPr>
-              <a:buFont typeface="Arial" panose="020B0604020202020204"/>
-              <a:buChar char="•"/>
-            </a:pPr>
-            <a:r>
-              <a:rPr lang="en-US" altLang="zh-CN" sz="1200"/>
-              <a:t>Why use Matplotlib and Seaborn?</a:t>
-            </a:r>
-            <a:endParaRPr lang="en-US" altLang="zh-CN" sz="1200"/>
-          </a:p>
-          <a:p>
-            <a:pPr>
-              <a:buFont typeface="Arial" panose="020B0604020202020204"/>
-              <a:buChar char="•"/>
-            </a:pPr>
-            <a:endParaRPr lang="en-US" altLang="zh-CN" sz="1200"/>
-          </a:p>
-          <a:p>
-            <a:pPr>
-              <a:buFont typeface="Arial" panose="020B0604020202020204"/>
-              <a:buChar char="•"/>
-            </a:pPr>
-            <a:r>
-              <a:rPr lang="en-US" altLang="zh-CN" sz="1200"/>
-              <a:t>Overview of Titanic dataset (features and data types)</a:t>
-            </a:r>
-            <a:endParaRPr lang="en-US" altLang="zh-CN" sz="1200"/>
-          </a:p>
-          <a:p>
-            <a:pPr>
-              <a:buFont typeface="Arial" panose="020B0604020202020204"/>
-              <a:buChar char="•"/>
-            </a:pPr>
-            <a:endParaRPr lang="en-US" altLang="zh-CN" sz="1200"/>
-          </a:p>
-          <a:p>
-            <a:pPr>
-              <a:buFont typeface="Arial" panose="020B0604020202020204"/>
-              <a:buChar char="•"/>
-            </a:pPr>
-            <a:r>
-              <a:rPr lang="en-US" altLang="zh-CN" sz="1200"/>
-              <a:t>Loading and exploring Titanic dataset using Pandas</a:t>
-            </a:r>
-            <a:endParaRPr lang="en-US" altLang="zh-CN" sz="1200"/>
-          </a:p>
-          <a:p>
-            <a:r>
-              <a:rPr lang="en-US" altLang="zh-CN" sz="1200"/>
-              <a:t>Activities:</a:t>
-            </a:r>
-            <a:endParaRPr lang="en-US" altLang="zh-CN" sz="1200"/>
-          </a:p>
-          <a:p>
-            <a:endParaRPr lang="en-US" altLang="zh-CN" sz="1200"/>
-          </a:p>
-          <a:p>
-            <a:pPr>
-              <a:buFont typeface="Arial" panose="020B0604020202020204"/>
-              <a:buChar char="•"/>
-            </a:pPr>
-            <a:r>
-              <a:rPr lang="en-US" altLang="zh-CN" sz="1200"/>
-              <a:t>Load Titanic dataset using sns.load_dataset("titanic")</a:t>
-            </a:r>
-            <a:endParaRPr lang="en-US" altLang="zh-CN" sz="1200"/>
-          </a:p>
-          <a:p>
-            <a:pPr>
-              <a:buFont typeface="Arial" panose="020B0604020202020204"/>
-              <a:buChar char="•"/>
-            </a:pPr>
-            <a:endParaRPr lang="en-US" altLang="zh-CN" sz="1200"/>
-          </a:p>
-          <a:p>
-            <a:pPr>
-              <a:buFont typeface="Arial" panose="020B0604020202020204"/>
-              <a:buChar char="•"/>
-            </a:pPr>
-            <a:r>
-              <a:rPr lang="en-US" altLang="zh-CN" sz="1200"/>
-              <a:t>Use .head(), .info(), .describe() to explore</a:t>
-            </a:r>
-            <a:endParaRPr lang="en-US" altLang="zh-CN" sz="1200"/>
-          </a:p>
-          <a:p>
-            <a:r>
-              <a:rPr lang="en-US" altLang="zh-CN" sz="1200"/>
-              <a:t>Assignment:</a:t>
-            </a:r>
-            <a:endParaRPr lang="en-US" altLang="zh-CN" sz="1200"/>
-          </a:p>
-          <a:p>
-            <a:endParaRPr lang="en-US" altLang="zh-CN" sz="1200"/>
-          </a:p>
-          <a:p>
-            <a:pPr>
-              <a:buFont typeface="Arial" panose="020B0604020202020204"/>
-              <a:buChar char="•"/>
-            </a:pPr>
-            <a:r>
-              <a:rPr lang="en-US" altLang="zh-CN" sz="1200"/>
-              <a:t>Write a summary of 5 interesting things from the Titanic dataset.</a:t>
-            </a:r>
-            <a:endParaRPr lang="en-US" altLang="zh-CN" sz="1200"/>
+              <a:lnSpc>
+                <a:spcPct val="100000"/>
+              </a:lnSpc>
+            </a:pPr>
+            <a:r>
+              <a:rPr lang="en-US" altLang="zh-CN" b="1">
+                <a:solidFill>
+                  <a:schemeClr val="tx1"/>
+                </a:solidFill>
+                <a:latin typeface="Arial" panose="020B0604020202020204" pitchFamily="34" charset="0"/>
+                <a:ea typeface="Consolas" panose="020B0609020204030204"/>
+                <a:cs typeface="Arial" panose="020B0604020202020204" pitchFamily="34" charset="0"/>
+              </a:rPr>
+              <a:t>## Table of Contents</a:t>
+            </a:r>
+            <a:endParaRPr lang="en-US" altLang="zh-CN" b="1">
+              <a:solidFill>
+                <a:schemeClr val="tx1"/>
+              </a:solidFill>
+              <a:latin typeface="Arial" panose="020B0604020202020204" pitchFamily="34" charset="0"/>
+              <a:ea typeface="Consolas" panose="020B0609020204030204"/>
+              <a:cs typeface="Arial" panose="020B0604020202020204" pitchFamily="34" charset="0"/>
+            </a:endParaRPr>
+          </a:p>
+          <a:p>
+            <a:pPr>
+              <a:lnSpc>
+                <a:spcPct val="100000"/>
+              </a:lnSpc>
+            </a:pPr>
+            <a:r>
+              <a:rPr lang="en-US" altLang="zh-CN" b="0">
+                <a:solidFill>
+                  <a:schemeClr val="tx1"/>
+                </a:solidFill>
+                <a:latin typeface="Arial" panose="020B0604020202020204" pitchFamily="34" charset="0"/>
+                <a:ea typeface="Consolas" panose="020B0609020204030204"/>
+                <a:cs typeface="Arial" panose="020B0604020202020204" pitchFamily="34" charset="0"/>
+              </a:rPr>
+              <a:t>1.  Introduction</a:t>
+            </a:r>
+            <a:endParaRPr lang="en-US" altLang="zh-CN" b="0">
+              <a:solidFill>
+                <a:schemeClr val="tx1"/>
+              </a:solidFill>
+              <a:latin typeface="Arial" panose="020B0604020202020204" pitchFamily="34" charset="0"/>
+              <a:ea typeface="Consolas" panose="020B0609020204030204"/>
+              <a:cs typeface="Arial" panose="020B0604020202020204" pitchFamily="34" charset="0"/>
+            </a:endParaRPr>
+          </a:p>
+          <a:p>
+            <a:pPr>
+              <a:lnSpc>
+                <a:spcPct val="100000"/>
+              </a:lnSpc>
+            </a:pPr>
+            <a:r>
+              <a:rPr lang="en-US" altLang="zh-CN" b="0">
+                <a:solidFill>
+                  <a:schemeClr val="tx1"/>
+                </a:solidFill>
+                <a:latin typeface="Arial" panose="020B0604020202020204" pitchFamily="34" charset="0"/>
+                <a:ea typeface="Consolas" panose="020B0609020204030204"/>
+                <a:cs typeface="Arial" panose="020B0604020202020204" pitchFamily="34" charset="0"/>
+              </a:rPr>
+              <a:t>2.  Overview of Python Data Visualization Tools</a:t>
+            </a:r>
+            <a:endParaRPr lang="en-US" altLang="zh-CN" b="0">
+              <a:solidFill>
+                <a:schemeClr val="tx1"/>
+              </a:solidFill>
+              <a:latin typeface="Arial" panose="020B0604020202020204" pitchFamily="34" charset="0"/>
+              <a:ea typeface="Consolas" panose="020B0609020204030204"/>
+              <a:cs typeface="Arial" panose="020B0604020202020204" pitchFamily="34" charset="0"/>
+            </a:endParaRPr>
+          </a:p>
+          <a:p>
+            <a:pPr>
+              <a:lnSpc>
+                <a:spcPct val="100000"/>
+              </a:lnSpc>
+            </a:pPr>
+            <a:r>
+              <a:rPr lang="en-US" altLang="zh-CN" b="0">
+                <a:solidFill>
+                  <a:schemeClr val="tx1"/>
+                </a:solidFill>
+                <a:latin typeface="Arial" panose="020B0604020202020204" pitchFamily="34" charset="0"/>
+                <a:ea typeface="Consolas" panose="020B0609020204030204"/>
+                <a:cs typeface="Arial" panose="020B0604020202020204" pitchFamily="34" charset="0"/>
+              </a:rPr>
+              <a:t>3.  Introduction to Matplotlib</a:t>
+            </a:r>
+            <a:endParaRPr lang="en-US" altLang="zh-CN" b="0">
+              <a:solidFill>
+                <a:schemeClr val="tx1"/>
+              </a:solidFill>
+              <a:latin typeface="Arial" panose="020B0604020202020204" pitchFamily="34" charset="0"/>
+              <a:ea typeface="Consolas" panose="020B0609020204030204"/>
+              <a:cs typeface="Arial" panose="020B0604020202020204" pitchFamily="34" charset="0"/>
+            </a:endParaRPr>
+          </a:p>
+          <a:p>
+            <a:pPr>
+              <a:lnSpc>
+                <a:spcPct val="100000"/>
+              </a:lnSpc>
+            </a:pPr>
+            <a:r>
+              <a:rPr lang="en-US" altLang="zh-CN" b="0">
+                <a:solidFill>
+                  <a:schemeClr val="tx1"/>
+                </a:solidFill>
+                <a:latin typeface="Arial" panose="020B0604020202020204" pitchFamily="34" charset="0"/>
+                <a:ea typeface="Consolas" panose="020B0609020204030204"/>
+                <a:cs typeface="Arial" panose="020B0604020202020204" pitchFamily="34" charset="0"/>
+              </a:rPr>
+              <a:t>4.  Import Matplotlib</a:t>
+            </a:r>
+            <a:endParaRPr lang="en-US" altLang="zh-CN" b="0">
+              <a:solidFill>
+                <a:schemeClr val="tx1"/>
+              </a:solidFill>
+              <a:latin typeface="Arial" panose="020B0604020202020204" pitchFamily="34" charset="0"/>
+              <a:ea typeface="Consolas" panose="020B0609020204030204"/>
+              <a:cs typeface="Arial" panose="020B0604020202020204" pitchFamily="34" charset="0"/>
+            </a:endParaRPr>
+          </a:p>
+          <a:p>
+            <a:pPr>
+              <a:lnSpc>
+                <a:spcPct val="100000"/>
+              </a:lnSpc>
+            </a:pPr>
+            <a:r>
+              <a:rPr lang="en-US" altLang="zh-CN" b="0">
+                <a:solidFill>
+                  <a:schemeClr val="tx1"/>
+                </a:solidFill>
+                <a:latin typeface="Arial" panose="020B0604020202020204" pitchFamily="34" charset="0"/>
+                <a:ea typeface="Consolas" panose="020B0609020204030204"/>
+                <a:cs typeface="Arial" panose="020B0604020202020204" pitchFamily="34" charset="0"/>
+              </a:rPr>
+              <a:t>5.  Displaying Plots in Matplotlib</a:t>
+            </a:r>
+            <a:endParaRPr lang="en-US" altLang="zh-CN" b="0">
+              <a:solidFill>
+                <a:schemeClr val="tx1"/>
+              </a:solidFill>
+              <a:latin typeface="Arial" panose="020B0604020202020204" pitchFamily="34" charset="0"/>
+              <a:ea typeface="Consolas" panose="020B0609020204030204"/>
+              <a:cs typeface="Arial" panose="020B0604020202020204" pitchFamily="34" charset="0"/>
+            </a:endParaRPr>
+          </a:p>
+          <a:p>
+            <a:pPr>
+              <a:lnSpc>
+                <a:spcPct val="100000"/>
+              </a:lnSpc>
+            </a:pPr>
+            <a:r>
+              <a:rPr lang="en-US" altLang="zh-CN" b="0">
+                <a:solidFill>
+                  <a:schemeClr val="tx1"/>
+                </a:solidFill>
+                <a:latin typeface="Arial" panose="020B0604020202020204" pitchFamily="34" charset="0"/>
+                <a:ea typeface="Consolas" panose="020B0609020204030204"/>
+                <a:cs typeface="Arial" panose="020B0604020202020204" pitchFamily="34" charset="0"/>
+              </a:rPr>
+              <a:t>6.  Matplotlib Object Hierarchy</a:t>
+            </a:r>
+            <a:endParaRPr lang="en-US" altLang="zh-CN" b="0">
+              <a:solidFill>
+                <a:schemeClr val="tx1"/>
+              </a:solidFill>
+              <a:latin typeface="Arial" panose="020B0604020202020204" pitchFamily="34" charset="0"/>
+              <a:ea typeface="Consolas" panose="020B0609020204030204"/>
+              <a:cs typeface="Arial" panose="020B0604020202020204" pitchFamily="34" charset="0"/>
+            </a:endParaRPr>
+          </a:p>
+          <a:p>
+            <a:pPr>
+              <a:lnSpc>
+                <a:spcPct val="100000"/>
+              </a:lnSpc>
+            </a:pPr>
+            <a:r>
+              <a:rPr lang="en-US" altLang="zh-CN" b="0">
+                <a:solidFill>
+                  <a:schemeClr val="tx1"/>
+                </a:solidFill>
+                <a:latin typeface="Arial" panose="020B0604020202020204" pitchFamily="34" charset="0"/>
+                <a:ea typeface="Consolas" panose="020B0609020204030204"/>
+                <a:cs typeface="Arial" panose="020B0604020202020204" pitchFamily="34" charset="0"/>
+              </a:rPr>
+              <a:t>7.  Matplotlib interfaces</a:t>
+            </a:r>
+            <a:endParaRPr lang="en-US" altLang="zh-CN" b="0">
+              <a:solidFill>
+                <a:schemeClr val="tx1"/>
+              </a:solidFill>
+              <a:latin typeface="Arial" panose="020B0604020202020204" pitchFamily="34" charset="0"/>
+              <a:ea typeface="Consolas" panose="020B0609020204030204"/>
+              <a:cs typeface="Arial" panose="020B0604020202020204" pitchFamily="34" charset="0"/>
+            </a:endParaRPr>
+          </a:p>
+          <a:p>
+            <a:pPr>
+              <a:lnSpc>
+                <a:spcPct val="100000"/>
+              </a:lnSpc>
+            </a:pPr>
+            <a:r>
+              <a:rPr lang="en-US" altLang="zh-CN" b="0">
+                <a:solidFill>
+                  <a:schemeClr val="tx1"/>
+                </a:solidFill>
+                <a:latin typeface="Arial" panose="020B0604020202020204" pitchFamily="34" charset="0"/>
+                <a:ea typeface="Consolas" panose="020B0609020204030204"/>
+                <a:cs typeface="Arial" panose="020B0604020202020204" pitchFamily="34" charset="0"/>
+              </a:rPr>
+              <a:t>8.  Pyplot API</a:t>
+            </a:r>
+            <a:endParaRPr lang="en-US" altLang="zh-CN" b="0">
+              <a:solidFill>
+                <a:schemeClr val="tx1"/>
+              </a:solidFill>
+              <a:latin typeface="Arial" panose="020B0604020202020204" pitchFamily="34" charset="0"/>
+              <a:ea typeface="Consolas" panose="020B0609020204030204"/>
+              <a:cs typeface="Arial" panose="020B0604020202020204" pitchFamily="34" charset="0"/>
+            </a:endParaRPr>
+          </a:p>
+          <a:p>
+            <a:pPr>
+              <a:lnSpc>
+                <a:spcPct val="100000"/>
+              </a:lnSpc>
+            </a:pPr>
+            <a:r>
+              <a:rPr lang="en-US" altLang="zh-CN" b="0">
+                <a:solidFill>
+                  <a:schemeClr val="tx1"/>
+                </a:solidFill>
+                <a:latin typeface="Arial" panose="020B0604020202020204" pitchFamily="34" charset="0"/>
+                <a:ea typeface="Consolas" panose="020B0609020204030204"/>
+                <a:cs typeface="Arial" panose="020B0604020202020204" pitchFamily="34" charset="0"/>
+              </a:rPr>
+              <a:t>9.  Object-Oriented API</a:t>
+            </a:r>
+            <a:endParaRPr lang="en-US" altLang="zh-CN" b="0">
+              <a:solidFill>
+                <a:schemeClr val="tx1"/>
+              </a:solidFill>
+              <a:latin typeface="Arial" panose="020B0604020202020204" pitchFamily="34" charset="0"/>
+              <a:ea typeface="Consolas" panose="020B0609020204030204"/>
+              <a:cs typeface="Arial" panose="020B0604020202020204" pitchFamily="34" charset="0"/>
+            </a:endParaRPr>
+          </a:p>
+          <a:p>
+            <a:pPr>
+              <a:lnSpc>
+                <a:spcPct val="100000"/>
+              </a:lnSpc>
+            </a:pPr>
+            <a:r>
+              <a:rPr lang="en-US" altLang="zh-CN" b="0">
+                <a:solidFill>
+                  <a:schemeClr val="tx1"/>
+                </a:solidFill>
+                <a:latin typeface="Arial" panose="020B0604020202020204" pitchFamily="34" charset="0"/>
+                <a:ea typeface="Consolas" panose="020B0609020204030204"/>
+                <a:cs typeface="Arial" panose="020B0604020202020204" pitchFamily="34" charset="0"/>
+              </a:rPr>
+              <a:t>10. Figure and Subplots</a:t>
+            </a:r>
+            <a:endParaRPr lang="en-US" altLang="zh-CN" b="0">
+              <a:solidFill>
+                <a:schemeClr val="tx1"/>
+              </a:solidFill>
+              <a:latin typeface="Arial" panose="020B0604020202020204" pitchFamily="34" charset="0"/>
+              <a:ea typeface="Consolas" panose="020B0609020204030204"/>
+              <a:cs typeface="Arial" panose="020B0604020202020204" pitchFamily="34" charset="0"/>
+            </a:endParaRPr>
+          </a:p>
+          <a:p>
+            <a:pPr>
+              <a:lnSpc>
+                <a:spcPct val="100000"/>
+              </a:lnSpc>
+            </a:pPr>
+            <a:r>
+              <a:rPr lang="en-US" altLang="zh-CN" b="0">
+                <a:solidFill>
+                  <a:schemeClr val="tx1"/>
+                </a:solidFill>
+                <a:latin typeface="Arial" panose="020B0604020202020204" pitchFamily="34" charset="0"/>
+                <a:ea typeface="Consolas" panose="020B0609020204030204"/>
+                <a:cs typeface="Arial" panose="020B0604020202020204" pitchFamily="34" charset="0"/>
+              </a:rPr>
+              <a:t>11. First plot with Matplotlib</a:t>
+            </a:r>
+            <a:endParaRPr lang="en-US" altLang="zh-CN" b="0">
+              <a:solidFill>
+                <a:schemeClr val="tx1"/>
+              </a:solidFill>
+              <a:latin typeface="Arial" panose="020B0604020202020204" pitchFamily="34" charset="0"/>
+              <a:ea typeface="Consolas" panose="020B0609020204030204"/>
+              <a:cs typeface="Arial" panose="020B0604020202020204" pitchFamily="34" charset="0"/>
+            </a:endParaRPr>
+          </a:p>
+          <a:p>
+            <a:pPr>
+              <a:lnSpc>
+                <a:spcPct val="100000"/>
+              </a:lnSpc>
+            </a:pPr>
+            <a:r>
+              <a:rPr lang="en-US" altLang="zh-CN" b="0">
+                <a:solidFill>
+                  <a:schemeClr val="tx1"/>
+                </a:solidFill>
+                <a:latin typeface="Arial" panose="020B0604020202020204" pitchFamily="34" charset="0"/>
+                <a:ea typeface="Consolas" panose="020B0609020204030204"/>
+                <a:cs typeface="Arial" panose="020B0604020202020204" pitchFamily="34" charset="0"/>
+              </a:rPr>
+              <a:t>12. Multiline Plots</a:t>
+            </a:r>
+            <a:endParaRPr lang="en-US" altLang="zh-CN" b="0">
+              <a:solidFill>
+                <a:schemeClr val="tx1"/>
+              </a:solidFill>
+              <a:latin typeface="Arial" panose="020B0604020202020204" pitchFamily="34" charset="0"/>
+              <a:ea typeface="Consolas" panose="020B0609020204030204"/>
+              <a:cs typeface="Arial" panose="020B0604020202020204" pitchFamily="34" charset="0"/>
+            </a:endParaRPr>
+          </a:p>
+          <a:p>
+            <a:pPr>
+              <a:lnSpc>
+                <a:spcPct val="100000"/>
+              </a:lnSpc>
+            </a:pPr>
+            <a:r>
+              <a:rPr lang="en-US" altLang="zh-CN" b="0">
+                <a:solidFill>
+                  <a:schemeClr val="tx1"/>
+                </a:solidFill>
+                <a:latin typeface="Arial" panose="020B0604020202020204" pitchFamily="34" charset="0"/>
+                <a:ea typeface="Consolas" panose="020B0609020204030204"/>
+                <a:cs typeface="Arial" panose="020B0604020202020204" pitchFamily="34" charset="0"/>
+              </a:rPr>
+              <a:t>13. Parts of a Plot</a:t>
+            </a:r>
+            <a:endParaRPr lang="en-US" altLang="zh-CN" b="0">
+              <a:solidFill>
+                <a:schemeClr val="tx1"/>
+              </a:solidFill>
+              <a:latin typeface="Arial" panose="020B0604020202020204" pitchFamily="34" charset="0"/>
+              <a:ea typeface="Consolas" panose="020B0609020204030204"/>
+              <a:cs typeface="Arial" panose="020B0604020202020204" pitchFamily="34" charset="0"/>
+            </a:endParaRPr>
+          </a:p>
+          <a:p>
+            <a:pPr>
+              <a:lnSpc>
+                <a:spcPct val="100000"/>
+              </a:lnSpc>
+            </a:pPr>
+            <a:r>
+              <a:rPr lang="en-US" altLang="zh-CN" b="0">
+                <a:solidFill>
+                  <a:schemeClr val="tx1"/>
+                </a:solidFill>
+                <a:latin typeface="Arial" panose="020B0604020202020204" pitchFamily="34" charset="0"/>
+                <a:ea typeface="Consolas" panose="020B0609020204030204"/>
+                <a:cs typeface="Arial" panose="020B0604020202020204" pitchFamily="34" charset="0"/>
+              </a:rPr>
+              <a:t>14. Saving the Plot</a:t>
+            </a:r>
+            <a:endParaRPr lang="en-US" altLang="zh-CN" b="0">
+              <a:solidFill>
+                <a:schemeClr val="tx1"/>
+              </a:solidFill>
+              <a:latin typeface="Arial" panose="020B0604020202020204" pitchFamily="34" charset="0"/>
+              <a:ea typeface="Consolas" panose="020B0609020204030204"/>
+              <a:cs typeface="Arial" panose="020B0604020202020204" pitchFamily="34" charset="0"/>
+            </a:endParaRPr>
+          </a:p>
+          <a:p>
+            <a:pPr>
+              <a:lnSpc>
+                <a:spcPct val="100000"/>
+              </a:lnSpc>
+            </a:pPr>
+            <a:r>
+              <a:rPr lang="en-US" altLang="zh-CN" b="0">
+                <a:solidFill>
+                  <a:schemeClr val="tx1"/>
+                </a:solidFill>
+                <a:latin typeface="Arial" panose="020B0604020202020204" pitchFamily="34" charset="0"/>
+                <a:ea typeface="Consolas" panose="020B0609020204030204"/>
+                <a:cs typeface="Arial" panose="020B0604020202020204" pitchFamily="34" charset="0"/>
+              </a:rPr>
+              <a:t>15. Line Plot</a:t>
+            </a:r>
+            <a:endParaRPr lang="en-US" altLang="zh-CN" b="0">
+              <a:solidFill>
+                <a:schemeClr val="tx1"/>
+              </a:solidFill>
+              <a:latin typeface="Arial" panose="020B0604020202020204" pitchFamily="34" charset="0"/>
+              <a:ea typeface="Consolas" panose="020B0609020204030204"/>
+              <a:cs typeface="Arial" panose="020B0604020202020204" pitchFamily="34" charset="0"/>
+            </a:endParaRPr>
+          </a:p>
+          <a:p>
+            <a:pPr>
+              <a:lnSpc>
+                <a:spcPct val="100000"/>
+              </a:lnSpc>
+            </a:pPr>
+            <a:r>
+              <a:rPr lang="en-US" altLang="zh-CN" b="0">
+                <a:solidFill>
+                  <a:schemeClr val="tx1"/>
+                </a:solidFill>
+                <a:latin typeface="Arial" panose="020B0604020202020204" pitchFamily="34" charset="0"/>
+                <a:ea typeface="Consolas" panose="020B0609020204030204"/>
+                <a:cs typeface="Arial" panose="020B0604020202020204" pitchFamily="34" charset="0"/>
+              </a:rPr>
+              <a:t>16. Scatter Plot</a:t>
+            </a:r>
+            <a:endParaRPr lang="en-US" altLang="zh-CN" b="0">
+              <a:solidFill>
+                <a:schemeClr val="tx1"/>
+              </a:solidFill>
+              <a:latin typeface="Arial" panose="020B0604020202020204" pitchFamily="34" charset="0"/>
+              <a:ea typeface="Consolas" panose="020B0609020204030204"/>
+              <a:cs typeface="Arial" panose="020B0604020202020204" pitchFamily="34" charset="0"/>
+            </a:endParaRPr>
+          </a:p>
+          <a:p>
+            <a:pPr>
+              <a:lnSpc>
+                <a:spcPct val="100000"/>
+              </a:lnSpc>
+            </a:pPr>
+            <a:r>
+              <a:rPr lang="en-US" altLang="zh-CN" b="0">
+                <a:solidFill>
+                  <a:schemeClr val="tx1"/>
+                </a:solidFill>
+                <a:latin typeface="Arial" panose="020B0604020202020204" pitchFamily="34" charset="0"/>
+                <a:ea typeface="Consolas" panose="020B0609020204030204"/>
+                <a:cs typeface="Arial" panose="020B0604020202020204" pitchFamily="34" charset="0"/>
+              </a:rPr>
+              <a:t>17. Histogram</a:t>
+            </a:r>
+            <a:endParaRPr lang="en-US" altLang="zh-CN" b="0">
+              <a:solidFill>
+                <a:schemeClr val="tx1"/>
+              </a:solidFill>
+              <a:latin typeface="Arial" panose="020B0604020202020204" pitchFamily="34" charset="0"/>
+              <a:ea typeface="Consolas" panose="020B0609020204030204"/>
+              <a:cs typeface="Arial" panose="020B0604020202020204" pitchFamily="34" charset="0"/>
+            </a:endParaRPr>
+          </a:p>
+          <a:p>
+            <a:pPr>
+              <a:lnSpc>
+                <a:spcPct val="100000"/>
+              </a:lnSpc>
+            </a:pPr>
+            <a:r>
+              <a:rPr lang="en-US" altLang="zh-CN" b="0">
+                <a:solidFill>
+                  <a:schemeClr val="tx1"/>
+                </a:solidFill>
+                <a:latin typeface="Arial" panose="020B0604020202020204" pitchFamily="34" charset="0"/>
+                <a:ea typeface="Consolas" panose="020B0609020204030204"/>
+                <a:cs typeface="Arial" panose="020B0604020202020204" pitchFamily="34" charset="0"/>
+              </a:rPr>
+              <a:t>18. Bar Chart</a:t>
+            </a:r>
+            <a:endParaRPr lang="en-US" altLang="zh-CN" b="0">
+              <a:solidFill>
+                <a:schemeClr val="tx1"/>
+              </a:solidFill>
+              <a:latin typeface="Arial" panose="020B0604020202020204" pitchFamily="34" charset="0"/>
+              <a:ea typeface="Consolas" panose="020B0609020204030204"/>
+              <a:cs typeface="Arial" panose="020B0604020202020204" pitchFamily="34" charset="0"/>
+            </a:endParaRPr>
+          </a:p>
+          <a:p>
+            <a:pPr>
+              <a:lnSpc>
+                <a:spcPct val="100000"/>
+              </a:lnSpc>
+            </a:pPr>
+            <a:r>
+              <a:rPr lang="en-US" altLang="zh-CN" b="0">
+                <a:solidFill>
+                  <a:schemeClr val="tx1"/>
+                </a:solidFill>
+                <a:latin typeface="Arial" panose="020B0604020202020204" pitchFamily="34" charset="0"/>
+                <a:ea typeface="Consolas" panose="020B0609020204030204"/>
+                <a:cs typeface="Arial" panose="020B0604020202020204" pitchFamily="34" charset="0"/>
+              </a:rPr>
+              <a:t>19. Horizontal Bar Chart</a:t>
+            </a:r>
+            <a:endParaRPr lang="en-US" altLang="zh-CN" b="0">
+              <a:solidFill>
+                <a:schemeClr val="tx1"/>
+              </a:solidFill>
+              <a:latin typeface="Arial" panose="020B0604020202020204" pitchFamily="34" charset="0"/>
+              <a:ea typeface="Consolas" panose="020B0609020204030204"/>
+              <a:cs typeface="Arial" panose="020B0604020202020204" pitchFamily="34" charset="0"/>
+            </a:endParaRPr>
+          </a:p>
+          <a:p>
+            <a:pPr>
+              <a:lnSpc>
+                <a:spcPct val="100000"/>
+              </a:lnSpc>
+            </a:pPr>
+            <a:r>
+              <a:rPr lang="en-US" altLang="zh-CN" b="0">
+                <a:solidFill>
+                  <a:schemeClr val="tx1"/>
+                </a:solidFill>
+                <a:latin typeface="Arial" panose="020B0604020202020204" pitchFamily="34" charset="0"/>
+                <a:ea typeface="Consolas" panose="020B0609020204030204"/>
+                <a:cs typeface="Arial" panose="020B0604020202020204" pitchFamily="34" charset="0"/>
+              </a:rPr>
+              <a:t>20. Error Bar Chart</a:t>
+            </a:r>
+            <a:endParaRPr lang="en-US" altLang="zh-CN" b="0">
+              <a:solidFill>
+                <a:schemeClr val="tx1"/>
+              </a:solidFill>
+              <a:latin typeface="Arial" panose="020B0604020202020204" pitchFamily="34" charset="0"/>
+              <a:ea typeface="Consolas" panose="020B0609020204030204"/>
+              <a:cs typeface="Arial" panose="020B0604020202020204" pitchFamily="34" charset="0"/>
+            </a:endParaRPr>
+          </a:p>
+          <a:p>
+            <a:pPr>
+              <a:lnSpc>
+                <a:spcPct val="100000"/>
+              </a:lnSpc>
+            </a:pPr>
+            <a:endParaRPr lang="en-US" altLang="zh-CN" b="0">
+              <a:solidFill>
+                <a:schemeClr val="tx1"/>
+              </a:solidFill>
+              <a:latin typeface="Arial" panose="020B0604020202020204" pitchFamily="34" charset="0"/>
+              <a:ea typeface="Consolas" panose="020B0609020204030204"/>
+              <a:cs typeface="Arial" panose="020B0604020202020204" pitchFamily="34" charset="0"/>
+            </a:endParaRPr>
           </a:p>
         </p:txBody>
       </p:sp>
@@ -12210,192 +16009,450 @@
         </p:nvSpPr>
         <p:spPr>
           <a:xfrm>
-            <a:off x="4064000" y="211455"/>
-            <a:ext cx="5080000" cy="4246880"/>
+            <a:off x="5384800" y="283845"/>
+            <a:ext cx="2860040" cy="3538220"/>
           </a:xfrm>
           <a:prstGeom prst="rect">
             <a:avLst/>
           </a:prstGeom>
+          <a:noFill/>
         </p:spPr>
         <p:txBody>
-          <a:bodyPr>
+          <a:bodyPr wrap="square" rtlCol="0" anchor="t">
             <a:spAutoFit/>
           </a:bodyPr>
           <a:p>
             <a:pPr>
-              <a:spcAft>
-                <a:spcPct val="60000"/>
-              </a:spcAft>
-            </a:pPr>
-            <a:r>
-              <a:rPr lang="zh-CN" altLang="en-US" sz="1800" b="1"/>
-              <a:t>📘 </a:t>
-            </a:r>
-            <a:r>
-              <a:rPr lang="en-US" altLang="zh-CN" sz="1800" b="1"/>
-              <a:t>Module 2: Matplotlib Basics</a:t>
-            </a:r>
-            <a:endParaRPr lang="en-US" altLang="zh-CN" sz="1800" b="1"/>
-          </a:p>
-          <a:p>
-            <a:r>
-              <a:rPr lang="en-US" altLang="zh-CN" sz="1200"/>
-              <a:t>Objective: Learn to create basic plots using Matplotlib.</a:t>
-            </a:r>
-            <a:endParaRPr lang="en-US" altLang="zh-CN" sz="1200"/>
-          </a:p>
-          <a:p>
-            <a:r>
-              <a:rPr lang="en-US" altLang="zh-CN" sz="1200"/>
-              <a:t>Topics:</a:t>
-            </a:r>
-            <a:endParaRPr lang="en-US" altLang="zh-CN" sz="1200"/>
-          </a:p>
-          <a:p>
-            <a:endParaRPr lang="en-US" altLang="zh-CN" sz="1200"/>
-          </a:p>
-          <a:p>
-            <a:pPr>
-              <a:buFont typeface="Arial" panose="020B0604020202020204"/>
-              <a:buChar char="•"/>
-            </a:pPr>
-            <a:r>
-              <a:rPr lang="en-US" altLang="zh-CN" sz="1200"/>
-              <a:t>Anatomy of a Matplotlib plot (figure, axes, titles, labels, legend)</a:t>
-            </a:r>
-            <a:endParaRPr lang="en-US" altLang="zh-CN" sz="1200"/>
-          </a:p>
-          <a:p>
-            <a:pPr>
-              <a:buFont typeface="Arial" panose="020B0604020202020204"/>
-              <a:buChar char="•"/>
-            </a:pPr>
-            <a:endParaRPr lang="en-US" altLang="zh-CN" sz="1200"/>
-          </a:p>
-          <a:p>
-            <a:pPr>
-              <a:buFont typeface="Arial" panose="020B0604020202020204"/>
-              <a:buChar char="•"/>
-            </a:pPr>
-            <a:r>
-              <a:rPr lang="en-US" altLang="zh-CN" sz="1200"/>
-              <a:t>plot(), bar(), scatter(), hist(), pie()</a:t>
-            </a:r>
-            <a:endParaRPr lang="en-US" altLang="zh-CN" sz="1200"/>
-          </a:p>
-          <a:p>
-            <a:pPr>
-              <a:buFont typeface="Arial" panose="020B0604020202020204"/>
-              <a:buChar char="•"/>
-            </a:pPr>
-            <a:endParaRPr lang="en-US" altLang="zh-CN" sz="1200"/>
-          </a:p>
-          <a:p>
-            <a:pPr>
-              <a:buFont typeface="Arial" panose="020B0604020202020204"/>
-              <a:buChar char="•"/>
-            </a:pPr>
-            <a:r>
-              <a:rPr lang="en-US" altLang="zh-CN" sz="1200"/>
-              <a:t>Customizing plots (color, linestyle, marker)</a:t>
-            </a:r>
-            <a:endParaRPr lang="en-US" altLang="zh-CN" sz="1200"/>
-          </a:p>
-          <a:p>
-            <a:pPr>
-              <a:buFont typeface="Arial" panose="020B0604020202020204"/>
-              <a:buChar char="•"/>
-            </a:pPr>
-            <a:endParaRPr lang="en-US" altLang="zh-CN" sz="1200"/>
-          </a:p>
-          <a:p>
-            <a:pPr>
-              <a:buFont typeface="Arial" panose="020B0604020202020204"/>
-              <a:buChar char="•"/>
-            </a:pPr>
-            <a:r>
-              <a:rPr lang="en-US" altLang="zh-CN" sz="1200"/>
-              <a:t>Adding titles, labels, and legends</a:t>
-            </a:r>
-            <a:endParaRPr lang="en-US" altLang="zh-CN" sz="1200"/>
-          </a:p>
-          <a:p>
-            <a:r>
-              <a:rPr lang="en-US" altLang="zh-CN" sz="1200"/>
-              <a:t>Hands-on with Titanic:</a:t>
-            </a:r>
-            <a:endParaRPr lang="en-US" altLang="zh-CN" sz="1200"/>
-          </a:p>
-          <a:p>
-            <a:endParaRPr lang="en-US" altLang="zh-CN" sz="1200"/>
-          </a:p>
-          <a:p>
-            <a:pPr>
-              <a:buFont typeface="Arial" panose="020B0604020202020204"/>
-              <a:buChar char="•"/>
-            </a:pPr>
-            <a:r>
-              <a:rPr lang="en-US" altLang="zh-CN" sz="1200"/>
-              <a:t>Line chart showing number of passengers by age</a:t>
-            </a:r>
-            <a:endParaRPr lang="en-US" altLang="zh-CN" sz="1200"/>
-          </a:p>
-          <a:p>
-            <a:pPr>
-              <a:buFont typeface="Arial" panose="020B0604020202020204"/>
-              <a:buChar char="•"/>
-            </a:pPr>
-            <a:endParaRPr lang="en-US" altLang="zh-CN" sz="1200"/>
-          </a:p>
-          <a:p>
-            <a:pPr>
-              <a:buFont typeface="Arial" panose="020B0604020202020204"/>
-              <a:buChar char="•"/>
-            </a:pPr>
-            <a:r>
-              <a:rPr lang="en-US" altLang="zh-CN" sz="1200"/>
-              <a:t>Bar chart: Number of survivors (survived) by class</a:t>
-            </a:r>
-            <a:endParaRPr lang="en-US" altLang="zh-CN" sz="1200"/>
-          </a:p>
-          <a:p>
-            <a:pPr>
-              <a:buFont typeface="Arial" panose="020B0604020202020204"/>
-              <a:buChar char="•"/>
-            </a:pPr>
-            <a:endParaRPr lang="en-US" altLang="zh-CN" sz="1200"/>
-          </a:p>
-          <a:p>
-            <a:pPr>
-              <a:buFont typeface="Arial" panose="020B0604020202020204"/>
-              <a:buChar char="•"/>
-            </a:pPr>
-            <a:r>
-              <a:rPr lang="en-US" altLang="zh-CN" sz="1200"/>
-              <a:t>Pie chart: Gender distribution</a:t>
-            </a:r>
-            <a:endParaRPr lang="en-US" altLang="zh-CN" sz="1200"/>
-          </a:p>
-          <a:p>
-            <a:r>
-              <a:rPr lang="en-US" altLang="zh-CN" sz="1200"/>
-              <a:t>Assignment:</a:t>
-            </a:r>
-            <a:endParaRPr lang="en-US" altLang="zh-CN" sz="1200"/>
-          </a:p>
-          <a:p>
-            <a:endParaRPr lang="en-US" altLang="zh-CN" sz="1200"/>
-          </a:p>
-          <a:p>
-            <a:pPr>
-              <a:buFont typeface="Arial" panose="020B0604020202020204"/>
-              <a:buChar char="•"/>
-            </a:pPr>
-            <a:r>
-              <a:rPr lang="en-US" altLang="zh-CN" sz="1200"/>
-              <a:t>Create 5 different plots using only Matplotlib on Titanic dataset.</a:t>
-            </a:r>
-            <a:endParaRPr lang="en-US" altLang="zh-CN" sz="1200"/>
+              <a:lnSpc>
+                <a:spcPct val="100000"/>
+              </a:lnSpc>
+            </a:pPr>
+            <a:r>
+              <a:rPr lang="en-US" altLang="zh-CN">
+                <a:solidFill>
+                  <a:schemeClr val="tx1"/>
+                </a:solidFill>
+                <a:latin typeface="Arial" panose="020B0604020202020204" pitchFamily="34" charset="0"/>
+                <a:ea typeface="Consolas" panose="020B0609020204030204"/>
+                <a:cs typeface="Arial" panose="020B0604020202020204" pitchFamily="34" charset="0"/>
+                <a:sym typeface="+mn-ea"/>
+              </a:rPr>
+              <a:t>21. Stacked Bar Chart</a:t>
+            </a:r>
+            <a:endParaRPr lang="en-US" altLang="zh-CN" b="0">
+              <a:solidFill>
+                <a:schemeClr val="tx1"/>
+              </a:solidFill>
+              <a:latin typeface="Arial" panose="020B0604020202020204" pitchFamily="34" charset="0"/>
+              <a:ea typeface="Consolas" panose="020B0609020204030204"/>
+              <a:cs typeface="Arial" panose="020B0604020202020204" pitchFamily="34" charset="0"/>
+            </a:endParaRPr>
+          </a:p>
+          <a:p>
+            <a:pPr>
+              <a:lnSpc>
+                <a:spcPct val="100000"/>
+              </a:lnSpc>
+            </a:pPr>
+            <a:r>
+              <a:rPr lang="en-US" altLang="zh-CN">
+                <a:solidFill>
+                  <a:schemeClr val="tx1"/>
+                </a:solidFill>
+                <a:latin typeface="Arial" panose="020B0604020202020204" pitchFamily="34" charset="0"/>
+                <a:ea typeface="Consolas" panose="020B0609020204030204"/>
+                <a:cs typeface="Arial" panose="020B0604020202020204" pitchFamily="34" charset="0"/>
+                <a:sym typeface="+mn-ea"/>
+              </a:rPr>
+              <a:t>22. Pie Chart</a:t>
+            </a:r>
+            <a:endParaRPr lang="en-US" altLang="zh-CN" b="0">
+              <a:solidFill>
+                <a:schemeClr val="tx1"/>
+              </a:solidFill>
+              <a:latin typeface="Arial" panose="020B0604020202020204" pitchFamily="34" charset="0"/>
+              <a:ea typeface="Consolas" panose="020B0609020204030204"/>
+              <a:cs typeface="Arial" panose="020B0604020202020204" pitchFamily="34" charset="0"/>
+            </a:endParaRPr>
+          </a:p>
+          <a:p>
+            <a:pPr>
+              <a:lnSpc>
+                <a:spcPct val="100000"/>
+              </a:lnSpc>
+            </a:pPr>
+            <a:r>
+              <a:rPr lang="en-US" altLang="zh-CN">
+                <a:solidFill>
+                  <a:schemeClr val="tx1"/>
+                </a:solidFill>
+                <a:latin typeface="Arial" panose="020B0604020202020204" pitchFamily="34" charset="0"/>
+                <a:ea typeface="Consolas" panose="020B0609020204030204"/>
+                <a:cs typeface="Arial" panose="020B0604020202020204" pitchFamily="34" charset="0"/>
+                <a:sym typeface="+mn-ea"/>
+              </a:rPr>
+              <a:t>23. Box Plot</a:t>
+            </a:r>
+            <a:endParaRPr lang="en-US" altLang="zh-CN" b="0">
+              <a:solidFill>
+                <a:schemeClr val="tx1"/>
+              </a:solidFill>
+              <a:latin typeface="Arial" panose="020B0604020202020204" pitchFamily="34" charset="0"/>
+              <a:ea typeface="Consolas" panose="020B0609020204030204"/>
+              <a:cs typeface="Arial" panose="020B0604020202020204" pitchFamily="34" charset="0"/>
+            </a:endParaRPr>
+          </a:p>
+          <a:p>
+            <a:pPr>
+              <a:lnSpc>
+                <a:spcPct val="100000"/>
+              </a:lnSpc>
+            </a:pPr>
+            <a:r>
+              <a:rPr lang="en-US" altLang="zh-CN">
+                <a:solidFill>
+                  <a:schemeClr val="tx1"/>
+                </a:solidFill>
+                <a:latin typeface="Arial" panose="020B0604020202020204" pitchFamily="34" charset="0"/>
+                <a:ea typeface="Consolas" panose="020B0609020204030204"/>
+                <a:cs typeface="Arial" panose="020B0604020202020204" pitchFamily="34" charset="0"/>
+                <a:sym typeface="+mn-ea"/>
+              </a:rPr>
+              <a:t>24. Area Chart</a:t>
+            </a:r>
+            <a:endParaRPr lang="en-US" altLang="zh-CN" b="0">
+              <a:solidFill>
+                <a:schemeClr val="tx1"/>
+              </a:solidFill>
+              <a:latin typeface="Arial" panose="020B0604020202020204" pitchFamily="34" charset="0"/>
+              <a:ea typeface="Consolas" panose="020B0609020204030204"/>
+              <a:cs typeface="Arial" panose="020B0604020202020204" pitchFamily="34" charset="0"/>
+            </a:endParaRPr>
+          </a:p>
+          <a:p>
+            <a:pPr>
+              <a:lnSpc>
+                <a:spcPct val="100000"/>
+              </a:lnSpc>
+            </a:pPr>
+            <a:r>
+              <a:rPr lang="en-US" altLang="zh-CN">
+                <a:solidFill>
+                  <a:schemeClr val="tx1"/>
+                </a:solidFill>
+                <a:latin typeface="Arial" panose="020B0604020202020204" pitchFamily="34" charset="0"/>
+                <a:ea typeface="Consolas" panose="020B0609020204030204"/>
+                <a:cs typeface="Arial" panose="020B0604020202020204" pitchFamily="34" charset="0"/>
+                <a:sym typeface="+mn-ea"/>
+              </a:rPr>
+              <a:t>25. Contour Plot</a:t>
+            </a:r>
+            <a:endParaRPr lang="en-US" altLang="zh-CN" b="0">
+              <a:solidFill>
+                <a:schemeClr val="tx1"/>
+              </a:solidFill>
+              <a:latin typeface="Arial" panose="020B0604020202020204" pitchFamily="34" charset="0"/>
+              <a:ea typeface="Consolas" panose="020B0609020204030204"/>
+              <a:cs typeface="Arial" panose="020B0604020202020204" pitchFamily="34" charset="0"/>
+            </a:endParaRPr>
+          </a:p>
+          <a:p>
+            <a:pPr>
+              <a:lnSpc>
+                <a:spcPct val="100000"/>
+              </a:lnSpc>
+            </a:pPr>
+            <a:r>
+              <a:rPr lang="en-US" altLang="zh-CN">
+                <a:solidFill>
+                  <a:schemeClr val="tx1"/>
+                </a:solidFill>
+                <a:latin typeface="Arial" panose="020B0604020202020204" pitchFamily="34" charset="0"/>
+                <a:ea typeface="Consolas" panose="020B0609020204030204"/>
+                <a:cs typeface="Arial" panose="020B0604020202020204" pitchFamily="34" charset="0"/>
+                <a:sym typeface="+mn-ea"/>
+              </a:rPr>
+              <a:t>26. Styles with Matplotlib Plots</a:t>
+            </a:r>
+            <a:endParaRPr lang="en-US" altLang="zh-CN" b="0">
+              <a:solidFill>
+                <a:schemeClr val="tx1"/>
+              </a:solidFill>
+              <a:latin typeface="Arial" panose="020B0604020202020204" pitchFamily="34" charset="0"/>
+              <a:ea typeface="Consolas" panose="020B0609020204030204"/>
+              <a:cs typeface="Arial" panose="020B0604020202020204" pitchFamily="34" charset="0"/>
+            </a:endParaRPr>
+          </a:p>
+          <a:p>
+            <a:pPr>
+              <a:lnSpc>
+                <a:spcPct val="100000"/>
+              </a:lnSpc>
+            </a:pPr>
+            <a:r>
+              <a:rPr lang="en-US" altLang="zh-CN">
+                <a:solidFill>
+                  <a:schemeClr val="tx1"/>
+                </a:solidFill>
+                <a:latin typeface="Arial" panose="020B0604020202020204" pitchFamily="34" charset="0"/>
+                <a:ea typeface="Consolas" panose="020B0609020204030204"/>
+                <a:cs typeface="Arial" panose="020B0604020202020204" pitchFamily="34" charset="0"/>
+                <a:sym typeface="+mn-ea"/>
+              </a:rPr>
+              <a:t>27. Adding a grid</a:t>
+            </a:r>
+            <a:endParaRPr lang="en-US" altLang="zh-CN" b="0">
+              <a:solidFill>
+                <a:schemeClr val="tx1"/>
+              </a:solidFill>
+              <a:latin typeface="Arial" panose="020B0604020202020204" pitchFamily="34" charset="0"/>
+              <a:ea typeface="Consolas" panose="020B0609020204030204"/>
+              <a:cs typeface="Arial" panose="020B0604020202020204" pitchFamily="34" charset="0"/>
+            </a:endParaRPr>
+          </a:p>
+          <a:p>
+            <a:pPr>
+              <a:lnSpc>
+                <a:spcPct val="100000"/>
+              </a:lnSpc>
+            </a:pPr>
+            <a:r>
+              <a:rPr lang="en-US" altLang="zh-CN">
+                <a:solidFill>
+                  <a:schemeClr val="tx1"/>
+                </a:solidFill>
+                <a:latin typeface="Arial" panose="020B0604020202020204" pitchFamily="34" charset="0"/>
+                <a:ea typeface="Consolas" panose="020B0609020204030204"/>
+                <a:cs typeface="Arial" panose="020B0604020202020204" pitchFamily="34" charset="0"/>
+                <a:sym typeface="+mn-ea"/>
+              </a:rPr>
+              <a:t>28. Handling axes</a:t>
+            </a:r>
+            <a:endParaRPr lang="en-US" altLang="zh-CN" b="0">
+              <a:solidFill>
+                <a:schemeClr val="tx1"/>
+              </a:solidFill>
+              <a:latin typeface="Arial" panose="020B0604020202020204" pitchFamily="34" charset="0"/>
+              <a:ea typeface="Consolas" panose="020B0609020204030204"/>
+              <a:cs typeface="Arial" panose="020B0604020202020204" pitchFamily="34" charset="0"/>
+            </a:endParaRPr>
+          </a:p>
+          <a:p>
+            <a:pPr>
+              <a:lnSpc>
+                <a:spcPct val="100000"/>
+              </a:lnSpc>
+            </a:pPr>
+            <a:r>
+              <a:rPr lang="en-US" altLang="zh-CN">
+                <a:solidFill>
+                  <a:schemeClr val="tx1"/>
+                </a:solidFill>
+                <a:latin typeface="Arial" panose="020B0604020202020204" pitchFamily="34" charset="0"/>
+                <a:ea typeface="Consolas" panose="020B0609020204030204"/>
+                <a:cs typeface="Arial" panose="020B0604020202020204" pitchFamily="34" charset="0"/>
+                <a:sym typeface="+mn-ea"/>
+              </a:rPr>
+              <a:t>29. Handling X and Y ticks</a:t>
+            </a:r>
+            <a:endParaRPr lang="en-US" altLang="zh-CN" b="0">
+              <a:solidFill>
+                <a:schemeClr val="tx1"/>
+              </a:solidFill>
+              <a:latin typeface="Arial" panose="020B0604020202020204" pitchFamily="34" charset="0"/>
+              <a:ea typeface="Consolas" panose="020B0609020204030204"/>
+              <a:cs typeface="Arial" panose="020B0604020202020204" pitchFamily="34" charset="0"/>
+            </a:endParaRPr>
+          </a:p>
+          <a:p>
+            <a:pPr>
+              <a:lnSpc>
+                <a:spcPct val="100000"/>
+              </a:lnSpc>
+            </a:pPr>
+            <a:r>
+              <a:rPr lang="en-US" altLang="zh-CN">
+                <a:solidFill>
+                  <a:schemeClr val="tx1"/>
+                </a:solidFill>
+                <a:latin typeface="Arial" panose="020B0604020202020204" pitchFamily="34" charset="0"/>
+                <a:ea typeface="Consolas" panose="020B0609020204030204"/>
+                <a:cs typeface="Arial" panose="020B0604020202020204" pitchFamily="34" charset="0"/>
+                <a:sym typeface="+mn-ea"/>
+              </a:rPr>
+              <a:t>30. Adding labels</a:t>
+            </a:r>
+            <a:endParaRPr lang="en-US" altLang="zh-CN" b="0">
+              <a:solidFill>
+                <a:schemeClr val="tx1"/>
+              </a:solidFill>
+              <a:latin typeface="Arial" panose="020B0604020202020204" pitchFamily="34" charset="0"/>
+              <a:ea typeface="Consolas" panose="020B0609020204030204"/>
+              <a:cs typeface="Arial" panose="020B0604020202020204" pitchFamily="34" charset="0"/>
+            </a:endParaRPr>
+          </a:p>
+          <a:p>
+            <a:pPr>
+              <a:lnSpc>
+                <a:spcPct val="100000"/>
+              </a:lnSpc>
+            </a:pPr>
+            <a:r>
+              <a:rPr lang="en-US" altLang="zh-CN">
+                <a:solidFill>
+                  <a:schemeClr val="tx1"/>
+                </a:solidFill>
+                <a:latin typeface="Arial" panose="020B0604020202020204" pitchFamily="34" charset="0"/>
+                <a:ea typeface="Consolas" panose="020B0609020204030204"/>
+                <a:cs typeface="Arial" panose="020B0604020202020204" pitchFamily="34" charset="0"/>
+                <a:sym typeface="+mn-ea"/>
+              </a:rPr>
+              <a:t>31. Adding a title</a:t>
+            </a:r>
+            <a:endParaRPr lang="en-US" altLang="zh-CN" b="0">
+              <a:solidFill>
+                <a:schemeClr val="tx1"/>
+              </a:solidFill>
+              <a:latin typeface="Arial" panose="020B0604020202020204" pitchFamily="34" charset="0"/>
+              <a:ea typeface="Consolas" panose="020B0609020204030204"/>
+              <a:cs typeface="Arial" panose="020B0604020202020204" pitchFamily="34" charset="0"/>
+            </a:endParaRPr>
+          </a:p>
+          <a:p>
+            <a:pPr>
+              <a:lnSpc>
+                <a:spcPct val="100000"/>
+              </a:lnSpc>
+            </a:pPr>
+            <a:r>
+              <a:rPr lang="en-US" altLang="zh-CN">
+                <a:solidFill>
+                  <a:schemeClr val="tx1"/>
+                </a:solidFill>
+                <a:latin typeface="Arial" panose="020B0604020202020204" pitchFamily="34" charset="0"/>
+                <a:ea typeface="Consolas" panose="020B0609020204030204"/>
+                <a:cs typeface="Arial" panose="020B0604020202020204" pitchFamily="34" charset="0"/>
+                <a:sym typeface="+mn-ea"/>
+              </a:rPr>
+              <a:t>32. Adding a legend</a:t>
+            </a:r>
+            <a:endParaRPr lang="en-US" altLang="zh-CN" b="0">
+              <a:solidFill>
+                <a:schemeClr val="tx1"/>
+              </a:solidFill>
+              <a:latin typeface="Arial" panose="020B0604020202020204" pitchFamily="34" charset="0"/>
+              <a:ea typeface="Consolas" panose="020B0609020204030204"/>
+              <a:cs typeface="Arial" panose="020B0604020202020204" pitchFamily="34" charset="0"/>
+            </a:endParaRPr>
+          </a:p>
+          <a:p>
+            <a:pPr>
+              <a:lnSpc>
+                <a:spcPct val="100000"/>
+              </a:lnSpc>
+            </a:pPr>
+            <a:r>
+              <a:rPr lang="en-US" altLang="zh-CN">
+                <a:solidFill>
+                  <a:schemeClr val="tx1"/>
+                </a:solidFill>
+                <a:latin typeface="Arial" panose="020B0604020202020204" pitchFamily="34" charset="0"/>
+                <a:ea typeface="Consolas" panose="020B0609020204030204"/>
+                <a:cs typeface="Arial" panose="020B0604020202020204" pitchFamily="34" charset="0"/>
+                <a:sym typeface="+mn-ea"/>
+              </a:rPr>
+              <a:t>33. Control colours</a:t>
+            </a:r>
+            <a:endParaRPr lang="en-US" altLang="zh-CN" b="0">
+              <a:solidFill>
+                <a:schemeClr val="tx1"/>
+              </a:solidFill>
+              <a:latin typeface="Arial" panose="020B0604020202020204" pitchFamily="34" charset="0"/>
+              <a:ea typeface="Consolas" panose="020B0609020204030204"/>
+              <a:cs typeface="Arial" panose="020B0604020202020204" pitchFamily="34" charset="0"/>
+            </a:endParaRPr>
+          </a:p>
+          <a:p>
+            <a:pPr>
+              <a:lnSpc>
+                <a:spcPct val="100000"/>
+              </a:lnSpc>
+            </a:pPr>
+            <a:r>
+              <a:rPr lang="en-US" altLang="zh-CN">
+                <a:solidFill>
+                  <a:schemeClr val="tx1"/>
+                </a:solidFill>
+                <a:latin typeface="Arial" panose="020B0604020202020204" pitchFamily="34" charset="0"/>
+                <a:ea typeface="Consolas" panose="020B0609020204030204"/>
+                <a:cs typeface="Arial" panose="020B0604020202020204" pitchFamily="34" charset="0"/>
+                <a:sym typeface="+mn-ea"/>
+              </a:rPr>
+              <a:t>34. Control line styles</a:t>
+            </a:r>
+            <a:endParaRPr lang="en-US" altLang="zh-CN" b="0">
+              <a:solidFill>
+                <a:schemeClr val="tx1"/>
+              </a:solidFill>
+              <a:latin typeface="Arial" panose="020B0604020202020204" pitchFamily="34" charset="0"/>
+              <a:ea typeface="Consolas" panose="020B0609020204030204"/>
+              <a:cs typeface="Arial" panose="020B0604020202020204" pitchFamily="34" charset="0"/>
+            </a:endParaRPr>
+          </a:p>
+          <a:p>
+            <a:pPr>
+              <a:lnSpc>
+                <a:spcPct val="100000"/>
+              </a:lnSpc>
+            </a:pPr>
+            <a:r>
+              <a:rPr lang="en-US" altLang="zh-CN">
+                <a:solidFill>
+                  <a:schemeClr val="tx1"/>
+                </a:solidFill>
+                <a:latin typeface="Arial" panose="020B0604020202020204" pitchFamily="34" charset="0"/>
+                <a:ea typeface="Consolas" panose="020B0609020204030204"/>
+                <a:cs typeface="Arial" panose="020B0604020202020204" pitchFamily="34" charset="0"/>
+                <a:sym typeface="+mn-ea"/>
+              </a:rPr>
+              <a:t> </a:t>
+            </a:r>
+            <a:endParaRPr lang="en-US" altLang="zh-CN" b="0">
+              <a:solidFill>
+                <a:schemeClr val="tx1"/>
+              </a:solidFill>
+              <a:latin typeface="Arial" panose="020B0604020202020204" pitchFamily="34" charset="0"/>
+              <a:ea typeface="Consolas" panose="020B0609020204030204"/>
+              <a:cs typeface="Arial" panose="020B0604020202020204" pitchFamily="34" charset="0"/>
+            </a:endParaRPr>
+          </a:p>
+          <a:p>
+            <a:pPr>
+              <a:lnSpc>
+                <a:spcPct val="100000"/>
+              </a:lnSpc>
+            </a:pPr>
+            <a:r>
+              <a:rPr lang="en-US" altLang="zh-CN">
+                <a:solidFill>
+                  <a:schemeClr val="tx1"/>
+                </a:solidFill>
+                <a:latin typeface="Arial" panose="020B0604020202020204" pitchFamily="34" charset="0"/>
+                <a:ea typeface="Consolas" panose="020B0609020204030204"/>
+                <a:cs typeface="Arial" panose="020B0604020202020204" pitchFamily="34" charset="0"/>
+                <a:sym typeface="+mn-ea"/>
+              </a:rPr>
+              <a:t>35. Summary</a:t>
+            </a:r>
+            <a:endParaRPr lang="en-US" altLang="zh-CN">
+              <a:solidFill>
+                <a:schemeClr val="tx1"/>
+              </a:solidFill>
+              <a:latin typeface="Arial" panose="020B0604020202020204" pitchFamily="34" charset="0"/>
+              <a:ea typeface="Consolas" panose="020B0609020204030204"/>
+              <a:cs typeface="Arial" panose="020B0604020202020204" pitchFamily="34" charset="0"/>
+              <a:sym typeface="+mn-ea"/>
+            </a:endParaRPr>
           </a:p>
         </p:txBody>
       </p:sp>
@@ -12425,15 +16482,15 @@
         </p:nvSpPr>
         <p:spPr>
           <a:xfrm>
-            <a:off x="0" y="0"/>
-            <a:ext cx="5080000" cy="4154805"/>
+            <a:off x="71755" y="53340"/>
+            <a:ext cx="4135120" cy="4523740"/>
           </a:xfrm>
           <a:prstGeom prst="rect">
             <a:avLst/>
           </a:prstGeom>
         </p:spPr>
         <p:txBody>
-          <a:bodyPr>
+          <a:bodyPr wrap="square">
             <a:spAutoFit/>
           </a:bodyPr>
           <a:p>
@@ -12448,14 +16505,14 @@
             </a:r>
             <a:r>
               <a:rPr lang="en-US" altLang="zh-CN" sz="1800" b="1"/>
-              <a:t>Module 3: Matplotlib Advanced Customization</a:t>
+              <a:t>Module 1: Introduction to Data Visualization &amp; Titanic Dataset</a:t>
             </a:r>
             <a:endParaRPr lang="en-US" altLang="zh-CN" sz="1800" b="1"/>
           </a:p>
           <a:p>
             <a:r>
               <a:rPr lang="en-US" altLang="zh-CN" sz="1200"/>
-              <a:t>Objective: Improve plot readability and aesthetics.</a:t>
+              <a:t>Objective: Understand the purpose and value of data visualization.</a:t>
             </a:r>
             <a:endParaRPr lang="en-US" altLang="zh-CN" sz="1200"/>
           </a:p>
@@ -12476,7 +16533,7 @@
             </a:pPr>
             <a:r>
               <a:rPr lang="en-US" altLang="zh-CN" sz="1200"/>
-              <a:t>Subplots with plt.subplot() and plt.subplots()</a:t>
+              <a:t>What is Data Visualization?</a:t>
             </a:r>
             <a:endParaRPr lang="en-US" altLang="zh-CN" sz="1200"/>
           </a:p>
@@ -12494,7 +16551,7 @@
             </a:pPr>
             <a:r>
               <a:rPr lang="en-US" altLang="zh-CN" sz="1200"/>
-              <a:t>Adding annotations</a:t>
+              <a:t>Why use Matplotlib and Seaborn?</a:t>
             </a:r>
             <a:endParaRPr lang="en-US" altLang="zh-CN" sz="1200"/>
           </a:p>
@@ -12512,7 +16569,7 @@
             </a:pPr>
             <a:r>
               <a:rPr lang="en-US" altLang="zh-CN" sz="1200"/>
-              <a:t>Grid, ticks, spines</a:t>
+              <a:t>Overview of Titanic dataset (features and data types)</a:t>
             </a:r>
             <a:endParaRPr lang="en-US" altLang="zh-CN" sz="1200"/>
           </a:p>
@@ -12530,14 +16587,14 @@
             </a:pPr>
             <a:r>
               <a:rPr lang="en-US" altLang="zh-CN" sz="1200"/>
-              <a:t>Saving plots as images</a:t>
+              <a:t>Loading and exploring Titanic dataset using Pandas</a:t>
             </a:r>
             <a:endParaRPr lang="en-US" altLang="zh-CN" sz="1200"/>
           </a:p>
           <a:p>
             <a:r>
               <a:rPr lang="en-US" altLang="zh-CN" sz="1200"/>
-              <a:t>Hands-on with Titanic:</a:t>
+              <a:t>Activities:</a:t>
             </a:r>
             <a:endParaRPr lang="en-US" altLang="zh-CN" sz="1200"/>
           </a:p>
@@ -12551,7 +16608,7 @@
             </a:pPr>
             <a:r>
               <a:rPr lang="en-US" altLang="zh-CN" sz="1200"/>
-              <a:t>Create subplot grid showing survival by class and gender</a:t>
+              <a:t>Load Titanic dataset using sns.load_dataset("titanic")</a:t>
             </a:r>
             <a:endParaRPr lang="en-US" altLang="zh-CN" sz="1200"/>
           </a:p>
@@ -12569,7 +16626,7 @@
             </a:pPr>
             <a:r>
               <a:rPr lang="en-US" altLang="zh-CN" sz="1200"/>
-              <a:t>Annotate highest fare-paying passenger</a:t>
+              <a:t>Use .head(), .info(), .describe() to explore</a:t>
             </a:r>
             <a:endParaRPr lang="en-US" altLang="zh-CN" sz="1200"/>
           </a:p>
@@ -12590,7 +16647,7 @@
             </a:pPr>
             <a:r>
               <a:rPr lang="en-US" altLang="zh-CN" sz="1200"/>
-              <a:t>Create a dashboard of 4 Titanic plots using subplots.</a:t>
+              <a:t>Write a summary of 5 interesting things from the Titanic dataset.</a:t>
             </a:r>
             <a:endParaRPr lang="en-US" altLang="zh-CN" sz="1200"/>
           </a:p>
@@ -12604,15 +16661,15 @@
         </p:nvSpPr>
         <p:spPr>
           <a:xfrm>
-            <a:off x="4064000" y="194945"/>
-            <a:ext cx="5080000" cy="3518535"/>
+            <a:off x="4064000" y="211455"/>
+            <a:ext cx="4685665" cy="4246880"/>
           </a:xfrm>
           <a:prstGeom prst="rect">
             <a:avLst/>
           </a:prstGeom>
         </p:spPr>
         <p:txBody>
-          <a:bodyPr>
+          <a:bodyPr wrap="square">
             <a:spAutoFit/>
           </a:bodyPr>
           <a:p>
@@ -12622,31 +16679,31 @@
               </a:spcAft>
             </a:pPr>
             <a:r>
-              <a:rPr lang="zh-CN" altLang="en-US" sz="1600" b="1"/>
+              <a:rPr lang="zh-CN" altLang="en-US" sz="1800" b="1"/>
               <a:t>📘 </a:t>
             </a:r>
             <a:r>
-              <a:rPr lang="en-US" altLang="zh-CN" sz="1600" b="1"/>
-              <a:t>Module 4: Seaborn Basics – Introduction &amp; Categorical Plots</a:t>
-            </a:r>
-            <a:endParaRPr lang="en-US" altLang="zh-CN" sz="1600" b="1"/>
-          </a:p>
-          <a:p>
-            <a:r>
-              <a:rPr lang="en-US" altLang="zh-CN" sz="1000"/>
-              <a:t>Objective: Learn to build quick statistical plots using Seaborn.</a:t>
-            </a:r>
-            <a:endParaRPr lang="en-US" altLang="zh-CN" sz="1000"/>
-          </a:p>
-          <a:p>
-            <a:r>
-              <a:rPr lang="en-US" altLang="zh-CN" sz="1000"/>
+              <a:rPr lang="en-US" altLang="zh-CN" sz="1800" b="1"/>
+              <a:t>Module 2: Matplotlib Basics</a:t>
+            </a:r>
+            <a:endParaRPr lang="en-US" altLang="zh-CN" sz="1800" b="1"/>
+          </a:p>
+          <a:p>
+            <a:r>
+              <a:rPr lang="en-US" altLang="zh-CN" sz="1200"/>
+              <a:t>Objective: Learn to create basic plots using Matplotlib.</a:t>
+            </a:r>
+            <a:endParaRPr lang="en-US" altLang="zh-CN" sz="1200"/>
+          </a:p>
+          <a:p>
+            <a:r>
+              <a:rPr lang="en-US" altLang="zh-CN" sz="1200"/>
               <a:t>Topics:</a:t>
             </a:r>
-            <a:endParaRPr lang="en-US" altLang="zh-CN" sz="1000"/>
-          </a:p>
-          <a:p>
-            <a:endParaRPr lang="en-US" altLang="zh-CN" sz="1000"/>
+            <a:endParaRPr lang="en-US" altLang="zh-CN" sz="1200"/>
+          </a:p>
+          <a:p>
+            <a:endParaRPr lang="en-US" altLang="zh-CN" sz="1200"/>
           </a:p>
           <a:p>
             <a:pPr>
@@ -12654,17 +16711,17 @@
               <a:buChar char="•"/>
             </a:pPr>
             <a:r>
-              <a:rPr lang="en-US" altLang="zh-CN" sz="1000"/>
-              <a:t>Overview of Seaborn aesthetics and themes</a:t>
-            </a:r>
-            <a:endParaRPr lang="en-US" altLang="zh-CN" sz="1000"/>
+              <a:rPr lang="en-US" altLang="zh-CN" sz="1200"/>
+              <a:t>Anatomy of a Matplotlib plot (figure, axes, titles, labels, legend)</a:t>
+            </a:r>
+            <a:endParaRPr lang="en-US" altLang="zh-CN" sz="1200"/>
           </a:p>
           <a:p>
             <a:pPr>
               <a:buFont typeface="Arial" panose="020B0604020202020204"/>
               <a:buChar char="•"/>
             </a:pPr>
-            <a:endParaRPr lang="en-US" altLang="zh-CN" sz="1000"/>
+            <a:endParaRPr lang="en-US" altLang="zh-CN" sz="1200"/>
           </a:p>
           <a:p>
             <a:pPr>
@@ -12672,17 +16729,17 @@
               <a:buChar char="•"/>
             </a:pPr>
             <a:r>
-              <a:rPr lang="en-US" altLang="zh-CN" sz="1000"/>
-              <a:t>countplot(), barplot(), boxplot(), violinplot()</a:t>
-            </a:r>
-            <a:endParaRPr lang="en-US" altLang="zh-CN" sz="1000"/>
+              <a:rPr lang="en-US" altLang="zh-CN" sz="1200"/>
+              <a:t>plot(), bar(), scatter(), hist(), pie()</a:t>
+            </a:r>
+            <a:endParaRPr lang="en-US" altLang="zh-CN" sz="1200"/>
           </a:p>
           <a:p>
             <a:pPr>
               <a:buFont typeface="Arial" panose="020B0604020202020204"/>
               <a:buChar char="•"/>
             </a:pPr>
-            <a:endParaRPr lang="en-US" altLang="zh-CN" sz="1000"/>
+            <a:endParaRPr lang="en-US" altLang="zh-CN" sz="1200"/>
           </a:p>
           <a:p>
             <a:pPr>
@@ -12690,38 +16747,38 @@
               <a:buChar char="•"/>
             </a:pPr>
             <a:r>
-              <a:rPr lang="en-US" altLang="zh-CN" sz="1000"/>
-              <a:t>Color palettes and hue, col, row parameters</a:t>
-            </a:r>
-            <a:endParaRPr lang="en-US" altLang="zh-CN" sz="1000"/>
-          </a:p>
-          <a:p>
-            <a:r>
-              <a:rPr lang="en-US" altLang="zh-CN" sz="1000"/>
-              <a:t>Hands-on with Titanic:</a:t>
-            </a:r>
-            <a:endParaRPr lang="en-US" altLang="zh-CN" sz="1000"/>
-          </a:p>
-          <a:p>
-            <a:endParaRPr lang="en-US" altLang="zh-CN" sz="1000"/>
+              <a:rPr lang="en-US" altLang="zh-CN" sz="1200"/>
+              <a:t>Customizing plots (color, linestyle, marker)</a:t>
+            </a:r>
+            <a:endParaRPr lang="en-US" altLang="zh-CN" sz="1200"/>
           </a:p>
           <a:p>
             <a:pPr>
               <a:buFont typeface="Arial" panose="020B0604020202020204"/>
               <a:buChar char="•"/>
             </a:pPr>
-            <a:r>
-              <a:rPr lang="en-US" altLang="zh-CN" sz="1000"/>
-              <a:t>countplot() of survivors by class and gender</a:t>
-            </a:r>
-            <a:endParaRPr lang="en-US" altLang="zh-CN" sz="1000"/>
+            <a:endParaRPr lang="en-US" altLang="zh-CN" sz="1200"/>
           </a:p>
           <a:p>
             <a:pPr>
               <a:buFont typeface="Arial" panose="020B0604020202020204"/>
               <a:buChar char="•"/>
             </a:pPr>
-            <a:endParaRPr lang="en-US" altLang="zh-CN" sz="1000"/>
+            <a:r>
+              <a:rPr lang="en-US" altLang="zh-CN" sz="1200"/>
+              <a:t>Adding titles, labels, and legends</a:t>
+            </a:r>
+            <a:endParaRPr lang="en-US" altLang="zh-CN" sz="1200"/>
+          </a:p>
+          <a:p>
+            <a:r>
+              <a:rPr lang="en-US" altLang="zh-CN" sz="1200"/>
+              <a:t>Hands-on with Titanic:</a:t>
+            </a:r>
+            <a:endParaRPr lang="en-US" altLang="zh-CN" sz="1200"/>
+          </a:p>
+          <a:p>
+            <a:endParaRPr lang="en-US" altLang="zh-CN" sz="1200"/>
           </a:p>
           <a:p>
             <a:pPr>
@@ -12729,17 +16786,17 @@
               <a:buChar char="•"/>
             </a:pPr>
             <a:r>
-              <a:rPr lang="en-US" altLang="zh-CN" sz="1000"/>
-              <a:t>barplot() of average fare by embark_town</a:t>
-            </a:r>
-            <a:endParaRPr lang="en-US" altLang="zh-CN" sz="1000"/>
+              <a:rPr lang="en-US" altLang="zh-CN" sz="1200"/>
+              <a:t>Line chart showing number of passengers by age</a:t>
+            </a:r>
+            <a:endParaRPr lang="en-US" altLang="zh-CN" sz="1200"/>
           </a:p>
           <a:p>
             <a:pPr>
               <a:buFont typeface="Arial" panose="020B0604020202020204"/>
               <a:buChar char="•"/>
             </a:pPr>
-            <a:endParaRPr lang="en-US" altLang="zh-CN" sz="1000"/>
+            <a:endParaRPr lang="en-US" altLang="zh-CN" sz="1200"/>
           </a:p>
           <a:p>
             <a:pPr>
@@ -12747,31 +16804,49 @@
               <a:buChar char="•"/>
             </a:pPr>
             <a:r>
-              <a:rPr lang="en-US" altLang="zh-CN" sz="1000"/>
-              <a:t>violinplot() of age distribution by class</a:t>
-            </a:r>
-            <a:endParaRPr lang="en-US" altLang="zh-CN" sz="1000"/>
-          </a:p>
-          <a:p>
-            <a:r>
-              <a:rPr lang="en-US" altLang="zh-CN" sz="1000"/>
-              <a:t>Assignment:</a:t>
-            </a:r>
-            <a:endParaRPr lang="en-US" altLang="zh-CN" sz="1000"/>
-          </a:p>
-          <a:p>
-            <a:endParaRPr lang="en-US" altLang="zh-CN" sz="1000"/>
+              <a:rPr lang="en-US" altLang="zh-CN" sz="1200"/>
+              <a:t>Bar chart: Number of survivors (survived) by class</a:t>
+            </a:r>
+            <a:endParaRPr lang="en-US" altLang="zh-CN" sz="1200"/>
           </a:p>
           <a:p>
             <a:pPr>
               <a:buFont typeface="Arial" panose="020B0604020202020204"/>
               <a:buChar char="•"/>
             </a:pPr>
-            <a:r>
-              <a:rPr lang="en-US" altLang="zh-CN" sz="1000"/>
-              <a:t>Use at least 3 categorical plots to explore survival vs different features.</a:t>
-            </a:r>
-            <a:endParaRPr lang="en-US" altLang="zh-CN" sz="1000"/>
+            <a:endParaRPr lang="en-US" altLang="zh-CN" sz="1200"/>
+          </a:p>
+          <a:p>
+            <a:pPr>
+              <a:buFont typeface="Arial" panose="020B0604020202020204"/>
+              <a:buChar char="•"/>
+            </a:pPr>
+            <a:r>
+              <a:rPr lang="en-US" altLang="zh-CN" sz="1200"/>
+              <a:t>Pie chart: Gender distribution</a:t>
+            </a:r>
+            <a:endParaRPr lang="en-US" altLang="zh-CN" sz="1200"/>
+          </a:p>
+          <a:p>
+            <a:r>
+              <a:rPr lang="en-US" altLang="zh-CN" sz="1200"/>
+              <a:t>Assignment:</a:t>
+            </a:r>
+            <a:endParaRPr lang="en-US" altLang="zh-CN" sz="1200"/>
+          </a:p>
+          <a:p>
+            <a:endParaRPr lang="en-US" altLang="zh-CN" sz="1200"/>
+          </a:p>
+          <a:p>
+            <a:pPr>
+              <a:buFont typeface="Arial" panose="020B0604020202020204"/>
+              <a:buChar char="•"/>
+            </a:pPr>
+            <a:r>
+              <a:rPr lang="en-US" altLang="zh-CN" sz="1200"/>
+              <a:t>Create 5 different plots using only Matplotlib on Titanic dataset.</a:t>
+            </a:r>
+            <a:endParaRPr lang="en-US" altLang="zh-CN" sz="1200"/>
           </a:p>
         </p:txBody>
       </p:sp>
@@ -12801,8 +16876,8 @@
         </p:nvSpPr>
         <p:spPr>
           <a:xfrm>
-            <a:off x="361950" y="182880"/>
-            <a:ext cx="3904615" cy="3230245"/>
+            <a:off x="0" y="0"/>
+            <a:ext cx="4003675" cy="4338955"/>
           </a:xfrm>
           <a:prstGeom prst="rect">
             <a:avLst/>
@@ -12813,23 +16888,25 @@
             <a:spAutoFit/>
           </a:bodyPr>
           <a:p>
-            <a:r>
-              <a:rPr lang="zh-CN" altLang="en-US" sz="1200"/>
-              <a:t>📘</a:t>
-            </a:r>
-            <a:r>
-              <a:rPr lang="en-US" altLang="en-US" sz="1200"/>
-              <a:t> Module 5: Seaborn for Numerical Variables</a:t>
-            </a:r>
-            <a:endParaRPr lang="en-US" altLang="en-US" sz="1200"/>
-          </a:p>
-          <a:p>
-            <a:endParaRPr lang="en-US" altLang="en-US" sz="1200"/>
+            <a:pPr>
+              <a:spcAft>
+                <a:spcPct val="60000"/>
+              </a:spcAft>
+            </a:pPr>
+            <a:r>
+              <a:rPr lang="zh-CN" altLang="en-US" sz="1800" b="1"/>
+              <a:t>📘 </a:t>
+            </a:r>
+            <a:r>
+              <a:rPr lang="en-US" altLang="zh-CN" sz="1800" b="1"/>
+              <a:t>Module 3: Matplotlib Advanced Customization</a:t>
+            </a:r>
+            <a:endParaRPr lang="en-US" altLang="zh-CN" sz="1800" b="1"/>
           </a:p>
           <a:p>
             <a:r>
               <a:rPr lang="en-US" altLang="zh-CN" sz="1200"/>
-              <a:t>Objective: Visualize distributions and relationships between numeric variables.</a:t>
+              <a:t>Objective: Improve plot readability and aesthetics.</a:t>
             </a:r>
             <a:endParaRPr lang="en-US" altLang="zh-CN" sz="1200"/>
           </a:p>
@@ -12850,7 +16927,7 @@
             </a:pPr>
             <a:r>
               <a:rPr lang="en-US" altLang="zh-CN" sz="1200"/>
-              <a:t>histplot(), distplot() (legacy), kdeplot()</a:t>
+              <a:t>Subplots with plt.subplot() and plt.subplots()</a:t>
             </a:r>
             <a:endParaRPr lang="en-US" altLang="zh-CN" sz="1200"/>
           </a:p>
@@ -12859,9 +16936,52 @@
               <a:buFont typeface="Arial" panose="020B0604020202020204"/>
               <a:buChar char="•"/>
             </a:pPr>
+            <a:endParaRPr lang="en-US" altLang="zh-CN" sz="1200"/>
+          </a:p>
+          <a:p>
+            <a:pPr>
+              <a:buFont typeface="Arial" panose="020B0604020202020204"/>
+              <a:buChar char="•"/>
+            </a:pPr>
             <a:r>
               <a:rPr lang="en-US" altLang="zh-CN" sz="1200"/>
-              <a:t>scatterplot(), lineplot(), regplot()</a:t>
+              <a:t>Adding annotations</a:t>
+            </a:r>
+            <a:endParaRPr lang="en-US" altLang="zh-CN" sz="1200"/>
+          </a:p>
+          <a:p>
+            <a:pPr>
+              <a:buFont typeface="Arial" panose="020B0604020202020204"/>
+              <a:buChar char="•"/>
+            </a:pPr>
+            <a:endParaRPr lang="en-US" altLang="zh-CN" sz="1200"/>
+          </a:p>
+          <a:p>
+            <a:pPr>
+              <a:buFont typeface="Arial" panose="020B0604020202020204"/>
+              <a:buChar char="•"/>
+            </a:pPr>
+            <a:r>
+              <a:rPr lang="en-US" altLang="zh-CN" sz="1200"/>
+              <a:t>Grid, ticks, spines</a:t>
+            </a:r>
+            <a:endParaRPr lang="en-US" altLang="zh-CN" sz="1200"/>
+          </a:p>
+          <a:p>
+            <a:pPr>
+              <a:buFont typeface="Arial" panose="020B0604020202020204"/>
+              <a:buChar char="•"/>
+            </a:pPr>
+            <a:endParaRPr lang="en-US" altLang="zh-CN" sz="1200"/>
+          </a:p>
+          <a:p>
+            <a:pPr>
+              <a:buFont typeface="Arial" panose="020B0604020202020204"/>
+              <a:buChar char="•"/>
+            </a:pPr>
+            <a:r>
+              <a:rPr lang="en-US" altLang="zh-CN" sz="1200"/>
+              <a:t>Saving plots as images</a:t>
             </a:r>
             <a:endParaRPr lang="en-US" altLang="zh-CN" sz="1200"/>
           </a:p>
@@ -12873,71 +16993,55 @@
             <a:endParaRPr lang="en-US" altLang="zh-CN" sz="1200"/>
           </a:p>
           <a:p>
-            <a:pPr lvl="4">
+            <a:endParaRPr lang="en-US" altLang="zh-CN" sz="1200"/>
+          </a:p>
+          <a:p>
+            <a:pPr>
               <a:buFont typeface="Arial" panose="020B0604020202020204"/>
               <a:buChar char="•"/>
             </a:pPr>
             <a:r>
               <a:rPr lang="en-US" altLang="zh-CN" sz="1200"/>
-              <a:t>Age distribution using histplot()</a:t>
+              <a:t>Create subplot grid showing survival by class and gender</a:t>
             </a:r>
             <a:endParaRPr lang="en-US" altLang="zh-CN" sz="1200"/>
           </a:p>
           <a:p>
-            <a:pPr lvl="4">
+            <a:pPr>
               <a:buFont typeface="Arial" panose="020B0604020202020204"/>
               <a:buChar char="•"/>
             </a:pPr>
             <a:endParaRPr lang="en-US" altLang="zh-CN" sz="1200"/>
           </a:p>
           <a:p>
-            <a:pPr lvl="4">
+            <a:pPr>
               <a:buFont typeface="Arial" panose="020B0604020202020204"/>
               <a:buChar char="•"/>
             </a:pPr>
             <a:r>
               <a:rPr lang="en-US" altLang="zh-CN" sz="1200"/>
-              <a:t>Fare vs age scatterplot() with survival as hue</a:t>
+              <a:t>Annotate highest fare-paying passenger</a:t>
             </a:r>
             <a:endParaRPr lang="en-US" altLang="zh-CN" sz="1200"/>
           </a:p>
           <a:p>
-            <a:pPr lvl="4">
+            <a:r>
+              <a:rPr lang="en-US" altLang="zh-CN" sz="1200"/>
+              <a:t>Assignment:</a:t>
+            </a:r>
+            <a:endParaRPr lang="en-US" altLang="zh-CN" sz="1200"/>
+          </a:p>
+          <a:p>
+            <a:endParaRPr lang="en-US" altLang="zh-CN" sz="1200"/>
+          </a:p>
+          <a:p>
+            <a:pPr>
               <a:buFont typeface="Arial" panose="020B0604020202020204"/>
               <a:buChar char="•"/>
             </a:pPr>
-            <a:endParaRPr lang="en-US" altLang="zh-CN" sz="1200"/>
-          </a:p>
-          <a:p>
-            <a:pPr lvl="4">
-              <a:buFont typeface="Arial" panose="020B0604020202020204"/>
-              <a:buChar char="•"/>
-            </a:pPr>
             <a:r>
               <a:rPr lang="en-US" altLang="zh-CN" sz="1200"/>
-              <a:t>Survival trend by age using lineplot()</a:t>
-            </a:r>
-            <a:endParaRPr lang="en-US" altLang="zh-CN" sz="1200"/>
-          </a:p>
-          <a:p>
-            <a:pPr lvl="4"/>
-            <a:r>
-              <a:rPr lang="en-US" altLang="zh-CN" sz="1200"/>
-              <a:t>Assignment:</a:t>
-            </a:r>
-            <a:endParaRPr lang="en-US" altLang="zh-CN" sz="1200"/>
-          </a:p>
-          <a:p>
-            <a:endParaRPr lang="en-US" altLang="zh-CN" sz="1200"/>
-          </a:p>
-          <a:p>
-            <a:pPr>
-              <a:buFont typeface="Arial" panose="020B0604020202020204"/>
-              <a:buChar char="•"/>
-            </a:pPr>
-            <a:r>
-              <a:rPr lang="en-US" altLang="zh-CN" sz="1200"/>
-              <a:t>Plot distribution of age and fare; interpret the shapes.</a:t>
+              <a:t>Create a dashboard of 4 Titanic plots using subplots.</a:t>
             </a:r>
             <a:endParaRPr lang="en-US" altLang="zh-CN" sz="1200"/>
           </a:p>
@@ -12951,8 +17055,8 @@
         </p:nvSpPr>
         <p:spPr>
           <a:xfrm>
-            <a:off x="4204970" y="182880"/>
-            <a:ext cx="4939030" cy="2964180"/>
+            <a:off x="4064000" y="194945"/>
+            <a:ext cx="4739640" cy="3518535"/>
           </a:xfrm>
           <a:prstGeom prst="rect">
             <a:avLst/>
@@ -12974,14 +17078,14 @@
             </a:r>
             <a:r>
               <a:rPr lang="en-US" altLang="zh-CN" sz="1600" b="1"/>
-              <a:t>Module 6: Seaborn Pairwise &amp; Matrix Plots</a:t>
+              <a:t>Module 4: Seaborn Basics – Introduction &amp; Categorical Plots</a:t>
             </a:r>
             <a:endParaRPr lang="en-US" altLang="zh-CN" sz="1600" b="1"/>
           </a:p>
           <a:p>
             <a:r>
               <a:rPr lang="en-US" altLang="zh-CN" sz="1000"/>
-              <a:t>Objective: Use pairwise and heatmap plots for multivariate insights.</a:t>
+              <a:t>Objective: Learn to build quick statistical plots using Seaborn.</a:t>
             </a:r>
             <a:endParaRPr lang="en-US" altLang="zh-CN" sz="1000"/>
           </a:p>
@@ -13002,7 +17106,7 @@
             </a:pPr>
             <a:r>
               <a:rPr lang="en-US" altLang="zh-CN" sz="1000"/>
-              <a:t>pairplot(), jointplot()</a:t>
+              <a:t>Overview of Seaborn aesthetics and themes</a:t>
             </a:r>
             <a:endParaRPr lang="en-US" altLang="zh-CN" sz="1000"/>
           </a:p>
@@ -13020,7 +17124,7 @@
             </a:pPr>
             <a:r>
               <a:rPr lang="en-US" altLang="zh-CN" sz="1000"/>
-              <a:t>heatmap() and correlation matrix</a:t>
+              <a:t>countplot(), barplot(), boxplot(), violinplot()</a:t>
             </a:r>
             <a:endParaRPr lang="en-US" altLang="zh-CN" sz="1000"/>
           </a:p>
@@ -13038,7 +17142,7 @@
             </a:pPr>
             <a:r>
               <a:rPr lang="en-US" altLang="zh-CN" sz="1000"/>
-              <a:t>Customizing annotations and colormap</a:t>
+              <a:t>Color palettes and hue, col, row parameters</a:t>
             </a:r>
             <a:endParaRPr lang="en-US" altLang="zh-CN" sz="1000"/>
           </a:p>
@@ -13059,7 +17163,7 @@
             </a:pPr>
             <a:r>
               <a:rPr lang="en-US" altLang="zh-CN" sz="1000"/>
-              <a:t>Correlation heatmap of numeric features</a:t>
+              <a:t>countplot() of survivors by class and gender</a:t>
             </a:r>
             <a:endParaRPr lang="en-US" altLang="zh-CN" sz="1000"/>
           </a:p>
@@ -13077,7 +17181,25 @@
             </a:pPr>
             <a:r>
               <a:rPr lang="en-US" altLang="zh-CN" sz="1000"/>
-              <a:t>pairplot() with hue="survived"</a:t>
+              <a:t>barplot() of average fare by embark_town</a:t>
+            </a:r>
+            <a:endParaRPr lang="en-US" altLang="zh-CN" sz="1000"/>
+          </a:p>
+          <a:p>
+            <a:pPr>
+              <a:buFont typeface="Arial" panose="020B0604020202020204"/>
+              <a:buChar char="•"/>
+            </a:pPr>
+            <a:endParaRPr lang="en-US" altLang="zh-CN" sz="1000"/>
+          </a:p>
+          <a:p>
+            <a:pPr>
+              <a:buFont typeface="Arial" panose="020B0604020202020204"/>
+              <a:buChar char="•"/>
+            </a:pPr>
+            <a:r>
+              <a:rPr lang="en-US" altLang="zh-CN" sz="1000"/>
+              <a:t>violinplot() of age distribution by class</a:t>
             </a:r>
             <a:endParaRPr lang="en-US" altLang="zh-CN" sz="1000"/>
           </a:p>
@@ -13098,7 +17220,7 @@
             </a:pPr>
             <a:r>
               <a:rPr lang="en-US" altLang="zh-CN" sz="1000"/>
-              <a:t>Create heatmap and describe 2-3 interesting correlations.</a:t>
+              <a:t>Use at least 3 categorical plots to explore survival vs different features.</a:t>
             </a:r>
             <a:endParaRPr lang="en-US" altLang="zh-CN" sz="1000"/>
           </a:p>
@@ -13130,49 +17252,47 @@
         </p:nvSpPr>
         <p:spPr>
           <a:xfrm>
-            <a:off x="0" y="-317"/>
-            <a:ext cx="5080000" cy="4359910"/>
+            <a:off x="361950" y="182880"/>
+            <a:ext cx="3904615" cy="3230245"/>
           </a:xfrm>
           <a:prstGeom prst="rect">
             <a:avLst/>
           </a:prstGeom>
         </p:spPr>
         <p:txBody>
-          <a:bodyPr>
+          <a:bodyPr wrap="square">
             <a:spAutoFit/>
           </a:bodyPr>
           <a:p>
-            <a:pPr>
-              <a:spcAft>
-                <a:spcPct val="60000"/>
-              </a:spcAft>
-            </a:pPr>
-            <a:r>
-              <a:rPr lang="zh-CN" altLang="en-US" sz="2000" b="1"/>
-              <a:t>📘 </a:t>
-            </a:r>
-            <a:r>
-              <a:rPr lang="en-US" altLang="zh-CN" sz="2000" b="1"/>
-              <a:t>Module 7: Advanced Plot Styling &amp; Themes</a:t>
-            </a:r>
-            <a:endParaRPr lang="en-US" altLang="zh-CN" sz="2000" b="1"/>
-          </a:p>
-          <a:p>
-            <a:r>
-              <a:rPr lang="en-US" altLang="zh-CN"/>
-              <a:t>Objective: Make plots presentation-ready.</a:t>
-            </a:r>
-            <a:endParaRPr lang="en-US" altLang="zh-CN"/>
-          </a:p>
-          <a:p>
-            <a:r>
-              <a:rPr lang="en-US" altLang="zh-CN"/>
+            <a:r>
+              <a:rPr lang="zh-CN" altLang="en-US" sz="1200" b="1"/>
+              <a:t>📘</a:t>
+            </a:r>
+            <a:r>
+              <a:rPr lang="en-US" altLang="en-US" sz="1200" b="1"/>
+              <a:t> Module 5: Seaborn for Numerical Variables</a:t>
+            </a:r>
+            <a:endParaRPr lang="en-US" altLang="en-US" sz="1200" b="1"/>
+          </a:p>
+          <a:p>
+            <a:endParaRPr lang="en-US" altLang="en-US" sz="1200"/>
+          </a:p>
+          <a:p>
+            <a:r>
+              <a:rPr lang="en-US" altLang="zh-CN" sz="1200"/>
+              <a:t>Objective: Visualize distributions and relationships between numeric variables.</a:t>
+            </a:r>
+            <a:endParaRPr lang="en-US" altLang="zh-CN" sz="1200"/>
+          </a:p>
+          <a:p>
+            <a:r>
+              <a:rPr lang="en-US" altLang="zh-CN" sz="1200"/>
               <a:t>Topics:</a:t>
             </a:r>
-            <a:endParaRPr lang="en-US" altLang="zh-CN"/>
-          </a:p>
-          <a:p>
-            <a:endParaRPr lang="en-US" altLang="zh-CN"/>
+            <a:endParaRPr lang="en-US" altLang="zh-CN" sz="1200"/>
+          </a:p>
+          <a:p>
+            <a:endParaRPr lang="en-US" altLang="zh-CN" sz="1200"/>
           </a:p>
           <a:p>
             <a:pPr>
@@ -13180,74 +17300,86 @@
               <a:buChar char="•"/>
             </a:pPr>
             <a:r>
-              <a:rPr lang="en-US" altLang="zh-CN"/>
-              <a:t>Seaborn themes (darkgrid, whitegrid, etc.)</a:t>
-            </a:r>
-            <a:endParaRPr lang="en-US" altLang="zh-CN"/>
+              <a:rPr lang="en-US" altLang="zh-CN" sz="1200"/>
+              <a:t>histplot(), distplot() (legacy), kdeplot()</a:t>
+            </a:r>
+            <a:endParaRPr lang="en-US" altLang="zh-CN" sz="1200"/>
           </a:p>
           <a:p>
             <a:pPr>
               <a:buFont typeface="Arial" panose="020B0604020202020204"/>
               <a:buChar char="•"/>
             </a:pPr>
-            <a:endParaRPr lang="en-US" altLang="zh-CN"/>
-          </a:p>
-          <a:p>
-            <a:pPr>
+            <a:r>
+              <a:rPr lang="en-US" altLang="zh-CN" sz="1200"/>
+              <a:t>scatterplot(), lineplot(), regplot()</a:t>
+            </a:r>
+            <a:endParaRPr lang="en-US" altLang="zh-CN" sz="1200"/>
+          </a:p>
+          <a:p>
+            <a:r>
+              <a:rPr lang="en-US" altLang="zh-CN" sz="1200"/>
+              <a:t>Hands-on with Titanic:</a:t>
+            </a:r>
+            <a:endParaRPr lang="en-US" altLang="zh-CN" sz="1200"/>
+          </a:p>
+          <a:p>
+            <a:pPr lvl="4">
               <a:buFont typeface="Arial" panose="020B0604020202020204"/>
               <a:buChar char="•"/>
             </a:pPr>
             <a:r>
-              <a:rPr lang="en-US" altLang="zh-CN"/>
-              <a:t>Using set_context() and set_style()</a:t>
-            </a:r>
-            <a:endParaRPr lang="en-US" altLang="zh-CN"/>
-          </a:p>
-          <a:p>
-            <a:pPr>
+              <a:rPr lang="en-US" altLang="zh-CN" sz="1200"/>
+              <a:t>Age distribution using histplot()</a:t>
+            </a:r>
+            <a:endParaRPr lang="en-US" altLang="zh-CN" sz="1200"/>
+          </a:p>
+          <a:p>
+            <a:pPr lvl="4">
               <a:buFont typeface="Arial" panose="020B0604020202020204"/>
               <a:buChar char="•"/>
             </a:pPr>
-            <a:endParaRPr lang="en-US" altLang="zh-CN"/>
-          </a:p>
-          <a:p>
-            <a:pPr>
+            <a:endParaRPr lang="en-US" altLang="zh-CN" sz="1200"/>
+          </a:p>
+          <a:p>
+            <a:pPr lvl="4">
               <a:buFont typeface="Arial" panose="020B0604020202020204"/>
               <a:buChar char="•"/>
             </a:pPr>
             <a:r>
-              <a:rPr lang="en-US" altLang="zh-CN"/>
-              <a:t>Adjusting figure size, aspect ratios</a:t>
-            </a:r>
-            <a:endParaRPr lang="en-US" altLang="zh-CN"/>
-          </a:p>
-          <a:p>
-            <a:r>
-              <a:rPr lang="en-US" altLang="zh-CN"/>
-              <a:t>Hands-on with Titanic:</a:t>
-            </a:r>
-            <a:endParaRPr lang="en-US" altLang="zh-CN"/>
-          </a:p>
-          <a:p>
-            <a:endParaRPr lang="en-US" altLang="zh-CN"/>
-          </a:p>
-          <a:p>
-            <a:pPr>
+              <a:rPr lang="en-US" altLang="zh-CN" sz="1200"/>
+              <a:t>Fare vs age scatterplot() with survival as hue</a:t>
+            </a:r>
+            <a:endParaRPr lang="en-US" altLang="zh-CN" sz="1200"/>
+          </a:p>
+          <a:p>
+            <a:pPr lvl="4">
               <a:buFont typeface="Arial" panose="020B0604020202020204"/>
               <a:buChar char="•"/>
             </a:pPr>
-            <a:r>
-              <a:rPr lang="en-US" altLang="zh-CN"/>
-              <a:t>Recreate previous plots using different themes</a:t>
-            </a:r>
-            <a:endParaRPr lang="en-US" altLang="zh-CN"/>
-          </a:p>
-          <a:p>
-            <a:pPr>
+            <a:endParaRPr lang="en-US" altLang="zh-CN" sz="1200"/>
+          </a:p>
+          <a:p>
+            <a:pPr lvl="4">
               <a:buFont typeface="Arial" panose="020B0604020202020204"/>
               <a:buChar char="•"/>
             </a:pPr>
-            <a:endParaRPr lang="en-US" altLang="zh-CN"/>
+            <a:r>
+              <a:rPr lang="en-US" altLang="zh-CN" sz="1200"/>
+              <a:t>Survival trend by age using lineplot()</a:t>
+            </a:r>
+            <a:endParaRPr lang="en-US" altLang="zh-CN" sz="1200"/>
+          </a:p>
+          <a:p>
+            <a:pPr lvl="4"/>
+            <a:r>
+              <a:rPr lang="en-US" altLang="zh-CN" sz="1200"/>
+              <a:t>Assignment:</a:t>
+            </a:r>
+            <a:endParaRPr lang="en-US" altLang="zh-CN" sz="1200"/>
+          </a:p>
+          <a:p>
+            <a:endParaRPr lang="en-US" altLang="zh-CN" sz="1200"/>
           </a:p>
           <a:p>
             <a:pPr>
@@ -13255,31 +17387,10 @@
               <a:buChar char="•"/>
             </a:pPr>
             <a:r>
-              <a:rPr lang="en-US" altLang="zh-CN"/>
-              <a:t>Prepare plots for report/presentation</a:t>
-            </a:r>
-            <a:endParaRPr lang="en-US" altLang="zh-CN"/>
-          </a:p>
-          <a:p>
-            <a:r>
-              <a:rPr lang="en-US" altLang="zh-CN"/>
-              <a:t>Assignment:</a:t>
-            </a:r>
-            <a:endParaRPr lang="en-US" altLang="zh-CN"/>
-          </a:p>
-          <a:p>
-            <a:endParaRPr lang="en-US" altLang="zh-CN"/>
-          </a:p>
-          <a:p>
-            <a:pPr>
-              <a:buFont typeface="Arial" panose="020B0604020202020204"/>
-              <a:buChar char="•"/>
-            </a:pPr>
-            <a:r>
-              <a:rPr lang="en-US" altLang="zh-CN"/>
-              <a:t>Create 3 styled plots suitable for a business report.</a:t>
-            </a:r>
-            <a:endParaRPr lang="en-US" altLang="zh-CN"/>
+              <a:rPr lang="en-US" altLang="zh-CN" sz="1200"/>
+              <a:t>Plot distribution of age and fare; interpret the shapes.</a:t>
+            </a:r>
+            <a:endParaRPr lang="en-US" altLang="zh-CN" sz="1200"/>
           </a:p>
         </p:txBody>
       </p:sp>
@@ -13291,48 +17402,49 @@
         </p:nvSpPr>
         <p:spPr>
           <a:xfrm>
-            <a:off x="4064000" y="410845"/>
-            <a:ext cx="5080000" cy="4128135"/>
+            <a:off x="4204970" y="182880"/>
+            <a:ext cx="4939030" cy="2964180"/>
           </a:xfrm>
           <a:prstGeom prst="rect">
             <a:avLst/>
           </a:prstGeom>
         </p:spPr>
         <p:txBody>
-          <a:bodyPr>
+          <a:bodyPr wrap="square">
             <a:spAutoFit/>
           </a:bodyPr>
           <a:p>
-            <a:pPr indent="0">
-              <a:buFont typeface="Arial" panose="020B0604020202020204"/>
-              <a:buNone/>
-            </a:pPr>
-            <a:r>
-              <a:rPr lang="zh-CN" altLang="en-US" b="1"/>
+            <a:pPr>
+              <a:spcAft>
+                <a:spcPct val="60000"/>
+              </a:spcAft>
+            </a:pPr>
+            <a:r>
+              <a:rPr lang="zh-CN" altLang="en-US" sz="1600" b="1"/>
               <a:t>📘 </a:t>
             </a:r>
             <a:r>
-              <a:rPr lang="en-US" altLang="zh-CN" b="1"/>
-              <a:t>Module 8: Plotting for EDA Storytelling (Mini Project)</a:t>
-            </a:r>
-            <a:endParaRPr lang="en-US" altLang="zh-CN" b="1"/>
-          </a:p>
-          <a:p>
-            <a:r>
-              <a:rPr lang="en-US" altLang="zh-CN" sz="900"/>
-              <a:t>Objective: Use plots to tell a story.</a:t>
-            </a:r>
-            <a:endParaRPr lang="en-US" altLang="zh-CN" sz="900"/>
-          </a:p>
-          <a:p>
-            <a:r>
-              <a:rPr lang="en-US" altLang="zh-CN" sz="900"/>
-              <a:t>Task:</a:t>
-            </a:r>
-            <a:endParaRPr lang="en-US" altLang="zh-CN" sz="900"/>
-          </a:p>
-          <a:p>
-            <a:endParaRPr lang="en-US" altLang="zh-CN" sz="900"/>
+              <a:rPr lang="en-US" altLang="zh-CN" sz="1600" b="1"/>
+              <a:t>Module 6: Seaborn Pairwise &amp; Matrix Plots</a:t>
+            </a:r>
+            <a:endParaRPr lang="en-US" altLang="zh-CN" sz="1600" b="1"/>
+          </a:p>
+          <a:p>
+            <a:r>
+              <a:rPr lang="en-US" altLang="zh-CN" sz="1000"/>
+              <a:t>Objective: Use pairwise and heatmap plots for multivariate insights.</a:t>
+            </a:r>
+            <a:endParaRPr lang="en-US" altLang="zh-CN" sz="1000"/>
+          </a:p>
+          <a:p>
+            <a:r>
+              <a:rPr lang="en-US" altLang="zh-CN" sz="1000"/>
+              <a:t>Topics:</a:t>
+            </a:r>
+            <a:endParaRPr lang="en-US" altLang="zh-CN" sz="1000"/>
+          </a:p>
+          <a:p>
+            <a:endParaRPr lang="en-US" altLang="zh-CN" sz="1000"/>
           </a:p>
           <a:p>
             <a:pPr>
@@ -13340,17 +17452,17 @@
               <a:buChar char="•"/>
             </a:pPr>
             <a:r>
-              <a:rPr lang="en-US" altLang="zh-CN" sz="900"/>
-              <a:t>Create an EDA (Exploratory Data Analysis) storyline using 6–8 visualizations.</a:t>
-            </a:r>
-            <a:endParaRPr lang="en-US" altLang="zh-CN" sz="900"/>
+              <a:rPr lang="en-US" altLang="zh-CN" sz="1000"/>
+              <a:t>pairplot(), jointplot()</a:t>
+            </a:r>
+            <a:endParaRPr lang="en-US" altLang="zh-CN" sz="1000"/>
           </a:p>
           <a:p>
             <a:pPr>
               <a:buFont typeface="Arial" panose="020B0604020202020204"/>
               <a:buChar char="•"/>
             </a:pPr>
-            <a:endParaRPr lang="en-US" altLang="zh-CN" sz="900"/>
+            <a:endParaRPr lang="en-US" altLang="zh-CN" sz="1000"/>
           </a:p>
           <a:p>
             <a:pPr>
@@ -13358,38 +17470,38 @@
               <a:buChar char="•"/>
             </a:pPr>
             <a:r>
-              <a:rPr lang="en-US" altLang="zh-CN" sz="900"/>
-              <a:t>Interpret and explain: “Who had the highest chances of survival?”</a:t>
-            </a:r>
-            <a:endParaRPr lang="en-US" altLang="zh-CN" sz="900"/>
-          </a:p>
-          <a:p>
-            <a:r>
-              <a:rPr lang="en-US" altLang="zh-CN" sz="900"/>
-              <a:t>Expected skills:</a:t>
-            </a:r>
-            <a:endParaRPr lang="en-US" altLang="zh-CN" sz="900"/>
-          </a:p>
-          <a:p>
-            <a:endParaRPr lang="en-US" altLang="zh-CN" sz="900"/>
+              <a:rPr lang="en-US" altLang="zh-CN" sz="1000"/>
+              <a:t>heatmap() and correlation matrix</a:t>
+            </a:r>
+            <a:endParaRPr lang="en-US" altLang="zh-CN" sz="1000"/>
           </a:p>
           <a:p>
             <a:pPr>
               <a:buFont typeface="Arial" panose="020B0604020202020204"/>
               <a:buChar char="•"/>
             </a:pPr>
-            <a:r>
-              <a:rPr lang="en-US" altLang="zh-CN" sz="900"/>
-              <a:t>Use both Matplotlib and Seaborn effectively</a:t>
-            </a:r>
-            <a:endParaRPr lang="en-US" altLang="zh-CN" sz="900"/>
+            <a:endParaRPr lang="en-US" altLang="zh-CN" sz="1000"/>
           </a:p>
           <a:p>
             <a:pPr>
               <a:buFont typeface="Arial" panose="020B0604020202020204"/>
               <a:buChar char="•"/>
             </a:pPr>
-            <a:endParaRPr lang="en-US" altLang="zh-CN" sz="900"/>
+            <a:r>
+              <a:rPr lang="en-US" altLang="zh-CN" sz="1000"/>
+              <a:t>Customizing annotations and colormap</a:t>
+            </a:r>
+            <a:endParaRPr lang="en-US" altLang="zh-CN" sz="1000"/>
+          </a:p>
+          <a:p>
+            <a:r>
+              <a:rPr lang="en-US" altLang="zh-CN" sz="1000"/>
+              <a:t>Hands-on with Titanic:</a:t>
+            </a:r>
+            <a:endParaRPr lang="en-US" altLang="zh-CN" sz="1000"/>
+          </a:p>
+          <a:p>
+            <a:endParaRPr lang="en-US" altLang="zh-CN" sz="1000"/>
           </a:p>
           <a:p>
             <a:pPr>
@@ -13397,17 +17509,17 @@
               <a:buChar char="•"/>
             </a:pPr>
             <a:r>
-              <a:rPr lang="en-US" altLang="zh-CN" sz="900"/>
-              <a:t>Visual storytelling</a:t>
-            </a:r>
-            <a:endParaRPr lang="en-US" altLang="zh-CN" sz="900"/>
+              <a:rPr lang="en-US" altLang="zh-CN" sz="1000"/>
+              <a:t>Correlation heatmap of numeric features</a:t>
+            </a:r>
+            <a:endParaRPr lang="en-US" altLang="zh-CN" sz="1000"/>
           </a:p>
           <a:p>
             <a:pPr>
               <a:buFont typeface="Arial" panose="020B0604020202020204"/>
               <a:buChar char="•"/>
             </a:pPr>
-            <a:endParaRPr lang="en-US" altLang="zh-CN" sz="900"/>
+            <a:endParaRPr lang="en-US" altLang="zh-CN" sz="1000"/>
           </a:p>
           <a:p>
             <a:pPr>
@@ -13415,43 +17527,20 @@
               <a:buChar char="•"/>
             </a:pPr>
             <a:r>
-              <a:rPr lang="en-US" altLang="zh-CN" sz="900"/>
-              <a:t>Use of subplots, titles, colors for narrative</a:t>
-            </a:r>
-            <a:endParaRPr lang="en-US" altLang="zh-CN" sz="900"/>
-          </a:p>
-          <a:p>
-            <a:pPr>
-              <a:spcAft>
-                <a:spcPct val="60000"/>
-              </a:spcAft>
-            </a:pPr>
-            <a:r>
-              <a:rPr lang="zh-CN" altLang="en-US" b="1"/>
-              <a:t>🎯 </a:t>
-            </a:r>
-            <a:r>
-              <a:rPr lang="en-US" altLang="zh-CN" b="1"/>
-              <a:t>Capstone Assignment</a:t>
-            </a:r>
-            <a:endParaRPr lang="en-US" altLang="zh-CN" b="1"/>
-          </a:p>
-          <a:p>
-            <a:r>
-              <a:rPr lang="en-US" altLang="zh-CN" sz="900"/>
-              <a:t>Title:“Visual Titanic” – End-to-End Visualization Report</a:t>
-            </a:r>
-            <a:endParaRPr lang="en-US" altLang="zh-CN" sz="900"/>
-          </a:p>
-          <a:p>
-            <a:r>
-              <a:rPr lang="en-US" altLang="zh-CN" sz="900"/>
-              <a:t>Deliverables:</a:t>
-            </a:r>
-            <a:endParaRPr lang="en-US" altLang="zh-CN" sz="900"/>
-          </a:p>
-          <a:p>
-            <a:endParaRPr lang="en-US" altLang="zh-CN" sz="900"/>
+              <a:rPr lang="en-US" altLang="zh-CN" sz="1000"/>
+              <a:t>pairplot() with hue="survived"</a:t>
+            </a:r>
+            <a:endParaRPr lang="en-US" altLang="zh-CN" sz="1000"/>
+          </a:p>
+          <a:p>
+            <a:r>
+              <a:rPr lang="en-US" altLang="zh-CN" sz="1000"/>
+              <a:t>Assignment:</a:t>
+            </a:r>
+            <a:endParaRPr lang="en-US" altLang="zh-CN" sz="1000"/>
+          </a:p>
+          <a:p>
+            <a:endParaRPr lang="en-US" altLang="zh-CN" sz="1000"/>
           </a:p>
           <a:p>
             <a:pPr>
@@ -13459,82 +17548,10 @@
               <a:buChar char="•"/>
             </a:pPr>
             <a:r>
-              <a:rPr lang="en-US" altLang="zh-CN" sz="900"/>
-              <a:t>One Jupyter notebook (cleaned and well-commented)</a:t>
-            </a:r>
-            <a:endParaRPr lang="en-US" altLang="zh-CN" sz="900"/>
-          </a:p>
-          <a:p>
-            <a:pPr>
-              <a:buFont typeface="Arial" panose="020B0604020202020204"/>
-              <a:buChar char="•"/>
-            </a:pPr>
-            <a:endParaRPr lang="en-US" altLang="zh-CN" sz="900"/>
-          </a:p>
-          <a:p>
-            <a:pPr>
-              <a:buFont typeface="Arial" panose="020B0604020202020204"/>
-              <a:buChar char="•"/>
-            </a:pPr>
-            <a:r>
-              <a:rPr lang="en-US" altLang="zh-CN" sz="900"/>
-              <a:t>At least:</a:t>
-            </a:r>
-            <a:endParaRPr lang="en-US" altLang="zh-CN" sz="900"/>
-          </a:p>
-          <a:p>
-            <a:pPr>
-              <a:buFont typeface="Arial" panose="020B0604020202020204"/>
-              <a:buChar char="•"/>
-            </a:pPr>
-            <a:endParaRPr lang="en-US" altLang="zh-CN" sz="900"/>
-          </a:p>
-          <a:p>
-            <a:pPr lvl="1">
-              <a:buFont typeface="Arial" panose="020B0604020202020204"/>
-              <a:buChar char="◦"/>
-            </a:pPr>
-            <a:r>
-              <a:rPr lang="en-US" altLang="zh-CN" sz="900"/>
-              <a:t>3 Matplotlib plots</a:t>
-            </a:r>
-            <a:endParaRPr lang="en-US" altLang="zh-CN" sz="900"/>
-          </a:p>
-          <a:p>
-            <a:pPr lvl="1">
-              <a:buFont typeface="Arial" panose="020B0604020202020204"/>
-              <a:buChar char="◦"/>
-            </a:pPr>
-            <a:endParaRPr lang="en-US" altLang="zh-CN" sz="900"/>
-          </a:p>
-          <a:p>
-            <a:pPr lvl="1">
-              <a:buFont typeface="Arial" panose="020B0604020202020204"/>
-              <a:buChar char="◦"/>
-            </a:pPr>
-            <a:r>
-              <a:rPr lang="en-US" altLang="zh-CN" sz="900"/>
-              <a:t>5 Seaborn plots (with at least 1 pairplot and 1 heatmap)</a:t>
-            </a:r>
-            <a:endParaRPr lang="en-US" altLang="zh-CN" sz="900"/>
-          </a:p>
-          <a:p>
-            <a:pPr lvl="1">
-              <a:buFont typeface="Arial" panose="020B0604020202020204"/>
-              <a:buChar char="◦"/>
-            </a:pPr>
-            <a:endParaRPr lang="en-US" altLang="zh-CN" sz="900"/>
-          </a:p>
-          <a:p>
-            <a:pPr lvl="1">
-              <a:buFont typeface="Arial" panose="020B0604020202020204"/>
-              <a:buChar char="◦"/>
-            </a:pPr>
-            <a:r>
-              <a:rPr lang="en-US" altLang="zh-CN" sz="900"/>
-              <a:t>Plot storytelling with conclusions</a:t>
-            </a:r>
-            <a:endParaRPr lang="en-US" altLang="zh-CN" sz="900"/>
+              <a:rPr lang="en-US" altLang="zh-CN" sz="1000"/>
+              <a:t>Create heatmap and describe 2-3 interesting correlations.</a:t>
+            </a:r>
+            <a:endParaRPr lang="en-US" altLang="zh-CN" sz="1000"/>
           </a:p>
         </p:txBody>
       </p:sp>
@@ -13564,8 +17581,169 @@
         </p:nvSpPr>
         <p:spPr>
           <a:xfrm>
-            <a:off x="801370" y="602932"/>
-            <a:ext cx="5080000" cy="2061210"/>
+            <a:off x="0" y="0"/>
+            <a:ext cx="4064000" cy="4575175"/>
+          </a:xfrm>
+          <a:prstGeom prst="rect">
+            <a:avLst/>
+          </a:prstGeom>
+        </p:spPr>
+        <p:txBody>
+          <a:bodyPr wrap="square">
+            <a:spAutoFit/>
+          </a:bodyPr>
+          <a:p>
+            <a:pPr>
+              <a:spcAft>
+                <a:spcPct val="60000"/>
+              </a:spcAft>
+            </a:pPr>
+            <a:r>
+              <a:rPr lang="zh-CN" altLang="en-US" sz="2000" b="1"/>
+              <a:t>📘 </a:t>
+            </a:r>
+            <a:r>
+              <a:rPr lang="en-US" altLang="zh-CN" sz="2000" b="1"/>
+              <a:t>Module 7: Advanced Plot Styling &amp; Themes</a:t>
+            </a:r>
+            <a:endParaRPr lang="en-US" altLang="zh-CN" sz="2000" b="1"/>
+          </a:p>
+          <a:p>
+            <a:r>
+              <a:rPr lang="en-US" altLang="zh-CN"/>
+              <a:t>Objective: Make plots presentation-ready.</a:t>
+            </a:r>
+            <a:endParaRPr lang="en-US" altLang="zh-CN"/>
+          </a:p>
+          <a:p>
+            <a:r>
+              <a:rPr lang="en-US" altLang="zh-CN"/>
+              <a:t>Topics:</a:t>
+            </a:r>
+            <a:endParaRPr lang="en-US" altLang="zh-CN"/>
+          </a:p>
+          <a:p>
+            <a:endParaRPr lang="en-US" altLang="zh-CN"/>
+          </a:p>
+          <a:p>
+            <a:pPr>
+              <a:buFont typeface="Arial" panose="020B0604020202020204"/>
+              <a:buChar char="•"/>
+            </a:pPr>
+            <a:r>
+              <a:rPr lang="en-US" altLang="zh-CN"/>
+              <a:t>Seaborn themes (darkgrid, whitegrid, etc.)</a:t>
+            </a:r>
+            <a:endParaRPr lang="en-US" altLang="zh-CN"/>
+          </a:p>
+          <a:p>
+            <a:pPr>
+              <a:buFont typeface="Arial" panose="020B0604020202020204"/>
+              <a:buChar char="•"/>
+            </a:pPr>
+            <a:endParaRPr lang="en-US" altLang="zh-CN"/>
+          </a:p>
+          <a:p>
+            <a:pPr>
+              <a:buFont typeface="Arial" panose="020B0604020202020204"/>
+              <a:buChar char="•"/>
+            </a:pPr>
+            <a:r>
+              <a:rPr lang="en-US" altLang="zh-CN"/>
+              <a:t>Using set_context() and set_style()</a:t>
+            </a:r>
+            <a:endParaRPr lang="en-US" altLang="zh-CN"/>
+          </a:p>
+          <a:p>
+            <a:pPr>
+              <a:buFont typeface="Arial" panose="020B0604020202020204"/>
+              <a:buChar char="•"/>
+            </a:pPr>
+            <a:endParaRPr lang="en-US" altLang="zh-CN"/>
+          </a:p>
+          <a:p>
+            <a:pPr>
+              <a:buFont typeface="Arial" panose="020B0604020202020204"/>
+              <a:buChar char="•"/>
+            </a:pPr>
+            <a:r>
+              <a:rPr lang="en-US" altLang="zh-CN"/>
+              <a:t>Adjusting figure size, aspect ratios</a:t>
+            </a:r>
+            <a:endParaRPr lang="en-US" altLang="zh-CN"/>
+          </a:p>
+          <a:p>
+            <a:r>
+              <a:rPr lang="en-US" altLang="zh-CN"/>
+              <a:t>Hands-on with Titanic:</a:t>
+            </a:r>
+            <a:endParaRPr lang="en-US" altLang="zh-CN"/>
+          </a:p>
+          <a:p>
+            <a:endParaRPr lang="en-US" altLang="zh-CN"/>
+          </a:p>
+          <a:p>
+            <a:pPr>
+              <a:buFont typeface="Arial" panose="020B0604020202020204"/>
+              <a:buChar char="•"/>
+            </a:pPr>
+            <a:r>
+              <a:rPr lang="en-US" altLang="zh-CN"/>
+              <a:t>Recreate previous plots using different themes</a:t>
+            </a:r>
+            <a:endParaRPr lang="en-US" altLang="zh-CN"/>
+          </a:p>
+          <a:p>
+            <a:pPr>
+              <a:buFont typeface="Arial" panose="020B0604020202020204"/>
+              <a:buChar char="•"/>
+            </a:pPr>
+            <a:endParaRPr lang="en-US" altLang="zh-CN"/>
+          </a:p>
+          <a:p>
+            <a:pPr>
+              <a:buFont typeface="Arial" panose="020B0604020202020204"/>
+              <a:buChar char="•"/>
+            </a:pPr>
+            <a:r>
+              <a:rPr lang="en-US" altLang="zh-CN"/>
+              <a:t>Prepare plots for report/presentation</a:t>
+            </a:r>
+            <a:endParaRPr lang="en-US" altLang="zh-CN"/>
+          </a:p>
+          <a:p>
+            <a:r>
+              <a:rPr lang="en-US" altLang="zh-CN"/>
+              <a:t>Assignment:</a:t>
+            </a:r>
+            <a:endParaRPr lang="en-US" altLang="zh-CN"/>
+          </a:p>
+          <a:p>
+            <a:endParaRPr lang="en-US" altLang="zh-CN"/>
+          </a:p>
+          <a:p>
+            <a:pPr>
+              <a:buFont typeface="Arial" panose="020B0604020202020204"/>
+              <a:buChar char="•"/>
+            </a:pPr>
+            <a:r>
+              <a:rPr lang="en-US" altLang="zh-CN"/>
+              <a:t>Create 3 styled plots suitable for a business report.</a:t>
+            </a:r>
+            <a:endParaRPr lang="en-US" altLang="zh-CN"/>
+          </a:p>
+        </p:txBody>
+      </p:sp>
+      <p:sp>
+        <p:nvSpPr>
+          <p:cNvPr id="3" name="Text Box 2"/>
+          <p:cNvSpPr txBox="1"/>
+          <p:nvPr/>
+        </p:nvSpPr>
+        <p:spPr>
+          <a:xfrm>
+            <a:off x="4064000" y="410845"/>
+            <a:ext cx="5080000" cy="4128135"/>
           </a:xfrm>
           <a:prstGeom prst="rect">
             <a:avLst/>
@@ -13576,186 +17754,238 @@
             <a:spAutoFit/>
           </a:bodyPr>
           <a:p>
-            <a:pPr>
-              <a:lnSpc>
-                <a:spcPct val="100000"/>
-              </a:lnSpc>
-            </a:pPr>
-            <a:r>
-              <a:rPr lang="en-US" altLang="zh-CN" sz="1600" b="0">
-                <a:solidFill>
-                  <a:schemeClr val="tx1"/>
-                </a:solidFill>
-                <a:latin typeface="Consolas" panose="020B0609020204030204"/>
-                <a:ea typeface="Consolas" panose="020B0609020204030204"/>
-              </a:rPr>
-              <a:t># install </a:t>
-            </a:r>
-            <a:endParaRPr lang="en-US" altLang="zh-CN" sz="1600" b="0">
-              <a:solidFill>
-                <a:schemeClr val="tx1"/>
-              </a:solidFill>
-              <a:latin typeface="Consolas" panose="020B0609020204030204"/>
-              <a:ea typeface="Consolas" panose="020B0609020204030204"/>
-            </a:endParaRPr>
-          </a:p>
-          <a:p>
-            <a:pPr>
-              <a:lnSpc>
-                <a:spcPct val="100000"/>
-              </a:lnSpc>
-            </a:pPr>
-            <a:r>
-              <a:rPr lang="en-US" altLang="zh-CN" sz="1600" b="0">
-                <a:solidFill>
-                  <a:schemeClr val="tx1"/>
-                </a:solidFill>
-                <a:latin typeface="Consolas" panose="020B0609020204030204"/>
-                <a:ea typeface="Consolas" panose="020B0609020204030204"/>
-              </a:rPr>
-              <a:t># pip install matplotlib</a:t>
-            </a:r>
-            <a:endParaRPr lang="en-US" altLang="zh-CN" sz="1600" b="0">
-              <a:solidFill>
-                <a:schemeClr val="tx1"/>
-              </a:solidFill>
-              <a:latin typeface="Consolas" panose="020B0609020204030204"/>
-              <a:ea typeface="Consolas" panose="020B0609020204030204"/>
-            </a:endParaRPr>
-          </a:p>
-          <a:p>
-            <a:pPr>
-              <a:lnSpc>
-                <a:spcPct val="100000"/>
-              </a:lnSpc>
-            </a:pPr>
-            <a:r>
-              <a:rPr lang="en-US" altLang="zh-CN" sz="1600" b="0">
-                <a:solidFill>
-                  <a:schemeClr val="tx1"/>
-                </a:solidFill>
-                <a:latin typeface="Consolas" panose="020B0609020204030204"/>
-                <a:ea typeface="Consolas" panose="020B0609020204030204"/>
-              </a:rPr>
-              <a:t># pip install seaborn</a:t>
-            </a:r>
-            <a:endParaRPr lang="en-US" altLang="zh-CN" sz="1600" b="0">
-              <a:solidFill>
-                <a:schemeClr val="tx1"/>
-              </a:solidFill>
-              <a:latin typeface="Consolas" panose="020B0609020204030204"/>
-              <a:ea typeface="Consolas" panose="020B0609020204030204"/>
-            </a:endParaRPr>
-          </a:p>
-          <a:p>
-            <a:pPr>
-              <a:lnSpc>
-                <a:spcPct val="100000"/>
-              </a:lnSpc>
-            </a:pPr>
-            <a:endParaRPr lang="en-US" altLang="zh-CN" sz="1600" b="0">
-              <a:solidFill>
-                <a:schemeClr val="tx1"/>
-              </a:solidFill>
-              <a:latin typeface="Consolas" panose="020B0609020204030204"/>
-              <a:ea typeface="Consolas" panose="020B0609020204030204"/>
-            </a:endParaRPr>
-          </a:p>
-          <a:p>
-            <a:pPr>
-              <a:lnSpc>
-                <a:spcPct val="100000"/>
-              </a:lnSpc>
-            </a:pPr>
-            <a:r>
-              <a:rPr lang="en-US" altLang="en-US" sz="1600" b="0">
-                <a:solidFill>
-                  <a:schemeClr val="tx1"/>
-                </a:solidFill>
-                <a:latin typeface="Consolas" panose="020B0609020204030204"/>
-                <a:ea typeface="Consolas" panose="020B0609020204030204"/>
-              </a:rPr>
-              <a:t>import matplotlib.pyplot as plt</a:t>
-            </a:r>
-            <a:endParaRPr lang="en-US" altLang="en-US" sz="1600" b="0">
-              <a:solidFill>
-                <a:schemeClr val="tx1"/>
-              </a:solidFill>
-              <a:latin typeface="Consolas" panose="020B0609020204030204"/>
-              <a:ea typeface="Consolas" panose="020B0609020204030204"/>
-            </a:endParaRPr>
-          </a:p>
-          <a:p>
-            <a:pPr>
-              <a:lnSpc>
-                <a:spcPct val="100000"/>
-              </a:lnSpc>
-            </a:pPr>
-            <a:r>
-              <a:rPr lang="en-US" altLang="en-US" sz="1600" b="0">
-                <a:solidFill>
-                  <a:schemeClr val="tx1"/>
-                </a:solidFill>
-                <a:latin typeface="Consolas" panose="020B0609020204030204"/>
-                <a:ea typeface="Consolas" panose="020B0609020204030204"/>
-              </a:rPr>
-              <a:t>import seaborn as sns</a:t>
-            </a:r>
-            <a:endParaRPr lang="en-US" altLang="en-US" sz="1600" b="0">
-              <a:solidFill>
-                <a:schemeClr val="tx1"/>
-              </a:solidFill>
-              <a:latin typeface="Consolas" panose="020B0609020204030204"/>
-              <a:ea typeface="Consolas" panose="020B0609020204030204"/>
-            </a:endParaRPr>
-          </a:p>
-          <a:p>
-            <a:pPr>
-              <a:lnSpc>
-                <a:spcPct val="100000"/>
-              </a:lnSpc>
-            </a:pPr>
-            <a:r>
-              <a:rPr lang="en-US" altLang="en-US" sz="1600" b="0">
-                <a:solidFill>
-                  <a:schemeClr val="tx1"/>
-                </a:solidFill>
-                <a:latin typeface="Consolas" panose="020B0609020204030204"/>
-                <a:ea typeface="Consolas" panose="020B0609020204030204"/>
-              </a:rPr>
-              <a:t># https://matplotlib.org/</a:t>
-            </a:r>
-            <a:endParaRPr lang="en-US" altLang="en-US" sz="1600" b="0">
-              <a:solidFill>
-                <a:schemeClr val="tx1"/>
-              </a:solidFill>
-              <a:latin typeface="Consolas" panose="020B0609020204030204"/>
-              <a:ea typeface="Consolas" panose="020B0609020204030204"/>
-            </a:endParaRPr>
-          </a:p>
-          <a:p>
-            <a:pPr>
-              <a:lnSpc>
-                <a:spcPct val="100000"/>
-              </a:lnSpc>
-            </a:pPr>
-            <a:r>
-              <a:rPr lang="en-US" altLang="en-US" sz="1600" b="0">
-                <a:solidFill>
-                  <a:schemeClr val="tx1"/>
-                </a:solidFill>
-                <a:latin typeface="Consolas" panose="020B0609020204030204"/>
-                <a:ea typeface="Consolas" panose="020B0609020204030204"/>
-              </a:rPr>
-              <a:t># https://seaborn.pydata.org/</a:t>
-            </a:r>
-            <a:endParaRPr lang="en-US" altLang="en-US" sz="1600" b="0">
-              <a:solidFill>
-                <a:schemeClr val="tx1"/>
-              </a:solidFill>
-              <a:latin typeface="Consolas" panose="020B0609020204030204"/>
-              <a:ea typeface="Consolas" panose="020B0609020204030204"/>
-            </a:endParaRPr>
+            <a:pPr indent="0">
+              <a:buFont typeface="Arial" panose="020B0604020202020204"/>
+              <a:buNone/>
+            </a:pPr>
+            <a:r>
+              <a:rPr lang="zh-CN" altLang="en-US" b="1"/>
+              <a:t>📘 </a:t>
+            </a:r>
+            <a:r>
+              <a:rPr lang="en-US" altLang="zh-CN" b="1"/>
+              <a:t>Module 8: Plotting for EDA Storytelling (Mini Project)</a:t>
+            </a:r>
+            <a:endParaRPr lang="en-US" altLang="zh-CN" b="1"/>
+          </a:p>
+          <a:p>
+            <a:r>
+              <a:rPr lang="en-US" altLang="zh-CN" sz="900"/>
+              <a:t>Objective: Use plots to tell a story.</a:t>
+            </a:r>
+            <a:endParaRPr lang="en-US" altLang="zh-CN" sz="900"/>
+          </a:p>
+          <a:p>
+            <a:r>
+              <a:rPr lang="en-US" altLang="zh-CN" sz="900"/>
+              <a:t>Task:</a:t>
+            </a:r>
+            <a:endParaRPr lang="en-US" altLang="zh-CN" sz="900"/>
+          </a:p>
+          <a:p>
+            <a:endParaRPr lang="en-US" altLang="zh-CN" sz="900"/>
+          </a:p>
+          <a:p>
+            <a:pPr>
+              <a:buFont typeface="Arial" panose="020B0604020202020204"/>
+              <a:buChar char="•"/>
+            </a:pPr>
+            <a:r>
+              <a:rPr lang="en-US" altLang="zh-CN" sz="900"/>
+              <a:t>Create an EDA (Exploratory Data Analysis) storyline using 6–8 visualizations.</a:t>
+            </a:r>
+            <a:endParaRPr lang="en-US" altLang="zh-CN" sz="900"/>
+          </a:p>
+          <a:p>
+            <a:pPr>
+              <a:buFont typeface="Arial" panose="020B0604020202020204"/>
+              <a:buChar char="•"/>
+            </a:pPr>
+            <a:endParaRPr lang="en-US" altLang="zh-CN" sz="900"/>
+          </a:p>
+          <a:p>
+            <a:pPr>
+              <a:buFont typeface="Arial" panose="020B0604020202020204"/>
+              <a:buChar char="•"/>
+            </a:pPr>
+            <a:r>
+              <a:rPr lang="en-US" altLang="zh-CN" sz="900"/>
+              <a:t>Interpret and explain: “Who had the highest chances of survival?”</a:t>
+            </a:r>
+            <a:endParaRPr lang="en-US" altLang="zh-CN" sz="900"/>
+          </a:p>
+          <a:p>
+            <a:r>
+              <a:rPr lang="en-US" altLang="zh-CN" sz="900"/>
+              <a:t>Expected skills:</a:t>
+            </a:r>
+            <a:endParaRPr lang="en-US" altLang="zh-CN" sz="900"/>
+          </a:p>
+          <a:p>
+            <a:endParaRPr lang="en-US" altLang="zh-CN" sz="900"/>
+          </a:p>
+          <a:p>
+            <a:pPr>
+              <a:buFont typeface="Arial" panose="020B0604020202020204"/>
+              <a:buChar char="•"/>
+            </a:pPr>
+            <a:r>
+              <a:rPr lang="en-US" altLang="zh-CN" sz="900"/>
+              <a:t>Use both Matplotlib and Seaborn effectively</a:t>
+            </a:r>
+            <a:endParaRPr lang="en-US" altLang="zh-CN" sz="900"/>
+          </a:p>
+          <a:p>
+            <a:pPr>
+              <a:buFont typeface="Arial" panose="020B0604020202020204"/>
+              <a:buChar char="•"/>
+            </a:pPr>
+            <a:endParaRPr lang="en-US" altLang="zh-CN" sz="900"/>
+          </a:p>
+          <a:p>
+            <a:pPr>
+              <a:buFont typeface="Arial" panose="020B0604020202020204"/>
+              <a:buChar char="•"/>
+            </a:pPr>
+            <a:r>
+              <a:rPr lang="en-US" altLang="zh-CN" sz="900"/>
+              <a:t>Visual storytelling</a:t>
+            </a:r>
+            <a:endParaRPr lang="en-US" altLang="zh-CN" sz="900"/>
+          </a:p>
+          <a:p>
+            <a:pPr>
+              <a:buFont typeface="Arial" panose="020B0604020202020204"/>
+              <a:buChar char="•"/>
+            </a:pPr>
+            <a:endParaRPr lang="en-US" altLang="zh-CN" sz="900"/>
+          </a:p>
+          <a:p>
+            <a:pPr>
+              <a:buFont typeface="Arial" panose="020B0604020202020204"/>
+              <a:buChar char="•"/>
+            </a:pPr>
+            <a:r>
+              <a:rPr lang="en-US" altLang="zh-CN" sz="900"/>
+              <a:t>Use of subplots, titles, colors for narrative</a:t>
+            </a:r>
+            <a:endParaRPr lang="en-US" altLang="zh-CN" sz="900"/>
+          </a:p>
+          <a:p>
+            <a:pPr>
+              <a:spcAft>
+                <a:spcPct val="60000"/>
+              </a:spcAft>
+            </a:pPr>
+            <a:r>
+              <a:rPr lang="zh-CN" altLang="en-US" b="1"/>
+              <a:t>🎯 </a:t>
+            </a:r>
+            <a:r>
+              <a:rPr lang="en-US" altLang="zh-CN" b="1"/>
+              <a:t>Capstone Assignment</a:t>
+            </a:r>
+            <a:endParaRPr lang="en-US" altLang="zh-CN" b="1"/>
+          </a:p>
+          <a:p>
+            <a:r>
+              <a:rPr lang="en-US" altLang="zh-CN" sz="900"/>
+              <a:t>Title:“Visual Titanic” – End-to-End Visualization Report</a:t>
+            </a:r>
+            <a:endParaRPr lang="en-US" altLang="zh-CN" sz="900"/>
+          </a:p>
+          <a:p>
+            <a:r>
+              <a:rPr lang="en-US" altLang="zh-CN" sz="900"/>
+              <a:t>Deliverables:</a:t>
+            </a:r>
+            <a:endParaRPr lang="en-US" altLang="zh-CN" sz="900"/>
+          </a:p>
+          <a:p>
+            <a:endParaRPr lang="en-US" altLang="zh-CN" sz="900"/>
+          </a:p>
+          <a:p>
+            <a:pPr>
+              <a:buFont typeface="Arial" panose="020B0604020202020204"/>
+              <a:buChar char="•"/>
+            </a:pPr>
+            <a:r>
+              <a:rPr lang="en-US" altLang="zh-CN" sz="900"/>
+              <a:t>One Jupyter notebook (cleaned and well-commented)</a:t>
+            </a:r>
+            <a:endParaRPr lang="en-US" altLang="zh-CN" sz="900"/>
+          </a:p>
+          <a:p>
+            <a:pPr>
+              <a:buFont typeface="Arial" panose="020B0604020202020204"/>
+              <a:buChar char="•"/>
+            </a:pPr>
+            <a:endParaRPr lang="en-US" altLang="zh-CN" sz="900"/>
+          </a:p>
+          <a:p>
+            <a:pPr>
+              <a:buFont typeface="Arial" panose="020B0604020202020204"/>
+              <a:buChar char="•"/>
+            </a:pPr>
+            <a:r>
+              <a:rPr lang="en-US" altLang="zh-CN" sz="900"/>
+              <a:t>At least:</a:t>
+            </a:r>
+            <a:endParaRPr lang="en-US" altLang="zh-CN" sz="900"/>
+          </a:p>
+          <a:p>
+            <a:pPr>
+              <a:buFont typeface="Arial" panose="020B0604020202020204"/>
+              <a:buChar char="•"/>
+            </a:pPr>
+            <a:endParaRPr lang="en-US" altLang="zh-CN" sz="900"/>
+          </a:p>
+          <a:p>
+            <a:pPr lvl="1">
+              <a:buFont typeface="Arial" panose="020B0604020202020204"/>
+              <a:buChar char="◦"/>
+            </a:pPr>
+            <a:r>
+              <a:rPr lang="en-US" altLang="zh-CN" sz="900"/>
+              <a:t>3 Matplotlib plots</a:t>
+            </a:r>
+            <a:endParaRPr lang="en-US" altLang="zh-CN" sz="900"/>
+          </a:p>
+          <a:p>
+            <a:pPr lvl="1">
+              <a:buFont typeface="Arial" panose="020B0604020202020204"/>
+              <a:buChar char="◦"/>
+            </a:pPr>
+            <a:endParaRPr lang="en-US" altLang="zh-CN" sz="900"/>
+          </a:p>
+          <a:p>
+            <a:pPr lvl="1">
+              <a:buFont typeface="Arial" panose="020B0604020202020204"/>
+              <a:buChar char="◦"/>
+            </a:pPr>
+            <a:r>
+              <a:rPr lang="en-US" altLang="zh-CN" sz="900"/>
+              <a:t>5 Seaborn plots (with at least 1 pairplot and 1 heatmap)</a:t>
+            </a:r>
+            <a:endParaRPr lang="en-US" altLang="zh-CN" sz="900"/>
+          </a:p>
+          <a:p>
+            <a:pPr lvl="1">
+              <a:buFont typeface="Arial" panose="020B0604020202020204"/>
+              <a:buChar char="◦"/>
+            </a:pPr>
+            <a:endParaRPr lang="en-US" altLang="zh-CN" sz="900"/>
+          </a:p>
+          <a:p>
+            <a:pPr lvl="1">
+              <a:buFont typeface="Arial" panose="020B0604020202020204"/>
+              <a:buChar char="◦"/>
+            </a:pPr>
+            <a:r>
+              <a:rPr lang="en-US" altLang="zh-CN" sz="900"/>
+              <a:t>Plot storytelling with conclusions</a:t>
+            </a:r>
+            <a:endParaRPr lang="en-US" altLang="zh-CN" sz="900"/>
           </a:p>
         </p:txBody>
       </p:sp>
@@ -13785,8 +18015,8 @@
         </p:nvSpPr>
         <p:spPr>
           <a:xfrm>
-            <a:off x="400685" y="345758"/>
-            <a:ext cx="5080000" cy="2891790"/>
+            <a:off x="522605" y="602932"/>
+            <a:ext cx="5080000" cy="2553335"/>
           </a:xfrm>
           <a:prstGeom prst="rect">
             <a:avLst/>
@@ -13803,357 +18033,212 @@
               </a:lnSpc>
             </a:pPr>
             <a:r>
-              <a:rPr lang="en-US" altLang="zh-CN" b="0">
+              <a:rPr lang="en-US" altLang="zh-CN" sz="1600" b="1">
                 <a:solidFill>
                   <a:schemeClr val="tx1"/>
                 </a:solidFill>
                 <a:latin typeface="Consolas" panose="020B0609020204030204"/>
                 <a:ea typeface="Consolas" panose="020B0609020204030204"/>
               </a:rPr>
-              <a:t># data </a:t>
-            </a:r>
-            <a:endParaRPr lang="en-US" altLang="zh-CN" b="0">
-              <a:solidFill>
-                <a:schemeClr val="tx1"/>
-              </a:solidFill>
-              <a:latin typeface="Consolas" panose="020B0609020204030204"/>
-              <a:ea typeface="Consolas" panose="020B0609020204030204"/>
-            </a:endParaRPr>
-          </a:p>
-          <a:p>
-            <a:pPr>
-              <a:lnSpc>
-                <a:spcPct val="100000"/>
-              </a:lnSpc>
-            </a:pPr>
-            <a:r>
-              <a:rPr lang="en-US" altLang="zh-CN" b="0">
+              <a:t># install </a:t>
+            </a:r>
+            <a:endParaRPr lang="en-US" altLang="zh-CN" sz="1600" b="1">
+              <a:solidFill>
+                <a:schemeClr val="tx1"/>
+              </a:solidFill>
+              <a:latin typeface="Consolas" panose="020B0609020204030204"/>
+              <a:ea typeface="Consolas" panose="020B0609020204030204"/>
+            </a:endParaRPr>
+          </a:p>
+          <a:p>
+            <a:pPr>
+              <a:lnSpc>
+                <a:spcPct val="100000"/>
+              </a:lnSpc>
+            </a:pPr>
+            <a:r>
+              <a:rPr lang="en-US" altLang="zh-CN" sz="1600" b="0">
                 <a:solidFill>
                   <a:schemeClr val="tx1"/>
                 </a:solidFill>
                 <a:latin typeface="Consolas" panose="020B0609020204030204"/>
                 <a:ea typeface="Consolas" panose="020B0609020204030204"/>
               </a:rPr>
-              <a:t>importnumpyasnp</a:t>
-            </a:r>
-            <a:endParaRPr lang="en-US" altLang="zh-CN" b="0">
-              <a:solidFill>
-                <a:schemeClr val="tx1"/>
-              </a:solidFill>
-              <a:latin typeface="Consolas" panose="020B0609020204030204"/>
-              <a:ea typeface="Consolas" panose="020B0609020204030204"/>
-            </a:endParaRPr>
-          </a:p>
-          <a:p>
-            <a:pPr>
-              <a:lnSpc>
-                <a:spcPct val="100000"/>
-              </a:lnSpc>
-            </a:pPr>
-            <a:r>
-              <a:rPr lang="en-US" altLang="zh-CN" b="0">
+              <a:t># pip install matplotlib</a:t>
+            </a:r>
+            <a:endParaRPr lang="en-US" altLang="zh-CN" sz="1600" b="0">
+              <a:solidFill>
+                <a:schemeClr val="tx1"/>
+              </a:solidFill>
+              <a:latin typeface="Consolas" panose="020B0609020204030204"/>
+              <a:ea typeface="Consolas" panose="020B0609020204030204"/>
+            </a:endParaRPr>
+          </a:p>
+          <a:p>
+            <a:pPr>
+              <a:lnSpc>
+                <a:spcPct val="100000"/>
+              </a:lnSpc>
+            </a:pPr>
+            <a:r>
+              <a:rPr lang="en-US" altLang="zh-CN" sz="1600" b="0">
                 <a:solidFill>
                   <a:schemeClr val="tx1"/>
                 </a:solidFill>
                 <a:latin typeface="Consolas" panose="020B0609020204030204"/>
                 <a:ea typeface="Consolas" panose="020B0609020204030204"/>
               </a:rPr>
-              <a:t>importpandasaspd</a:t>
-            </a:r>
-            <a:endParaRPr lang="en-US" altLang="zh-CN" b="0">
-              <a:solidFill>
-                <a:schemeClr val="tx1"/>
-              </a:solidFill>
-              <a:latin typeface="Consolas" panose="020B0609020204030204"/>
-              <a:ea typeface="Consolas" panose="020B0609020204030204"/>
-            </a:endParaRPr>
-          </a:p>
-          <a:p>
-            <a:pPr>
-              <a:lnSpc>
-                <a:spcPct val="100000"/>
-              </a:lnSpc>
-            </a:pPr>
-            <a:r>
-              <a:rPr lang="en-US" altLang="zh-CN" b="0">
+              <a:t># pip install seaborn</a:t>
+            </a:r>
+            <a:endParaRPr lang="en-US" altLang="zh-CN" sz="1600" b="0">
+              <a:solidFill>
+                <a:schemeClr val="tx1"/>
+              </a:solidFill>
+              <a:latin typeface="Consolas" panose="020B0609020204030204"/>
+              <a:ea typeface="Consolas" panose="020B0609020204030204"/>
+            </a:endParaRPr>
+          </a:p>
+          <a:p>
+            <a:pPr>
+              <a:lnSpc>
+                <a:spcPct val="100000"/>
+              </a:lnSpc>
+            </a:pPr>
+            <a:endParaRPr lang="en-US" altLang="zh-CN" sz="1600" b="0">
+              <a:solidFill>
+                <a:schemeClr val="tx1"/>
+              </a:solidFill>
+              <a:latin typeface="Consolas" panose="020B0609020204030204"/>
+              <a:ea typeface="Consolas" panose="020B0609020204030204"/>
+            </a:endParaRPr>
+          </a:p>
+          <a:p>
+            <a:pPr>
+              <a:lnSpc>
+                <a:spcPct val="100000"/>
+              </a:lnSpc>
+            </a:pPr>
+            <a:r>
+              <a:rPr lang="en-US" altLang="zh-CN" sz="1600" b="1">
                 <a:solidFill>
                   <a:schemeClr val="tx1"/>
                 </a:solidFill>
                 <a:latin typeface="Consolas" panose="020B0609020204030204"/>
                 <a:ea typeface="Consolas" panose="020B0609020204030204"/>
               </a:rPr>
-              <a:t>d1= [1,2,3,4,5,6]</a:t>
-            </a:r>
-            <a:endParaRPr lang="en-US" altLang="zh-CN" b="0">
-              <a:solidFill>
-                <a:schemeClr val="tx1"/>
-              </a:solidFill>
-              <a:latin typeface="Consolas" panose="020B0609020204030204"/>
-              <a:ea typeface="Consolas" panose="020B0609020204030204"/>
-            </a:endParaRPr>
-          </a:p>
-          <a:p>
-            <a:pPr>
-              <a:lnSpc>
-                <a:spcPct val="100000"/>
-              </a:lnSpc>
-            </a:pPr>
-            <a:endParaRPr lang="en-US" altLang="zh-CN" b="0">
-              <a:solidFill>
-                <a:schemeClr val="tx1"/>
-              </a:solidFill>
-              <a:latin typeface="Consolas" panose="020B0609020204030204"/>
-              <a:ea typeface="Consolas" panose="020B0609020204030204"/>
-            </a:endParaRPr>
-          </a:p>
-          <a:p>
-            <a:pPr>
-              <a:lnSpc>
-                <a:spcPct val="100000"/>
-              </a:lnSpc>
-            </a:pPr>
-            <a:r>
-              <a:rPr lang="en-US" altLang="en-US" b="0">
+              <a:t># Import</a:t>
+            </a:r>
+            <a:endParaRPr lang="en-US" altLang="zh-CN" sz="1600" b="0">
+              <a:solidFill>
+                <a:schemeClr val="tx1"/>
+              </a:solidFill>
+              <a:latin typeface="Consolas" panose="020B0609020204030204"/>
+              <a:ea typeface="Consolas" panose="020B0609020204030204"/>
+            </a:endParaRPr>
+          </a:p>
+          <a:p>
+            <a:pPr>
+              <a:lnSpc>
+                <a:spcPct val="100000"/>
+              </a:lnSpc>
+            </a:pPr>
+            <a:r>
+              <a:rPr lang="en-US" altLang="en-US" sz="1600" b="0">
                 <a:solidFill>
                   <a:schemeClr val="tx1"/>
                 </a:solidFill>
                 <a:latin typeface="Consolas" panose="020B0609020204030204"/>
                 <a:ea typeface="Consolas" panose="020B0609020204030204"/>
               </a:rPr>
-              <a:t># create  line graph using plot</a:t>
-            </a:r>
-            <a:endParaRPr lang="en-US" altLang="en-US" b="0">
-              <a:solidFill>
-                <a:schemeClr val="tx1"/>
-              </a:solidFill>
-              <a:latin typeface="Consolas" panose="020B0609020204030204"/>
-              <a:ea typeface="Consolas" panose="020B0609020204030204"/>
-            </a:endParaRPr>
-          </a:p>
-          <a:p>
-            <a:pPr>
-              <a:lnSpc>
-                <a:spcPct val="100000"/>
-              </a:lnSpc>
-            </a:pPr>
-            <a:r>
-              <a:rPr lang="en-US" altLang="en-US" b="0">
+              <a:t>import matplotlib.pyplot as plt</a:t>
+            </a:r>
+            <a:endParaRPr lang="en-US" altLang="en-US" sz="1600" b="0">
+              <a:solidFill>
+                <a:schemeClr val="tx1"/>
+              </a:solidFill>
+              <a:latin typeface="Consolas" panose="020B0609020204030204"/>
+              <a:ea typeface="Consolas" panose="020B0609020204030204"/>
+            </a:endParaRPr>
+          </a:p>
+          <a:p>
+            <a:pPr>
+              <a:lnSpc>
+                <a:spcPct val="100000"/>
+              </a:lnSpc>
+            </a:pPr>
+            <a:r>
+              <a:rPr lang="en-US" altLang="en-US" sz="1600" b="0">
                 <a:solidFill>
                   <a:schemeClr val="tx1"/>
                 </a:solidFill>
                 <a:latin typeface="Consolas" panose="020B0609020204030204"/>
                 <a:ea typeface="Consolas" panose="020B0609020204030204"/>
               </a:rPr>
-              <a:t>plt.plot(d1)</a:t>
-            </a:r>
-            <a:endParaRPr lang="en-US" altLang="en-US" b="0">
-              <a:solidFill>
-                <a:schemeClr val="tx1"/>
-              </a:solidFill>
-              <a:latin typeface="Consolas" panose="020B0609020204030204"/>
-              <a:ea typeface="Consolas" panose="020B0609020204030204"/>
-            </a:endParaRPr>
-          </a:p>
-          <a:p>
-            <a:pPr>
-              <a:lnSpc>
-                <a:spcPct val="100000"/>
-              </a:lnSpc>
-            </a:pPr>
-            <a:endParaRPr lang="en-US" altLang="en-US" b="0">
-              <a:solidFill>
-                <a:schemeClr val="tx1"/>
-              </a:solidFill>
-              <a:latin typeface="Consolas" panose="020B0609020204030204"/>
-              <a:ea typeface="Consolas" panose="020B0609020204030204"/>
-            </a:endParaRPr>
-          </a:p>
-          <a:p>
-            <a:pPr>
-              <a:lnSpc>
-                <a:spcPct val="100000"/>
-              </a:lnSpc>
-            </a:pPr>
-            <a:r>
-              <a:rPr lang="en-US" altLang="en-US" b="0">
+              <a:t>import seaborn as sns</a:t>
+            </a:r>
+            <a:endParaRPr lang="en-US" altLang="en-US" sz="1600" b="0">
+              <a:solidFill>
+                <a:schemeClr val="tx1"/>
+              </a:solidFill>
+              <a:latin typeface="Consolas" panose="020B0609020204030204"/>
+              <a:ea typeface="Consolas" panose="020B0609020204030204"/>
+            </a:endParaRPr>
+          </a:p>
+          <a:p>
+            <a:pPr>
+              <a:lnSpc>
+                <a:spcPct val="100000"/>
+              </a:lnSpc>
+            </a:pPr>
+            <a:endParaRPr lang="en-US" altLang="en-US" sz="1600" b="0">
+              <a:solidFill>
+                <a:schemeClr val="tx1"/>
+              </a:solidFill>
+              <a:latin typeface="Consolas" panose="020B0609020204030204"/>
+              <a:ea typeface="Consolas" panose="020B0609020204030204"/>
+            </a:endParaRPr>
+          </a:p>
+          <a:p>
+            <a:pPr>
+              <a:lnSpc>
+                <a:spcPct val="100000"/>
+              </a:lnSpc>
+            </a:pPr>
+            <a:r>
+              <a:rPr lang="en-US" altLang="en-US" sz="1600" b="0">
                 <a:solidFill>
                   <a:schemeClr val="tx1"/>
                 </a:solidFill>
                 <a:latin typeface="Consolas" panose="020B0609020204030204"/>
                 <a:ea typeface="Consolas" panose="020B0609020204030204"/>
               </a:rPr>
-              <a:t># plt.show() # only display the plot </a:t>
-            </a:r>
-            <a:endParaRPr lang="en-US" altLang="en-US" b="0">
-              <a:solidFill>
-                <a:schemeClr val="tx1"/>
-              </a:solidFill>
-              <a:latin typeface="Consolas" panose="020B0609020204030204"/>
-              <a:ea typeface="Consolas" panose="020B0609020204030204"/>
-            </a:endParaRPr>
-          </a:p>
-          <a:p>
-            <a:pPr>
-              <a:lnSpc>
-                <a:spcPct val="100000"/>
-              </a:lnSpc>
-            </a:pPr>
-            <a:endParaRPr lang="en-US" altLang="en-US" b="0">
-              <a:solidFill>
-                <a:schemeClr val="tx1"/>
-              </a:solidFill>
-              <a:latin typeface="Consolas" panose="020B0609020204030204"/>
-              <a:ea typeface="Consolas" panose="020B0609020204030204"/>
-            </a:endParaRPr>
-          </a:p>
-          <a:p>
-            <a:pPr>
-              <a:lnSpc>
-                <a:spcPct val="100000"/>
-              </a:lnSpc>
-            </a:pPr>
-            <a:r>
-              <a:rPr lang="en-US" altLang="en-US" b="0">
+              <a:t># https://matplotlib.org/</a:t>
+            </a:r>
+            <a:endParaRPr lang="en-US" altLang="en-US" sz="1600" b="0">
+              <a:solidFill>
+                <a:schemeClr val="tx1"/>
+              </a:solidFill>
+              <a:latin typeface="Consolas" panose="020B0609020204030204"/>
+              <a:ea typeface="Consolas" panose="020B0609020204030204"/>
+            </a:endParaRPr>
+          </a:p>
+          <a:p>
+            <a:pPr>
+              <a:lnSpc>
+                <a:spcPct val="100000"/>
+              </a:lnSpc>
+            </a:pPr>
+            <a:r>
+              <a:rPr lang="en-US" altLang="en-US" sz="1600" b="0">
                 <a:solidFill>
                   <a:schemeClr val="tx1"/>
                 </a:solidFill>
                 <a:latin typeface="Consolas" panose="020B0609020204030204"/>
                 <a:ea typeface="Consolas" panose="020B0609020204030204"/>
               </a:rPr>
-              <a:t>x = np.linspace(0,10, 100)</a:t>
-            </a:r>
-            <a:endParaRPr lang="en-US" altLang="en-US" b="0">
-              <a:solidFill>
-                <a:schemeClr val="tx1"/>
-              </a:solidFill>
-              <a:latin typeface="Consolas" panose="020B0609020204030204"/>
-              <a:ea typeface="Consolas" panose="020B0609020204030204"/>
-            </a:endParaRPr>
-          </a:p>
-          <a:p>
-            <a:pPr>
-              <a:lnSpc>
-                <a:spcPct val="100000"/>
-              </a:lnSpc>
-            </a:pPr>
-            <a:r>
-              <a:rPr lang="en-US" altLang="en-US" b="0">
-                <a:solidFill>
-                  <a:schemeClr val="tx1"/>
-                </a:solidFill>
-                <a:latin typeface="Consolas" panose="020B0609020204030204"/>
-                <a:ea typeface="Consolas" panose="020B0609020204030204"/>
-              </a:rPr>
-              <a:t>y = np.linspace(1,30)</a:t>
-            </a:r>
-            <a:endParaRPr lang="en-US" altLang="en-US" b="0">
-              <a:solidFill>
-                <a:schemeClr val="tx1"/>
-              </a:solidFill>
-              <a:latin typeface="Consolas" panose="020B0609020204030204"/>
-              <a:ea typeface="Consolas" panose="020B0609020204030204"/>
-            </a:endParaRPr>
-          </a:p>
-          <a:p>
-            <a:pPr>
-              <a:lnSpc>
-                <a:spcPct val="100000"/>
-              </a:lnSpc>
-            </a:pPr>
-            <a:r>
-              <a:rPr lang="en-US" altLang="en-US" b="0">
-                <a:solidFill>
-                  <a:schemeClr val="tx1"/>
-                </a:solidFill>
-                <a:latin typeface="Consolas" panose="020B0609020204030204"/>
-                <a:ea typeface="Consolas" panose="020B0609020204030204"/>
-              </a:rPr>
-              <a:t>x</a:t>
-            </a:r>
-            <a:endParaRPr lang="en-US" altLang="en-US" b="0">
-              <a:solidFill>
-                <a:schemeClr val="tx1"/>
-              </a:solidFill>
-              <a:latin typeface="Consolas" panose="020B0609020204030204"/>
-              <a:ea typeface="Consolas" panose="020B0609020204030204"/>
-            </a:endParaRPr>
-          </a:p>
-        </p:txBody>
-      </p:sp>
-      <p:sp>
-        <p:nvSpPr>
-          <p:cNvPr id="3" name="Text Box 2"/>
-          <p:cNvSpPr txBox="1"/>
-          <p:nvPr/>
-        </p:nvSpPr>
-        <p:spPr>
-          <a:xfrm>
-            <a:off x="573405" y="3335973"/>
-            <a:ext cx="5080000" cy="645160"/>
-          </a:xfrm>
-          <a:prstGeom prst="rect">
-            <a:avLst/>
-          </a:prstGeom>
-        </p:spPr>
-        <p:txBody>
-          <a:bodyPr>
-            <a:spAutoFit/>
-          </a:bodyPr>
-          <a:p>
-            <a:pPr>
-              <a:lnSpc>
-                <a:spcPct val="100000"/>
-              </a:lnSpc>
-            </a:pPr>
-            <a:r>
-              <a:rPr lang="en-US" altLang="zh-CN" sz="1200" b="0">
-                <a:solidFill>
-                  <a:schemeClr val="tx1"/>
-                </a:solidFill>
-                <a:latin typeface="Consolas" panose="020B0609020204030204"/>
-                <a:ea typeface="Consolas" panose="020B0609020204030204"/>
-              </a:rPr>
-              <a:t>plt.plot(np.linspace(1,50,20))</a:t>
-            </a:r>
-            <a:endParaRPr lang="en-US" altLang="zh-CN" sz="1200" b="0">
-              <a:solidFill>
-                <a:schemeClr val="tx1"/>
-              </a:solidFill>
-              <a:latin typeface="Consolas" panose="020B0609020204030204"/>
-              <a:ea typeface="Consolas" panose="020B0609020204030204"/>
-            </a:endParaRPr>
-          </a:p>
-          <a:p>
-            <a:pPr>
-              <a:lnSpc>
-                <a:spcPct val="100000"/>
-              </a:lnSpc>
-            </a:pPr>
-            <a:r>
-              <a:rPr lang="en-US" altLang="en-US" sz="1200" b="0">
-                <a:solidFill>
-                  <a:schemeClr val="tx1"/>
-                </a:solidFill>
-                <a:latin typeface="Consolas" panose="020B0609020204030204"/>
-                <a:ea typeface="Consolas" panose="020B0609020204030204"/>
-              </a:rPr>
-              <a:t>data = np.random.randint(1,50,20)</a:t>
-            </a:r>
-            <a:endParaRPr lang="en-US" altLang="en-US" sz="1200" b="0">
-              <a:solidFill>
-                <a:schemeClr val="tx1"/>
-              </a:solidFill>
-              <a:latin typeface="Consolas" panose="020B0609020204030204"/>
-              <a:ea typeface="Consolas" panose="020B0609020204030204"/>
-            </a:endParaRPr>
-          </a:p>
-          <a:p>
-            <a:pPr>
-              <a:lnSpc>
-                <a:spcPct val="100000"/>
-              </a:lnSpc>
-            </a:pPr>
-            <a:endParaRPr lang="en-US" altLang="en-US" sz="1200" b="0">
+              <a:t># https://seaborn.pydata.org/</a:t>
+            </a:r>
+            <a:endParaRPr lang="en-US" altLang="en-US" sz="1600" b="0">
               <a:solidFill>
                 <a:schemeClr val="tx1"/>
               </a:solidFill>
@@ -14189,8 +18274,8 @@
         </p:nvSpPr>
         <p:spPr>
           <a:xfrm>
-            <a:off x="149860" y="146050"/>
-            <a:ext cx="5080000" cy="2553335"/>
+            <a:off x="400685" y="345758"/>
+            <a:ext cx="5080000" cy="2891790"/>
           </a:xfrm>
           <a:prstGeom prst="rect">
             <a:avLst/>
@@ -14207,16 +18292,16 @@
               </a:lnSpc>
             </a:pPr>
             <a:r>
-              <a:rPr lang="en-US" altLang="zh-CN" sz="2000" b="1">
+              <a:rPr lang="en-US" altLang="zh-CN" b="0">
                 <a:solidFill>
                   <a:schemeClr val="tx1"/>
                 </a:solidFill>
                 <a:latin typeface="Consolas" panose="020B0609020204030204"/>
                 <a:ea typeface="Consolas" panose="020B0609020204030204"/>
               </a:rPr>
-              <a:t># multiple lines in single plot</a:t>
-            </a:r>
-            <a:endParaRPr lang="en-US" altLang="zh-CN" sz="2000" b="1">
+              <a:t># data </a:t>
+            </a:r>
+            <a:endParaRPr lang="en-US" altLang="zh-CN" b="0">
               <a:solidFill>
                 <a:schemeClr val="tx1"/>
               </a:solidFill>
@@ -14238,7 +18323,7 @@
                 <a:latin typeface="Consolas" panose="020B0609020204030204"/>
                 <a:ea typeface="Consolas" panose="020B0609020204030204"/>
               </a:rPr>
-              <a:t>plt.figure(figsize=(5,5))</a:t>
+              <a:t>importnumpyasnp</a:t>
             </a:r>
             <a:endParaRPr lang="en-US" altLang="zh-CN" b="0">
               <a:solidFill>
@@ -14262,7 +18347,7 @@
                 <a:latin typeface="Consolas" panose="020B0609020204030204"/>
                 <a:ea typeface="Consolas" panose="020B0609020204030204"/>
               </a:rPr>
-              <a:t>x=np.linspace(0, 2, 100)</a:t>
+              <a:t>importpandasaspd</a:t>
             </a:r>
             <a:endParaRPr lang="en-US" altLang="zh-CN" b="0">
               <a:solidFill>
@@ -14286,7 +18371,7 @@
                 <a:latin typeface="Consolas" panose="020B0609020204030204"/>
                 <a:ea typeface="Consolas" panose="020B0609020204030204"/>
               </a:rPr>
-              <a:t>plt.plot(x, x, label='linear')  </a:t>
+              <a:t>d1= [1,2,3,4,5,6]</a:t>
             </a:r>
             <a:endParaRPr lang="en-US" altLang="zh-CN" b="0">
               <a:solidFill>
@@ -14302,161 +18387,179 @@
                 <a:spcPct val="100000"/>
               </a:lnSpc>
             </a:pPr>
-            <a:r>
-              <a:rPr lang="en-US" altLang="zh-CN" b="0">
+            <a:endParaRPr lang="en-US" altLang="zh-CN" b="0">
+              <a:solidFill>
+                <a:schemeClr val="tx1"/>
+              </a:solidFill>
+              <a:latin typeface="Consolas" panose="020B0609020204030204"/>
+              <a:ea typeface="Consolas" panose="020B0609020204030204"/>
+            </a:endParaRPr>
+          </a:p>
+          <a:p>
+            <a:pPr>
+              <a:lnSpc>
+                <a:spcPct val="100000"/>
+              </a:lnSpc>
+            </a:pPr>
+            <a:r>
+              <a:rPr lang="en-US" altLang="en-US" b="0">
                 <a:solidFill>
                   <a:schemeClr val="tx1"/>
                 </a:solidFill>
                 <a:latin typeface="Consolas" panose="020B0609020204030204"/>
                 <a:ea typeface="Consolas" panose="020B0609020204030204"/>
               </a:rPr>
-              <a:t>plt.plot(x, x**2, label='quadratic')</a:t>
-            </a:r>
-            <a:endParaRPr lang="en-US" altLang="zh-CN" b="0">
-              <a:solidFill>
-                <a:schemeClr val="tx1"/>
-              </a:solidFill>
-              <a:latin typeface="Consolas" panose="020B0609020204030204"/>
-              <a:ea typeface="Consolas" panose="020B0609020204030204"/>
-            </a:endParaRPr>
-          </a:p>
-          <a:p>
-            <a:pPr>
-              <a:lnSpc>
-                <a:spcPct val="100000"/>
-              </a:lnSpc>
-            </a:pPr>
-            <a:r>
-              <a:rPr lang="en-US" altLang="zh-CN" b="0">
+              <a:t># create  line graph using plot</a:t>
+            </a:r>
+            <a:endParaRPr lang="en-US" altLang="en-US" b="0">
+              <a:solidFill>
+                <a:schemeClr val="tx1"/>
+              </a:solidFill>
+              <a:latin typeface="Consolas" panose="020B0609020204030204"/>
+              <a:ea typeface="Consolas" panose="020B0609020204030204"/>
+            </a:endParaRPr>
+          </a:p>
+          <a:p>
+            <a:pPr>
+              <a:lnSpc>
+                <a:spcPct val="100000"/>
+              </a:lnSpc>
+            </a:pPr>
+            <a:r>
+              <a:rPr lang="en-US" altLang="en-US" b="0">
                 <a:solidFill>
                   <a:schemeClr val="tx1"/>
                 </a:solidFill>
                 <a:latin typeface="Consolas" panose="020B0609020204030204"/>
                 <a:ea typeface="Consolas" panose="020B0609020204030204"/>
               </a:rPr>
-              <a:t>plt.plot(x, x**3, label='cubic')</a:t>
-            </a:r>
-            <a:endParaRPr lang="en-US" altLang="zh-CN" b="0">
-              <a:solidFill>
-                <a:schemeClr val="tx1"/>
-              </a:solidFill>
-              <a:latin typeface="Consolas" panose="020B0609020204030204"/>
-              <a:ea typeface="Consolas" panose="020B0609020204030204"/>
-            </a:endParaRPr>
-          </a:p>
-          <a:p>
-            <a:pPr>
-              <a:lnSpc>
-                <a:spcPct val="100000"/>
-              </a:lnSpc>
-            </a:pPr>
-            <a:r>
-              <a:rPr lang="en-US" altLang="zh-CN" b="0">
+              <a:t>plt.plot(d1)</a:t>
+            </a:r>
+            <a:endParaRPr lang="en-US" altLang="en-US" b="0">
+              <a:solidFill>
+                <a:schemeClr val="tx1"/>
+              </a:solidFill>
+              <a:latin typeface="Consolas" panose="020B0609020204030204"/>
+              <a:ea typeface="Consolas" panose="020B0609020204030204"/>
+            </a:endParaRPr>
+          </a:p>
+          <a:p>
+            <a:pPr>
+              <a:lnSpc>
+                <a:spcPct val="100000"/>
+              </a:lnSpc>
+            </a:pPr>
+            <a:endParaRPr lang="en-US" altLang="en-US" b="0">
+              <a:solidFill>
+                <a:schemeClr val="tx1"/>
+              </a:solidFill>
+              <a:latin typeface="Consolas" panose="020B0609020204030204"/>
+              <a:ea typeface="Consolas" panose="020B0609020204030204"/>
+            </a:endParaRPr>
+          </a:p>
+          <a:p>
+            <a:pPr>
+              <a:lnSpc>
+                <a:spcPct val="100000"/>
+              </a:lnSpc>
+            </a:pPr>
+            <a:r>
+              <a:rPr lang="en-US" altLang="en-US" b="0">
                 <a:solidFill>
                   <a:schemeClr val="tx1"/>
                 </a:solidFill>
                 <a:latin typeface="Consolas" panose="020B0609020204030204"/>
                 <a:ea typeface="Consolas" panose="020B0609020204030204"/>
               </a:rPr>
-              <a:t>plt.xlabel('x label')</a:t>
-            </a:r>
-            <a:endParaRPr lang="en-US" altLang="zh-CN" b="0">
-              <a:solidFill>
-                <a:schemeClr val="tx1"/>
-              </a:solidFill>
-              <a:latin typeface="Consolas" panose="020B0609020204030204"/>
-              <a:ea typeface="Consolas" panose="020B0609020204030204"/>
-            </a:endParaRPr>
-          </a:p>
-          <a:p>
-            <a:pPr>
-              <a:lnSpc>
-                <a:spcPct val="100000"/>
-              </a:lnSpc>
-            </a:pPr>
-            <a:r>
-              <a:rPr lang="en-US" altLang="zh-CN" b="0">
+              <a:t># plt.show() # only display the plot </a:t>
+            </a:r>
+            <a:endParaRPr lang="en-US" altLang="en-US" b="0">
+              <a:solidFill>
+                <a:schemeClr val="tx1"/>
+              </a:solidFill>
+              <a:latin typeface="Consolas" panose="020B0609020204030204"/>
+              <a:ea typeface="Consolas" panose="020B0609020204030204"/>
+            </a:endParaRPr>
+          </a:p>
+          <a:p>
+            <a:pPr>
+              <a:lnSpc>
+                <a:spcPct val="100000"/>
+              </a:lnSpc>
+            </a:pPr>
+            <a:endParaRPr lang="en-US" altLang="en-US" b="0">
+              <a:solidFill>
+                <a:schemeClr val="tx1"/>
+              </a:solidFill>
+              <a:latin typeface="Consolas" panose="020B0609020204030204"/>
+              <a:ea typeface="Consolas" panose="020B0609020204030204"/>
+            </a:endParaRPr>
+          </a:p>
+          <a:p>
+            <a:pPr>
+              <a:lnSpc>
+                <a:spcPct val="100000"/>
+              </a:lnSpc>
+            </a:pPr>
+            <a:r>
+              <a:rPr lang="en-US" altLang="en-US" b="0">
                 <a:solidFill>
                   <a:schemeClr val="tx1"/>
                 </a:solidFill>
                 <a:latin typeface="Consolas" panose="020B0609020204030204"/>
                 <a:ea typeface="Consolas" panose="020B0609020204030204"/>
               </a:rPr>
-              <a:t>plt.ylabel('y label')</a:t>
-            </a:r>
-            <a:endParaRPr lang="en-US" altLang="zh-CN" b="0">
-              <a:solidFill>
-                <a:schemeClr val="tx1"/>
-              </a:solidFill>
-              <a:latin typeface="Consolas" panose="020B0609020204030204"/>
-              <a:ea typeface="Consolas" panose="020B0609020204030204"/>
-            </a:endParaRPr>
-          </a:p>
-          <a:p>
-            <a:pPr>
-              <a:lnSpc>
-                <a:spcPct val="100000"/>
-              </a:lnSpc>
-            </a:pPr>
-            <a:r>
-              <a:rPr lang="en-US" altLang="zh-CN" b="0">
+              <a:t>x = np.linspace(0,10, 100)</a:t>
+            </a:r>
+            <a:endParaRPr lang="en-US" altLang="en-US" b="0">
+              <a:solidFill>
+                <a:schemeClr val="tx1"/>
+              </a:solidFill>
+              <a:latin typeface="Consolas" panose="020B0609020204030204"/>
+              <a:ea typeface="Consolas" panose="020B0609020204030204"/>
+            </a:endParaRPr>
+          </a:p>
+          <a:p>
+            <a:pPr>
+              <a:lnSpc>
+                <a:spcPct val="100000"/>
+              </a:lnSpc>
+            </a:pPr>
+            <a:r>
+              <a:rPr lang="en-US" altLang="en-US" b="0">
                 <a:solidFill>
                   <a:schemeClr val="tx1"/>
                 </a:solidFill>
                 <a:latin typeface="Consolas" panose="020B0609020204030204"/>
                 <a:ea typeface="Consolas" panose="020B0609020204030204"/>
               </a:rPr>
-              <a:t>plt.title("Simple Plot")</a:t>
-            </a:r>
-            <a:endParaRPr lang="en-US" altLang="zh-CN" b="0">
-              <a:solidFill>
-                <a:schemeClr val="tx1"/>
-              </a:solidFill>
-              <a:latin typeface="Consolas" panose="020B0609020204030204"/>
-              <a:ea typeface="Consolas" panose="020B0609020204030204"/>
-            </a:endParaRPr>
-          </a:p>
-          <a:p>
-            <a:pPr>
-              <a:lnSpc>
-                <a:spcPct val="100000"/>
-              </a:lnSpc>
-            </a:pPr>
-            <a:r>
-              <a:rPr lang="en-US" altLang="zh-CN" b="0">
+              <a:t>y = np.linspace(1,30)</a:t>
+            </a:r>
+            <a:endParaRPr lang="en-US" altLang="en-US" b="0">
+              <a:solidFill>
+                <a:schemeClr val="tx1"/>
+              </a:solidFill>
+              <a:latin typeface="Consolas" panose="020B0609020204030204"/>
+              <a:ea typeface="Consolas" panose="020B0609020204030204"/>
+            </a:endParaRPr>
+          </a:p>
+          <a:p>
+            <a:pPr>
+              <a:lnSpc>
+                <a:spcPct val="100000"/>
+              </a:lnSpc>
+            </a:pPr>
+            <a:r>
+              <a:rPr lang="en-US" altLang="en-US" b="0">
                 <a:solidFill>
                   <a:schemeClr val="tx1"/>
                 </a:solidFill>
                 <a:latin typeface="Consolas" panose="020B0609020204030204"/>
                 <a:ea typeface="Consolas" panose="020B0609020204030204"/>
               </a:rPr>
-              <a:t>plt.legend()</a:t>
-            </a:r>
-            <a:endParaRPr lang="en-US" altLang="zh-CN" b="0">
-              <a:solidFill>
-                <a:schemeClr val="tx1"/>
-              </a:solidFill>
-              <a:latin typeface="Consolas" panose="020B0609020204030204"/>
-              <a:ea typeface="Consolas" panose="020B0609020204030204"/>
-            </a:endParaRPr>
-          </a:p>
-          <a:p>
-            <a:pPr>
-              <a:lnSpc>
-                <a:spcPct val="100000"/>
-              </a:lnSpc>
-            </a:pPr>
-            <a:r>
-              <a:rPr lang="en-US" altLang="zh-CN" b="0">
-                <a:solidFill>
-                  <a:schemeClr val="tx1"/>
-                </a:solidFill>
-                <a:latin typeface="Consolas" panose="020B0609020204030204"/>
-                <a:ea typeface="Consolas" panose="020B0609020204030204"/>
-              </a:rPr>
-              <a:t>plt.show()</a:t>
-            </a:r>
-            <a:endParaRPr lang="en-US" altLang="zh-CN" b="0">
+              <a:t>x</a:t>
+            </a:r>
+            <a:endParaRPr lang="en-US" altLang="en-US" b="0">
               <a:solidFill>
                 <a:schemeClr val="tx1"/>
               </a:solidFill>
@@ -14474,15 +18577,15 @@
         </p:nvSpPr>
         <p:spPr>
           <a:xfrm>
-            <a:off x="4659630" y="295910"/>
-            <a:ext cx="4201795" cy="1876425"/>
+            <a:off x="573405" y="3335973"/>
+            <a:ext cx="5080000" cy="645160"/>
           </a:xfrm>
           <a:prstGeom prst="rect">
             <a:avLst/>
           </a:prstGeom>
         </p:spPr>
         <p:txBody>
-          <a:bodyPr wrap="square">
+          <a:bodyPr>
             <a:spAutoFit/>
           </a:bodyPr>
           <a:p>
@@ -14492,174 +18595,54 @@
               </a:lnSpc>
             </a:pPr>
             <a:r>
-              <a:rPr lang="en-US" altLang="zh-CN" sz="1800" b="1">
+              <a:rPr lang="en-US" altLang="zh-CN" sz="1200" b="0">
                 <a:solidFill>
                   <a:schemeClr val="tx1"/>
                 </a:solidFill>
                 <a:latin typeface="Consolas" panose="020B0609020204030204"/>
                 <a:ea typeface="Consolas" panose="020B0609020204030204"/>
               </a:rPr>
-              <a:t>seaborn use</a:t>
-            </a:r>
-            <a:endParaRPr lang="en-US" altLang="zh-CN" b="0">
-              <a:solidFill>
-                <a:schemeClr val="tx1"/>
-              </a:solidFill>
-              <a:latin typeface="Consolas" panose="020B0609020204030204"/>
-              <a:ea typeface="Consolas" panose="020B0609020204030204"/>
-            </a:endParaRPr>
-          </a:p>
-          <a:p>
-            <a:pPr>
-              <a:lnSpc>
-                <a:spcPct val="100000"/>
-              </a:lnSpc>
-            </a:pPr>
-            <a:r>
-              <a:rPr lang="en-US" altLang="zh-CN" b="0">
+              <a:t>plt.plot(np.linspace(1,50,20))</a:t>
+            </a:r>
+            <a:endParaRPr lang="en-US" altLang="zh-CN" sz="1200" b="0">
+              <a:solidFill>
+                <a:schemeClr val="tx1"/>
+              </a:solidFill>
+              <a:latin typeface="Consolas" panose="020B0609020204030204"/>
+              <a:ea typeface="Consolas" panose="020B0609020204030204"/>
+            </a:endParaRPr>
+          </a:p>
+          <a:p>
+            <a:pPr>
+              <a:lnSpc>
+                <a:spcPct val="100000"/>
+              </a:lnSpc>
+            </a:pPr>
+            <a:r>
+              <a:rPr lang="en-US" altLang="en-US" sz="1200" b="0">
                 <a:solidFill>
                   <a:schemeClr val="tx1"/>
                 </a:solidFill>
                 <a:latin typeface="Consolas" panose="020B0609020204030204"/>
                 <a:ea typeface="Consolas" panose="020B0609020204030204"/>
               </a:rPr>
-              <a:t>import seaborn as sns</a:t>
-            </a:r>
-            <a:endParaRPr lang="en-US" altLang="zh-CN" b="0">
-              <a:solidFill>
-                <a:schemeClr val="tx1"/>
-              </a:solidFill>
-              <a:latin typeface="Consolas" panose="020B0609020204030204"/>
-              <a:ea typeface="Consolas" panose="020B0609020204030204"/>
-            </a:endParaRPr>
-          </a:p>
-          <a:p>
-            <a:pPr>
-              <a:lnSpc>
-                <a:spcPct val="100000"/>
-              </a:lnSpc>
-            </a:pPr>
-            <a:r>
-              <a:rPr lang="en-US" altLang="en-US" b="0">
-                <a:solidFill>
-                  <a:schemeClr val="tx1"/>
-                </a:solidFill>
-                <a:latin typeface="Consolas" panose="020B0609020204030204"/>
-                <a:ea typeface="Consolas" panose="020B0609020204030204"/>
-              </a:rPr>
-              <a:t>sns.lineplot(x=x,y=x, label='linear')</a:t>
-            </a:r>
-            <a:endParaRPr lang="en-US" altLang="en-US" b="0">
-              <a:solidFill>
-                <a:schemeClr val="tx1"/>
-              </a:solidFill>
-              <a:latin typeface="Consolas" panose="020B0609020204030204"/>
-              <a:ea typeface="Consolas" panose="020B0609020204030204"/>
-            </a:endParaRPr>
-          </a:p>
-          <a:p>
-            <a:pPr>
-              <a:lnSpc>
-                <a:spcPct val="100000"/>
-              </a:lnSpc>
-            </a:pPr>
-            <a:r>
-              <a:rPr lang="en-US" altLang="en-US" b="0">
-                <a:solidFill>
-                  <a:schemeClr val="tx1"/>
-                </a:solidFill>
-                <a:latin typeface="Consolas" panose="020B0609020204030204"/>
-                <a:ea typeface="Consolas" panose="020B0609020204030204"/>
-              </a:rPr>
-              <a:t>sns.lineplot(x=x,y=x**2, label='q')</a:t>
-            </a:r>
-            <a:endParaRPr lang="en-US" altLang="en-US" b="0">
-              <a:solidFill>
-                <a:schemeClr val="tx1"/>
-              </a:solidFill>
-              <a:latin typeface="Consolas" panose="020B0609020204030204"/>
-              <a:ea typeface="Consolas" panose="020B0609020204030204"/>
-            </a:endParaRPr>
-          </a:p>
-          <a:p>
-            <a:pPr>
-              <a:lnSpc>
-                <a:spcPct val="100000"/>
-              </a:lnSpc>
-            </a:pPr>
-            <a:r>
-              <a:rPr lang="en-US" altLang="en-US" b="0">
-                <a:solidFill>
-                  <a:schemeClr val="tx1"/>
-                </a:solidFill>
-                <a:latin typeface="Consolas" panose="020B0609020204030204"/>
-                <a:ea typeface="Consolas" panose="020B0609020204030204"/>
-              </a:rPr>
-              <a:t>sns.lineplot(x=x,y=x**3, label='c')</a:t>
-            </a:r>
-            <a:endParaRPr lang="en-US" altLang="en-US" b="0">
-              <a:solidFill>
-                <a:schemeClr val="tx1"/>
-              </a:solidFill>
-              <a:latin typeface="Consolas" panose="020B0609020204030204"/>
-              <a:ea typeface="Consolas" panose="020B0609020204030204"/>
-            </a:endParaRPr>
-          </a:p>
-          <a:p>
-            <a:pPr>
-              <a:lnSpc>
-                <a:spcPct val="100000"/>
-              </a:lnSpc>
-            </a:pPr>
-            <a:r>
-              <a:rPr lang="en-US" altLang="en-US" b="0">
-                <a:solidFill>
-                  <a:schemeClr val="tx1"/>
-                </a:solidFill>
-                <a:latin typeface="Consolas" panose="020B0609020204030204"/>
-                <a:ea typeface="Consolas" panose="020B0609020204030204"/>
-              </a:rPr>
-              <a:t>plt.title(" line graph")</a:t>
-            </a:r>
-            <a:endParaRPr lang="en-US" altLang="en-US" b="0">
-              <a:solidFill>
-                <a:schemeClr val="tx1"/>
-              </a:solidFill>
-              <a:latin typeface="Consolas" panose="020B0609020204030204"/>
-              <a:ea typeface="Consolas" panose="020B0609020204030204"/>
-            </a:endParaRPr>
-          </a:p>
-          <a:p>
-            <a:pPr>
-              <a:lnSpc>
-                <a:spcPct val="100000"/>
-              </a:lnSpc>
-            </a:pPr>
-            <a:endParaRPr lang="en-US" altLang="en-US" b="0">
-              <a:solidFill>
-                <a:schemeClr val="tx1"/>
-              </a:solidFill>
-              <a:latin typeface="Consolas" panose="020B0609020204030204"/>
-              <a:ea typeface="Consolas" panose="020B0609020204030204"/>
-            </a:endParaRPr>
-          </a:p>
-          <a:p>
-            <a:pPr>
-              <a:lnSpc>
-                <a:spcPct val="100000"/>
-              </a:lnSpc>
-            </a:pPr>
-            <a:r>
-              <a:rPr lang="en-US" altLang="en-US" b="0">
-                <a:solidFill>
-                  <a:schemeClr val="tx1"/>
-                </a:solidFill>
-                <a:latin typeface="Consolas" panose="020B0609020204030204"/>
-                <a:ea typeface="Consolas" panose="020B0609020204030204"/>
-              </a:rPr>
-              <a:t>plt.show()</a:t>
-            </a:r>
-            <a:endParaRPr lang="en-US" altLang="en-US" b="0">
+              <a:t>data = np.random.randint(1,50,20)</a:t>
+            </a:r>
+            <a:endParaRPr lang="en-US" altLang="en-US" sz="1200" b="0">
+              <a:solidFill>
+                <a:schemeClr val="tx1"/>
+              </a:solidFill>
+              <a:latin typeface="Consolas" panose="020B0609020204030204"/>
+              <a:ea typeface="Consolas" panose="020B0609020204030204"/>
+            </a:endParaRPr>
+          </a:p>
+          <a:p>
+            <a:pPr>
+              <a:lnSpc>
+                <a:spcPct val="100000"/>
+              </a:lnSpc>
+            </a:pPr>
+            <a:endParaRPr lang="en-US" altLang="en-US" sz="1200" b="0">
               <a:solidFill>
                 <a:schemeClr val="tx1"/>
               </a:solidFill>
@@ -14675,6 +18658,13 @@
     <a:masterClrMapping/>
   </p:clrMapOvr>
 </p:sld>
+</file>
+
+<file path=ppt/tags/tag1.xml><?xml version="1.0" encoding="utf-8"?>
+<p:tagLst xmlns:p="http://schemas.openxmlformats.org/presentationml/2006/main">
+  <p:tag name="TABLE_ENDDRAG_ORIGIN_RECT" val="251*79"/>
+  <p:tag name="TABLE_ENDDRAG_RECT" val="11*165*251*79"/>
+</p:tagLst>
 </file>
 
 <file path=ppt/theme/theme1.xml><?xml version="1.0" encoding="utf-8"?>
